--- a/MHDS/MHDS-alt-actorDiagram-and-processFlows.pptx
+++ b/MHDS/MHDS-alt-actorDiagram-and-processFlows.pptx
@@ -5,11 +5,12 @@
     <p:sldMasterId id="2147483648" r:id="rId1"/>
   </p:sldMasterIdLst>
   <p:sldIdLst>
-    <p:sldId id="256" r:id="rId2"/>
+    <p:sldId id="261" r:id="rId2"/>
     <p:sldId id="257" r:id="rId3"/>
     <p:sldId id="258" r:id="rId4"/>
     <p:sldId id="260" r:id="rId5"/>
     <p:sldId id="259" r:id="rId6"/>
+    <p:sldId id="262" r:id="rId7"/>
   </p:sldIdLst>
   <p:sldSz cx="12192000" cy="6858000"/>
   <p:notesSz cx="6858000" cy="9144000"/>
@@ -263,7 +264,7 @@
           <a:p>
             <a:fld id="{4E390601-3E07-CF42-B623-D8BE419A4B6C}" type="datetimeFigureOut">
               <a:rPr lang="en-US" smtClean="0"/>
-              <a:t>2/5/20</a:t>
+              <a:t>2/19/2020</a:t>
             </a:fld>
             <a:endParaRPr lang="en-US"/>
           </a:p>
@@ -461,7 +462,7 @@
           <a:p>
             <a:fld id="{4E390601-3E07-CF42-B623-D8BE419A4B6C}" type="datetimeFigureOut">
               <a:rPr lang="en-US" smtClean="0"/>
-              <a:t>2/5/20</a:t>
+              <a:t>2/19/2020</a:t>
             </a:fld>
             <a:endParaRPr lang="en-US"/>
           </a:p>
@@ -669,7 +670,7 @@
           <a:p>
             <a:fld id="{4E390601-3E07-CF42-B623-D8BE419A4B6C}" type="datetimeFigureOut">
               <a:rPr lang="en-US" smtClean="0"/>
-              <a:t>2/5/20</a:t>
+              <a:t>2/19/2020</a:t>
             </a:fld>
             <a:endParaRPr lang="en-US"/>
           </a:p>
@@ -867,7 +868,7 @@
           <a:p>
             <a:fld id="{4E390601-3E07-CF42-B623-D8BE419A4B6C}" type="datetimeFigureOut">
               <a:rPr lang="en-US" smtClean="0"/>
-              <a:t>2/5/20</a:t>
+              <a:t>2/19/2020</a:t>
             </a:fld>
             <a:endParaRPr lang="en-US"/>
           </a:p>
@@ -1142,7 +1143,7 @@
           <a:p>
             <a:fld id="{4E390601-3E07-CF42-B623-D8BE419A4B6C}" type="datetimeFigureOut">
               <a:rPr lang="en-US" smtClean="0"/>
-              <a:t>2/5/20</a:t>
+              <a:t>2/19/2020</a:t>
             </a:fld>
             <a:endParaRPr lang="en-US"/>
           </a:p>
@@ -1407,7 +1408,7 @@
           <a:p>
             <a:fld id="{4E390601-3E07-CF42-B623-D8BE419A4B6C}" type="datetimeFigureOut">
               <a:rPr lang="en-US" smtClean="0"/>
-              <a:t>2/5/20</a:t>
+              <a:t>2/19/2020</a:t>
             </a:fld>
             <a:endParaRPr lang="en-US"/>
           </a:p>
@@ -1819,7 +1820,7 @@
           <a:p>
             <a:fld id="{4E390601-3E07-CF42-B623-D8BE419A4B6C}" type="datetimeFigureOut">
               <a:rPr lang="en-US" smtClean="0"/>
-              <a:t>2/5/20</a:t>
+              <a:t>2/19/2020</a:t>
             </a:fld>
             <a:endParaRPr lang="en-US"/>
           </a:p>
@@ -1960,7 +1961,7 @@
           <a:p>
             <a:fld id="{4E390601-3E07-CF42-B623-D8BE419A4B6C}" type="datetimeFigureOut">
               <a:rPr lang="en-US" smtClean="0"/>
-              <a:t>2/5/20</a:t>
+              <a:t>2/19/2020</a:t>
             </a:fld>
             <a:endParaRPr lang="en-US"/>
           </a:p>
@@ -2073,7 +2074,7 @@
           <a:p>
             <a:fld id="{4E390601-3E07-CF42-B623-D8BE419A4B6C}" type="datetimeFigureOut">
               <a:rPr lang="en-US" smtClean="0"/>
-              <a:t>2/5/20</a:t>
+              <a:t>2/19/2020</a:t>
             </a:fld>
             <a:endParaRPr lang="en-US"/>
           </a:p>
@@ -2384,7 +2385,7 @@
           <a:p>
             <a:fld id="{4E390601-3E07-CF42-B623-D8BE419A4B6C}" type="datetimeFigureOut">
               <a:rPr lang="en-US" smtClean="0"/>
-              <a:t>2/5/20</a:t>
+              <a:t>2/19/2020</a:t>
             </a:fld>
             <a:endParaRPr lang="en-US"/>
           </a:p>
@@ -2672,7 +2673,7 @@
           <a:p>
             <a:fld id="{4E390601-3E07-CF42-B623-D8BE419A4B6C}" type="datetimeFigureOut">
               <a:rPr lang="en-US" smtClean="0"/>
-              <a:t>2/5/20</a:t>
+              <a:t>2/19/2020</a:t>
             </a:fld>
             <a:endParaRPr lang="en-US"/>
           </a:p>
@@ -2913,7 +2914,7 @@
           <a:p>
             <a:fld id="{4E390601-3E07-CF42-B623-D8BE419A4B6C}" type="datetimeFigureOut">
               <a:rPr lang="en-US" smtClean="0"/>
-              <a:t>2/5/20</a:t>
+              <a:t>2/19/2020</a:t>
             </a:fld>
             <a:endParaRPr lang="en-US"/>
           </a:p>
@@ -3332,10 +3333,10 @@
       </p:grpSpPr>
       <p:sp>
         <p:nvSpPr>
-          <p:cNvPr id="149" name="Rounded Rectangle 148">
-            <a:extLst>
-              <a:ext uri="{FF2B5EF4-FFF2-40B4-BE49-F238E27FC236}">
-                <a16:creationId xmlns:a16="http://schemas.microsoft.com/office/drawing/2014/main" id="{45959F27-2109-C94A-8D21-38F51B504443}"/>
+          <p:cNvPr id="145" name="Rounded Rectangle 144">
+            <a:extLst>
+              <a:ext uri="{FF2B5EF4-FFF2-40B4-BE49-F238E27FC236}">
+                <a16:creationId xmlns:a16="http://schemas.microsoft.com/office/drawing/2014/main" id="{3F0D704F-D4E4-C948-8E53-0C3E74484157}"/>
               </a:ext>
             </a:extLst>
           </p:cNvPr>
@@ -3344,8 +3345,8 @@
         </p:nvSpPr>
         <p:spPr>
           <a:xfrm>
-            <a:off x="150267" y="14463"/>
-            <a:ext cx="3250593" cy="749870"/>
+            <a:off x="476508" y="2646765"/>
+            <a:ext cx="2759002" cy="2607573"/>
           </a:xfrm>
           <a:prstGeom prst="roundRect">
             <a:avLst/>
@@ -3392,10 +3393,10 @@
       </p:sp>
       <p:sp>
         <p:nvSpPr>
-          <p:cNvPr id="145" name="Rounded Rectangle 144">
-            <a:extLst>
-              <a:ext uri="{FF2B5EF4-FFF2-40B4-BE49-F238E27FC236}">
-                <a16:creationId xmlns:a16="http://schemas.microsoft.com/office/drawing/2014/main" id="{3F0D704F-D4E4-C948-8E53-0C3E74484157}"/>
+          <p:cNvPr id="112" name="Rounded Rectangle 111">
+            <a:extLst>
+              <a:ext uri="{FF2B5EF4-FFF2-40B4-BE49-F238E27FC236}">
+                <a16:creationId xmlns:a16="http://schemas.microsoft.com/office/drawing/2014/main" id="{5B0FB12E-1FE8-404D-963C-53D2730624FE}"/>
               </a:ext>
             </a:extLst>
           </p:cNvPr>
@@ -3404,14 +3405,14 @@
         </p:nvSpPr>
         <p:spPr>
           <a:xfrm>
-            <a:off x="353370" y="835060"/>
-            <a:ext cx="2837394" cy="2114959"/>
+            <a:off x="4731954" y="3459270"/>
+            <a:ext cx="2679441" cy="3379461"/>
           </a:xfrm>
           <a:prstGeom prst="roundRect">
             <a:avLst/>
           </a:prstGeom>
           <a:solidFill>
-            <a:schemeClr val="accent6">
+            <a:schemeClr val="accent4">
               <a:lumMod val="20000"/>
               <a:lumOff val="80000"/>
             </a:schemeClr>
@@ -3452,70 +3453,10 @@
       </p:sp>
       <p:sp>
         <p:nvSpPr>
-          <p:cNvPr id="112" name="Rounded Rectangle 111">
-            <a:extLst>
-              <a:ext uri="{FF2B5EF4-FFF2-40B4-BE49-F238E27FC236}">
-                <a16:creationId xmlns:a16="http://schemas.microsoft.com/office/drawing/2014/main" id="{5B0FB12E-1FE8-404D-963C-53D2730624FE}"/>
-              </a:ext>
-            </a:extLst>
-          </p:cNvPr>
-          <p:cNvSpPr/>
-          <p:nvPr/>
-        </p:nvSpPr>
-        <p:spPr>
-          <a:xfrm>
-            <a:off x="4741190" y="1497645"/>
-            <a:ext cx="2679441" cy="5308762"/>
-          </a:xfrm>
-          <a:prstGeom prst="roundRect">
-            <a:avLst/>
-          </a:prstGeom>
-          <a:solidFill>
-            <a:schemeClr val="accent4">
-              <a:lumMod val="20000"/>
-              <a:lumOff val="80000"/>
-            </a:schemeClr>
-          </a:solidFill>
-          <a:ln>
-            <a:solidFill>
-              <a:schemeClr val="tx1">
-                <a:alpha val="81000"/>
-              </a:schemeClr>
-            </a:solidFill>
-            <a:prstDash val="dash"/>
-          </a:ln>
-        </p:spPr>
-        <p:style>
-          <a:lnRef idx="2">
-            <a:schemeClr val="accent1">
-              <a:shade val="50000"/>
-            </a:schemeClr>
-          </a:lnRef>
-          <a:fillRef idx="1">
-            <a:schemeClr val="accent1"/>
-          </a:fillRef>
-          <a:effectRef idx="0">
-            <a:schemeClr val="accent1"/>
-          </a:effectRef>
-          <a:fontRef idx="minor">
-            <a:schemeClr val="lt1"/>
-          </a:fontRef>
-        </p:style>
-        <p:txBody>
-          <a:bodyPr rtlCol="0" anchor="ctr"/>
-          <a:lstStyle/>
-          <a:p>
-            <a:pPr algn="ctr"/>
-            <a:endParaRPr lang="en-US" dirty="0"/>
-          </a:p>
-        </p:txBody>
-      </p:sp>
-      <p:sp>
-        <p:nvSpPr>
-          <p:cNvPr id="6" name="TextBox 5">
-            <a:extLst>
-              <a:ext uri="{FF2B5EF4-FFF2-40B4-BE49-F238E27FC236}">
-                <a16:creationId xmlns:a16="http://schemas.microsoft.com/office/drawing/2014/main" id="{D75FDBD6-673A-934A-A3C1-3D00E1720A36}"/>
+          <p:cNvPr id="7" name="TextBox 6">
+            <a:extLst>
+              <a:ext uri="{FF2B5EF4-FFF2-40B4-BE49-F238E27FC236}">
+                <a16:creationId xmlns:a16="http://schemas.microsoft.com/office/drawing/2014/main" id="{A6A618DC-5EE9-0A45-B38E-52C96A710429}"/>
               </a:ext>
             </a:extLst>
           </p:cNvPr>
@@ -3524,8 +3465,8 @@
         </p:nvSpPr>
         <p:spPr>
           <a:xfrm>
-            <a:off x="8575901" y="270545"/>
-            <a:ext cx="3250593" cy="3323987"/>
+            <a:off x="8947592" y="1570847"/>
+            <a:ext cx="2891969" cy="307777"/>
           </a:xfrm>
           <a:prstGeom prst="rect">
             <a:avLst/>
@@ -3543,76 +3484,19 @@
           </a:bodyPr>
           <a:lstStyle/>
           <a:p>
-            <a:pPr algn="ctr"/>
-            <a:r>
-              <a:rPr lang="en-US" sz="1400" b="1" dirty="0"/>
-              <a:t>MHDS Document Registry</a:t>
-            </a:r>
-          </a:p>
-          <a:p>
-            <a:pPr algn="ctr"/>
-            <a:endParaRPr lang="en-US" sz="1400" b="1" dirty="0"/>
-          </a:p>
-          <a:p>
-            <a:pPr algn="ctr"/>
-            <a:endParaRPr lang="en-US" sz="1400" b="1" dirty="0"/>
-          </a:p>
-          <a:p>
-            <a:pPr algn="ctr"/>
-            <a:endParaRPr lang="en-US" sz="1400" b="1" dirty="0"/>
-          </a:p>
-          <a:p>
-            <a:pPr algn="ctr"/>
-            <a:endParaRPr lang="en-US" sz="1400" b="1" dirty="0"/>
-          </a:p>
-          <a:p>
-            <a:pPr algn="ctr"/>
-            <a:endParaRPr lang="en-US" sz="1400" b="1" dirty="0"/>
-          </a:p>
-          <a:p>
-            <a:pPr algn="ctr"/>
-            <a:endParaRPr lang="en-US" sz="1400" b="1" dirty="0"/>
-          </a:p>
-          <a:p>
-            <a:pPr algn="ctr"/>
-            <a:endParaRPr lang="en-US" sz="1400" b="1" dirty="0"/>
-          </a:p>
-          <a:p>
-            <a:pPr algn="ctr"/>
-            <a:endParaRPr lang="en-US" sz="1400" b="1" dirty="0"/>
-          </a:p>
-          <a:p>
-            <a:pPr algn="ctr"/>
-            <a:endParaRPr lang="en-US" sz="1400" b="1" dirty="0"/>
-          </a:p>
-          <a:p>
-            <a:pPr algn="ctr"/>
-            <a:endParaRPr lang="en-US" sz="1400" b="1" dirty="0"/>
-          </a:p>
-          <a:p>
-            <a:pPr algn="ctr"/>
-            <a:endParaRPr lang="en-US" sz="1400" b="1" dirty="0"/>
-          </a:p>
-          <a:p>
-            <a:pPr algn="ctr"/>
-            <a:endParaRPr lang="en-US" sz="1400" b="1" dirty="0"/>
-          </a:p>
-          <a:p>
-            <a:pPr algn="ctr"/>
-            <a:endParaRPr lang="en-US" sz="1400" b="1" dirty="0"/>
-          </a:p>
-          <a:p>
-            <a:pPr algn="ctr"/>
-            <a:endParaRPr lang="en-US" sz="1400" b="1" dirty="0"/>
-          </a:p>
-        </p:txBody>
-      </p:sp>
-      <p:sp>
-        <p:nvSpPr>
-          <p:cNvPr id="7" name="TextBox 6">
-            <a:extLst>
-              <a:ext uri="{FF2B5EF4-FFF2-40B4-BE49-F238E27FC236}">
-                <a16:creationId xmlns:a16="http://schemas.microsoft.com/office/drawing/2014/main" id="{A6A618DC-5EE9-0A45-B38E-52C96A710429}"/>
+            <a:r>
+              <a:rPr lang="en-US" sz="1400" dirty="0"/>
+              <a:t>MHD Document Responder</a:t>
+            </a:r>
+          </a:p>
+        </p:txBody>
+      </p:sp>
+      <p:sp>
+        <p:nvSpPr>
+          <p:cNvPr id="8" name="TextBox 7">
+            <a:extLst>
+              <a:ext uri="{FF2B5EF4-FFF2-40B4-BE49-F238E27FC236}">
+                <a16:creationId xmlns:a16="http://schemas.microsoft.com/office/drawing/2014/main" id="{8400586D-4C09-D341-ABC8-CCA7C32134B2}"/>
               </a:ext>
             </a:extLst>
           </p:cNvPr>
@@ -3621,7 +3505,7 @@
         </p:nvSpPr>
         <p:spPr>
           <a:xfrm>
-            <a:off x="8742947" y="552653"/>
+            <a:off x="8974121" y="2418755"/>
             <a:ext cx="2891969" cy="307777"/>
           </a:xfrm>
           <a:prstGeom prst="rect">
@@ -3642,17 +3526,17 @@
           <a:p>
             <a:r>
               <a:rPr lang="en-US" sz="1400" dirty="0"/>
-              <a:t>MHD Document Responder</a:t>
-            </a:r>
-          </a:p>
-        </p:txBody>
-      </p:sp>
-      <p:sp>
-        <p:nvSpPr>
-          <p:cNvPr id="8" name="TextBox 7">
-            <a:extLst>
-              <a:ext uri="{FF2B5EF4-FFF2-40B4-BE49-F238E27FC236}">
-                <a16:creationId xmlns:a16="http://schemas.microsoft.com/office/drawing/2014/main" id="{8400586D-4C09-D341-ABC8-CCA7C32134B2}"/>
+              <a:t>MHD Document Recipient</a:t>
+            </a:r>
+          </a:p>
+        </p:txBody>
+      </p:sp>
+      <p:sp>
+        <p:nvSpPr>
+          <p:cNvPr id="9" name="TextBox 8">
+            <a:extLst>
+              <a:ext uri="{FF2B5EF4-FFF2-40B4-BE49-F238E27FC236}">
+                <a16:creationId xmlns:a16="http://schemas.microsoft.com/office/drawing/2014/main" id="{1CFC4452-D360-5A44-868D-E5EA8687EEBA}"/>
               </a:ext>
             </a:extLst>
           </p:cNvPr>
@@ -3661,7 +3545,7 @@
         </p:nvSpPr>
         <p:spPr>
           <a:xfrm>
-            <a:off x="8758346" y="1189868"/>
+            <a:off x="8947593" y="3597364"/>
             <a:ext cx="2891969" cy="307777"/>
           </a:xfrm>
           <a:prstGeom prst="rect">
@@ -3682,17 +3566,17 @@
           <a:p>
             <a:r>
               <a:rPr lang="en-US" sz="1400" dirty="0"/>
-              <a:t>MHD Document Recipient</a:t>
-            </a:r>
-          </a:p>
-        </p:txBody>
-      </p:sp>
-      <p:sp>
-        <p:nvSpPr>
-          <p:cNvPr id="9" name="TextBox 8">
-            <a:extLst>
-              <a:ext uri="{FF2B5EF4-FFF2-40B4-BE49-F238E27FC236}">
-                <a16:creationId xmlns:a16="http://schemas.microsoft.com/office/drawing/2014/main" id="{1CFC4452-D360-5A44-868D-E5EA8687EEBA}"/>
+              <a:t>PMIR Patient Identity Consumer</a:t>
+            </a:r>
+          </a:p>
+        </p:txBody>
+      </p:sp>
+      <p:sp>
+        <p:nvSpPr>
+          <p:cNvPr id="10" name="TextBox 9">
+            <a:extLst>
+              <a:ext uri="{FF2B5EF4-FFF2-40B4-BE49-F238E27FC236}">
+                <a16:creationId xmlns:a16="http://schemas.microsoft.com/office/drawing/2014/main" id="{F61FC17B-F8E3-5345-A1C2-28769AFAFD9F}"/>
               </a:ext>
             </a:extLst>
           </p:cNvPr>
@@ -3701,7 +3585,7 @@
         </p:nvSpPr>
         <p:spPr>
           <a:xfrm>
-            <a:off x="8758347" y="1504662"/>
+            <a:off x="8953316" y="4835023"/>
             <a:ext cx="2891969" cy="307777"/>
           </a:xfrm>
           <a:prstGeom prst="rect">
@@ -3722,17 +3606,17 @@
           <a:p>
             <a:r>
               <a:rPr lang="en-US" sz="1400" dirty="0"/>
-              <a:t>PMIR Patient Identity Consumer</a:t>
-            </a:r>
-          </a:p>
-        </p:txBody>
-      </p:sp>
-      <p:sp>
-        <p:nvSpPr>
-          <p:cNvPr id="10" name="TextBox 9">
-            <a:extLst>
-              <a:ext uri="{FF2B5EF4-FFF2-40B4-BE49-F238E27FC236}">
-                <a16:creationId xmlns:a16="http://schemas.microsoft.com/office/drawing/2014/main" id="{F61FC17B-F8E3-5345-A1C2-28769AFAFD9F}"/>
+              <a:t>ATNA Secure Node</a:t>
+            </a:r>
+          </a:p>
+        </p:txBody>
+      </p:sp>
+      <p:sp>
+        <p:nvSpPr>
+          <p:cNvPr id="11" name="TextBox 10">
+            <a:extLst>
+              <a:ext uri="{FF2B5EF4-FFF2-40B4-BE49-F238E27FC236}">
+                <a16:creationId xmlns:a16="http://schemas.microsoft.com/office/drawing/2014/main" id="{CC08521B-FF64-BC4C-8498-0A223DDC4A54}"/>
               </a:ext>
             </a:extLst>
           </p:cNvPr>
@@ -3741,7 +3625,7 @@
         </p:nvSpPr>
         <p:spPr>
           <a:xfrm>
-            <a:off x="8758346" y="2642242"/>
+            <a:off x="8953317" y="5157404"/>
             <a:ext cx="2891969" cy="307777"/>
           </a:xfrm>
           <a:prstGeom prst="rect">
@@ -3762,17 +3646,17 @@
           <a:p>
             <a:r>
               <a:rPr lang="en-US" sz="1400" dirty="0"/>
-              <a:t>ATNA Secure Node</a:t>
-            </a:r>
-          </a:p>
-        </p:txBody>
-      </p:sp>
-      <p:sp>
-        <p:nvSpPr>
-          <p:cNvPr id="11" name="TextBox 10">
-            <a:extLst>
-              <a:ext uri="{FF2B5EF4-FFF2-40B4-BE49-F238E27FC236}">
-                <a16:creationId xmlns:a16="http://schemas.microsoft.com/office/drawing/2014/main" id="{CC08521B-FF64-BC4C-8498-0A223DDC4A54}"/>
+              <a:t>CT Time Client</a:t>
+            </a:r>
+          </a:p>
+        </p:txBody>
+      </p:sp>
+      <p:sp>
+        <p:nvSpPr>
+          <p:cNvPr id="13" name="TextBox 12">
+            <a:extLst>
+              <a:ext uri="{FF2B5EF4-FFF2-40B4-BE49-F238E27FC236}">
+                <a16:creationId xmlns:a16="http://schemas.microsoft.com/office/drawing/2014/main" id="{BB55BDF6-A35D-8049-AC91-DBA96647E51D}"/>
               </a:ext>
             </a:extLst>
           </p:cNvPr>
@@ -3781,8 +3665,8 @@
         </p:nvSpPr>
         <p:spPr>
           <a:xfrm>
-            <a:off x="8758346" y="2966544"/>
-            <a:ext cx="2891969" cy="307777"/>
+            <a:off x="8953316" y="4285136"/>
+            <a:ext cx="2891969" cy="523220"/>
           </a:xfrm>
           <a:prstGeom prst="rect">
             <a:avLst/>
@@ -3801,18 +3685,22 @@
           <a:lstStyle/>
           <a:p>
             <a:r>
+              <a:rPr lang="en-US" sz="1400" dirty="0" err="1"/>
+              <a:t>mCSD</a:t>
+            </a:r>
+            <a:r>
               <a:rPr lang="en-US" sz="1400" dirty="0"/>
-              <a:t>CT Time Client</a:t>
-            </a:r>
-          </a:p>
-        </p:txBody>
-      </p:sp>
-      <p:sp>
-        <p:nvSpPr>
-          <p:cNvPr id="13" name="TextBox 12">
-            <a:extLst>
-              <a:ext uri="{FF2B5EF4-FFF2-40B4-BE49-F238E27FC236}">
-                <a16:creationId xmlns:a16="http://schemas.microsoft.com/office/drawing/2014/main" id="{BB55BDF6-A35D-8049-AC91-DBA96647E51D}"/>
+              <a:t> Care Services Selective Consumer</a:t>
+            </a:r>
+          </a:p>
+        </p:txBody>
+      </p:sp>
+      <p:sp>
+        <p:nvSpPr>
+          <p:cNvPr id="15" name="TextBox 14">
+            <a:extLst>
+              <a:ext uri="{FF2B5EF4-FFF2-40B4-BE49-F238E27FC236}">
+                <a16:creationId xmlns:a16="http://schemas.microsoft.com/office/drawing/2014/main" id="{2FD09FAF-81BF-0242-9A5B-D33785891C2B}"/>
               </a:ext>
             </a:extLst>
           </p:cNvPr>
@@ -3821,8 +3709,8 @@
         </p:nvSpPr>
         <p:spPr>
           <a:xfrm>
-            <a:off x="8743442" y="2133108"/>
-            <a:ext cx="2891969" cy="523220"/>
+            <a:off x="8947593" y="3943964"/>
+            <a:ext cx="2891969" cy="307777"/>
           </a:xfrm>
           <a:prstGeom prst="rect">
             <a:avLst/>
@@ -3841,22 +3729,145 @@
           <a:lstStyle/>
           <a:p>
             <a:r>
+              <a:rPr lang="en-US" sz="1400" dirty="0"/>
+              <a:t>SVCM Terminology Consumer</a:t>
+            </a:r>
+          </a:p>
+        </p:txBody>
+      </p:sp>
+      <p:sp>
+        <p:nvSpPr>
+          <p:cNvPr id="17" name="TextBox 16">
+            <a:extLst>
+              <a:ext uri="{FF2B5EF4-FFF2-40B4-BE49-F238E27FC236}">
+                <a16:creationId xmlns:a16="http://schemas.microsoft.com/office/drawing/2014/main" id="{48B05430-ACEE-514B-A8C7-62B728C543A8}"/>
+              </a:ext>
+            </a:extLst>
+          </p:cNvPr>
+          <p:cNvSpPr txBox="1"/>
+          <p:nvPr/>
+        </p:nvSpPr>
+        <p:spPr>
+          <a:xfrm>
+            <a:off x="5062738" y="6081817"/>
+            <a:ext cx="2066523" cy="307777"/>
+          </a:xfrm>
+          <a:prstGeom prst="rect">
+            <a:avLst/>
+          </a:prstGeom>
+          <a:noFill/>
+          <a:ln w="12700">
+            <a:solidFill>
+              <a:schemeClr val="tx1"/>
+            </a:solidFill>
+            <a:prstDash val="dash"/>
+          </a:ln>
+        </p:spPr>
+        <p:txBody>
+          <a:bodyPr wrap="square" rtlCol="0">
+            <a:spAutoFit/>
+          </a:bodyPr>
+          <a:lstStyle/>
+          <a:p>
+            <a:r>
+              <a:rPr lang="en-US" sz="1400" dirty="0"/>
+              <a:t>ATNA Audit Record Repos</a:t>
+            </a:r>
+          </a:p>
+        </p:txBody>
+      </p:sp>
+      <p:sp>
+        <p:nvSpPr>
+          <p:cNvPr id="18" name="TextBox 17">
+            <a:extLst>
+              <a:ext uri="{FF2B5EF4-FFF2-40B4-BE49-F238E27FC236}">
+                <a16:creationId xmlns:a16="http://schemas.microsoft.com/office/drawing/2014/main" id="{AD47F4C6-8F4B-A040-A348-C04565191AFE}"/>
+              </a:ext>
+            </a:extLst>
+          </p:cNvPr>
+          <p:cNvSpPr txBox="1"/>
+          <p:nvPr/>
+        </p:nvSpPr>
+        <p:spPr>
+          <a:xfrm>
+            <a:off x="5062738" y="6455063"/>
+            <a:ext cx="2066523" cy="307777"/>
+          </a:xfrm>
+          <a:prstGeom prst="rect">
+            <a:avLst/>
+          </a:prstGeom>
+          <a:noFill/>
+          <a:ln w="12700">
+            <a:solidFill>
+              <a:schemeClr val="tx1"/>
+            </a:solidFill>
+            <a:prstDash val="dash"/>
+          </a:ln>
+        </p:spPr>
+        <p:txBody>
+          <a:bodyPr wrap="square" rtlCol="0">
+            <a:spAutoFit/>
+          </a:bodyPr>
+          <a:lstStyle/>
+          <a:p>
+            <a:r>
+              <a:rPr lang="en-US" sz="1400" dirty="0"/>
+              <a:t>CT Time Server</a:t>
+            </a:r>
+          </a:p>
+        </p:txBody>
+      </p:sp>
+      <p:sp>
+        <p:nvSpPr>
+          <p:cNvPr id="19" name="TextBox 18">
+            <a:extLst>
+              <a:ext uri="{FF2B5EF4-FFF2-40B4-BE49-F238E27FC236}">
+                <a16:creationId xmlns:a16="http://schemas.microsoft.com/office/drawing/2014/main" id="{1DE22B6C-CD3A-0247-873E-0536D4B75FB1}"/>
+              </a:ext>
+            </a:extLst>
+          </p:cNvPr>
+          <p:cNvSpPr txBox="1"/>
+          <p:nvPr/>
+        </p:nvSpPr>
+        <p:spPr>
+          <a:xfrm>
+            <a:off x="5054252" y="5463515"/>
+            <a:ext cx="2104623" cy="523220"/>
+          </a:xfrm>
+          <a:prstGeom prst="rect">
+            <a:avLst/>
+          </a:prstGeom>
+          <a:noFill/>
+          <a:ln w="12700">
+            <a:solidFill>
+              <a:schemeClr val="tx1"/>
+            </a:solidFill>
+            <a:prstDash val="dash"/>
+          </a:ln>
+        </p:spPr>
+        <p:txBody>
+          <a:bodyPr wrap="square" rtlCol="0">
+            <a:spAutoFit/>
+          </a:bodyPr>
+          <a:lstStyle/>
+          <a:p>
+            <a:r>
               <a:rPr lang="en-US" sz="1400" dirty="0" err="1"/>
               <a:t>mCSD</a:t>
             </a:r>
             <a:r>
               <a:rPr lang="en-US" sz="1400" dirty="0"/>
-              <a:t> Care Services Selective Consumer</a:t>
-            </a:r>
-          </a:p>
-        </p:txBody>
-      </p:sp>
-      <p:sp>
-        <p:nvSpPr>
-          <p:cNvPr id="15" name="TextBox 14">
-            <a:extLst>
-              <a:ext uri="{FF2B5EF4-FFF2-40B4-BE49-F238E27FC236}">
-                <a16:creationId xmlns:a16="http://schemas.microsoft.com/office/drawing/2014/main" id="{2FD09FAF-81BF-0242-9A5B-D33785891C2B}"/>
+              <a:t> Care Services Selective Supplier</a:t>
+            </a:r>
+          </a:p>
+        </p:txBody>
+      </p:sp>
+      <p:sp>
+        <p:nvSpPr>
+          <p:cNvPr id="20" name="TextBox 19">
+            <a:extLst>
+              <a:ext uri="{FF2B5EF4-FFF2-40B4-BE49-F238E27FC236}">
+                <a16:creationId xmlns:a16="http://schemas.microsoft.com/office/drawing/2014/main" id="{BD161D68-B7EE-B444-B57A-53F5959CA062}"/>
               </a:ext>
             </a:extLst>
           </p:cNvPr>
@@ -3865,8 +3876,8 @@
         </p:nvSpPr>
         <p:spPr>
           <a:xfrm>
-            <a:off x="8758346" y="1827043"/>
-            <a:ext cx="2891969" cy="307777"/>
+            <a:off x="8985170" y="3151842"/>
+            <a:ext cx="2854392" cy="307777"/>
           </a:xfrm>
           <a:prstGeom prst="rect">
             <a:avLst/>
@@ -3876,6 +3887,7 @@
             <a:solidFill>
               <a:schemeClr val="tx1"/>
             </a:solidFill>
+            <a:prstDash val="solid"/>
           </a:ln>
         </p:spPr>
         <p:txBody>
@@ -3886,17 +3898,17 @@
           <a:p>
             <a:r>
               <a:rPr lang="en-US" sz="1400" dirty="0"/>
-              <a:t>SVCM Consumer</a:t>
-            </a:r>
-          </a:p>
-        </p:txBody>
-      </p:sp>
-      <p:sp>
-        <p:nvSpPr>
-          <p:cNvPr id="17" name="TextBox 16">
-            <a:extLst>
-              <a:ext uri="{FF2B5EF4-FFF2-40B4-BE49-F238E27FC236}">
-                <a16:creationId xmlns:a16="http://schemas.microsoft.com/office/drawing/2014/main" id="{48B05430-ACEE-514B-A8C7-62B728C543A8}"/>
+              <a:t>IUA Resource Server</a:t>
+            </a:r>
+          </a:p>
+        </p:txBody>
+      </p:sp>
+      <p:sp>
+        <p:nvSpPr>
+          <p:cNvPr id="22" name="TextBox 21">
+            <a:extLst>
+              <a:ext uri="{FF2B5EF4-FFF2-40B4-BE49-F238E27FC236}">
+                <a16:creationId xmlns:a16="http://schemas.microsoft.com/office/drawing/2014/main" id="{978DB848-B44A-0A44-BB1E-02BDC76D9115}"/>
               </a:ext>
             </a:extLst>
           </p:cNvPr>
@@ -3905,8 +3917,8 @@
         </p:nvSpPr>
         <p:spPr>
           <a:xfrm>
-            <a:off x="5062738" y="5781025"/>
-            <a:ext cx="2066523" cy="523220"/>
+            <a:off x="5031878" y="4705788"/>
+            <a:ext cx="2104623" cy="307777"/>
           </a:xfrm>
           <a:prstGeom prst="rect">
             <a:avLst/>
@@ -3927,176 +3939,13 @@
           <a:p>
             <a:r>
               <a:rPr lang="en-US" sz="1400" dirty="0"/>
-              <a:t>ATNA Audit Record Repository</a:t>
-            </a:r>
-          </a:p>
-        </p:txBody>
-      </p:sp>
-      <p:sp>
-        <p:nvSpPr>
-          <p:cNvPr id="18" name="TextBox 17">
-            <a:extLst>
-              <a:ext uri="{FF2B5EF4-FFF2-40B4-BE49-F238E27FC236}">
-                <a16:creationId xmlns:a16="http://schemas.microsoft.com/office/drawing/2014/main" id="{AD47F4C6-8F4B-A040-A348-C04565191AFE}"/>
-              </a:ext>
-            </a:extLst>
-          </p:cNvPr>
-          <p:cNvSpPr txBox="1"/>
-          <p:nvPr/>
-        </p:nvSpPr>
-        <p:spPr>
-          <a:xfrm>
-            <a:off x="5062738" y="6455063"/>
-            <a:ext cx="2066523" cy="307777"/>
-          </a:xfrm>
-          <a:prstGeom prst="rect">
-            <a:avLst/>
-          </a:prstGeom>
-          <a:noFill/>
-          <a:ln w="12700">
-            <a:solidFill>
-              <a:schemeClr val="tx1"/>
-            </a:solidFill>
-            <a:prstDash val="dash"/>
-          </a:ln>
-        </p:spPr>
-        <p:txBody>
-          <a:bodyPr wrap="square" rtlCol="0">
-            <a:spAutoFit/>
-          </a:bodyPr>
-          <a:lstStyle/>
-          <a:p>
-            <a:r>
-              <a:rPr lang="en-US" sz="1400" dirty="0"/>
-              <a:t>CT Time Server</a:t>
-            </a:r>
-          </a:p>
-        </p:txBody>
-      </p:sp>
-      <p:sp>
-        <p:nvSpPr>
-          <p:cNvPr id="19" name="TextBox 18">
-            <a:extLst>
-              <a:ext uri="{FF2B5EF4-FFF2-40B4-BE49-F238E27FC236}">
-                <a16:creationId xmlns:a16="http://schemas.microsoft.com/office/drawing/2014/main" id="{1DE22B6C-CD3A-0247-873E-0536D4B75FB1}"/>
-              </a:ext>
-            </a:extLst>
-          </p:cNvPr>
-          <p:cNvSpPr txBox="1"/>
-          <p:nvPr/>
-        </p:nvSpPr>
-        <p:spPr>
-          <a:xfrm>
-            <a:off x="5054252" y="5018343"/>
-            <a:ext cx="2104623" cy="523220"/>
-          </a:xfrm>
-          <a:prstGeom prst="rect">
-            <a:avLst/>
-          </a:prstGeom>
-          <a:noFill/>
-          <a:ln w="12700">
-            <a:solidFill>
-              <a:schemeClr val="tx1"/>
-            </a:solidFill>
-            <a:prstDash val="dash"/>
-          </a:ln>
-        </p:spPr>
-        <p:txBody>
-          <a:bodyPr wrap="square" rtlCol="0">
-            <a:spAutoFit/>
-          </a:bodyPr>
-          <a:lstStyle/>
-          <a:p>
+              <a:t>PMIR Patient Identity </a:t>
+            </a:r>
             <a:r>
               <a:rPr lang="en-US" sz="1400" dirty="0" err="1"/>
-              <a:t>mCSD</a:t>
-            </a:r>
-            <a:r>
-              <a:rPr lang="en-US" sz="1400" dirty="0"/>
-              <a:t> Care Services Selective Supplier</a:t>
-            </a:r>
-          </a:p>
-        </p:txBody>
-      </p:sp>
-      <p:sp>
-        <p:nvSpPr>
-          <p:cNvPr id="20" name="TextBox 19">
-            <a:extLst>
-              <a:ext uri="{FF2B5EF4-FFF2-40B4-BE49-F238E27FC236}">
-                <a16:creationId xmlns:a16="http://schemas.microsoft.com/office/drawing/2014/main" id="{BD161D68-B7EE-B444-B57A-53F5959CA062}"/>
-              </a:ext>
-            </a:extLst>
-          </p:cNvPr>
-          <p:cNvSpPr txBox="1"/>
-          <p:nvPr/>
-        </p:nvSpPr>
-        <p:spPr>
-          <a:xfrm>
-            <a:off x="8763763" y="875965"/>
-            <a:ext cx="2854392" cy="307777"/>
-          </a:xfrm>
-          <a:prstGeom prst="rect">
-            <a:avLst/>
-          </a:prstGeom>
-          <a:noFill/>
-          <a:ln w="12700">
-            <a:solidFill>
-              <a:schemeClr val="tx1"/>
-            </a:solidFill>
-            <a:prstDash val="solid"/>
-          </a:ln>
-        </p:spPr>
-        <p:txBody>
-          <a:bodyPr wrap="square" rtlCol="0">
-            <a:spAutoFit/>
-          </a:bodyPr>
-          <a:lstStyle/>
-          <a:p>
-            <a:r>
-              <a:rPr lang="en-US" sz="1400" dirty="0"/>
-              <a:t>IUA Resource Server</a:t>
-            </a:r>
-          </a:p>
-        </p:txBody>
-      </p:sp>
-      <p:sp>
-        <p:nvSpPr>
-          <p:cNvPr id="22" name="TextBox 21">
-            <a:extLst>
-              <a:ext uri="{FF2B5EF4-FFF2-40B4-BE49-F238E27FC236}">
-                <a16:creationId xmlns:a16="http://schemas.microsoft.com/office/drawing/2014/main" id="{978DB848-B44A-0A44-BB1E-02BDC76D9115}"/>
-              </a:ext>
-            </a:extLst>
-          </p:cNvPr>
-          <p:cNvSpPr txBox="1"/>
-          <p:nvPr/>
-        </p:nvSpPr>
-        <p:spPr>
-          <a:xfrm>
-            <a:off x="5031878" y="3695126"/>
-            <a:ext cx="2104623" cy="523220"/>
-          </a:xfrm>
-          <a:prstGeom prst="rect">
-            <a:avLst/>
-          </a:prstGeom>
-          <a:noFill/>
-          <a:ln w="12700">
-            <a:solidFill>
-              <a:schemeClr val="tx1"/>
-            </a:solidFill>
-            <a:prstDash val="dash"/>
-          </a:ln>
-        </p:spPr>
-        <p:txBody>
-          <a:bodyPr wrap="square" rtlCol="0">
-            <a:spAutoFit/>
-          </a:bodyPr>
-          <a:lstStyle/>
-          <a:p>
-            <a:r>
-              <a:rPr lang="en-US" sz="1400" dirty="0"/>
-              <a:t>PMIR Patient Identity Manager</a:t>
-            </a:r>
+              <a:t>Mgr</a:t>
+            </a:r>
+            <a:endParaRPr lang="en-US" sz="1400" dirty="0"/>
           </a:p>
         </p:txBody>
       </p:sp>
@@ -4118,8 +3967,8 @@
         </p:nvCxnSpPr>
         <p:spPr>
           <a:xfrm flipH="1">
-            <a:off x="7120775" y="1980932"/>
-            <a:ext cx="1637571" cy="2579088"/>
+            <a:off x="7110820" y="4097853"/>
+            <a:ext cx="1836773" cy="1156486"/>
           </a:xfrm>
           <a:prstGeom prst="straightConnector1">
             <a:avLst/>
@@ -4157,15 +4006,15 @@
           </p:cNvPr>
           <p:cNvCxnSpPr>
             <a:cxnSpLocks/>
-            <a:stCxn id="61" idx="0"/>
+            <a:stCxn id="10" idx="1"/>
             <a:endCxn id="17" idx="3"/>
           </p:cNvCxnSpPr>
           <p:nvPr/>
         </p:nvCxnSpPr>
         <p:spPr>
           <a:xfrm flipH="1">
-            <a:off x="7129261" y="2754238"/>
-            <a:ext cx="1658700" cy="3288397"/>
+            <a:off x="7129261" y="4988912"/>
+            <a:ext cx="1824055" cy="1246794"/>
           </a:xfrm>
           <a:prstGeom prst="straightConnector1">
             <a:avLst/>
@@ -4206,7 +4055,7 @@
         </p:nvSpPr>
         <p:spPr>
           <a:xfrm>
-            <a:off x="5054252" y="4406131"/>
+            <a:off x="5044297" y="5100450"/>
             <a:ext cx="2066523" cy="307777"/>
           </a:xfrm>
           <a:prstGeom prst="rect">
@@ -4228,7 +4077,7 @@
           <a:p>
             <a:r>
               <a:rPr lang="en-US" sz="1400" dirty="0"/>
-              <a:t>SVCM Repository??</a:t>
+              <a:t>SVCM Terminology Repos</a:t>
             </a:r>
           </a:p>
         </p:txBody>
@@ -4251,8 +4100,8 @@
         </p:nvCxnSpPr>
         <p:spPr>
           <a:xfrm flipV="1">
-            <a:off x="7136501" y="1658551"/>
-            <a:ext cx="1621846" cy="2298185"/>
+            <a:off x="7136501" y="3751253"/>
+            <a:ext cx="1811092" cy="1108424"/>
           </a:xfrm>
           <a:prstGeom prst="straightConnector1">
             <a:avLst/>
@@ -4297,8 +4146,8 @@
         </p:nvCxnSpPr>
         <p:spPr>
           <a:xfrm flipH="1">
-            <a:off x="7158875" y="2394718"/>
-            <a:ext cx="1584567" cy="2885235"/>
+            <a:off x="7158875" y="4546746"/>
+            <a:ext cx="1794441" cy="1178379"/>
           </a:xfrm>
           <a:prstGeom prst="straightConnector1">
             <a:avLst/>
@@ -4336,14 +4185,13 @@
           </p:cNvPr>
           <p:cNvCxnSpPr>
             <a:cxnSpLocks/>
-            <a:stCxn id="11" idx="2"/>
           </p:cNvCxnSpPr>
           <p:nvPr/>
         </p:nvCxnSpPr>
         <p:spPr>
           <a:xfrm flipH="1">
-            <a:off x="7166203" y="3274321"/>
-            <a:ext cx="3038128" cy="3334630"/>
+            <a:off x="7154370" y="5465181"/>
+            <a:ext cx="2779472" cy="1156137"/>
           </a:xfrm>
           <a:prstGeom prst="straightConnector1">
             <a:avLst/>
@@ -4381,14 +4229,15 @@
           </p:cNvPr>
           <p:cNvCxnSpPr>
             <a:cxnSpLocks/>
+            <a:stCxn id="62" idx="3"/>
             <a:endCxn id="8" idx="1"/>
           </p:cNvCxnSpPr>
           <p:nvPr/>
         </p:nvCxnSpPr>
         <p:spPr>
-          <a:xfrm>
-            <a:off x="2861498" y="1084322"/>
-            <a:ext cx="5896848" cy="259435"/>
+          <a:xfrm flipV="1">
+            <a:off x="2920210" y="2572644"/>
+            <a:ext cx="6053911" cy="524579"/>
           </a:xfrm>
           <a:prstGeom prst="straightConnector1">
             <a:avLst/>
@@ -4429,7 +4278,7 @@
         </p:nvSpPr>
         <p:spPr>
           <a:xfrm>
-            <a:off x="7722120" y="4313916"/>
+            <a:off x="8114886" y="5385401"/>
             <a:ext cx="1167131" cy="461665"/>
           </a:xfrm>
           <a:prstGeom prst="rect">
@@ -4451,7 +4300,7 @@
           <a:p>
             <a:r>
               <a:rPr lang="en-US" sz="1200" dirty="0"/>
-              <a:t>I[ITI-20]</a:t>
+              <a:t>[ITI-20]</a:t>
             </a:r>
           </a:p>
         </p:txBody>
@@ -4470,8 +4319,8 @@
         </p:nvSpPr>
         <p:spPr>
           <a:xfrm>
-            <a:off x="7819601" y="5847004"/>
-            <a:ext cx="2066523" cy="276999"/>
+            <a:off x="8360327" y="6015216"/>
+            <a:ext cx="1242989" cy="461665"/>
           </a:xfrm>
           <a:prstGeom prst="rect">
             <a:avLst/>
@@ -4505,7 +4354,7 @@
         </p:nvSpPr>
         <p:spPr>
           <a:xfrm>
-            <a:off x="7472412" y="1805123"/>
+            <a:off x="7584388" y="3477666"/>
             <a:ext cx="1128795" cy="646331"/>
           </a:xfrm>
           <a:prstGeom prst="rect">
@@ -4540,8 +4389,8 @@
         </p:nvSpPr>
         <p:spPr>
           <a:xfrm>
-            <a:off x="3215724" y="1467443"/>
-            <a:ext cx="1760098" cy="461665"/>
+            <a:off x="5106105" y="2948515"/>
+            <a:ext cx="2659410" cy="276999"/>
           </a:xfrm>
           <a:prstGeom prst="rect">
             <a:avLst/>
@@ -4575,8 +4424,8 @@
         </p:nvSpPr>
         <p:spPr>
           <a:xfrm>
-            <a:off x="3777627" y="2672604"/>
-            <a:ext cx="897123" cy="1200329"/>
+            <a:off x="3263188" y="4049024"/>
+            <a:ext cx="1533552" cy="461665"/>
           </a:xfrm>
           <a:prstGeom prst="rect">
             <a:avLst/>
@@ -4591,7 +4440,7 @@
           <a:p>
             <a:r>
               <a:rPr lang="en-US" sz="1200" dirty="0"/>
-              <a:t>[ITI-78] </a:t>
+              <a:t>[ITI-78] or [ITI-83]  </a:t>
             </a:r>
             <a:r>
               <a:rPr lang="en-US" sz="1200" dirty="0" err="1"/>
@@ -4599,7 +4448,7 @@
             </a:r>
             <a:r>
               <a:rPr lang="en-US" sz="1200" dirty="0"/>
-              <a:t> Query or [ITI-83] </a:t>
+              <a:t> or </a:t>
             </a:r>
             <a:r>
               <a:rPr lang="en-US" sz="1200" dirty="0" err="1"/>
@@ -4626,7 +4475,7 @@
         </p:nvSpPr>
         <p:spPr>
           <a:xfrm>
-            <a:off x="7688169" y="3326962"/>
+            <a:off x="7596530" y="4712205"/>
             <a:ext cx="1265148" cy="668901"/>
           </a:xfrm>
           <a:prstGeom prst="rect">
@@ -4661,7 +4510,7 @@
         </p:nvSpPr>
         <p:spPr>
           <a:xfrm>
-            <a:off x="7754699" y="2754238"/>
+            <a:off x="8041288" y="4290764"/>
             <a:ext cx="2066523" cy="276999"/>
           </a:xfrm>
           <a:prstGeom prst="rect">
@@ -4696,7 +4545,7 @@
         </p:nvSpPr>
         <p:spPr>
           <a:xfrm>
-            <a:off x="828622" y="930514"/>
+            <a:off x="866519" y="2937856"/>
             <a:ext cx="2053691" cy="318734"/>
           </a:xfrm>
           <a:prstGeom prst="rect">
@@ -4718,17 +4567,17 @@
           <a:p>
             <a:r>
               <a:rPr lang="en-US" sz="1400" dirty="0"/>
-              <a:t>MHD? Document Source</a:t>
-            </a:r>
-          </a:p>
-        </p:txBody>
-      </p:sp>
-      <p:sp>
-        <p:nvSpPr>
-          <p:cNvPr id="63" name="TextBox 62">
-            <a:extLst>
-              <a:ext uri="{FF2B5EF4-FFF2-40B4-BE49-F238E27FC236}">
-                <a16:creationId xmlns:a16="http://schemas.microsoft.com/office/drawing/2014/main" id="{5BAD2759-7563-B64D-A6E3-3242E8BE8D71}"/>
+              <a:t>MHD Document Source</a:t>
+            </a:r>
+          </a:p>
+        </p:txBody>
+      </p:sp>
+      <p:sp>
+        <p:nvSpPr>
+          <p:cNvPr id="73" name="TextBox 72">
+            <a:extLst>
+              <a:ext uri="{FF2B5EF4-FFF2-40B4-BE49-F238E27FC236}">
+                <a16:creationId xmlns:a16="http://schemas.microsoft.com/office/drawing/2014/main" id="{64F3BE91-6109-3C47-9E66-BDF3A64FF58E}"/>
               </a:ext>
             </a:extLst>
           </p:cNvPr>
@@ -4737,8 +4586,43 @@
         </p:nvSpPr>
         <p:spPr>
           <a:xfrm>
-            <a:off x="812510" y="114919"/>
-            <a:ext cx="2489918" cy="307777"/>
+            <a:off x="5921801" y="2421108"/>
+            <a:ext cx="2609777" cy="276999"/>
+          </a:xfrm>
+          <a:prstGeom prst="rect">
+            <a:avLst/>
+          </a:prstGeom>
+          <a:noFill/>
+        </p:spPr>
+        <p:txBody>
+          <a:bodyPr wrap="square" rtlCol="0">
+            <a:spAutoFit/>
+          </a:bodyPr>
+          <a:lstStyle/>
+          <a:p>
+            <a:r>
+              <a:rPr lang="en-US" sz="1200" dirty="0"/>
+              <a:t>[ITI-65] Provide Document Bundle</a:t>
+            </a:r>
+          </a:p>
+        </p:txBody>
+      </p:sp>
+      <p:sp>
+        <p:nvSpPr>
+          <p:cNvPr id="94" name="TextBox 93">
+            <a:extLst>
+              <a:ext uri="{FF2B5EF4-FFF2-40B4-BE49-F238E27FC236}">
+                <a16:creationId xmlns:a16="http://schemas.microsoft.com/office/drawing/2014/main" id="{E783FE2A-A1FF-AD48-866C-095BBF56CD17}"/>
+              </a:ext>
+            </a:extLst>
+          </p:cNvPr>
+          <p:cNvSpPr txBox="1"/>
+          <p:nvPr/>
+        </p:nvSpPr>
+        <p:spPr>
+          <a:xfrm>
+            <a:off x="863247" y="3243560"/>
+            <a:ext cx="2045874" cy="307777"/>
           </a:xfrm>
           <a:prstGeom prst="rect">
             <a:avLst/>
@@ -4759,17 +4643,17 @@
           <a:p>
             <a:r>
               <a:rPr lang="en-US" sz="1400" dirty="0"/>
-              <a:t>MHD Document Consumer</a:t>
-            </a:r>
-          </a:p>
-        </p:txBody>
-      </p:sp>
-      <p:sp>
-        <p:nvSpPr>
-          <p:cNvPr id="73" name="TextBox 72">
-            <a:extLst>
-              <a:ext uri="{FF2B5EF4-FFF2-40B4-BE49-F238E27FC236}">
-                <a16:creationId xmlns:a16="http://schemas.microsoft.com/office/drawing/2014/main" id="{64F3BE91-6109-3C47-9E66-BDF3A64FF58E}"/>
+              <a:t>IUA Authorization Client</a:t>
+            </a:r>
+          </a:p>
+        </p:txBody>
+      </p:sp>
+      <p:sp>
+        <p:nvSpPr>
+          <p:cNvPr id="95" name="TextBox 94">
+            <a:extLst>
+              <a:ext uri="{FF2B5EF4-FFF2-40B4-BE49-F238E27FC236}">
+                <a16:creationId xmlns:a16="http://schemas.microsoft.com/office/drawing/2014/main" id="{1DB0EA52-A144-674B-81CC-59D47031652E}"/>
               </a:ext>
             </a:extLst>
           </p:cNvPr>
@@ -4778,13 +4662,19 @@
         </p:nvSpPr>
         <p:spPr>
           <a:xfrm>
-            <a:off x="3167439" y="850748"/>
-            <a:ext cx="1491742" cy="461665"/>
+            <a:off x="849221" y="4910286"/>
+            <a:ext cx="2046928" cy="307777"/>
           </a:xfrm>
           <a:prstGeom prst="rect">
             <a:avLst/>
           </a:prstGeom>
           <a:noFill/>
+          <a:ln w="12700">
+            <a:solidFill>
+              <a:schemeClr val="tx1"/>
+            </a:solidFill>
+            <a:prstDash val="dash"/>
+          </a:ln>
         </p:spPr>
         <p:txBody>
           <a:bodyPr wrap="square" rtlCol="0">
@@ -4793,79 +4683,39 @@
           <a:lstStyle/>
           <a:p>
             <a:r>
-              <a:rPr lang="en-US" sz="1200" dirty="0"/>
-              <a:t>[ITI-65] Provide Document Bundle?</a:t>
-            </a:r>
-          </a:p>
-        </p:txBody>
-      </p:sp>
-      <p:cxnSp>
-        <p:nvCxnSpPr>
-          <p:cNvPr id="77" name="Straight Arrow Connector 76">
-            <a:extLst>
-              <a:ext uri="{FF2B5EF4-FFF2-40B4-BE49-F238E27FC236}">
-                <a16:creationId xmlns:a16="http://schemas.microsoft.com/office/drawing/2014/main" id="{BBDEB146-7900-F34F-9F60-4AD7959B97FE}"/>
-              </a:ext>
-            </a:extLst>
-          </p:cNvPr>
-          <p:cNvCxnSpPr>
-            <a:cxnSpLocks/>
-            <a:stCxn id="63" idx="3"/>
-            <a:endCxn id="7" idx="1"/>
-          </p:cNvCxnSpPr>
-          <p:nvPr/>
-        </p:nvCxnSpPr>
-        <p:spPr>
-          <a:xfrm>
-            <a:off x="3302428" y="268808"/>
-            <a:ext cx="5440519" cy="437734"/>
-          </a:xfrm>
-          <a:prstGeom prst="straightConnector1">
-            <a:avLst/>
-          </a:prstGeom>
+              <a:rPr lang="en-US" sz="1400" dirty="0"/>
+              <a:t>CT Time Client</a:t>
+            </a:r>
+          </a:p>
+        </p:txBody>
+      </p:sp>
+      <p:sp>
+        <p:nvSpPr>
+          <p:cNvPr id="96" name="TextBox 95">
+            <a:extLst>
+              <a:ext uri="{FF2B5EF4-FFF2-40B4-BE49-F238E27FC236}">
+                <a16:creationId xmlns:a16="http://schemas.microsoft.com/office/drawing/2014/main" id="{494E26D7-8A77-1C42-88E2-B0C061C9D0C3}"/>
+              </a:ext>
+            </a:extLst>
+          </p:cNvPr>
+          <p:cNvSpPr txBox="1"/>
+          <p:nvPr/>
+        </p:nvSpPr>
+        <p:spPr>
+          <a:xfrm>
+            <a:off x="849220" y="3904112"/>
+            <a:ext cx="2055587" cy="307777"/>
+          </a:xfrm>
+          <a:prstGeom prst="rect">
+            <a:avLst/>
+          </a:prstGeom>
+          <a:noFill/>
           <a:ln w="12700">
             <a:solidFill>
               <a:schemeClr val="tx1"/>
             </a:solidFill>
-            <a:tailEnd type="triangle" w="lg" len="med"/>
-          </a:ln>
-        </p:spPr>
-        <p:style>
-          <a:lnRef idx="1">
-            <a:schemeClr val="accent1"/>
-          </a:lnRef>
-          <a:fillRef idx="0">
-            <a:schemeClr val="accent1"/>
-          </a:fillRef>
-          <a:effectRef idx="0">
-            <a:schemeClr val="accent1"/>
-          </a:effectRef>
-          <a:fontRef idx="minor">
-            <a:schemeClr val="tx1"/>
-          </a:fontRef>
-        </p:style>
-      </p:cxnSp>
-      <p:sp>
-        <p:nvSpPr>
-          <p:cNvPr id="79" name="TextBox 78">
-            <a:extLst>
-              <a:ext uri="{FF2B5EF4-FFF2-40B4-BE49-F238E27FC236}">
-                <a16:creationId xmlns:a16="http://schemas.microsoft.com/office/drawing/2014/main" id="{B57C23EA-C558-5F4B-8F7B-920E44A43003}"/>
-              </a:ext>
-            </a:extLst>
-          </p:cNvPr>
-          <p:cNvSpPr txBox="1"/>
-          <p:nvPr/>
-        </p:nvSpPr>
-        <p:spPr>
-          <a:xfrm>
-            <a:off x="6702465" y="248866"/>
-            <a:ext cx="2489918" cy="276999"/>
-          </a:xfrm>
-          <a:prstGeom prst="rect">
-            <a:avLst/>
-          </a:prstGeom>
-          <a:noFill/>
+            <a:prstDash val="dash"/>
+          </a:ln>
         </p:spPr>
         <p:txBody>
           <a:bodyPr wrap="square" rtlCol="0">
@@ -4874,139 +4724,13 @@
           <a:lstStyle/>
           <a:p>
             <a:r>
-              <a:rPr lang="en-US" sz="1200" dirty="0"/>
-              <a:t>[ITI-66] [ITI-67] [ITI-68]</a:t>
-            </a:r>
-          </a:p>
-        </p:txBody>
-      </p:sp>
-      <p:sp>
-        <p:nvSpPr>
-          <p:cNvPr id="94" name="TextBox 93">
-            <a:extLst>
-              <a:ext uri="{FF2B5EF4-FFF2-40B4-BE49-F238E27FC236}">
-                <a16:creationId xmlns:a16="http://schemas.microsoft.com/office/drawing/2014/main" id="{E783FE2A-A1FF-AD48-866C-095BBF56CD17}"/>
-              </a:ext>
-            </a:extLst>
-          </p:cNvPr>
-          <p:cNvSpPr txBox="1"/>
-          <p:nvPr/>
-        </p:nvSpPr>
-        <p:spPr>
-          <a:xfrm>
-            <a:off x="815624" y="1260595"/>
-            <a:ext cx="2045874" cy="307777"/>
-          </a:xfrm>
-          <a:prstGeom prst="rect">
-            <a:avLst/>
-          </a:prstGeom>
-          <a:noFill/>
-          <a:ln w="12700">
-            <a:solidFill>
-              <a:schemeClr val="tx1"/>
-            </a:solidFill>
-            <a:prstDash val="dash"/>
-          </a:ln>
-        </p:spPr>
-        <p:txBody>
-          <a:bodyPr wrap="square" rtlCol="0">
-            <a:spAutoFit/>
-          </a:bodyPr>
-          <a:lstStyle/>
-          <a:p>
-            <a:r>
-              <a:rPr lang="en-US" sz="1400" dirty="0"/>
-              <a:t>IUA Authorization Client</a:t>
-            </a:r>
-          </a:p>
-        </p:txBody>
-      </p:sp>
-      <p:sp>
-        <p:nvSpPr>
-          <p:cNvPr id="95" name="TextBox 94">
-            <a:extLst>
-              <a:ext uri="{FF2B5EF4-FFF2-40B4-BE49-F238E27FC236}">
-                <a16:creationId xmlns:a16="http://schemas.microsoft.com/office/drawing/2014/main" id="{1DB0EA52-A144-674B-81CC-59D47031652E}"/>
-              </a:ext>
-            </a:extLst>
-          </p:cNvPr>
-          <p:cNvSpPr txBox="1"/>
-          <p:nvPr/>
-        </p:nvSpPr>
-        <p:spPr>
-          <a:xfrm>
-            <a:off x="787217" y="2426663"/>
-            <a:ext cx="2046928" cy="307777"/>
-          </a:xfrm>
-          <a:prstGeom prst="rect">
-            <a:avLst/>
-          </a:prstGeom>
-          <a:noFill/>
-          <a:ln w="12700">
-            <a:solidFill>
-              <a:schemeClr val="tx1"/>
-            </a:solidFill>
-            <a:prstDash val="dash"/>
-          </a:ln>
-        </p:spPr>
-        <p:txBody>
-          <a:bodyPr wrap="square" rtlCol="0">
-            <a:spAutoFit/>
-          </a:bodyPr>
-          <a:lstStyle/>
-          <a:p>
-            <a:r>
-              <a:rPr lang="en-US" sz="1400" dirty="0"/>
-              <a:t>CT Time Client</a:t>
-            </a:r>
-          </a:p>
-        </p:txBody>
-      </p:sp>
-      <p:sp>
-        <p:nvSpPr>
-          <p:cNvPr id="96" name="TextBox 95">
-            <a:extLst>
-              <a:ext uri="{FF2B5EF4-FFF2-40B4-BE49-F238E27FC236}">
-                <a16:creationId xmlns:a16="http://schemas.microsoft.com/office/drawing/2014/main" id="{494E26D7-8A77-1C42-88E2-B0C061C9D0C3}"/>
-              </a:ext>
-            </a:extLst>
-          </p:cNvPr>
-          <p:cNvSpPr txBox="1"/>
-          <p:nvPr/>
-        </p:nvSpPr>
-        <p:spPr>
-          <a:xfrm>
-            <a:off x="787216" y="1569677"/>
-            <a:ext cx="2055587" cy="523220"/>
-          </a:xfrm>
-          <a:prstGeom prst="rect">
-            <a:avLst/>
-          </a:prstGeom>
-          <a:noFill/>
-          <a:ln w="12700">
-            <a:solidFill>
-              <a:schemeClr val="tx1"/>
-            </a:solidFill>
-            <a:prstDash val="dash"/>
-          </a:ln>
-        </p:spPr>
-        <p:txBody>
-          <a:bodyPr wrap="square" rtlCol="0">
-            <a:spAutoFit/>
-          </a:bodyPr>
-          <a:lstStyle/>
-          <a:p>
-            <a:r>
               <a:rPr lang="en-US" sz="1400" dirty="0" err="1"/>
               <a:t>PDQm</a:t>
             </a:r>
             <a:r>
               <a:rPr lang="en-US" sz="1400" dirty="0"/>
-              <a:t> Consumer or </a:t>
-            </a:r>
-            <a:br>
-              <a:rPr lang="en-US" sz="1400" dirty="0"/>
-            </a:br>
+              <a:t> or </a:t>
+            </a:r>
             <a:r>
               <a:rPr lang="en-US" sz="1400" dirty="0" err="1"/>
               <a:t>PIXm</a:t>
@@ -5032,8 +4756,8 @@
         </p:nvSpPr>
         <p:spPr>
           <a:xfrm>
-            <a:off x="5072312" y="2671872"/>
-            <a:ext cx="2104623" cy="523220"/>
+            <a:off x="4907261" y="3972193"/>
+            <a:ext cx="2328825" cy="307777"/>
           </a:xfrm>
           <a:prstGeom prst="rect">
             <a:avLst/>
@@ -5075,7 +4799,7 @@
         </p:nvCxnSpPr>
         <p:spPr>
           <a:xfrm>
-            <a:off x="6704697" y="3204357"/>
+            <a:off x="6704697" y="4275175"/>
             <a:ext cx="0" cy="445587"/>
           </a:xfrm>
           <a:prstGeom prst="straightConnector1">
@@ -5114,15 +4838,14 @@
           </p:cNvPr>
           <p:cNvCxnSpPr>
             <a:cxnSpLocks/>
-            <a:stCxn id="94" idx="3"/>
             <a:endCxn id="20" idx="1"/>
           </p:cNvCxnSpPr>
           <p:nvPr/>
         </p:nvCxnSpPr>
         <p:spPr>
           <a:xfrm flipV="1">
-            <a:off x="2861498" y="1029854"/>
-            <a:ext cx="5902265" cy="384630"/>
+            <a:off x="2858433" y="3305731"/>
+            <a:ext cx="6126737" cy="208323"/>
           </a:xfrm>
           <a:prstGeom prst="straightConnector1">
             <a:avLst/>
@@ -5163,7 +4886,7 @@
         </p:nvSpPr>
         <p:spPr>
           <a:xfrm>
-            <a:off x="5226495" y="3248667"/>
+            <a:off x="5107995" y="4265554"/>
             <a:ext cx="1504819" cy="461665"/>
           </a:xfrm>
           <a:prstGeom prst="rect">
@@ -5198,7 +4921,7 @@
         </p:nvSpPr>
         <p:spPr>
           <a:xfrm>
-            <a:off x="4834198" y="1560336"/>
+            <a:off x="4738594" y="3617871"/>
             <a:ext cx="2610651" cy="369332"/>
           </a:xfrm>
           <a:prstGeom prst="rect">
@@ -5233,7 +4956,7 @@
         </p:nvSpPr>
         <p:spPr>
           <a:xfrm>
-            <a:off x="2354653" y="5192222"/>
+            <a:off x="1900617" y="5710704"/>
             <a:ext cx="2066523" cy="276999"/>
           </a:xfrm>
           <a:prstGeom prst="rect">
@@ -5254,50 +4977,6 @@
           </a:p>
         </p:txBody>
       </p:sp>
-      <p:cxnSp>
-        <p:nvCxnSpPr>
-          <p:cNvPr id="118" name="Straight Arrow Connector 117">
-            <a:extLst>
-              <a:ext uri="{FF2B5EF4-FFF2-40B4-BE49-F238E27FC236}">
-                <a16:creationId xmlns:a16="http://schemas.microsoft.com/office/drawing/2014/main" id="{F15D8E51-115E-214D-9ACB-8D335936DD98}"/>
-              </a:ext>
-            </a:extLst>
-          </p:cNvPr>
-          <p:cNvCxnSpPr>
-            <a:cxnSpLocks/>
-          </p:cNvCxnSpPr>
-          <p:nvPr/>
-        </p:nvCxnSpPr>
-        <p:spPr>
-          <a:xfrm>
-            <a:off x="2834892" y="1440458"/>
-            <a:ext cx="2185639" cy="629245"/>
-          </a:xfrm>
-          <a:prstGeom prst="straightConnector1">
-            <a:avLst/>
-          </a:prstGeom>
-          <a:ln w="12700">
-            <a:solidFill>
-              <a:schemeClr val="tx1"/>
-            </a:solidFill>
-            <a:tailEnd type="triangle" w="lg" len="med"/>
-          </a:ln>
-        </p:spPr>
-        <p:style>
-          <a:lnRef idx="1">
-            <a:schemeClr val="accent1"/>
-          </a:lnRef>
-          <a:fillRef idx="0">
-            <a:schemeClr val="accent1"/>
-          </a:fillRef>
-          <a:effectRef idx="0">
-            <a:schemeClr val="accent1"/>
-          </a:effectRef>
-          <a:fontRef idx="minor">
-            <a:schemeClr val="tx1"/>
-          </a:fontRef>
-        </p:style>
-      </p:cxnSp>
       <p:sp>
         <p:nvSpPr>
           <p:cNvPr id="124" name="TextBox 123">
@@ -5312,8 +4991,8 @@
         </p:nvSpPr>
         <p:spPr>
           <a:xfrm>
-            <a:off x="5065517" y="1996630"/>
-            <a:ext cx="2066523" cy="307777"/>
+            <a:off x="8981821" y="2766366"/>
+            <a:ext cx="2876570" cy="307777"/>
           </a:xfrm>
           <a:prstGeom prst="rect">
             <a:avLst/>
@@ -5323,7 +5002,7 @@
             <a:solidFill>
               <a:schemeClr val="tx1"/>
             </a:solidFill>
-            <a:prstDash val="dash"/>
+            <a:prstDash val="solid"/>
           </a:ln>
         </p:spPr>
         <p:txBody>
@@ -5341,10 +5020,10 @@
       </p:sp>
       <p:sp>
         <p:nvSpPr>
-          <p:cNvPr id="128" name="TextBox 127">
-            <a:extLst>
-              <a:ext uri="{FF2B5EF4-FFF2-40B4-BE49-F238E27FC236}">
-                <a16:creationId xmlns:a16="http://schemas.microsoft.com/office/drawing/2014/main" id="{16E45984-A50F-8641-858B-A5E68C4F09A3}"/>
+          <p:cNvPr id="132" name="TextBox 131">
+            <a:extLst>
+              <a:ext uri="{FF2B5EF4-FFF2-40B4-BE49-F238E27FC236}">
+                <a16:creationId xmlns:a16="http://schemas.microsoft.com/office/drawing/2014/main" id="{8A7F91DB-30E7-6248-BB5A-0116674421BE}"/>
               </a:ext>
             </a:extLst>
           </p:cNvPr>
@@ -5353,48 +5032,7 @@
         </p:nvSpPr>
         <p:spPr>
           <a:xfrm>
-            <a:off x="828623" y="405292"/>
-            <a:ext cx="2465194" cy="307777"/>
-          </a:xfrm>
-          <a:prstGeom prst="rect">
-            <a:avLst/>
-          </a:prstGeom>
-          <a:noFill/>
-          <a:ln w="12700">
-            <a:solidFill>
-              <a:schemeClr val="tx1"/>
-            </a:solidFill>
-            <a:prstDash val="dash"/>
-          </a:ln>
-        </p:spPr>
-        <p:txBody>
-          <a:bodyPr wrap="square" rtlCol="0">
-            <a:spAutoFit/>
-          </a:bodyPr>
-          <a:lstStyle/>
-          <a:p>
-            <a:r>
-              <a:rPr lang="en-US" sz="1400" dirty="0"/>
-              <a:t>IUA Authorization Client</a:t>
-            </a:r>
-          </a:p>
-        </p:txBody>
-      </p:sp>
-      <p:sp>
-        <p:nvSpPr>
-          <p:cNvPr id="132" name="TextBox 131">
-            <a:extLst>
-              <a:ext uri="{FF2B5EF4-FFF2-40B4-BE49-F238E27FC236}">
-                <a16:creationId xmlns:a16="http://schemas.microsoft.com/office/drawing/2014/main" id="{8A7F91DB-30E7-6248-BB5A-0116674421BE}"/>
-              </a:ext>
-            </a:extLst>
-          </p:cNvPr>
-          <p:cNvSpPr txBox="1"/>
-          <p:nvPr/>
-        </p:nvSpPr>
-        <p:spPr>
-          <a:xfrm>
-            <a:off x="6320878" y="698122"/>
+            <a:off x="7292623" y="3059086"/>
             <a:ext cx="2040944" cy="461665"/>
           </a:xfrm>
           <a:prstGeom prst="rect">
@@ -5427,13 +5065,14 @@
           <p:cNvCxnSpPr>
             <a:cxnSpLocks/>
             <a:stCxn id="96" idx="3"/>
+            <a:endCxn id="22" idx="1"/>
           </p:cNvCxnSpPr>
           <p:nvPr/>
         </p:nvCxnSpPr>
         <p:spPr>
           <a:xfrm>
-            <a:off x="2842803" y="1831287"/>
-            <a:ext cx="2218253" cy="2291693"/>
+            <a:off x="2904807" y="4058001"/>
+            <a:ext cx="2127071" cy="801676"/>
           </a:xfrm>
           <a:prstGeom prst="straightConnector1">
             <a:avLst/>
@@ -5476,8 +5115,8 @@
         </p:nvCxnSpPr>
         <p:spPr>
           <a:xfrm>
-            <a:off x="1957490" y="2853058"/>
-            <a:ext cx="3105248" cy="3718572"/>
+            <a:off x="2057400" y="5275618"/>
+            <a:ext cx="2973950" cy="1310217"/>
           </a:xfrm>
           <a:prstGeom prst="straightConnector1">
             <a:avLst/>
@@ -5515,14 +5154,15 @@
           </p:cNvPr>
           <p:cNvCxnSpPr>
             <a:cxnSpLocks/>
-            <a:endCxn id="20" idx="1"/>
+            <a:stCxn id="94" idx="3"/>
+            <a:endCxn id="124" idx="1"/>
           </p:cNvCxnSpPr>
           <p:nvPr/>
         </p:nvCxnSpPr>
         <p:spPr>
-          <a:xfrm>
-            <a:off x="3293817" y="614298"/>
-            <a:ext cx="5469946" cy="415556"/>
+          <a:xfrm flipV="1">
+            <a:off x="2909121" y="2920255"/>
+            <a:ext cx="6072700" cy="477194"/>
           </a:xfrm>
           <a:prstGeom prst="straightConnector1">
             <a:avLst/>
@@ -5563,8 +5203,8 @@
         </p:nvSpPr>
         <p:spPr>
           <a:xfrm>
-            <a:off x="227208" y="1249248"/>
-            <a:ext cx="628952" cy="923330"/>
+            <a:off x="332452" y="2621331"/>
+            <a:ext cx="2891969" cy="369332"/>
           </a:xfrm>
           <a:prstGeom prst="rect">
             <a:avLst/>
@@ -5580,25 +5220,17 @@
             <a:pPr algn="ctr"/>
             <a:r>
               <a:rPr lang="en-US" b="1" dirty="0"/>
-              <a:t>HIE Doc</a:t>
-            </a:r>
-          </a:p>
-          <a:p>
-            <a:pPr algn="ctr"/>
-            <a:r>
-              <a:rPr lang="en-US" b="1" dirty="0" err="1"/>
-              <a:t>Src</a:t>
-            </a:r>
-            <a:endParaRPr lang="en-US" b="1" dirty="0"/>
-          </a:p>
-        </p:txBody>
-      </p:sp>
-      <p:sp>
-        <p:nvSpPr>
-          <p:cNvPr id="150" name="TextBox 149">
-            <a:extLst>
-              <a:ext uri="{FF2B5EF4-FFF2-40B4-BE49-F238E27FC236}">
-                <a16:creationId xmlns:a16="http://schemas.microsoft.com/office/drawing/2014/main" id="{4166EB75-DEA3-2344-96C7-EDA0C056C0B5}"/>
+              <a:t>HIE Doc Source</a:t>
+            </a:r>
+          </a:p>
+        </p:txBody>
+      </p:sp>
+      <p:sp>
+        <p:nvSpPr>
+          <p:cNvPr id="2" name="TextBox 1">
+            <a:extLst>
+              <a:ext uri="{FF2B5EF4-FFF2-40B4-BE49-F238E27FC236}">
+                <a16:creationId xmlns:a16="http://schemas.microsoft.com/office/drawing/2014/main" id="{44315837-D8C9-A249-A4A0-E1B29B86DE21}"/>
               </a:ext>
             </a:extLst>
           </p:cNvPr>
@@ -5607,8 +5239,8 @@
         </p:nvSpPr>
         <p:spPr>
           <a:xfrm>
-            <a:off x="227383" y="78901"/>
-            <a:ext cx="705350" cy="738664"/>
+            <a:off x="4666534" y="173962"/>
+            <a:ext cx="3508683" cy="461665"/>
           </a:xfrm>
           <a:prstGeom prst="rect">
             <a:avLst/>
@@ -5621,27 +5253,19 @@
           </a:bodyPr>
           <a:lstStyle/>
           <a:p>
-            <a:pPr algn="ctr"/>
-            <a:r>
-              <a:rPr lang="en-US" sz="1400" b="1" dirty="0"/>
-              <a:t>HIE</a:t>
-            </a:r>
-          </a:p>
-          <a:p>
-            <a:pPr algn="ctr"/>
-            <a:r>
-              <a:rPr lang="en-US" sz="1400" b="1" dirty="0"/>
-              <a:t>Doc Cons</a:t>
-            </a:r>
-          </a:p>
-        </p:txBody>
-      </p:sp>
-      <p:sp>
-        <p:nvSpPr>
-          <p:cNvPr id="2" name="TextBox 1">
-            <a:extLst>
-              <a:ext uri="{FF2B5EF4-FFF2-40B4-BE49-F238E27FC236}">
-                <a16:creationId xmlns:a16="http://schemas.microsoft.com/office/drawing/2014/main" id="{44315837-D8C9-A249-A4A0-E1B29B86DE21}"/>
+            <a:r>
+              <a:rPr lang="en-US" sz="2400" b="1" dirty="0"/>
+              <a:t>MHDS Actor Diagram</a:t>
+            </a:r>
+          </a:p>
+        </p:txBody>
+      </p:sp>
+      <p:sp>
+        <p:nvSpPr>
+          <p:cNvPr id="57" name="TextBox 56">
+            <a:extLst>
+              <a:ext uri="{FF2B5EF4-FFF2-40B4-BE49-F238E27FC236}">
+                <a16:creationId xmlns:a16="http://schemas.microsoft.com/office/drawing/2014/main" id="{DAB85D9E-CEAC-D447-A840-CF8D2E3FB8C4}"/>
               </a:ext>
             </a:extLst>
           </p:cNvPr>
@@ -5650,43 +5274,8 @@
         </p:nvSpPr>
         <p:spPr>
           <a:xfrm>
-            <a:off x="4504349" y="981"/>
-            <a:ext cx="2219899" cy="369332"/>
-          </a:xfrm>
-          <a:prstGeom prst="rect">
-            <a:avLst/>
-          </a:prstGeom>
-          <a:noFill/>
-        </p:spPr>
-        <p:txBody>
-          <a:bodyPr wrap="square" rtlCol="0">
-            <a:spAutoFit/>
-          </a:bodyPr>
-          <a:lstStyle/>
-          <a:p>
-            <a:r>
-              <a:rPr lang="en-US" b="1" dirty="0"/>
-              <a:t>MHD Actor Diagram</a:t>
-            </a:r>
-          </a:p>
-        </p:txBody>
-      </p:sp>
-      <p:sp>
-        <p:nvSpPr>
-          <p:cNvPr id="57" name="TextBox 56">
-            <a:extLst>
-              <a:ext uri="{FF2B5EF4-FFF2-40B4-BE49-F238E27FC236}">
-                <a16:creationId xmlns:a16="http://schemas.microsoft.com/office/drawing/2014/main" id="{DAB85D9E-CEAC-D447-A840-CF8D2E3FB8C4}"/>
-              </a:ext>
-            </a:extLst>
-          </p:cNvPr>
-          <p:cNvSpPr txBox="1"/>
-          <p:nvPr/>
-        </p:nvSpPr>
-        <p:spPr>
-          <a:xfrm>
-            <a:off x="782755" y="2108314"/>
-            <a:ext cx="2046928" cy="307777"/>
+            <a:off x="856160" y="3564401"/>
+            <a:ext cx="2060048" cy="307777"/>
           </a:xfrm>
           <a:prstGeom prst="rect">
             <a:avLst/>
@@ -5728,8 +5317,8 @@
         </p:nvCxnSpPr>
         <p:spPr>
           <a:xfrm flipV="1">
-            <a:off x="2876824" y="2018005"/>
-            <a:ext cx="424443" cy="267083"/>
+            <a:off x="2923589" y="3713945"/>
+            <a:ext cx="601663" cy="25435"/>
           </a:xfrm>
           <a:prstGeom prst="straightConnector1">
             <a:avLst/>
@@ -5756,12 +5345,101 @@
           </a:fontRef>
         </p:style>
       </p:cxnSp>
+      <p:sp>
+        <p:nvSpPr>
+          <p:cNvPr id="66" name="TextBox 65">
+            <a:extLst>
+              <a:ext uri="{FF2B5EF4-FFF2-40B4-BE49-F238E27FC236}">
+                <a16:creationId xmlns:a16="http://schemas.microsoft.com/office/drawing/2014/main" id="{194DF256-830B-3B4B-A562-83E020B45D19}"/>
+              </a:ext>
+            </a:extLst>
+          </p:cNvPr>
+          <p:cNvSpPr txBox="1"/>
+          <p:nvPr/>
+        </p:nvSpPr>
+        <p:spPr>
+          <a:xfrm>
+            <a:off x="3449634" y="3413905"/>
+            <a:ext cx="2066523" cy="646331"/>
+          </a:xfrm>
+          <a:prstGeom prst="rect">
+            <a:avLst/>
+          </a:prstGeom>
+          <a:noFill/>
+        </p:spPr>
+        <p:txBody>
+          <a:bodyPr wrap="square" rtlCol="0">
+            <a:spAutoFit/>
+          </a:bodyPr>
+          <a:lstStyle/>
+          <a:p>
+            <a:r>
+              <a:rPr lang="en-US" sz="1200" dirty="0"/>
+              <a:t>… [ITI-19] </a:t>
+            </a:r>
+            <a:br>
+              <a:rPr lang="en-US" sz="1200" dirty="0"/>
+            </a:br>
+            <a:r>
+              <a:rPr lang="en-US" sz="1200" dirty="0"/>
+              <a:t>Authenticate </a:t>
+            </a:r>
+          </a:p>
+          <a:p>
+            <a:r>
+              <a:rPr lang="en-US" sz="1200" dirty="0"/>
+              <a:t>Node</a:t>
+            </a:r>
+          </a:p>
+        </p:txBody>
+      </p:sp>
+      <p:sp>
+        <p:nvSpPr>
+          <p:cNvPr id="71" name="TextBox 70">
+            <a:extLst>
+              <a:ext uri="{FF2B5EF4-FFF2-40B4-BE49-F238E27FC236}">
+                <a16:creationId xmlns:a16="http://schemas.microsoft.com/office/drawing/2014/main" id="{0987486F-5BF7-E841-A367-EDD1A1AC9C25}"/>
+              </a:ext>
+            </a:extLst>
+          </p:cNvPr>
+          <p:cNvSpPr txBox="1"/>
+          <p:nvPr/>
+        </p:nvSpPr>
+        <p:spPr>
+          <a:xfrm>
+            <a:off x="850728" y="4243984"/>
+            <a:ext cx="2060048" cy="307777"/>
+          </a:xfrm>
+          <a:prstGeom prst="rect">
+            <a:avLst/>
+          </a:prstGeom>
+          <a:noFill/>
+          <a:ln w="12700">
+            <a:solidFill>
+              <a:schemeClr val="tx1"/>
+            </a:solidFill>
+            <a:prstDash val="dash"/>
+          </a:ln>
+        </p:spPr>
+        <p:txBody>
+          <a:bodyPr wrap="square" rtlCol="0">
+            <a:spAutoFit/>
+          </a:bodyPr>
+          <a:lstStyle/>
+          <a:p>
+            <a:r>
+              <a:rPr lang="en-US" sz="1400" dirty="0"/>
+              <a:t>SVCM Terminology Cons.</a:t>
+            </a:r>
+          </a:p>
+        </p:txBody>
+      </p:sp>
       <p:cxnSp>
         <p:nvCxnSpPr>
-          <p:cNvPr id="65" name="Straight Arrow Connector 64">
-            <a:extLst>
-              <a:ext uri="{FF2B5EF4-FFF2-40B4-BE49-F238E27FC236}">
-                <a16:creationId xmlns:a16="http://schemas.microsoft.com/office/drawing/2014/main" id="{CDC0C084-E82A-6A47-9070-335C641ABABA}"/>
+          <p:cNvPr id="78" name="Straight Arrow Connector 77">
+            <a:extLst>
+              <a:ext uri="{FF2B5EF4-FFF2-40B4-BE49-F238E27FC236}">
+                <a16:creationId xmlns:a16="http://schemas.microsoft.com/office/drawing/2014/main" id="{D161AE7F-1AA0-414D-8E45-131BC628F5DA}"/>
               </a:ext>
             </a:extLst>
           </p:cNvPr>
@@ -5772,8 +5450,8 @@
         </p:nvCxnSpPr>
         <p:spPr>
           <a:xfrm>
-            <a:off x="2995203" y="1983687"/>
-            <a:ext cx="2218253" cy="2291693"/>
+            <a:off x="2933150" y="4462798"/>
+            <a:ext cx="2076354" cy="848494"/>
           </a:xfrm>
           <a:prstGeom prst="straightConnector1">
             <a:avLst/>
@@ -5802,10 +5480,10 @@
       </p:cxnSp>
       <p:sp>
         <p:nvSpPr>
-          <p:cNvPr id="66" name="TextBox 65">
-            <a:extLst>
-              <a:ext uri="{FF2B5EF4-FFF2-40B4-BE49-F238E27FC236}">
-                <a16:creationId xmlns:a16="http://schemas.microsoft.com/office/drawing/2014/main" id="{194DF256-830B-3B4B-A562-83E020B45D19}"/>
+          <p:cNvPr id="82" name="TextBox 81">
+            <a:extLst>
+              <a:ext uri="{FF2B5EF4-FFF2-40B4-BE49-F238E27FC236}">
+                <a16:creationId xmlns:a16="http://schemas.microsoft.com/office/drawing/2014/main" id="{D02358D7-9224-0347-A1B4-78826EB76769}"/>
               </a:ext>
             </a:extLst>
           </p:cNvPr>
@@ -5814,8 +5492,8 @@
         </p:nvSpPr>
         <p:spPr>
           <a:xfrm>
-            <a:off x="3175098" y="1924790"/>
-            <a:ext cx="2066523" cy="461665"/>
+            <a:off x="3426126" y="4998619"/>
+            <a:ext cx="2066523" cy="276999"/>
           </a:xfrm>
           <a:prstGeom prst="rect">
             <a:avLst/>
@@ -5830,13 +5508,1125 @@
           <a:p>
             <a:r>
               <a:rPr lang="en-US" sz="1200" dirty="0"/>
-              <a:t>… [ITI-19] Authenticate </a:t>
-            </a:r>
-          </a:p>
+              <a:t>[ITI-xx] ???</a:t>
+            </a:r>
+          </a:p>
+        </p:txBody>
+      </p:sp>
+      <p:sp>
+        <p:nvSpPr>
+          <p:cNvPr id="104" name="Rounded Rectangle 103">
+            <a:extLst>
+              <a:ext uri="{FF2B5EF4-FFF2-40B4-BE49-F238E27FC236}">
+                <a16:creationId xmlns:a16="http://schemas.microsoft.com/office/drawing/2014/main" id="{FC3EE6E7-5D14-5540-A5C1-4C2EE825B4CA}"/>
+              </a:ext>
+            </a:extLst>
+          </p:cNvPr>
+          <p:cNvSpPr/>
+          <p:nvPr/>
+        </p:nvSpPr>
+        <p:spPr>
+          <a:xfrm>
+            <a:off x="472496" y="164247"/>
+            <a:ext cx="2781322" cy="2265310"/>
+          </a:xfrm>
+          <a:prstGeom prst="roundRect">
+            <a:avLst/>
+          </a:prstGeom>
+          <a:solidFill>
+            <a:schemeClr val="accent6">
+              <a:lumMod val="20000"/>
+              <a:lumOff val="80000"/>
+            </a:schemeClr>
+          </a:solidFill>
+          <a:ln>
+            <a:solidFill>
+              <a:schemeClr val="tx1">
+                <a:alpha val="81000"/>
+              </a:schemeClr>
+            </a:solidFill>
+            <a:prstDash val="dash"/>
+          </a:ln>
+        </p:spPr>
+        <p:style>
+          <a:lnRef idx="2">
+            <a:schemeClr val="accent1">
+              <a:shade val="50000"/>
+            </a:schemeClr>
+          </a:lnRef>
+          <a:fillRef idx="1">
+            <a:schemeClr val="accent1"/>
+          </a:fillRef>
+          <a:effectRef idx="0">
+            <a:schemeClr val="accent1"/>
+          </a:effectRef>
+          <a:fontRef idx="minor">
+            <a:schemeClr val="lt1"/>
+          </a:fontRef>
+        </p:style>
+        <p:txBody>
+          <a:bodyPr rtlCol="0" anchor="ctr"/>
+          <a:lstStyle/>
+          <a:p>
+            <a:pPr algn="ctr"/>
+            <a:endParaRPr lang="en-US" dirty="0"/>
+          </a:p>
+        </p:txBody>
+      </p:sp>
+      <p:sp>
+        <p:nvSpPr>
+          <p:cNvPr id="105" name="TextBox 104">
+            <a:extLst>
+              <a:ext uri="{FF2B5EF4-FFF2-40B4-BE49-F238E27FC236}">
+                <a16:creationId xmlns:a16="http://schemas.microsoft.com/office/drawing/2014/main" id="{A274B35B-EA28-1243-8D98-6060FCA19E39}"/>
+              </a:ext>
+            </a:extLst>
+          </p:cNvPr>
+          <p:cNvSpPr txBox="1"/>
+          <p:nvPr/>
+        </p:nvSpPr>
+        <p:spPr>
+          <a:xfrm>
+            <a:off x="862508" y="421047"/>
+            <a:ext cx="2015052" cy="276999"/>
+          </a:xfrm>
+          <a:prstGeom prst="rect">
+            <a:avLst/>
+          </a:prstGeom>
+          <a:noFill/>
+          <a:ln w="12700">
+            <a:solidFill>
+              <a:schemeClr val="tx1"/>
+            </a:solidFill>
+            <a:prstDash val="dash"/>
+          </a:ln>
+        </p:spPr>
+        <p:txBody>
+          <a:bodyPr wrap="square" rtlCol="0">
+            <a:spAutoFit/>
+          </a:bodyPr>
+          <a:lstStyle/>
           <a:p>
             <a:r>
               <a:rPr lang="en-US" sz="1200" dirty="0"/>
-              <a:t>Node</a:t>
+              <a:t>MHD Doc Consumer</a:t>
+            </a:r>
+          </a:p>
+        </p:txBody>
+      </p:sp>
+      <p:sp>
+        <p:nvSpPr>
+          <p:cNvPr id="106" name="TextBox 105">
+            <a:extLst>
+              <a:ext uri="{FF2B5EF4-FFF2-40B4-BE49-F238E27FC236}">
+                <a16:creationId xmlns:a16="http://schemas.microsoft.com/office/drawing/2014/main" id="{4BFF705F-5F38-5A48-B9A2-B94CF16B2796}"/>
+              </a:ext>
+            </a:extLst>
+          </p:cNvPr>
+          <p:cNvSpPr txBox="1"/>
+          <p:nvPr/>
+        </p:nvSpPr>
+        <p:spPr>
+          <a:xfrm>
+            <a:off x="859235" y="703891"/>
+            <a:ext cx="2041560" cy="276999"/>
+          </a:xfrm>
+          <a:prstGeom prst="rect">
+            <a:avLst/>
+          </a:prstGeom>
+          <a:noFill/>
+          <a:ln w="12700">
+            <a:solidFill>
+              <a:schemeClr val="tx1"/>
+            </a:solidFill>
+            <a:prstDash val="dash"/>
+          </a:ln>
+        </p:spPr>
+        <p:txBody>
+          <a:bodyPr wrap="square" rtlCol="0">
+            <a:spAutoFit/>
+          </a:bodyPr>
+          <a:lstStyle/>
+          <a:p>
+            <a:r>
+              <a:rPr lang="en-US" sz="1200" dirty="0"/>
+              <a:t>IUA Authorization Client</a:t>
+            </a:r>
+          </a:p>
+        </p:txBody>
+      </p:sp>
+      <p:sp>
+        <p:nvSpPr>
+          <p:cNvPr id="107" name="TextBox 106">
+            <a:extLst>
+              <a:ext uri="{FF2B5EF4-FFF2-40B4-BE49-F238E27FC236}">
+                <a16:creationId xmlns:a16="http://schemas.microsoft.com/office/drawing/2014/main" id="{12BE4D67-6BBF-8347-B1F1-176EE01945C5}"/>
+              </a:ext>
+            </a:extLst>
+          </p:cNvPr>
+          <p:cNvSpPr txBox="1"/>
+          <p:nvPr/>
+        </p:nvSpPr>
+        <p:spPr>
+          <a:xfrm>
+            <a:off x="845209" y="2134656"/>
+            <a:ext cx="2050940" cy="276999"/>
+          </a:xfrm>
+          <a:prstGeom prst="rect">
+            <a:avLst/>
+          </a:prstGeom>
+          <a:noFill/>
+          <a:ln w="12700">
+            <a:solidFill>
+              <a:schemeClr val="tx1"/>
+            </a:solidFill>
+            <a:prstDash val="dash"/>
+          </a:ln>
+        </p:spPr>
+        <p:txBody>
+          <a:bodyPr wrap="square" rtlCol="0">
+            <a:spAutoFit/>
+          </a:bodyPr>
+          <a:lstStyle/>
+          <a:p>
+            <a:r>
+              <a:rPr lang="en-US" sz="1200" dirty="0"/>
+              <a:t>CT Time Client</a:t>
+            </a:r>
+          </a:p>
+        </p:txBody>
+      </p:sp>
+      <p:sp>
+        <p:nvSpPr>
+          <p:cNvPr id="108" name="TextBox 107">
+            <a:extLst>
+              <a:ext uri="{FF2B5EF4-FFF2-40B4-BE49-F238E27FC236}">
+                <a16:creationId xmlns:a16="http://schemas.microsoft.com/office/drawing/2014/main" id="{680F37CF-24F9-8740-BD56-A698349C9C4E}"/>
+              </a:ext>
+            </a:extLst>
+          </p:cNvPr>
+          <p:cNvSpPr txBox="1"/>
+          <p:nvPr/>
+        </p:nvSpPr>
+        <p:spPr>
+          <a:xfrm>
+            <a:off x="845208" y="1295863"/>
+            <a:ext cx="2055587" cy="276999"/>
+          </a:xfrm>
+          <a:prstGeom prst="rect">
+            <a:avLst/>
+          </a:prstGeom>
+          <a:noFill/>
+          <a:ln w="12700">
+            <a:solidFill>
+              <a:schemeClr val="tx1"/>
+            </a:solidFill>
+            <a:prstDash val="dash"/>
+          </a:ln>
+        </p:spPr>
+        <p:txBody>
+          <a:bodyPr wrap="square" rtlCol="0">
+            <a:spAutoFit/>
+          </a:bodyPr>
+          <a:lstStyle/>
+          <a:p>
+            <a:r>
+              <a:rPr lang="en-US" sz="1200" dirty="0" err="1"/>
+              <a:t>PDQm</a:t>
+            </a:r>
+            <a:r>
+              <a:rPr lang="en-US" sz="1200" dirty="0"/>
+              <a:t> or </a:t>
+            </a:r>
+            <a:r>
+              <a:rPr lang="en-US" sz="1200" dirty="0" err="1"/>
+              <a:t>PIXm</a:t>
+            </a:r>
+            <a:r>
+              <a:rPr lang="en-US" sz="1200" dirty="0"/>
+              <a:t> Consumer</a:t>
+            </a:r>
+          </a:p>
+        </p:txBody>
+      </p:sp>
+      <p:sp>
+        <p:nvSpPr>
+          <p:cNvPr id="110" name="TextBox 109">
+            <a:extLst>
+              <a:ext uri="{FF2B5EF4-FFF2-40B4-BE49-F238E27FC236}">
+                <a16:creationId xmlns:a16="http://schemas.microsoft.com/office/drawing/2014/main" id="{424A331E-22C7-2E4E-A733-1DA1CD86D7FE}"/>
+              </a:ext>
+            </a:extLst>
+          </p:cNvPr>
+          <p:cNvSpPr txBox="1"/>
+          <p:nvPr/>
+        </p:nvSpPr>
+        <p:spPr>
+          <a:xfrm>
+            <a:off x="328440" y="138812"/>
+            <a:ext cx="2891969" cy="369332"/>
+          </a:xfrm>
+          <a:prstGeom prst="rect">
+            <a:avLst/>
+          </a:prstGeom>
+          <a:noFill/>
+        </p:spPr>
+        <p:txBody>
+          <a:bodyPr wrap="square" rtlCol="0">
+            <a:spAutoFit/>
+          </a:bodyPr>
+          <a:lstStyle/>
+          <a:p>
+            <a:pPr algn="ctr"/>
+            <a:r>
+              <a:rPr lang="en-US" b="1" dirty="0"/>
+              <a:t>HIE Doc Consumer</a:t>
+            </a:r>
+          </a:p>
+        </p:txBody>
+      </p:sp>
+      <p:sp>
+        <p:nvSpPr>
+          <p:cNvPr id="111" name="TextBox 110">
+            <a:extLst>
+              <a:ext uri="{FF2B5EF4-FFF2-40B4-BE49-F238E27FC236}">
+                <a16:creationId xmlns:a16="http://schemas.microsoft.com/office/drawing/2014/main" id="{E9B9704F-6FBA-8342-9728-DB33427DE327}"/>
+              </a:ext>
+            </a:extLst>
+          </p:cNvPr>
+          <p:cNvSpPr txBox="1"/>
+          <p:nvPr/>
+        </p:nvSpPr>
+        <p:spPr>
+          <a:xfrm>
+            <a:off x="852148" y="1001872"/>
+            <a:ext cx="2048647" cy="276999"/>
+          </a:xfrm>
+          <a:prstGeom prst="rect">
+            <a:avLst/>
+          </a:prstGeom>
+          <a:noFill/>
+          <a:ln w="12700">
+            <a:solidFill>
+              <a:schemeClr val="tx1"/>
+            </a:solidFill>
+            <a:prstDash val="dash"/>
+          </a:ln>
+        </p:spPr>
+        <p:txBody>
+          <a:bodyPr wrap="square" rtlCol="0">
+            <a:spAutoFit/>
+          </a:bodyPr>
+          <a:lstStyle/>
+          <a:p>
+            <a:r>
+              <a:rPr lang="en-US" sz="1200" dirty="0"/>
+              <a:t>ATNA Secure Node/App</a:t>
+            </a:r>
+          </a:p>
+        </p:txBody>
+      </p:sp>
+      <p:sp>
+        <p:nvSpPr>
+          <p:cNvPr id="116" name="TextBox 115">
+            <a:extLst>
+              <a:ext uri="{FF2B5EF4-FFF2-40B4-BE49-F238E27FC236}">
+                <a16:creationId xmlns:a16="http://schemas.microsoft.com/office/drawing/2014/main" id="{226B5D5A-1BFD-C944-8C25-688A394B690A}"/>
+              </a:ext>
+            </a:extLst>
+          </p:cNvPr>
+          <p:cNvSpPr txBox="1"/>
+          <p:nvPr/>
+        </p:nvSpPr>
+        <p:spPr>
+          <a:xfrm>
+            <a:off x="846715" y="1601446"/>
+            <a:ext cx="2069433" cy="276999"/>
+          </a:xfrm>
+          <a:prstGeom prst="rect">
+            <a:avLst/>
+          </a:prstGeom>
+          <a:noFill/>
+          <a:ln w="12700">
+            <a:solidFill>
+              <a:schemeClr val="tx1"/>
+            </a:solidFill>
+            <a:prstDash val="dash"/>
+          </a:ln>
+        </p:spPr>
+        <p:txBody>
+          <a:bodyPr wrap="square" rtlCol="0">
+            <a:spAutoFit/>
+          </a:bodyPr>
+          <a:lstStyle/>
+          <a:p>
+            <a:r>
+              <a:rPr lang="en-US" sz="1200" dirty="0"/>
+              <a:t>SVCM Terminology Cons.</a:t>
+            </a:r>
+          </a:p>
+        </p:txBody>
+      </p:sp>
+      <p:cxnSp>
+        <p:nvCxnSpPr>
+          <p:cNvPr id="117" name="Straight Arrow Connector 116">
+            <a:extLst>
+              <a:ext uri="{FF2B5EF4-FFF2-40B4-BE49-F238E27FC236}">
+                <a16:creationId xmlns:a16="http://schemas.microsoft.com/office/drawing/2014/main" id="{F3614EFB-95EF-F744-B84D-FE052B56E494}"/>
+              </a:ext>
+            </a:extLst>
+          </p:cNvPr>
+          <p:cNvCxnSpPr>
+            <a:cxnSpLocks/>
+            <a:endCxn id="7" idx="1"/>
+          </p:cNvCxnSpPr>
+          <p:nvPr/>
+        </p:nvCxnSpPr>
+        <p:spPr>
+          <a:xfrm>
+            <a:off x="2916148" y="506539"/>
+            <a:ext cx="6031444" cy="1218197"/>
+          </a:xfrm>
+          <a:prstGeom prst="straightConnector1">
+            <a:avLst/>
+          </a:prstGeom>
+          <a:ln w="12700">
+            <a:solidFill>
+              <a:schemeClr val="tx1"/>
+            </a:solidFill>
+            <a:tailEnd type="triangle" w="lg" len="med"/>
+          </a:ln>
+        </p:spPr>
+        <p:style>
+          <a:lnRef idx="1">
+            <a:schemeClr val="accent1"/>
+          </a:lnRef>
+          <a:fillRef idx="0">
+            <a:schemeClr val="accent1"/>
+          </a:fillRef>
+          <a:effectRef idx="0">
+            <a:schemeClr val="accent1"/>
+          </a:effectRef>
+          <a:fontRef idx="minor">
+            <a:schemeClr val="tx1"/>
+          </a:fontRef>
+        </p:style>
+      </p:cxnSp>
+      <p:sp>
+        <p:nvSpPr>
+          <p:cNvPr id="118" name="TextBox 117">
+            <a:extLst>
+              <a:ext uri="{FF2B5EF4-FFF2-40B4-BE49-F238E27FC236}">
+                <a16:creationId xmlns:a16="http://schemas.microsoft.com/office/drawing/2014/main" id="{72C390AA-7859-494F-82CA-2B2795ABA56D}"/>
+              </a:ext>
+            </a:extLst>
+          </p:cNvPr>
+          <p:cNvSpPr txBox="1"/>
+          <p:nvPr/>
+        </p:nvSpPr>
+        <p:spPr>
+          <a:xfrm>
+            <a:off x="6194851" y="900898"/>
+            <a:ext cx="2066523" cy="276999"/>
+          </a:xfrm>
+          <a:prstGeom prst="rect">
+            <a:avLst/>
+          </a:prstGeom>
+          <a:noFill/>
+        </p:spPr>
+        <p:txBody>
+          <a:bodyPr wrap="square" rtlCol="0">
+            <a:spAutoFit/>
+          </a:bodyPr>
+          <a:lstStyle/>
+          <a:p>
+            <a:r>
+              <a:rPr lang="en-US" sz="1200" dirty="0"/>
+              <a:t>[ITI-66] or [ITI-67] or [ITI-68]</a:t>
+            </a:r>
+          </a:p>
+        </p:txBody>
+      </p:sp>
+      <p:cxnSp>
+        <p:nvCxnSpPr>
+          <p:cNvPr id="119" name="Straight Arrow Connector 118">
+            <a:extLst>
+              <a:ext uri="{FF2B5EF4-FFF2-40B4-BE49-F238E27FC236}">
+                <a16:creationId xmlns:a16="http://schemas.microsoft.com/office/drawing/2014/main" id="{30CA89B3-DB78-7B4B-8552-32114ECD7204}"/>
+              </a:ext>
+            </a:extLst>
+          </p:cNvPr>
+          <p:cNvCxnSpPr>
+            <a:cxnSpLocks/>
+          </p:cNvCxnSpPr>
+          <p:nvPr/>
+        </p:nvCxnSpPr>
+        <p:spPr>
+          <a:xfrm>
+            <a:off x="2931287" y="841895"/>
+            <a:ext cx="705843" cy="13688"/>
+          </a:xfrm>
+          <a:prstGeom prst="straightConnector1">
+            <a:avLst/>
+          </a:prstGeom>
+          <a:ln w="12700">
+            <a:solidFill>
+              <a:schemeClr val="tx1"/>
+            </a:solidFill>
+            <a:tailEnd type="triangle" w="lg" len="med"/>
+          </a:ln>
+        </p:spPr>
+        <p:style>
+          <a:lnRef idx="1">
+            <a:schemeClr val="accent1"/>
+          </a:lnRef>
+          <a:fillRef idx="0">
+            <a:schemeClr val="accent1"/>
+          </a:fillRef>
+          <a:effectRef idx="0">
+            <a:schemeClr val="accent1"/>
+          </a:effectRef>
+          <a:fontRef idx="minor">
+            <a:schemeClr val="tx1"/>
+          </a:fontRef>
+        </p:style>
+      </p:cxnSp>
+      <p:sp>
+        <p:nvSpPr>
+          <p:cNvPr id="120" name="TextBox 119">
+            <a:extLst>
+              <a:ext uri="{FF2B5EF4-FFF2-40B4-BE49-F238E27FC236}">
+                <a16:creationId xmlns:a16="http://schemas.microsoft.com/office/drawing/2014/main" id="{77A3091A-A133-E24C-B111-1B5A9C95EBCE}"/>
+              </a:ext>
+            </a:extLst>
+          </p:cNvPr>
+          <p:cNvSpPr txBox="1"/>
+          <p:nvPr/>
+        </p:nvSpPr>
+        <p:spPr>
+          <a:xfrm>
+            <a:off x="3563132" y="740215"/>
+            <a:ext cx="2066523" cy="461665"/>
+          </a:xfrm>
+          <a:prstGeom prst="rect">
+            <a:avLst/>
+          </a:prstGeom>
+          <a:noFill/>
+        </p:spPr>
+        <p:txBody>
+          <a:bodyPr wrap="square" rtlCol="0">
+            <a:spAutoFit/>
+          </a:bodyPr>
+          <a:lstStyle/>
+          <a:p>
+            <a:r>
+              <a:rPr lang="en-US" sz="1200" dirty="0"/>
+              <a:t>[ITI-71]</a:t>
+            </a:r>
+          </a:p>
+          <a:p>
+            <a:r>
+              <a:rPr lang="en-US" sz="1200" dirty="0"/>
+              <a:t> [ITI-72]</a:t>
+            </a:r>
+          </a:p>
+        </p:txBody>
+      </p:sp>
+      <p:cxnSp>
+        <p:nvCxnSpPr>
+          <p:cNvPr id="121" name="Straight Arrow Connector 120">
+            <a:extLst>
+              <a:ext uri="{FF2B5EF4-FFF2-40B4-BE49-F238E27FC236}">
+                <a16:creationId xmlns:a16="http://schemas.microsoft.com/office/drawing/2014/main" id="{F0EE323D-D705-8845-86F2-3B95511DC117}"/>
+              </a:ext>
+            </a:extLst>
+          </p:cNvPr>
+          <p:cNvCxnSpPr>
+            <a:cxnSpLocks/>
+          </p:cNvCxnSpPr>
+          <p:nvPr/>
+        </p:nvCxnSpPr>
+        <p:spPr>
+          <a:xfrm>
+            <a:off x="2916149" y="1207643"/>
+            <a:ext cx="692840" cy="15678"/>
+          </a:xfrm>
+          <a:prstGeom prst="straightConnector1">
+            <a:avLst/>
+          </a:prstGeom>
+          <a:ln w="12700">
+            <a:solidFill>
+              <a:schemeClr val="tx1"/>
+            </a:solidFill>
+            <a:tailEnd type="triangle" w="lg" len="med"/>
+          </a:ln>
+        </p:spPr>
+        <p:style>
+          <a:lnRef idx="1">
+            <a:schemeClr val="accent1"/>
+          </a:lnRef>
+          <a:fillRef idx="0">
+            <a:schemeClr val="accent1"/>
+          </a:fillRef>
+          <a:effectRef idx="0">
+            <a:schemeClr val="accent1"/>
+          </a:effectRef>
+          <a:fontRef idx="minor">
+            <a:schemeClr val="tx1"/>
+          </a:fontRef>
+        </p:style>
+      </p:cxnSp>
+      <p:sp>
+        <p:nvSpPr>
+          <p:cNvPr id="122" name="TextBox 121">
+            <a:extLst>
+              <a:ext uri="{FF2B5EF4-FFF2-40B4-BE49-F238E27FC236}">
+                <a16:creationId xmlns:a16="http://schemas.microsoft.com/office/drawing/2014/main" id="{AF22CEEF-FD27-B849-976B-2BD9D9BE98D9}"/>
+              </a:ext>
+            </a:extLst>
+          </p:cNvPr>
+          <p:cNvSpPr txBox="1"/>
+          <p:nvPr/>
+        </p:nvSpPr>
+        <p:spPr>
+          <a:xfrm>
+            <a:off x="3605425" y="1140378"/>
+            <a:ext cx="2066523" cy="276999"/>
+          </a:xfrm>
+          <a:prstGeom prst="rect">
+            <a:avLst/>
+          </a:prstGeom>
+          <a:noFill/>
+        </p:spPr>
+        <p:txBody>
+          <a:bodyPr wrap="square" rtlCol="0">
+            <a:spAutoFit/>
+          </a:bodyPr>
+          <a:lstStyle/>
+          <a:p>
+            <a:r>
+              <a:rPr lang="en-US" sz="1200" dirty="0"/>
+              <a:t>[ITI-19]   [ITI-20]</a:t>
+            </a:r>
+          </a:p>
+        </p:txBody>
+      </p:sp>
+      <p:cxnSp>
+        <p:nvCxnSpPr>
+          <p:cNvPr id="123" name="Straight Arrow Connector 122">
+            <a:extLst>
+              <a:ext uri="{FF2B5EF4-FFF2-40B4-BE49-F238E27FC236}">
+                <a16:creationId xmlns:a16="http://schemas.microsoft.com/office/drawing/2014/main" id="{345DDFD8-7127-2542-A91E-8AB8F72EA444}"/>
+              </a:ext>
+            </a:extLst>
+          </p:cNvPr>
+          <p:cNvCxnSpPr>
+            <a:cxnSpLocks/>
+          </p:cNvCxnSpPr>
+          <p:nvPr/>
+        </p:nvCxnSpPr>
+        <p:spPr>
+          <a:xfrm>
+            <a:off x="2909121" y="1461879"/>
+            <a:ext cx="728009" cy="12722"/>
+          </a:xfrm>
+          <a:prstGeom prst="straightConnector1">
+            <a:avLst/>
+          </a:prstGeom>
+          <a:ln w="12700">
+            <a:solidFill>
+              <a:schemeClr val="tx1"/>
+            </a:solidFill>
+            <a:tailEnd type="triangle" w="lg" len="med"/>
+          </a:ln>
+        </p:spPr>
+        <p:style>
+          <a:lnRef idx="1">
+            <a:schemeClr val="accent1"/>
+          </a:lnRef>
+          <a:fillRef idx="0">
+            <a:schemeClr val="accent1"/>
+          </a:fillRef>
+          <a:effectRef idx="0">
+            <a:schemeClr val="accent1"/>
+          </a:effectRef>
+          <a:fontRef idx="minor">
+            <a:schemeClr val="tx1"/>
+          </a:fontRef>
+        </p:style>
+      </p:cxnSp>
+      <p:sp>
+        <p:nvSpPr>
+          <p:cNvPr id="125" name="TextBox 124">
+            <a:extLst>
+              <a:ext uri="{FF2B5EF4-FFF2-40B4-BE49-F238E27FC236}">
+                <a16:creationId xmlns:a16="http://schemas.microsoft.com/office/drawing/2014/main" id="{4A5648BB-37C8-B84A-935F-FE90B310E316}"/>
+              </a:ext>
+            </a:extLst>
+          </p:cNvPr>
+          <p:cNvSpPr txBox="1"/>
+          <p:nvPr/>
+        </p:nvSpPr>
+        <p:spPr>
+          <a:xfrm>
+            <a:off x="3611582" y="1360866"/>
+            <a:ext cx="2066523" cy="276999"/>
+          </a:xfrm>
+          <a:prstGeom prst="rect">
+            <a:avLst/>
+          </a:prstGeom>
+          <a:noFill/>
+        </p:spPr>
+        <p:txBody>
+          <a:bodyPr wrap="square" rtlCol="0">
+            <a:spAutoFit/>
+          </a:bodyPr>
+          <a:lstStyle/>
+          <a:p>
+            <a:r>
+              <a:rPr lang="en-US" sz="1200" dirty="0"/>
+              <a:t>[ITI-78] or [ITI-83]</a:t>
+            </a:r>
+          </a:p>
+        </p:txBody>
+      </p:sp>
+      <p:sp>
+        <p:nvSpPr>
+          <p:cNvPr id="126" name="TextBox 125">
+            <a:extLst>
+              <a:ext uri="{FF2B5EF4-FFF2-40B4-BE49-F238E27FC236}">
+                <a16:creationId xmlns:a16="http://schemas.microsoft.com/office/drawing/2014/main" id="{2F718CE6-0FAC-EB4D-8B95-63CBC79521D3}"/>
+              </a:ext>
+            </a:extLst>
+          </p:cNvPr>
+          <p:cNvSpPr txBox="1"/>
+          <p:nvPr/>
+        </p:nvSpPr>
+        <p:spPr>
+          <a:xfrm>
+            <a:off x="8771221" y="1241933"/>
+            <a:ext cx="3181029" cy="4388461"/>
+          </a:xfrm>
+          <a:prstGeom prst="rect">
+            <a:avLst/>
+          </a:prstGeom>
+          <a:noFill/>
+          <a:ln w="12700">
+            <a:solidFill>
+              <a:schemeClr val="tx1"/>
+            </a:solidFill>
+          </a:ln>
+        </p:spPr>
+        <p:txBody>
+          <a:bodyPr wrap="square" rtlCol="0">
+            <a:spAutoFit/>
+          </a:bodyPr>
+          <a:lstStyle/>
+          <a:p>
+            <a:pPr algn="ctr"/>
+            <a:r>
+              <a:rPr lang="en-US" sz="1400" b="1" dirty="0"/>
+              <a:t>MHDS Document Registry                </a:t>
+            </a:r>
+          </a:p>
+          <a:p>
+            <a:pPr algn="ctr"/>
+            <a:endParaRPr lang="en-US" sz="1400" b="1" dirty="0"/>
+          </a:p>
+          <a:p>
+            <a:pPr algn="ctr"/>
+            <a:endParaRPr lang="en-US" sz="1400" b="1" dirty="0"/>
+          </a:p>
+          <a:p>
+            <a:pPr algn="ctr"/>
+            <a:endParaRPr lang="en-US" sz="1400" b="1" dirty="0"/>
+          </a:p>
+          <a:p>
+            <a:pPr algn="ctr"/>
+            <a:endParaRPr lang="en-US" sz="1400" b="1" dirty="0"/>
+          </a:p>
+          <a:p>
+            <a:pPr algn="ctr"/>
+            <a:endParaRPr lang="en-US" sz="1400" b="1" dirty="0"/>
+          </a:p>
+          <a:p>
+            <a:pPr algn="ctr"/>
+            <a:endParaRPr lang="en-US" sz="1400" b="1" dirty="0"/>
+          </a:p>
+          <a:p>
+            <a:pPr algn="ctr"/>
+            <a:endParaRPr lang="en-US" sz="1400" b="1" dirty="0"/>
+          </a:p>
+          <a:p>
+            <a:pPr algn="ctr"/>
+            <a:endParaRPr lang="en-US" sz="1400" b="1" dirty="0"/>
+          </a:p>
+          <a:p>
+            <a:pPr algn="ctr"/>
+            <a:endParaRPr lang="en-US" sz="1400" b="1" dirty="0"/>
+          </a:p>
+          <a:p>
+            <a:pPr algn="ctr"/>
+            <a:endParaRPr lang="en-US" sz="1400" b="1" dirty="0"/>
+          </a:p>
+          <a:p>
+            <a:pPr algn="ctr"/>
+            <a:endParaRPr lang="en-US" sz="1400" b="1" dirty="0"/>
+          </a:p>
+          <a:p>
+            <a:pPr algn="ctr"/>
+            <a:endParaRPr lang="en-US" sz="1400" b="1" dirty="0"/>
+          </a:p>
+          <a:p>
+            <a:pPr algn="ctr"/>
+            <a:endParaRPr lang="en-US" sz="1400" b="1" dirty="0"/>
+          </a:p>
+          <a:p>
+            <a:pPr algn="ctr"/>
+            <a:endParaRPr lang="en-US" sz="1400" b="1" dirty="0"/>
+          </a:p>
+          <a:p>
+            <a:pPr algn="ctr"/>
+            <a:endParaRPr lang="en-US" sz="1400" b="1" dirty="0"/>
+          </a:p>
+          <a:p>
+            <a:pPr algn="ctr"/>
+            <a:endParaRPr lang="en-US" sz="1400" b="1" dirty="0"/>
+          </a:p>
+          <a:p>
+            <a:pPr algn="ctr"/>
+            <a:endParaRPr lang="en-US" sz="1400" b="1" dirty="0"/>
+          </a:p>
+          <a:p>
+            <a:pPr algn="ctr"/>
+            <a:endParaRPr lang="en-US" sz="1400" b="1" dirty="0"/>
+          </a:p>
+          <a:p>
+            <a:pPr algn="ctr"/>
+            <a:endParaRPr lang="en-US" sz="1400" b="1" dirty="0"/>
+          </a:p>
+        </p:txBody>
+      </p:sp>
+      <p:cxnSp>
+        <p:nvCxnSpPr>
+          <p:cNvPr id="127" name="Straight Arrow Connector 126">
+            <a:extLst>
+              <a:ext uri="{FF2B5EF4-FFF2-40B4-BE49-F238E27FC236}">
+                <a16:creationId xmlns:a16="http://schemas.microsoft.com/office/drawing/2014/main" id="{C6480C23-9F52-1145-842C-825C4402DD48}"/>
+              </a:ext>
+            </a:extLst>
+          </p:cNvPr>
+          <p:cNvCxnSpPr>
+            <a:cxnSpLocks/>
+          </p:cNvCxnSpPr>
+          <p:nvPr/>
+        </p:nvCxnSpPr>
+        <p:spPr>
+          <a:xfrm>
+            <a:off x="2931389" y="1725803"/>
+            <a:ext cx="696648" cy="11837"/>
+          </a:xfrm>
+          <a:prstGeom prst="straightConnector1">
+            <a:avLst/>
+          </a:prstGeom>
+          <a:ln w="12700">
+            <a:solidFill>
+              <a:schemeClr val="tx1"/>
+            </a:solidFill>
+            <a:tailEnd type="triangle" w="lg" len="med"/>
+          </a:ln>
+        </p:spPr>
+        <p:style>
+          <a:lnRef idx="1">
+            <a:schemeClr val="accent1"/>
+          </a:lnRef>
+          <a:fillRef idx="0">
+            <a:schemeClr val="accent1"/>
+          </a:fillRef>
+          <a:effectRef idx="0">
+            <a:schemeClr val="accent1"/>
+          </a:effectRef>
+          <a:fontRef idx="minor">
+            <a:schemeClr val="tx1"/>
+          </a:fontRef>
+        </p:style>
+      </p:cxnSp>
+      <p:sp>
+        <p:nvSpPr>
+          <p:cNvPr id="129" name="TextBox 128">
+            <a:extLst>
+              <a:ext uri="{FF2B5EF4-FFF2-40B4-BE49-F238E27FC236}">
+                <a16:creationId xmlns:a16="http://schemas.microsoft.com/office/drawing/2014/main" id="{EBDBBCE7-62CE-5846-B72B-F93DC331B3D2}"/>
+              </a:ext>
+            </a:extLst>
+          </p:cNvPr>
+          <p:cNvSpPr txBox="1"/>
+          <p:nvPr/>
+        </p:nvSpPr>
+        <p:spPr>
+          <a:xfrm>
+            <a:off x="3622433" y="1600505"/>
+            <a:ext cx="2066523" cy="276999"/>
+          </a:xfrm>
+          <a:prstGeom prst="rect">
+            <a:avLst/>
+          </a:prstGeom>
+          <a:noFill/>
+        </p:spPr>
+        <p:txBody>
+          <a:bodyPr wrap="square" rtlCol="0">
+            <a:spAutoFit/>
+          </a:bodyPr>
+          <a:lstStyle/>
+          <a:p>
+            <a:r>
+              <a:rPr lang="en-US" sz="1200" dirty="0"/>
+              <a:t>[ITI-xx]</a:t>
+            </a:r>
+          </a:p>
+        </p:txBody>
+      </p:sp>
+      <p:cxnSp>
+        <p:nvCxnSpPr>
+          <p:cNvPr id="130" name="Straight Arrow Connector 129">
+            <a:extLst>
+              <a:ext uri="{FF2B5EF4-FFF2-40B4-BE49-F238E27FC236}">
+                <a16:creationId xmlns:a16="http://schemas.microsoft.com/office/drawing/2014/main" id="{ACD7834B-1BBC-7D43-AD1E-065155C6095C}"/>
+              </a:ext>
+            </a:extLst>
+          </p:cNvPr>
+          <p:cNvCxnSpPr>
+            <a:cxnSpLocks/>
+          </p:cNvCxnSpPr>
+          <p:nvPr/>
+        </p:nvCxnSpPr>
+        <p:spPr>
+          <a:xfrm>
+            <a:off x="2913902" y="2286165"/>
+            <a:ext cx="738468" cy="15884"/>
+          </a:xfrm>
+          <a:prstGeom prst="straightConnector1">
+            <a:avLst/>
+          </a:prstGeom>
+          <a:ln w="12700">
+            <a:solidFill>
+              <a:schemeClr val="tx1"/>
+            </a:solidFill>
+            <a:tailEnd type="triangle" w="lg" len="med"/>
+          </a:ln>
+        </p:spPr>
+        <p:style>
+          <a:lnRef idx="1">
+            <a:schemeClr val="accent1"/>
+          </a:lnRef>
+          <a:fillRef idx="0">
+            <a:schemeClr val="accent1"/>
+          </a:fillRef>
+          <a:effectRef idx="0">
+            <a:schemeClr val="accent1"/>
+          </a:effectRef>
+          <a:fontRef idx="minor">
+            <a:schemeClr val="tx1"/>
+          </a:fontRef>
+        </p:style>
+      </p:cxnSp>
+      <p:sp>
+        <p:nvSpPr>
+          <p:cNvPr id="131" name="TextBox 130">
+            <a:extLst>
+              <a:ext uri="{FF2B5EF4-FFF2-40B4-BE49-F238E27FC236}">
+                <a16:creationId xmlns:a16="http://schemas.microsoft.com/office/drawing/2014/main" id="{D9F92901-5108-B149-B90B-45D86C68672B}"/>
+              </a:ext>
+            </a:extLst>
+          </p:cNvPr>
+          <p:cNvSpPr txBox="1"/>
+          <p:nvPr/>
+        </p:nvSpPr>
+        <p:spPr>
+          <a:xfrm>
+            <a:off x="3631711" y="2170038"/>
+            <a:ext cx="2066523" cy="276999"/>
+          </a:xfrm>
+          <a:prstGeom prst="rect">
+            <a:avLst/>
+          </a:prstGeom>
+          <a:noFill/>
+        </p:spPr>
+        <p:txBody>
+          <a:bodyPr wrap="square" rtlCol="0">
+            <a:spAutoFit/>
+          </a:bodyPr>
+          <a:lstStyle/>
+          <a:p>
+            <a:r>
+              <a:rPr lang="en-US" sz="1200" dirty="0"/>
+              <a:t>[ITI-1]</a:t>
+            </a:r>
+          </a:p>
+        </p:txBody>
+      </p:sp>
+      <p:sp>
+        <p:nvSpPr>
+          <p:cNvPr id="134" name="TextBox 133">
+            <a:extLst>
+              <a:ext uri="{FF2B5EF4-FFF2-40B4-BE49-F238E27FC236}">
+                <a16:creationId xmlns:a16="http://schemas.microsoft.com/office/drawing/2014/main" id="{71611B5D-421F-9B43-92CF-24B4730D3810}"/>
+              </a:ext>
+            </a:extLst>
+          </p:cNvPr>
+          <p:cNvSpPr txBox="1"/>
+          <p:nvPr/>
+        </p:nvSpPr>
+        <p:spPr>
+          <a:xfrm>
+            <a:off x="850525" y="1891006"/>
+            <a:ext cx="2069433" cy="276999"/>
+          </a:xfrm>
+          <a:prstGeom prst="rect">
+            <a:avLst/>
+          </a:prstGeom>
+          <a:noFill/>
+          <a:ln w="12700">
+            <a:solidFill>
+              <a:schemeClr val="tx1"/>
+            </a:solidFill>
+            <a:prstDash val="dash"/>
+          </a:ln>
+        </p:spPr>
+        <p:txBody>
+          <a:bodyPr wrap="square" rtlCol="0">
+            <a:spAutoFit/>
+          </a:bodyPr>
+          <a:lstStyle/>
+          <a:p>
+            <a:r>
+              <a:rPr lang="en-US" sz="1200" dirty="0" err="1"/>
+              <a:t>mCSD</a:t>
+            </a:r>
+            <a:r>
+              <a:rPr lang="en-US" sz="1200" dirty="0"/>
+              <a:t> Care Serv Select Cons</a:t>
+            </a:r>
+          </a:p>
+        </p:txBody>
+      </p:sp>
+      <p:cxnSp>
+        <p:nvCxnSpPr>
+          <p:cNvPr id="135" name="Straight Arrow Connector 134">
+            <a:extLst>
+              <a:ext uri="{FF2B5EF4-FFF2-40B4-BE49-F238E27FC236}">
+                <a16:creationId xmlns:a16="http://schemas.microsoft.com/office/drawing/2014/main" id="{BA7893E4-D09C-8A47-8C0E-6BEFDD5C6F22}"/>
+              </a:ext>
+            </a:extLst>
+          </p:cNvPr>
+          <p:cNvCxnSpPr>
+            <a:cxnSpLocks/>
+            <a:endCxn id="136" idx="1"/>
+          </p:cNvCxnSpPr>
+          <p:nvPr/>
+        </p:nvCxnSpPr>
+        <p:spPr>
+          <a:xfrm>
+            <a:off x="2929142" y="1992795"/>
+            <a:ext cx="717809" cy="22373"/>
+          </a:xfrm>
+          <a:prstGeom prst="straightConnector1">
+            <a:avLst/>
+          </a:prstGeom>
+          <a:ln w="12700">
+            <a:solidFill>
+              <a:schemeClr val="tx1"/>
+            </a:solidFill>
+            <a:tailEnd type="triangle" w="lg" len="med"/>
+          </a:ln>
+        </p:spPr>
+        <p:style>
+          <a:lnRef idx="1">
+            <a:schemeClr val="accent1"/>
+          </a:lnRef>
+          <a:fillRef idx="0">
+            <a:schemeClr val="accent1"/>
+          </a:fillRef>
+          <a:effectRef idx="0">
+            <a:schemeClr val="accent1"/>
+          </a:effectRef>
+          <a:fontRef idx="minor">
+            <a:schemeClr val="tx1"/>
+          </a:fontRef>
+        </p:style>
+      </p:cxnSp>
+      <p:sp>
+        <p:nvSpPr>
+          <p:cNvPr id="136" name="TextBox 135">
+            <a:extLst>
+              <a:ext uri="{FF2B5EF4-FFF2-40B4-BE49-F238E27FC236}">
+                <a16:creationId xmlns:a16="http://schemas.microsoft.com/office/drawing/2014/main" id="{5FFA1FD5-C9F1-964A-9252-2840AB63B99F}"/>
+              </a:ext>
+            </a:extLst>
+          </p:cNvPr>
+          <p:cNvSpPr txBox="1"/>
+          <p:nvPr/>
+        </p:nvSpPr>
+        <p:spPr>
+          <a:xfrm>
+            <a:off x="3646951" y="1876668"/>
+            <a:ext cx="2066523" cy="276999"/>
+          </a:xfrm>
+          <a:prstGeom prst="rect">
+            <a:avLst/>
+          </a:prstGeom>
+          <a:noFill/>
+        </p:spPr>
+        <p:txBody>
+          <a:bodyPr wrap="square" rtlCol="0">
+            <a:spAutoFit/>
+          </a:bodyPr>
+          <a:lstStyle/>
+          <a:p>
+            <a:r>
+              <a:rPr lang="en-US" sz="1200" dirty="0"/>
+              <a:t>[ITI-93]</a:t>
+            </a:r>
+          </a:p>
+        </p:txBody>
+      </p:sp>
+      <p:sp>
+        <p:nvSpPr>
+          <p:cNvPr id="139" name="TextBox 138">
+            <a:extLst>
+              <a:ext uri="{FF2B5EF4-FFF2-40B4-BE49-F238E27FC236}">
+                <a16:creationId xmlns:a16="http://schemas.microsoft.com/office/drawing/2014/main" id="{A54F780F-078B-EB4E-BE65-1F7CC040305F}"/>
+              </a:ext>
+            </a:extLst>
+          </p:cNvPr>
+          <p:cNvSpPr txBox="1"/>
+          <p:nvPr/>
+        </p:nvSpPr>
+        <p:spPr>
+          <a:xfrm>
+            <a:off x="853007" y="4573330"/>
+            <a:ext cx="2046928" cy="307777"/>
+          </a:xfrm>
+          <a:prstGeom prst="rect">
+            <a:avLst/>
+          </a:prstGeom>
+          <a:noFill/>
+          <a:ln w="12700">
+            <a:solidFill>
+              <a:schemeClr val="tx1"/>
+            </a:solidFill>
+            <a:prstDash val="dash"/>
+          </a:ln>
+        </p:spPr>
+        <p:txBody>
+          <a:bodyPr wrap="square" rtlCol="0">
+            <a:spAutoFit/>
+          </a:bodyPr>
+          <a:lstStyle/>
+          <a:p>
+            <a:r>
+              <a:rPr lang="en-US" sz="1400" dirty="0"/>
+              <a:t>CT Time Client</a:t>
             </a:r>
           </a:p>
         </p:txBody>
@@ -5844,7 +6634,7 @@
     </p:spTree>
     <p:extLst>
       <p:ext uri="{BB962C8B-B14F-4D97-AF65-F5344CB8AC3E}">
-        <p14:creationId xmlns:p14="http://schemas.microsoft.com/office/powerpoint/2010/main" val="964376317"/>
+        <p14:creationId xmlns:p14="http://schemas.microsoft.com/office/powerpoint/2010/main" val="2163579843"/>
       </p:ext>
     </p:extLst>
   </p:cSld>
@@ -6028,7 +6818,7 @@
         </p:nvSpPr>
         <p:spPr>
           <a:xfrm>
-            <a:off x="8758346" y="2148512"/>
+            <a:off x="8758346" y="1823870"/>
             <a:ext cx="2891969" cy="307777"/>
           </a:xfrm>
           <a:prstGeom prst="rect">
@@ -6074,7 +6864,7 @@
         </p:nvSpPr>
         <p:spPr>
           <a:xfrm>
-            <a:off x="8758347" y="2463306"/>
+            <a:off x="8758347" y="2740037"/>
             <a:ext cx="2891969" cy="307777"/>
           </a:xfrm>
           <a:prstGeom prst="rect">
@@ -6114,7 +6904,7 @@
         </p:nvSpPr>
         <p:spPr>
           <a:xfrm>
-            <a:off x="8758346" y="3600886"/>
+            <a:off x="8758346" y="3877617"/>
             <a:ext cx="2891969" cy="307777"/>
           </a:xfrm>
           <a:prstGeom prst="rect">
@@ -6162,7 +6952,7 @@
         </p:nvSpPr>
         <p:spPr>
           <a:xfrm>
-            <a:off x="8758346" y="3925188"/>
+            <a:off x="8758346" y="4201919"/>
             <a:ext cx="2891969" cy="307777"/>
           </a:xfrm>
           <a:prstGeom prst="rect">
@@ -6208,7 +6998,7 @@
         </p:nvSpPr>
         <p:spPr>
           <a:xfrm>
-            <a:off x="8743442" y="3091752"/>
+            <a:off x="8743442" y="3368483"/>
             <a:ext cx="2891969" cy="523220"/>
           </a:xfrm>
           <a:prstGeom prst="rect">
@@ -6264,7 +7054,7 @@
         </p:nvSpPr>
         <p:spPr>
           <a:xfrm>
-            <a:off x="8758346" y="2785687"/>
+            <a:off x="8758346" y="3062418"/>
             <a:ext cx="2891969" cy="307777"/>
           </a:xfrm>
           <a:prstGeom prst="rect">
@@ -6291,7 +7081,7 @@
                   </a:schemeClr>
                 </a:solidFill>
               </a:rPr>
-              <a:t>SVCM Consumer</a:t>
+              <a:t>SVCM Terminology Consumer</a:t>
             </a:r>
           </a:p>
         </p:txBody>
@@ -6310,7 +7100,7 @@
         </p:nvSpPr>
         <p:spPr>
           <a:xfrm>
-            <a:off x="8763763" y="1834609"/>
+            <a:off x="8761735" y="2438178"/>
             <a:ext cx="2854392" cy="307777"/>
           </a:xfrm>
           <a:prstGeom prst="rect">
@@ -6380,76 +7170,6 @@
             <a:r>
               <a:rPr lang="en-US" sz="1200" dirty="0"/>
               <a:t>Feed (PMIR Source to Manager)</a:t>
-            </a:r>
-          </a:p>
-        </p:txBody>
-      </p:sp>
-      <p:sp>
-        <p:nvSpPr>
-          <p:cNvPr id="58" name="TextBox 57">
-            <a:extLst>
-              <a:ext uri="{FF2B5EF4-FFF2-40B4-BE49-F238E27FC236}">
-                <a16:creationId xmlns:a16="http://schemas.microsoft.com/office/drawing/2014/main" id="{7BF6FEBE-A7FF-4944-89FE-6B0612FF48AC}"/>
-              </a:ext>
-            </a:extLst>
-          </p:cNvPr>
-          <p:cNvSpPr txBox="1"/>
-          <p:nvPr/>
-        </p:nvSpPr>
-        <p:spPr>
-          <a:xfrm>
-            <a:off x="2433319" y="5907818"/>
-            <a:ext cx="2610652" cy="276999"/>
-          </a:xfrm>
-          <a:prstGeom prst="rect">
-            <a:avLst/>
-          </a:prstGeom>
-          <a:noFill/>
-        </p:spPr>
-        <p:txBody>
-          <a:bodyPr wrap="square" rtlCol="0">
-            <a:spAutoFit/>
-          </a:bodyPr>
-          <a:lstStyle/>
-          <a:p>
-            <a:r>
-              <a:rPr lang="en-US" sz="1200" dirty="0"/>
-              <a:t>[ITI-71] Get Authorization Token</a:t>
-            </a:r>
-          </a:p>
-        </p:txBody>
-      </p:sp>
-      <p:sp>
-        <p:nvSpPr>
-          <p:cNvPr id="132" name="TextBox 131">
-            <a:extLst>
-              <a:ext uri="{FF2B5EF4-FFF2-40B4-BE49-F238E27FC236}">
-                <a16:creationId xmlns:a16="http://schemas.microsoft.com/office/drawing/2014/main" id="{8A7F91DB-30E7-6248-BB5A-0116674421BE}"/>
-              </a:ext>
-            </a:extLst>
-          </p:cNvPr>
-          <p:cNvSpPr txBox="1"/>
-          <p:nvPr/>
-        </p:nvSpPr>
-        <p:spPr>
-          <a:xfrm>
-            <a:off x="2430927" y="6231025"/>
-            <a:ext cx="3411777" cy="276999"/>
-          </a:xfrm>
-          <a:prstGeom prst="rect">
-            <a:avLst/>
-          </a:prstGeom>
-          <a:noFill/>
-        </p:spPr>
-        <p:txBody>
-          <a:bodyPr wrap="square" rtlCol="0">
-            <a:spAutoFit/>
-          </a:bodyPr>
-          <a:lstStyle/>
-          <a:p>
-            <a:r>
-              <a:rPr lang="en-US" sz="1200" dirty="0"/>
-              <a:t>[ITI-72] Incorporate Authorization Token</a:t>
             </a:r>
           </a:p>
         </p:txBody>
@@ -6514,8 +7234,8 @@
         </p:nvCxnSpPr>
         <p:spPr>
           <a:xfrm>
-            <a:off x="10188931" y="4633622"/>
-            <a:ext cx="0" cy="2224378"/>
+            <a:off x="10188931" y="4781541"/>
+            <a:ext cx="0" cy="2076459"/>
           </a:xfrm>
           <a:prstGeom prst="line">
             <a:avLst/>
@@ -6702,7 +7422,7 @@
             <a:p>
               <a:r>
                 <a:rPr lang="en-US" sz="1400" b="1" dirty="0"/>
-                <a:t>MHD? Document Source</a:t>
+                <a:t>MHD Document Source</a:t>
               </a:r>
             </a:p>
           </p:txBody>
@@ -6968,10 +7688,10 @@
         </p:nvGrpSpPr>
         <p:grpSpPr>
           <a:xfrm>
-            <a:off x="5154145" y="638109"/>
-            <a:ext cx="2648794" cy="4452713"/>
-            <a:chOff x="4741191" y="638109"/>
-            <a:chExt cx="2648794" cy="4452713"/>
+            <a:off x="5154145" y="1144838"/>
+            <a:ext cx="2610652" cy="3945984"/>
+            <a:chOff x="4741191" y="1144838"/>
+            <a:chExt cx="2610652" cy="3945984"/>
           </a:xfrm>
         </p:grpSpPr>
         <p:sp>
@@ -6988,8 +7708,8 @@
           </p:nvSpPr>
           <p:spPr>
             <a:xfrm>
-              <a:off x="4741191" y="638109"/>
-              <a:ext cx="2610652" cy="4452713"/>
+              <a:off x="4741191" y="1144838"/>
+              <a:ext cx="2610652" cy="3945984"/>
             </a:xfrm>
             <a:prstGeom prst="roundRect">
               <a:avLst/>
@@ -7262,7 +7982,7 @@
                     </a:schemeClr>
                   </a:solidFill>
                 </a:rPr>
-                <a:t>SVCM Repository??</a:t>
+                <a:t>SVCM Terminology Repos</a:t>
               </a:r>
             </a:p>
           </p:txBody>
@@ -7322,7 +8042,7 @@
           </p:nvSpPr>
           <p:spPr>
             <a:xfrm>
-              <a:off x="4779334" y="700800"/>
+              <a:off x="4741191" y="1193839"/>
               <a:ext cx="2610651" cy="369332"/>
             </a:xfrm>
             <a:prstGeom prst="rect">
@@ -7343,47 +8063,6 @@
             </a:p>
           </p:txBody>
         </p:sp>
-        <p:sp>
-          <p:nvSpPr>
-            <p:cNvPr id="84" name="TextBox 83">
-              <a:extLst>
-                <a:ext uri="{FF2B5EF4-FFF2-40B4-BE49-F238E27FC236}">
-                  <a16:creationId xmlns:a16="http://schemas.microsoft.com/office/drawing/2014/main" id="{1F280CDD-6AB9-5A4B-AE41-061AFD89F89B}"/>
-                </a:ext>
-              </a:extLst>
-            </p:cNvPr>
-            <p:cNvSpPr txBox="1"/>
-            <p:nvPr/>
-          </p:nvSpPr>
-          <p:spPr>
-            <a:xfrm>
-              <a:off x="5065517" y="1137094"/>
-              <a:ext cx="2066523" cy="307777"/>
-            </a:xfrm>
-            <a:prstGeom prst="rect">
-              <a:avLst/>
-            </a:prstGeom>
-            <a:noFill/>
-            <a:ln w="12700">
-              <a:solidFill>
-                <a:schemeClr val="tx1"/>
-              </a:solidFill>
-              <a:prstDash val="dash"/>
-            </a:ln>
-          </p:spPr>
-          <p:txBody>
-            <a:bodyPr wrap="square" rtlCol="0">
-              <a:spAutoFit/>
-            </a:bodyPr>
-            <a:lstStyle/>
-            <a:p>
-              <a:r>
-                <a:rPr lang="en-US" sz="1400" b="1" dirty="0"/>
-                <a:t>IUA Authorization Server</a:t>
-              </a:r>
-            </a:p>
-          </p:txBody>
-        </p:sp>
       </p:grpSp>
       <p:sp>
         <p:nvSpPr>
@@ -7484,12 +8163,47 @@
           </a:fontRef>
         </p:style>
       </p:cxnSp>
+      <p:sp>
+        <p:nvSpPr>
+          <p:cNvPr id="90" name="TextBox 89">
+            <a:extLst>
+              <a:ext uri="{FF2B5EF4-FFF2-40B4-BE49-F238E27FC236}">
+                <a16:creationId xmlns:a16="http://schemas.microsoft.com/office/drawing/2014/main" id="{0F77EAFA-EB13-B94B-B869-2D9ABEC62714}"/>
+              </a:ext>
+            </a:extLst>
+          </p:cNvPr>
+          <p:cNvSpPr txBox="1"/>
+          <p:nvPr/>
+        </p:nvSpPr>
+        <p:spPr>
+          <a:xfrm>
+            <a:off x="7574489" y="5411491"/>
+            <a:ext cx="3502615" cy="276999"/>
+          </a:xfrm>
+          <a:prstGeom prst="rect">
+            <a:avLst/>
+          </a:prstGeom>
+          <a:noFill/>
+        </p:spPr>
+        <p:txBody>
+          <a:bodyPr wrap="square" rtlCol="0">
+            <a:spAutoFit/>
+          </a:bodyPr>
+          <a:lstStyle/>
+          <a:p>
+            <a:r>
+              <a:rPr lang="en-US" sz="1200" dirty="0"/>
+              <a:t>[ITI-93] Mobile Patient Identity Feed</a:t>
+            </a:r>
+          </a:p>
+        </p:txBody>
+      </p:sp>
       <p:cxnSp>
         <p:nvCxnSpPr>
-          <p:cNvPr id="89" name="Straight Arrow Connector 88">
-            <a:extLst>
-              <a:ext uri="{FF2B5EF4-FFF2-40B4-BE49-F238E27FC236}">
-                <a16:creationId xmlns:a16="http://schemas.microsoft.com/office/drawing/2014/main" id="{B957689C-8302-E240-B24B-950390909B6F}"/>
+          <p:cNvPr id="91" name="Straight Arrow Connector 90">
+            <a:extLst>
+              <a:ext uri="{FF2B5EF4-FFF2-40B4-BE49-F238E27FC236}">
+                <a16:creationId xmlns:a16="http://schemas.microsoft.com/office/drawing/2014/main" id="{B8E483FE-C288-8141-8234-E3F902CE85C8}"/>
               </a:ext>
             </a:extLst>
           </p:cNvPr>
@@ -7499,9 +8213,9 @@
           <p:nvPr/>
         </p:nvCxnSpPr>
         <p:spPr>
-          <a:xfrm flipV="1">
-            <a:off x="1848625" y="6167525"/>
-            <a:ext cx="4471176" cy="1"/>
+          <a:xfrm flipH="1">
+            <a:off x="6349298" y="6008533"/>
+            <a:ext cx="3757720" cy="0"/>
           </a:xfrm>
           <a:prstGeom prst="straightConnector1">
             <a:avLst/>
@@ -7531,10 +8245,10 @@
       </p:cxnSp>
       <p:sp>
         <p:nvSpPr>
-          <p:cNvPr id="90" name="TextBox 89">
-            <a:extLst>
-              <a:ext uri="{FF2B5EF4-FFF2-40B4-BE49-F238E27FC236}">
-                <a16:creationId xmlns:a16="http://schemas.microsoft.com/office/drawing/2014/main" id="{0F77EAFA-EB13-B94B-B869-2D9ABEC62714}"/>
+          <p:cNvPr id="92" name="TextBox 91">
+            <a:extLst>
+              <a:ext uri="{FF2B5EF4-FFF2-40B4-BE49-F238E27FC236}">
+                <a16:creationId xmlns:a16="http://schemas.microsoft.com/office/drawing/2014/main" id="{B2746F1F-85E0-384B-B8B5-21CC90F860B4}"/>
               </a:ext>
             </a:extLst>
           </p:cNvPr>
@@ -7543,8 +8257,8 @@
         </p:nvSpPr>
         <p:spPr>
           <a:xfrm>
-            <a:off x="7574489" y="5411491"/>
-            <a:ext cx="3502615" cy="276999"/>
+            <a:off x="6960501" y="5732987"/>
+            <a:ext cx="2610652" cy="276999"/>
           </a:xfrm>
           <a:prstGeom prst="rect">
             <a:avLst/>
@@ -7559,17 +8273,17 @@
           <a:p>
             <a:r>
               <a:rPr lang="en-US" sz="1200" dirty="0"/>
-              <a:t>[ITI-93] Mobile Patient Identity Feed</a:t>
+              <a:t>[ITI-20] Record Audit Event</a:t>
             </a:r>
           </a:p>
         </p:txBody>
       </p:sp>
       <p:cxnSp>
         <p:nvCxnSpPr>
-          <p:cNvPr id="91" name="Straight Arrow Connector 90">
-            <a:extLst>
-              <a:ext uri="{FF2B5EF4-FFF2-40B4-BE49-F238E27FC236}">
-                <a16:creationId xmlns:a16="http://schemas.microsoft.com/office/drawing/2014/main" id="{B8E483FE-C288-8141-8234-E3F902CE85C8}"/>
+          <p:cNvPr id="100" name="Straight Arrow Connector 99">
+            <a:extLst>
+              <a:ext uri="{FF2B5EF4-FFF2-40B4-BE49-F238E27FC236}">
+                <a16:creationId xmlns:a16="http://schemas.microsoft.com/office/drawing/2014/main" id="{7CEE6B81-D2E8-E848-A5E5-B5DA16CE9EF7}"/>
               </a:ext>
             </a:extLst>
           </p:cNvPr>
@@ -7579,9 +8293,9 @@
           <p:nvPr/>
         </p:nvCxnSpPr>
         <p:spPr>
-          <a:xfrm flipH="1">
-            <a:off x="6349298" y="6008533"/>
-            <a:ext cx="3757720" cy="0"/>
+          <a:xfrm flipV="1">
+            <a:off x="1860120" y="6291710"/>
+            <a:ext cx="4471176" cy="1"/>
           </a:xfrm>
           <a:prstGeom prst="straightConnector1">
             <a:avLst/>
@@ -7611,10 +8325,10 @@
       </p:cxnSp>
       <p:sp>
         <p:nvSpPr>
-          <p:cNvPr id="92" name="TextBox 91">
-            <a:extLst>
-              <a:ext uri="{FF2B5EF4-FFF2-40B4-BE49-F238E27FC236}">
-                <a16:creationId xmlns:a16="http://schemas.microsoft.com/office/drawing/2014/main" id="{B2746F1F-85E0-384B-B8B5-21CC90F860B4}"/>
+          <p:cNvPr id="101" name="TextBox 100">
+            <a:extLst>
+              <a:ext uri="{FF2B5EF4-FFF2-40B4-BE49-F238E27FC236}">
+                <a16:creationId xmlns:a16="http://schemas.microsoft.com/office/drawing/2014/main" id="{84E6AD7A-0647-0747-B37F-B9319FBB15BD}"/>
               </a:ext>
             </a:extLst>
           </p:cNvPr>
@@ -7623,132 +8337,7 @@
         </p:nvSpPr>
         <p:spPr>
           <a:xfrm>
-            <a:off x="6960501" y="5732987"/>
-            <a:ext cx="2610652" cy="276999"/>
-          </a:xfrm>
-          <a:prstGeom prst="rect">
-            <a:avLst/>
-          </a:prstGeom>
-          <a:noFill/>
-        </p:spPr>
-        <p:txBody>
-          <a:bodyPr wrap="square" rtlCol="0">
-            <a:spAutoFit/>
-          </a:bodyPr>
-          <a:lstStyle/>
-          <a:p>
-            <a:r>
-              <a:rPr lang="en-US" sz="1200" dirty="0"/>
-              <a:t>[ITI-20] Record Audit Event</a:t>
-            </a:r>
-          </a:p>
-        </p:txBody>
-      </p:sp>
-      <p:cxnSp>
-        <p:nvCxnSpPr>
-          <p:cNvPr id="99" name="Straight Arrow Connector 98">
-            <a:extLst>
-              <a:ext uri="{FF2B5EF4-FFF2-40B4-BE49-F238E27FC236}">
-                <a16:creationId xmlns:a16="http://schemas.microsoft.com/office/drawing/2014/main" id="{D9BA2577-9CFC-834D-8CF3-7CC5DA421499}"/>
-              </a:ext>
-            </a:extLst>
-          </p:cNvPr>
-          <p:cNvCxnSpPr>
-            <a:cxnSpLocks/>
-          </p:cNvCxnSpPr>
-          <p:nvPr/>
-        </p:nvCxnSpPr>
-        <p:spPr>
-          <a:xfrm flipV="1">
-            <a:off x="1796208" y="6508024"/>
-            <a:ext cx="4471176" cy="1"/>
-          </a:xfrm>
-          <a:prstGeom prst="straightConnector1">
-            <a:avLst/>
-          </a:prstGeom>
-          <a:ln w="12700">
-            <a:solidFill>
-              <a:schemeClr val="tx1"/>
-            </a:solidFill>
-            <a:prstDash val="sysDash"/>
-            <a:tailEnd type="triangle" w="lg" len="med"/>
-          </a:ln>
-        </p:spPr>
-        <p:style>
-          <a:lnRef idx="1">
-            <a:schemeClr val="accent1"/>
-          </a:lnRef>
-          <a:fillRef idx="0">
-            <a:schemeClr val="accent1"/>
-          </a:fillRef>
-          <a:effectRef idx="0">
-            <a:schemeClr val="accent1"/>
-          </a:effectRef>
-          <a:fontRef idx="minor">
-            <a:schemeClr val="tx1"/>
-          </a:fontRef>
-        </p:style>
-      </p:cxnSp>
-      <p:cxnSp>
-        <p:nvCxnSpPr>
-          <p:cNvPr id="100" name="Straight Arrow Connector 99">
-            <a:extLst>
-              <a:ext uri="{FF2B5EF4-FFF2-40B4-BE49-F238E27FC236}">
-                <a16:creationId xmlns:a16="http://schemas.microsoft.com/office/drawing/2014/main" id="{7CEE6B81-D2E8-E848-A5E5-B5DA16CE9EF7}"/>
-              </a:ext>
-            </a:extLst>
-          </p:cNvPr>
-          <p:cNvCxnSpPr>
-            <a:cxnSpLocks/>
-          </p:cNvCxnSpPr>
-          <p:nvPr/>
-        </p:nvCxnSpPr>
-        <p:spPr>
-          <a:xfrm flipV="1">
-            <a:off x="1860120" y="6748912"/>
-            <a:ext cx="4471176" cy="1"/>
-          </a:xfrm>
-          <a:prstGeom prst="straightConnector1">
-            <a:avLst/>
-          </a:prstGeom>
-          <a:ln w="12700">
-            <a:solidFill>
-              <a:schemeClr val="tx1"/>
-            </a:solidFill>
-            <a:prstDash val="sysDash"/>
-            <a:tailEnd type="triangle" w="lg" len="med"/>
-          </a:ln>
-        </p:spPr>
-        <p:style>
-          <a:lnRef idx="1">
-            <a:schemeClr val="accent1"/>
-          </a:lnRef>
-          <a:fillRef idx="0">
-            <a:schemeClr val="accent1"/>
-          </a:fillRef>
-          <a:effectRef idx="0">
-            <a:schemeClr val="accent1"/>
-          </a:effectRef>
-          <a:fontRef idx="minor">
-            <a:schemeClr val="tx1"/>
-          </a:fontRef>
-        </p:style>
-      </p:cxnSp>
-      <p:sp>
-        <p:nvSpPr>
-          <p:cNvPr id="101" name="TextBox 100">
-            <a:extLst>
-              <a:ext uri="{FF2B5EF4-FFF2-40B4-BE49-F238E27FC236}">
-                <a16:creationId xmlns:a16="http://schemas.microsoft.com/office/drawing/2014/main" id="{84E6AD7A-0647-0747-B37F-B9319FBB15BD}"/>
-              </a:ext>
-            </a:extLst>
-          </p:cNvPr>
-          <p:cNvSpPr txBox="1"/>
-          <p:nvPr/>
-        </p:nvSpPr>
-        <p:spPr>
-          <a:xfrm>
-            <a:off x="2570970" y="6502668"/>
+            <a:off x="2570970" y="6045466"/>
             <a:ext cx="3167123" cy="276999"/>
           </a:xfrm>
           <a:prstGeom prst="rect">
@@ -7871,6 +8460,53 @@
                 </a:solidFill>
               </a:rPr>
               <a:t>ATNA Secure Node/App</a:t>
+            </a:r>
+          </a:p>
+        </p:txBody>
+      </p:sp>
+      <p:sp>
+        <p:nvSpPr>
+          <p:cNvPr id="47" name="TextBox 46">
+            <a:extLst>
+              <a:ext uri="{FF2B5EF4-FFF2-40B4-BE49-F238E27FC236}">
+                <a16:creationId xmlns:a16="http://schemas.microsoft.com/office/drawing/2014/main" id="{640DC306-DA41-A24F-8D27-3210D77B5A25}"/>
+              </a:ext>
+            </a:extLst>
+          </p:cNvPr>
+          <p:cNvSpPr txBox="1"/>
+          <p:nvPr/>
+        </p:nvSpPr>
+        <p:spPr>
+          <a:xfrm>
+            <a:off x="8757723" y="2157440"/>
+            <a:ext cx="2854392" cy="307777"/>
+          </a:xfrm>
+          <a:prstGeom prst="rect">
+            <a:avLst/>
+          </a:prstGeom>
+          <a:noFill/>
+          <a:ln w="12700">
+            <a:solidFill>
+              <a:schemeClr val="tx1"/>
+            </a:solidFill>
+            <a:prstDash val="solid"/>
+          </a:ln>
+        </p:spPr>
+        <p:txBody>
+          <a:bodyPr wrap="square" rtlCol="0">
+            <a:spAutoFit/>
+          </a:bodyPr>
+          <a:lstStyle/>
+          <a:p>
+            <a:r>
+              <a:rPr lang="en-US" sz="1400" dirty="0">
+                <a:solidFill>
+                  <a:schemeClr val="bg1">
+                    <a:lumMod val="65000"/>
+                  </a:schemeClr>
+                </a:solidFill>
+              </a:rPr>
+              <a:t>IUA Authorization Server</a:t>
             </a:r>
           </a:p>
         </p:txBody>
@@ -7919,8 +8555,8 @@
         </p:nvSpPr>
         <p:spPr>
           <a:xfrm>
-            <a:off x="4741191" y="638109"/>
-            <a:ext cx="2610652" cy="4452713"/>
+            <a:off x="4741191" y="1113166"/>
+            <a:ext cx="2610652" cy="3989684"/>
           </a:xfrm>
           <a:prstGeom prst="roundRect">
             <a:avLst/>
@@ -8122,7 +8758,7 @@
         </p:nvSpPr>
         <p:spPr>
           <a:xfrm>
-            <a:off x="8758346" y="1868294"/>
+            <a:off x="8742946" y="1528613"/>
             <a:ext cx="2891969" cy="307777"/>
           </a:xfrm>
           <a:prstGeom prst="rect">
@@ -8162,7 +8798,7 @@
         </p:nvSpPr>
         <p:spPr>
           <a:xfrm>
-            <a:off x="8758347" y="2183088"/>
+            <a:off x="8758347" y="2447786"/>
             <a:ext cx="2891969" cy="307777"/>
           </a:xfrm>
           <a:prstGeom prst="rect">
@@ -8208,7 +8844,7 @@
         </p:nvSpPr>
         <p:spPr>
           <a:xfrm>
-            <a:off x="8758346" y="3320668"/>
+            <a:off x="8758346" y="3585366"/>
             <a:ext cx="2891969" cy="307777"/>
           </a:xfrm>
           <a:prstGeom prst="rect">
@@ -8256,7 +8892,7 @@
         </p:nvSpPr>
         <p:spPr>
           <a:xfrm>
-            <a:off x="8758346" y="3644970"/>
+            <a:off x="8758346" y="3909668"/>
             <a:ext cx="2891969" cy="307777"/>
           </a:xfrm>
           <a:prstGeom prst="rect">
@@ -8302,7 +8938,7 @@
         </p:nvSpPr>
         <p:spPr>
           <a:xfrm>
-            <a:off x="8743442" y="2811534"/>
+            <a:off x="8743442" y="3076232"/>
             <a:ext cx="2891969" cy="523220"/>
           </a:xfrm>
           <a:prstGeom prst="rect">
@@ -8358,7 +8994,7 @@
         </p:nvSpPr>
         <p:spPr>
           <a:xfrm>
-            <a:off x="8758346" y="2505469"/>
+            <a:off x="8758346" y="2770167"/>
             <a:ext cx="2891969" cy="307777"/>
           </a:xfrm>
           <a:prstGeom prst="rect">
@@ -8385,7 +9021,7 @@
                   </a:schemeClr>
                 </a:solidFill>
               </a:rPr>
-              <a:t>SVCM Consumer</a:t>
+              <a:t>SVCM Terminology Consumer</a:t>
             </a:r>
           </a:p>
         </p:txBody>
@@ -8549,7 +9185,7 @@
         </p:nvSpPr>
         <p:spPr>
           <a:xfrm>
-            <a:off x="8763763" y="1554391"/>
+            <a:off x="8761735" y="2120549"/>
             <a:ext cx="2854392" cy="307777"/>
           </a:xfrm>
           <a:prstGeom prst="rect">
@@ -8671,7 +9307,7 @@
                   </a:schemeClr>
                 </a:solidFill>
               </a:rPr>
-              <a:t>SVCM Repository??</a:t>
+              <a:t>SVCM Terminology Repos</a:t>
             </a:r>
           </a:p>
         </p:txBody>
@@ -8737,7 +9373,7 @@
         </p:nvSpPr>
         <p:spPr>
           <a:xfrm>
-            <a:off x="4779334" y="700800"/>
+            <a:off x="4779334" y="1206130"/>
             <a:ext cx="2610651" cy="369332"/>
           </a:xfrm>
           <a:prstGeom prst="rect">
@@ -8754,53 +9390,6 @@
             <a:r>
               <a:rPr lang="en-US" b="1" dirty="0"/>
               <a:t>HIE Central Infrastructure</a:t>
-            </a:r>
-          </a:p>
-        </p:txBody>
-      </p:sp>
-      <p:sp>
-        <p:nvSpPr>
-          <p:cNvPr id="124" name="TextBox 123">
-            <a:extLst>
-              <a:ext uri="{FF2B5EF4-FFF2-40B4-BE49-F238E27FC236}">
-                <a16:creationId xmlns:a16="http://schemas.microsoft.com/office/drawing/2014/main" id="{5B0171A6-A066-C14A-90BD-DD5F6843DCBB}"/>
-              </a:ext>
-            </a:extLst>
-          </p:cNvPr>
-          <p:cNvSpPr txBox="1"/>
-          <p:nvPr/>
-        </p:nvSpPr>
-        <p:spPr>
-          <a:xfrm>
-            <a:off x="5065517" y="1137094"/>
-            <a:ext cx="2066523" cy="307777"/>
-          </a:xfrm>
-          <a:prstGeom prst="rect">
-            <a:avLst/>
-          </a:prstGeom>
-          <a:noFill/>
-          <a:ln w="12700">
-            <a:solidFill>
-              <a:schemeClr val="tx1"/>
-            </a:solidFill>
-            <a:prstDash val="dash"/>
-          </a:ln>
-        </p:spPr>
-        <p:txBody>
-          <a:bodyPr wrap="square" rtlCol="0">
-            <a:spAutoFit/>
-          </a:bodyPr>
-          <a:lstStyle/>
-          <a:p>
-            <a:r>
-              <a:rPr lang="en-US" sz="1400" dirty="0">
-                <a:solidFill>
-                  <a:schemeClr val="bg1">
-                    <a:lumMod val="65000"/>
-                  </a:schemeClr>
-                </a:solidFill>
-              </a:rPr>
-              <a:t>IUA Authorization Server</a:t>
             </a:r>
           </a:p>
         </p:txBody>
@@ -8900,7 +9489,7 @@
           <p:spPr>
             <a:xfrm>
               <a:off x="828622" y="989506"/>
-              <a:ext cx="2053691" cy="318734"/>
+              <a:ext cx="2053691" cy="235233"/>
             </a:xfrm>
             <a:prstGeom prst="rect">
               <a:avLst/>
@@ -8921,7 +9510,7 @@
             <a:p>
               <a:r>
                 <a:rPr lang="en-US" sz="1400" b="1" dirty="0"/>
-                <a:t>MHD? Document Source</a:t>
+                <a:t>MHD Document Source</a:t>
               </a:r>
             </a:p>
           </p:txBody>
@@ -9202,9 +9791,9 @@
           <p:nvPr/>
         </p:nvCxnSpPr>
         <p:spPr>
-          <a:xfrm flipH="1">
-            <a:off x="10188931" y="4261629"/>
-            <a:ext cx="12266" cy="2596371"/>
+          <a:xfrm>
+            <a:off x="10188931" y="4451684"/>
+            <a:ext cx="0" cy="2406316"/>
           </a:xfrm>
           <a:prstGeom prst="line">
             <a:avLst/>
@@ -9325,7 +9914,7 @@
                   </a:schemeClr>
                 </a:solidFill>
               </a:rPr>
-              <a:t>Document Publication Process Flow</a:t>
+              <a:t>Document Publication Process Flow (binary stored at registry)</a:t>
             </a:r>
           </a:p>
         </p:txBody>
@@ -9346,7 +9935,7 @@
         </p:nvCxnSpPr>
         <p:spPr>
           <a:xfrm>
-            <a:off x="1855467" y="6372592"/>
+            <a:off x="1855467" y="5999606"/>
             <a:ext cx="8333464" cy="0"/>
           </a:xfrm>
           <a:prstGeom prst="straightConnector1">
@@ -9389,7 +9978,7 @@
         </p:nvSpPr>
         <p:spPr>
           <a:xfrm>
-            <a:off x="2037117" y="6090477"/>
+            <a:off x="2037117" y="5741557"/>
             <a:ext cx="2610652" cy="276999"/>
           </a:xfrm>
           <a:prstGeom prst="rect">
@@ -9504,7 +10093,7 @@
         </p:nvCxnSpPr>
         <p:spPr>
           <a:xfrm>
-            <a:off x="1854860" y="5690262"/>
+            <a:off x="1854860" y="5341342"/>
             <a:ext cx="4056907" cy="0"/>
           </a:xfrm>
           <a:prstGeom prst="straightConnector1">
@@ -9547,7 +10136,7 @@
         </p:nvSpPr>
         <p:spPr>
           <a:xfrm>
-            <a:off x="2490978" y="5343928"/>
+            <a:off x="2490978" y="4995008"/>
             <a:ext cx="1284597" cy="461665"/>
           </a:xfrm>
           <a:prstGeom prst="rect">
@@ -9598,7 +10187,7 @@
         </p:nvCxnSpPr>
         <p:spPr>
           <a:xfrm>
-            <a:off x="1854860" y="6090477"/>
+            <a:off x="1854860" y="5741557"/>
             <a:ext cx="8362636" cy="0"/>
           </a:xfrm>
           <a:prstGeom prst="straightConnector1">
@@ -9641,7 +10230,7 @@
         </p:nvSpPr>
         <p:spPr>
           <a:xfrm>
-            <a:off x="2064737" y="5846809"/>
+            <a:off x="2064737" y="5473825"/>
             <a:ext cx="2610652" cy="276999"/>
           </a:xfrm>
           <a:prstGeom prst="rect">
@@ -9706,6 +10295,142 @@
                 </a:solidFill>
               </a:rPr>
               <a:t>ATNA Secure Node/App</a:t>
+            </a:r>
+          </a:p>
+        </p:txBody>
+      </p:sp>
+      <p:sp>
+        <p:nvSpPr>
+          <p:cNvPr id="43" name="TextBox 42">
+            <a:extLst>
+              <a:ext uri="{FF2B5EF4-FFF2-40B4-BE49-F238E27FC236}">
+                <a16:creationId xmlns:a16="http://schemas.microsoft.com/office/drawing/2014/main" id="{385B4BA6-DB77-FA43-AE74-90D6F8F4D186}"/>
+              </a:ext>
+            </a:extLst>
+          </p:cNvPr>
+          <p:cNvSpPr txBox="1"/>
+          <p:nvPr/>
+        </p:nvSpPr>
+        <p:spPr>
+          <a:xfrm>
+            <a:off x="8781786" y="1815745"/>
+            <a:ext cx="2854392" cy="307777"/>
+          </a:xfrm>
+          <a:prstGeom prst="rect">
+            <a:avLst/>
+          </a:prstGeom>
+          <a:noFill/>
+          <a:ln w="12700">
+            <a:solidFill>
+              <a:schemeClr val="tx1"/>
+            </a:solidFill>
+            <a:prstDash val="solid"/>
+          </a:ln>
+        </p:spPr>
+        <p:txBody>
+          <a:bodyPr wrap="square" rtlCol="0">
+            <a:spAutoFit/>
+          </a:bodyPr>
+          <a:lstStyle/>
+          <a:p>
+            <a:r>
+              <a:rPr lang="en-US" sz="1400" dirty="0">
+                <a:solidFill>
+                  <a:schemeClr val="bg1">
+                    <a:lumMod val="65000"/>
+                  </a:schemeClr>
+                </a:solidFill>
+              </a:rPr>
+              <a:t>IUA Authorization Server</a:t>
+            </a:r>
+          </a:p>
+        </p:txBody>
+      </p:sp>
+      <p:sp>
+        <p:nvSpPr>
+          <p:cNvPr id="48" name="Curved Right Arrow 47">
+            <a:extLst>
+              <a:ext uri="{FF2B5EF4-FFF2-40B4-BE49-F238E27FC236}">
+                <a16:creationId xmlns:a16="http://schemas.microsoft.com/office/drawing/2014/main" id="{DDFDD6BB-36A8-CF44-9E02-A45D4332D6C3}"/>
+              </a:ext>
+            </a:extLst>
+          </p:cNvPr>
+          <p:cNvSpPr/>
+          <p:nvPr/>
+        </p:nvSpPr>
+        <p:spPr>
+          <a:xfrm flipH="1">
+            <a:off x="10217496" y="6141772"/>
+            <a:ext cx="567929" cy="347830"/>
+          </a:xfrm>
+          <a:prstGeom prst="curvedRightArrow">
+            <a:avLst/>
+          </a:prstGeom>
+          <a:solidFill>
+            <a:schemeClr val="tx1"/>
+          </a:solidFill>
+          <a:ln w="6350"/>
+        </p:spPr>
+        <p:style>
+          <a:lnRef idx="2">
+            <a:schemeClr val="accent1">
+              <a:shade val="50000"/>
+            </a:schemeClr>
+          </a:lnRef>
+          <a:fillRef idx="1">
+            <a:schemeClr val="accent1"/>
+          </a:fillRef>
+          <a:effectRef idx="0">
+            <a:schemeClr val="accent1"/>
+          </a:effectRef>
+          <a:fontRef idx="minor">
+            <a:schemeClr val="lt1"/>
+          </a:fontRef>
+        </p:style>
+        <p:txBody>
+          <a:bodyPr rtlCol="0" anchor="ctr"/>
+          <a:lstStyle/>
+          <a:p>
+            <a:pPr algn="ctr"/>
+            <a:endParaRPr lang="en-US">
+              <a:solidFill>
+                <a:schemeClr val="tx1"/>
+              </a:solidFill>
+            </a:endParaRPr>
+          </a:p>
+        </p:txBody>
+      </p:sp>
+      <p:sp>
+        <p:nvSpPr>
+          <p:cNvPr id="12" name="TextBox 11">
+            <a:extLst>
+              <a:ext uri="{FF2B5EF4-FFF2-40B4-BE49-F238E27FC236}">
+                <a16:creationId xmlns:a16="http://schemas.microsoft.com/office/drawing/2014/main" id="{9554DC77-3F2B-8A4A-BA1E-64695B38B730}"/>
+              </a:ext>
+            </a:extLst>
+          </p:cNvPr>
+          <p:cNvSpPr txBox="1"/>
+          <p:nvPr/>
+        </p:nvSpPr>
+        <p:spPr>
+          <a:xfrm>
+            <a:off x="10785425" y="6063915"/>
+            <a:ext cx="1318340" cy="461665"/>
+          </a:xfrm>
+          <a:prstGeom prst="rect">
+            <a:avLst/>
+          </a:prstGeom>
+          <a:noFill/>
+        </p:spPr>
+        <p:txBody>
+          <a:bodyPr wrap="square" rtlCol="0">
+            <a:spAutoFit/>
+          </a:bodyPr>
+          <a:lstStyle/>
+          <a:p>
+            <a:r>
+              <a:rPr lang="en-US" sz="1200" i="1" dirty="0"/>
+              <a:t>Store metadata and binary</a:t>
             </a:r>
           </a:p>
         </p:txBody>
@@ -9754,8 +10479,8 @@
         </p:nvSpPr>
         <p:spPr>
           <a:xfrm>
-            <a:off x="4741191" y="638109"/>
-            <a:ext cx="2610652" cy="4452713"/>
+            <a:off x="4741191" y="1113166"/>
+            <a:ext cx="2610652" cy="3977656"/>
           </a:xfrm>
           <a:prstGeom prst="roundRect">
             <a:avLst/>
@@ -9802,10 +10527,10 @@
       </p:sp>
       <p:sp>
         <p:nvSpPr>
-          <p:cNvPr id="6" name="TextBox 5">
-            <a:extLst>
-              <a:ext uri="{FF2B5EF4-FFF2-40B4-BE49-F238E27FC236}">
-                <a16:creationId xmlns:a16="http://schemas.microsoft.com/office/drawing/2014/main" id="{D75FDBD6-673A-934A-A3C1-3D00E1720A36}"/>
+          <p:cNvPr id="17" name="TextBox 16">
+            <a:extLst>
+              <a:ext uri="{FF2B5EF4-FFF2-40B4-BE49-F238E27FC236}">
+                <a16:creationId xmlns:a16="http://schemas.microsoft.com/office/drawing/2014/main" id="{48B05430-ACEE-514B-A8C7-62B728C543A8}"/>
               </a:ext>
             </a:extLst>
           </p:cNvPr>
@@ -9814,8 +10539,8 @@
         </p:nvSpPr>
         <p:spPr>
           <a:xfrm>
-            <a:off x="8575901" y="948971"/>
-            <a:ext cx="3250593" cy="3323987"/>
+            <a:off x="5062738" y="4039093"/>
+            <a:ext cx="2066523" cy="523220"/>
           </a:xfrm>
           <a:prstGeom prst="rect">
             <a:avLst/>
@@ -9825,6 +10550,7 @@
             <a:solidFill>
               <a:schemeClr val="tx1"/>
             </a:solidFill>
+            <a:prstDash val="dash"/>
           </a:ln>
         </p:spPr>
         <p:txBody>
@@ -9833,76 +10559,19 @@
           </a:bodyPr>
           <a:lstStyle/>
           <a:p>
-            <a:pPr algn="ctr"/>
             <a:r>
               <a:rPr lang="en-US" sz="1400" b="1" dirty="0"/>
-              <a:t>MHDS Document Registry</a:t>
-            </a:r>
-          </a:p>
-          <a:p>
-            <a:pPr algn="ctr"/>
-            <a:endParaRPr lang="en-US" sz="1400" b="1" dirty="0"/>
-          </a:p>
-          <a:p>
-            <a:pPr algn="ctr"/>
-            <a:endParaRPr lang="en-US" sz="1400" b="1" dirty="0"/>
-          </a:p>
-          <a:p>
-            <a:pPr algn="ctr"/>
-            <a:endParaRPr lang="en-US" sz="1400" b="1" dirty="0"/>
-          </a:p>
-          <a:p>
-            <a:pPr algn="ctr"/>
-            <a:endParaRPr lang="en-US" sz="1400" b="1" dirty="0"/>
-          </a:p>
-          <a:p>
-            <a:pPr algn="ctr"/>
-            <a:endParaRPr lang="en-US" sz="1400" b="1" dirty="0"/>
-          </a:p>
-          <a:p>
-            <a:pPr algn="ctr"/>
-            <a:endParaRPr lang="en-US" sz="1400" b="1" dirty="0"/>
-          </a:p>
-          <a:p>
-            <a:pPr algn="ctr"/>
-            <a:endParaRPr lang="en-US" sz="1400" b="1" dirty="0"/>
-          </a:p>
-          <a:p>
-            <a:pPr algn="ctr"/>
-            <a:endParaRPr lang="en-US" sz="1400" b="1" dirty="0"/>
-          </a:p>
-          <a:p>
-            <a:pPr algn="ctr"/>
-            <a:endParaRPr lang="en-US" sz="1400" b="1" dirty="0"/>
-          </a:p>
-          <a:p>
-            <a:pPr algn="ctr"/>
-            <a:endParaRPr lang="en-US" sz="1400" b="1" dirty="0"/>
-          </a:p>
-          <a:p>
-            <a:pPr algn="ctr"/>
-            <a:endParaRPr lang="en-US" sz="1400" b="1" dirty="0"/>
-          </a:p>
-          <a:p>
-            <a:pPr algn="ctr"/>
-            <a:endParaRPr lang="en-US" sz="1400" b="1" dirty="0"/>
-          </a:p>
-          <a:p>
-            <a:pPr algn="ctr"/>
-            <a:endParaRPr lang="en-US" sz="1400" b="1" dirty="0"/>
-          </a:p>
-          <a:p>
-            <a:pPr algn="ctr"/>
-            <a:endParaRPr lang="en-US" sz="1400" b="1" dirty="0"/>
-          </a:p>
-        </p:txBody>
-      </p:sp>
-      <p:sp>
-        <p:nvSpPr>
-          <p:cNvPr id="7" name="TextBox 6">
-            <a:extLst>
-              <a:ext uri="{FF2B5EF4-FFF2-40B4-BE49-F238E27FC236}">
-                <a16:creationId xmlns:a16="http://schemas.microsoft.com/office/drawing/2014/main" id="{A6A618DC-5EE9-0A45-B38E-52C96A710429}"/>
+              <a:t>ATNA Audit Record Repository</a:t>
+            </a:r>
+          </a:p>
+        </p:txBody>
+      </p:sp>
+      <p:sp>
+        <p:nvSpPr>
+          <p:cNvPr id="18" name="TextBox 17">
+            <a:extLst>
+              <a:ext uri="{FF2B5EF4-FFF2-40B4-BE49-F238E27FC236}">
+                <a16:creationId xmlns:a16="http://schemas.microsoft.com/office/drawing/2014/main" id="{AD47F4C6-8F4B-A040-A348-C04565191AFE}"/>
               </a:ext>
             </a:extLst>
           </p:cNvPr>
@@ -9911,8 +10580,8 @@
         </p:nvSpPr>
         <p:spPr>
           <a:xfrm>
-            <a:off x="8742947" y="1231079"/>
-            <a:ext cx="2891969" cy="307777"/>
+            <a:off x="5062738" y="4690271"/>
+            <a:ext cx="2066523" cy="307777"/>
           </a:xfrm>
           <a:prstGeom prst="rect">
             <a:avLst/>
@@ -9922,6 +10591,7 @@
             <a:solidFill>
               <a:schemeClr val="tx1"/>
             </a:solidFill>
+            <a:prstDash val="dash"/>
           </a:ln>
         </p:spPr>
         <p:txBody>
@@ -9938,17 +10608,17 @@
                   </a:schemeClr>
                 </a:solidFill>
               </a:rPr>
-              <a:t>MHD Document Responder</a:t>
-            </a:r>
-          </a:p>
-        </p:txBody>
-      </p:sp>
-      <p:sp>
-        <p:nvSpPr>
-          <p:cNvPr id="8" name="TextBox 7">
-            <a:extLst>
-              <a:ext uri="{FF2B5EF4-FFF2-40B4-BE49-F238E27FC236}">
-                <a16:creationId xmlns:a16="http://schemas.microsoft.com/office/drawing/2014/main" id="{8400586D-4C09-D341-ABC8-CCA7C32134B2}"/>
+              <a:t>CT Time Server</a:t>
+            </a:r>
+          </a:p>
+        </p:txBody>
+      </p:sp>
+      <p:sp>
+        <p:nvSpPr>
+          <p:cNvPr id="19" name="TextBox 18">
+            <a:extLst>
+              <a:ext uri="{FF2B5EF4-FFF2-40B4-BE49-F238E27FC236}">
+                <a16:creationId xmlns:a16="http://schemas.microsoft.com/office/drawing/2014/main" id="{1DE22B6C-CD3A-0247-873E-0536D4B75FB1}"/>
               </a:ext>
             </a:extLst>
           </p:cNvPr>
@@ -9957,8 +10627,8 @@
         </p:nvSpPr>
         <p:spPr>
           <a:xfrm>
-            <a:off x="8758346" y="1868294"/>
-            <a:ext cx="2891969" cy="307777"/>
+            <a:off x="5054252" y="3413571"/>
+            <a:ext cx="2104623" cy="523220"/>
           </a:xfrm>
           <a:prstGeom prst="rect">
             <a:avLst/>
@@ -9968,186 +10638,7 @@
             <a:solidFill>
               <a:schemeClr val="tx1"/>
             </a:solidFill>
-          </a:ln>
-        </p:spPr>
-        <p:txBody>
-          <a:bodyPr wrap="square" rtlCol="0">
-            <a:spAutoFit/>
-          </a:bodyPr>
-          <a:lstStyle/>
-          <a:p>
-            <a:r>
-              <a:rPr lang="en-US" sz="1400" b="1" dirty="0"/>
-              <a:t>MHD Document Recipient</a:t>
-            </a:r>
-          </a:p>
-        </p:txBody>
-      </p:sp>
-      <p:sp>
-        <p:nvSpPr>
-          <p:cNvPr id="9" name="TextBox 8">
-            <a:extLst>
-              <a:ext uri="{FF2B5EF4-FFF2-40B4-BE49-F238E27FC236}">
-                <a16:creationId xmlns:a16="http://schemas.microsoft.com/office/drawing/2014/main" id="{1CFC4452-D360-5A44-868D-E5EA8687EEBA}"/>
-              </a:ext>
-            </a:extLst>
-          </p:cNvPr>
-          <p:cNvSpPr txBox="1"/>
-          <p:nvPr/>
-        </p:nvSpPr>
-        <p:spPr>
-          <a:xfrm>
-            <a:off x="8758347" y="2183088"/>
-            <a:ext cx="2891969" cy="307777"/>
-          </a:xfrm>
-          <a:prstGeom prst="rect">
-            <a:avLst/>
-          </a:prstGeom>
-          <a:noFill/>
-          <a:ln w="12700">
-            <a:solidFill>
-              <a:schemeClr val="tx1"/>
-            </a:solidFill>
-          </a:ln>
-        </p:spPr>
-        <p:txBody>
-          <a:bodyPr wrap="square" rtlCol="0">
-            <a:spAutoFit/>
-          </a:bodyPr>
-          <a:lstStyle/>
-          <a:p>
-            <a:r>
-              <a:rPr lang="en-US" sz="1400" dirty="0">
-                <a:solidFill>
-                  <a:schemeClr val="bg1">
-                    <a:lumMod val="65000"/>
-                  </a:schemeClr>
-                </a:solidFill>
-              </a:rPr>
-              <a:t>PMIR Patient Identity Consumer</a:t>
-            </a:r>
-          </a:p>
-        </p:txBody>
-      </p:sp>
-      <p:sp>
-        <p:nvSpPr>
-          <p:cNvPr id="10" name="TextBox 9">
-            <a:extLst>
-              <a:ext uri="{FF2B5EF4-FFF2-40B4-BE49-F238E27FC236}">
-                <a16:creationId xmlns:a16="http://schemas.microsoft.com/office/drawing/2014/main" id="{F61FC17B-F8E3-5345-A1C2-28769AFAFD9F}"/>
-              </a:ext>
-            </a:extLst>
-          </p:cNvPr>
-          <p:cNvSpPr txBox="1"/>
-          <p:nvPr/>
-        </p:nvSpPr>
-        <p:spPr>
-          <a:xfrm>
-            <a:off x="8758346" y="3320668"/>
-            <a:ext cx="2891969" cy="307777"/>
-          </a:xfrm>
-          <a:prstGeom prst="rect">
-            <a:avLst/>
-          </a:prstGeom>
-          <a:noFill/>
-          <a:ln w="12700">
-            <a:solidFill>
-              <a:schemeClr val="tx1"/>
-            </a:solidFill>
-          </a:ln>
-        </p:spPr>
-        <p:txBody>
-          <a:bodyPr wrap="square" rtlCol="0">
-            <a:spAutoFit/>
-          </a:bodyPr>
-          <a:lstStyle/>
-          <a:p>
-            <a:r>
-              <a:rPr lang="en-US" sz="1400" b="1" dirty="0"/>
-              <a:t>ATNA</a:t>
-            </a:r>
-            <a:r>
-              <a:rPr lang="en-US" sz="1400" dirty="0"/>
-              <a:t> </a:t>
-            </a:r>
-            <a:r>
-              <a:rPr lang="en-US" sz="1400" b="1" dirty="0"/>
-              <a:t>Secure Node</a:t>
-            </a:r>
-          </a:p>
-        </p:txBody>
-      </p:sp>
-      <p:sp>
-        <p:nvSpPr>
-          <p:cNvPr id="11" name="TextBox 10">
-            <a:extLst>
-              <a:ext uri="{FF2B5EF4-FFF2-40B4-BE49-F238E27FC236}">
-                <a16:creationId xmlns:a16="http://schemas.microsoft.com/office/drawing/2014/main" id="{CC08521B-FF64-BC4C-8498-0A223DDC4A54}"/>
-              </a:ext>
-            </a:extLst>
-          </p:cNvPr>
-          <p:cNvSpPr txBox="1"/>
-          <p:nvPr/>
-        </p:nvSpPr>
-        <p:spPr>
-          <a:xfrm>
-            <a:off x="8758346" y="3644970"/>
-            <a:ext cx="2891969" cy="307777"/>
-          </a:xfrm>
-          <a:prstGeom prst="rect">
-            <a:avLst/>
-          </a:prstGeom>
-          <a:noFill/>
-          <a:ln w="12700">
-            <a:solidFill>
-              <a:schemeClr val="tx1"/>
-            </a:solidFill>
-          </a:ln>
-        </p:spPr>
-        <p:txBody>
-          <a:bodyPr wrap="square" rtlCol="0">
-            <a:spAutoFit/>
-          </a:bodyPr>
-          <a:lstStyle/>
-          <a:p>
-            <a:r>
-              <a:rPr lang="en-US" sz="1400" dirty="0">
-                <a:solidFill>
-                  <a:schemeClr val="bg1">
-                    <a:lumMod val="65000"/>
-                  </a:schemeClr>
-                </a:solidFill>
-              </a:rPr>
-              <a:t>CT Time Client</a:t>
-            </a:r>
-          </a:p>
-        </p:txBody>
-      </p:sp>
-      <p:sp>
-        <p:nvSpPr>
-          <p:cNvPr id="13" name="TextBox 12">
-            <a:extLst>
-              <a:ext uri="{FF2B5EF4-FFF2-40B4-BE49-F238E27FC236}">
-                <a16:creationId xmlns:a16="http://schemas.microsoft.com/office/drawing/2014/main" id="{BB55BDF6-A35D-8049-AC91-DBA96647E51D}"/>
-              </a:ext>
-            </a:extLst>
-          </p:cNvPr>
-          <p:cNvSpPr txBox="1"/>
-          <p:nvPr/>
-        </p:nvSpPr>
-        <p:spPr>
-          <a:xfrm>
-            <a:off x="8743442" y="2811534"/>
-            <a:ext cx="2891969" cy="523220"/>
-          </a:xfrm>
-          <a:prstGeom prst="rect">
-            <a:avLst/>
-          </a:prstGeom>
-          <a:noFill/>
-          <a:ln w="12700">
-            <a:solidFill>
-              <a:schemeClr val="tx1"/>
-            </a:solidFill>
+            <a:prstDash val="dash"/>
           </a:ln>
         </p:spPr>
         <p:txBody>
@@ -10174,239 +10665,7 @@
                   </a:schemeClr>
                 </a:solidFill>
               </a:rPr>
-              <a:t> Care Services Selective Consumer</a:t>
-            </a:r>
-          </a:p>
-        </p:txBody>
-      </p:sp>
-      <p:sp>
-        <p:nvSpPr>
-          <p:cNvPr id="15" name="TextBox 14">
-            <a:extLst>
-              <a:ext uri="{FF2B5EF4-FFF2-40B4-BE49-F238E27FC236}">
-                <a16:creationId xmlns:a16="http://schemas.microsoft.com/office/drawing/2014/main" id="{2FD09FAF-81BF-0242-9A5B-D33785891C2B}"/>
-              </a:ext>
-            </a:extLst>
-          </p:cNvPr>
-          <p:cNvSpPr txBox="1"/>
-          <p:nvPr/>
-        </p:nvSpPr>
-        <p:spPr>
-          <a:xfrm>
-            <a:off x="8758346" y="2505469"/>
-            <a:ext cx="2891969" cy="307777"/>
-          </a:xfrm>
-          <a:prstGeom prst="rect">
-            <a:avLst/>
-          </a:prstGeom>
-          <a:noFill/>
-          <a:ln w="12700">
-            <a:solidFill>
-              <a:schemeClr val="tx1"/>
-            </a:solidFill>
-          </a:ln>
-        </p:spPr>
-        <p:txBody>
-          <a:bodyPr wrap="square" rtlCol="0">
-            <a:spAutoFit/>
-          </a:bodyPr>
-          <a:lstStyle/>
-          <a:p>
-            <a:r>
-              <a:rPr lang="en-US" sz="1400" dirty="0">
-                <a:solidFill>
-                  <a:schemeClr val="bg1">
-                    <a:lumMod val="65000"/>
-                  </a:schemeClr>
-                </a:solidFill>
-              </a:rPr>
-              <a:t>SVCM Consumer</a:t>
-            </a:r>
-          </a:p>
-        </p:txBody>
-      </p:sp>
-      <p:sp>
-        <p:nvSpPr>
-          <p:cNvPr id="17" name="TextBox 16">
-            <a:extLst>
-              <a:ext uri="{FF2B5EF4-FFF2-40B4-BE49-F238E27FC236}">
-                <a16:creationId xmlns:a16="http://schemas.microsoft.com/office/drawing/2014/main" id="{48B05430-ACEE-514B-A8C7-62B728C543A8}"/>
-              </a:ext>
-            </a:extLst>
-          </p:cNvPr>
-          <p:cNvSpPr txBox="1"/>
-          <p:nvPr/>
-        </p:nvSpPr>
-        <p:spPr>
-          <a:xfrm>
-            <a:off x="5062738" y="4039093"/>
-            <a:ext cx="2066523" cy="523220"/>
-          </a:xfrm>
-          <a:prstGeom prst="rect">
-            <a:avLst/>
-          </a:prstGeom>
-          <a:noFill/>
-          <a:ln w="12700">
-            <a:solidFill>
-              <a:schemeClr val="tx1"/>
-            </a:solidFill>
-            <a:prstDash val="dash"/>
-          </a:ln>
-        </p:spPr>
-        <p:txBody>
-          <a:bodyPr wrap="square" rtlCol="0">
-            <a:spAutoFit/>
-          </a:bodyPr>
-          <a:lstStyle/>
-          <a:p>
-            <a:r>
-              <a:rPr lang="en-US" sz="1400" b="1" dirty="0"/>
-              <a:t>ATNA Audit Record Repository</a:t>
-            </a:r>
-          </a:p>
-        </p:txBody>
-      </p:sp>
-      <p:sp>
-        <p:nvSpPr>
-          <p:cNvPr id="18" name="TextBox 17">
-            <a:extLst>
-              <a:ext uri="{FF2B5EF4-FFF2-40B4-BE49-F238E27FC236}">
-                <a16:creationId xmlns:a16="http://schemas.microsoft.com/office/drawing/2014/main" id="{AD47F4C6-8F4B-A040-A348-C04565191AFE}"/>
-              </a:ext>
-            </a:extLst>
-          </p:cNvPr>
-          <p:cNvSpPr txBox="1"/>
-          <p:nvPr/>
-        </p:nvSpPr>
-        <p:spPr>
-          <a:xfrm>
-            <a:off x="5062738" y="4690271"/>
-            <a:ext cx="2066523" cy="307777"/>
-          </a:xfrm>
-          <a:prstGeom prst="rect">
-            <a:avLst/>
-          </a:prstGeom>
-          <a:noFill/>
-          <a:ln w="12700">
-            <a:solidFill>
-              <a:schemeClr val="tx1"/>
-            </a:solidFill>
-            <a:prstDash val="dash"/>
-          </a:ln>
-        </p:spPr>
-        <p:txBody>
-          <a:bodyPr wrap="square" rtlCol="0">
-            <a:spAutoFit/>
-          </a:bodyPr>
-          <a:lstStyle/>
-          <a:p>
-            <a:r>
-              <a:rPr lang="en-US" sz="1400" dirty="0">
-                <a:solidFill>
-                  <a:schemeClr val="bg1">
-                    <a:lumMod val="65000"/>
-                  </a:schemeClr>
-                </a:solidFill>
-              </a:rPr>
-              <a:t>CT Time Server</a:t>
-            </a:r>
-          </a:p>
-        </p:txBody>
-      </p:sp>
-      <p:sp>
-        <p:nvSpPr>
-          <p:cNvPr id="19" name="TextBox 18">
-            <a:extLst>
-              <a:ext uri="{FF2B5EF4-FFF2-40B4-BE49-F238E27FC236}">
-                <a16:creationId xmlns:a16="http://schemas.microsoft.com/office/drawing/2014/main" id="{1DE22B6C-CD3A-0247-873E-0536D4B75FB1}"/>
-              </a:ext>
-            </a:extLst>
-          </p:cNvPr>
-          <p:cNvSpPr txBox="1"/>
-          <p:nvPr/>
-        </p:nvSpPr>
-        <p:spPr>
-          <a:xfrm>
-            <a:off x="5054252" y="3413571"/>
-            <a:ext cx="2104623" cy="523220"/>
-          </a:xfrm>
-          <a:prstGeom prst="rect">
-            <a:avLst/>
-          </a:prstGeom>
-          <a:noFill/>
-          <a:ln w="12700">
-            <a:solidFill>
-              <a:schemeClr val="tx1"/>
-            </a:solidFill>
-            <a:prstDash val="dash"/>
-          </a:ln>
-        </p:spPr>
-        <p:txBody>
-          <a:bodyPr wrap="square" rtlCol="0">
-            <a:spAutoFit/>
-          </a:bodyPr>
-          <a:lstStyle/>
-          <a:p>
-            <a:r>
-              <a:rPr lang="en-US" sz="1400" dirty="0" err="1">
-                <a:solidFill>
-                  <a:schemeClr val="bg1">
-                    <a:lumMod val="65000"/>
-                  </a:schemeClr>
-                </a:solidFill>
-              </a:rPr>
-              <a:t>mCSD</a:t>
-            </a:r>
-            <a:r>
-              <a:rPr lang="en-US" sz="1400" dirty="0">
-                <a:solidFill>
-                  <a:schemeClr val="bg1">
-                    <a:lumMod val="65000"/>
-                  </a:schemeClr>
-                </a:solidFill>
-              </a:rPr>
               <a:t> Care Services Selective Supplier</a:t>
-            </a:r>
-          </a:p>
-        </p:txBody>
-      </p:sp>
-      <p:sp>
-        <p:nvSpPr>
-          <p:cNvPr id="20" name="TextBox 19">
-            <a:extLst>
-              <a:ext uri="{FF2B5EF4-FFF2-40B4-BE49-F238E27FC236}">
-                <a16:creationId xmlns:a16="http://schemas.microsoft.com/office/drawing/2014/main" id="{BD161D68-B7EE-B444-B57A-53F5959CA062}"/>
-              </a:ext>
-            </a:extLst>
-          </p:cNvPr>
-          <p:cNvSpPr txBox="1"/>
-          <p:nvPr/>
-        </p:nvSpPr>
-        <p:spPr>
-          <a:xfrm>
-            <a:off x="8763763" y="1554391"/>
-            <a:ext cx="2854392" cy="307777"/>
-          </a:xfrm>
-          <a:prstGeom prst="rect">
-            <a:avLst/>
-          </a:prstGeom>
-          <a:noFill/>
-          <a:ln w="12700">
-            <a:solidFill>
-              <a:schemeClr val="tx1"/>
-            </a:solidFill>
-            <a:prstDash val="solid"/>
-          </a:ln>
-        </p:spPr>
-        <p:txBody>
-          <a:bodyPr wrap="square" rtlCol="0">
-            <a:spAutoFit/>
-          </a:bodyPr>
-          <a:lstStyle/>
-          <a:p>
-            <a:r>
-              <a:rPr lang="en-US" sz="1400" b="1" dirty="0"/>
-              <a:t>IUA Resource Server</a:t>
             </a:r>
           </a:p>
         </p:txBody>
@@ -10500,7 +10759,7 @@
                   </a:schemeClr>
                 </a:solidFill>
               </a:rPr>
-              <a:t>SVCM Repository??</a:t>
+              <a:t>SVCM Terminology Repos</a:t>
             </a:r>
           </a:p>
         </p:txBody>
@@ -10519,7 +10778,7 @@
         </p:nvSpPr>
         <p:spPr>
           <a:xfrm>
-            <a:off x="2015834" y="5542171"/>
+            <a:off x="2015834" y="5850781"/>
             <a:ext cx="3373867" cy="276999"/>
           </a:xfrm>
           <a:prstGeom prst="rect">
@@ -10601,7 +10860,7 @@
         </p:nvSpPr>
         <p:spPr>
           <a:xfrm>
-            <a:off x="4779334" y="700800"/>
+            <a:off x="4741192" y="1241187"/>
             <a:ext cx="2610651" cy="369332"/>
           </a:xfrm>
           <a:prstGeom prst="rect">
@@ -10618,47 +10877,6 @@
             <a:r>
               <a:rPr lang="en-US" b="1" dirty="0"/>
               <a:t>HIE Central Infrastructure</a:t>
-            </a:r>
-          </a:p>
-        </p:txBody>
-      </p:sp>
-      <p:sp>
-        <p:nvSpPr>
-          <p:cNvPr id="124" name="TextBox 123">
-            <a:extLst>
-              <a:ext uri="{FF2B5EF4-FFF2-40B4-BE49-F238E27FC236}">
-                <a16:creationId xmlns:a16="http://schemas.microsoft.com/office/drawing/2014/main" id="{5B0171A6-A066-C14A-90BD-DD5F6843DCBB}"/>
-              </a:ext>
-            </a:extLst>
-          </p:cNvPr>
-          <p:cNvSpPr txBox="1"/>
-          <p:nvPr/>
-        </p:nvSpPr>
-        <p:spPr>
-          <a:xfrm>
-            <a:off x="5065517" y="1137094"/>
-            <a:ext cx="2066523" cy="307777"/>
-          </a:xfrm>
-          <a:prstGeom prst="rect">
-            <a:avLst/>
-          </a:prstGeom>
-          <a:noFill/>
-          <a:ln w="12700">
-            <a:solidFill>
-              <a:schemeClr val="tx1"/>
-            </a:solidFill>
-            <a:prstDash val="dash"/>
-          </a:ln>
-        </p:spPr>
-        <p:txBody>
-          <a:bodyPr wrap="square" rtlCol="0">
-            <a:spAutoFit/>
-          </a:bodyPr>
-          <a:lstStyle/>
-          <a:p>
-            <a:r>
-              <a:rPr lang="en-US" sz="1400" b="1" dirty="0"/>
-              <a:t>IUA Authorization Server</a:t>
             </a:r>
           </a:p>
         </p:txBody>
@@ -10758,7 +10976,7 @@
           <p:spPr>
             <a:xfrm>
               <a:off x="828622" y="989506"/>
-              <a:ext cx="2053691" cy="318734"/>
+              <a:ext cx="2053691" cy="235233"/>
             </a:xfrm>
             <a:prstGeom prst="rect">
               <a:avLst/>
@@ -10779,7 +10997,7 @@
             <a:p>
               <a:r>
                 <a:rPr lang="en-US" sz="1400" b="1" dirty="0"/>
-                <a:t>MHD? Document Source</a:t>
+                <a:t>MHD Document Source</a:t>
               </a:r>
             </a:p>
           </p:txBody>
@@ -11050,13 +11268,14 @@
           </p:cNvPr>
           <p:cNvCxnSpPr>
             <a:cxnSpLocks/>
+            <a:stCxn id="48" idx="2"/>
           </p:cNvCxnSpPr>
           <p:nvPr/>
         </p:nvCxnSpPr>
         <p:spPr>
-          <a:xfrm flipH="1">
-            <a:off x="10188931" y="4261629"/>
-            <a:ext cx="12266" cy="2596371"/>
+          <a:xfrm>
+            <a:off x="10201198" y="4272958"/>
+            <a:ext cx="13538" cy="2594710"/>
           </a:xfrm>
           <a:prstGeom prst="line">
             <a:avLst/>
@@ -11099,8 +11318,8 @@
         </p:nvCxnSpPr>
         <p:spPr>
           <a:xfrm>
-            <a:off x="1810681" y="3644970"/>
-            <a:ext cx="0" cy="3213030"/>
+            <a:off x="1810681" y="3429000"/>
+            <a:ext cx="0" cy="3429000"/>
           </a:xfrm>
           <a:prstGeom prst="line">
             <a:avLst/>
@@ -11191,13 +11410,15 @@
               </a:ext>
             </a:extLst>
           </p:cNvPr>
-          <p:cNvCxnSpPr/>
+          <p:cNvCxnSpPr>
+            <a:cxnSpLocks/>
+          </p:cNvCxnSpPr>
           <p:nvPr/>
         </p:nvCxnSpPr>
         <p:spPr>
           <a:xfrm>
-            <a:off x="1840247" y="5502467"/>
-            <a:ext cx="4056907" cy="0"/>
+            <a:off x="1838561" y="5853518"/>
+            <a:ext cx="8337605" cy="0"/>
           </a:xfrm>
           <a:prstGeom prst="straightConnector1">
             <a:avLst/>
@@ -11241,7 +11462,7 @@
         </p:nvCxnSpPr>
         <p:spPr>
           <a:xfrm>
-            <a:off x="1838561" y="5816220"/>
+            <a:off x="1838561" y="6124830"/>
             <a:ext cx="8362636" cy="0"/>
           </a:xfrm>
           <a:prstGeom prst="straightConnector1">
@@ -11329,7 +11550,7 @@
         </p:nvSpPr>
         <p:spPr>
           <a:xfrm>
-            <a:off x="2059056" y="5263874"/>
+            <a:off x="2059056" y="5572484"/>
             <a:ext cx="2610652" cy="276999"/>
           </a:xfrm>
           <a:prstGeom prst="rect">
@@ -11573,7 +11794,7 @@
         </p:nvCxnSpPr>
         <p:spPr>
           <a:xfrm>
-            <a:off x="1854860" y="6090477"/>
+            <a:off x="1854860" y="5553267"/>
             <a:ext cx="8362636" cy="0"/>
           </a:xfrm>
           <a:prstGeom prst="straightConnector1">
@@ -11616,7 +11837,7 @@
         </p:nvSpPr>
         <p:spPr>
           <a:xfrm>
-            <a:off x="2064737" y="5846809"/>
+            <a:off x="2064737" y="5309599"/>
             <a:ext cx="2610652" cy="276999"/>
           </a:xfrm>
           <a:prstGeom prst="rect">
@@ -11680,6 +11901,513 @@
                 </a:solidFill>
               </a:rPr>
               <a:t>ATNA Secure Node/App</a:t>
+            </a:r>
+          </a:p>
+        </p:txBody>
+      </p:sp>
+      <p:sp>
+        <p:nvSpPr>
+          <p:cNvPr id="48" name="TextBox 47">
+            <a:extLst>
+              <a:ext uri="{FF2B5EF4-FFF2-40B4-BE49-F238E27FC236}">
+                <a16:creationId xmlns:a16="http://schemas.microsoft.com/office/drawing/2014/main" id="{5E80B90A-EB4B-444B-B07F-784F6AFBAA0B}"/>
+              </a:ext>
+            </a:extLst>
+          </p:cNvPr>
+          <p:cNvSpPr txBox="1"/>
+          <p:nvPr/>
+        </p:nvSpPr>
+        <p:spPr>
+          <a:xfrm>
+            <a:off x="8575901" y="948971"/>
+            <a:ext cx="3250593" cy="3323987"/>
+          </a:xfrm>
+          <a:prstGeom prst="rect">
+            <a:avLst/>
+          </a:prstGeom>
+          <a:noFill/>
+          <a:ln w="12700">
+            <a:solidFill>
+              <a:schemeClr val="tx1"/>
+            </a:solidFill>
+          </a:ln>
+        </p:spPr>
+        <p:txBody>
+          <a:bodyPr wrap="square" rtlCol="0">
+            <a:spAutoFit/>
+          </a:bodyPr>
+          <a:lstStyle/>
+          <a:p>
+            <a:pPr algn="ctr"/>
+            <a:r>
+              <a:rPr lang="en-US" sz="1400" b="1" dirty="0"/>
+              <a:t>MHDS Document Registry</a:t>
+            </a:r>
+          </a:p>
+          <a:p>
+            <a:pPr algn="ctr"/>
+            <a:endParaRPr lang="en-US" sz="1400" b="1" dirty="0"/>
+          </a:p>
+          <a:p>
+            <a:pPr algn="ctr"/>
+            <a:endParaRPr lang="en-US" sz="1400" b="1" dirty="0"/>
+          </a:p>
+          <a:p>
+            <a:pPr algn="ctr"/>
+            <a:endParaRPr lang="en-US" sz="1400" b="1" dirty="0"/>
+          </a:p>
+          <a:p>
+            <a:pPr algn="ctr"/>
+            <a:endParaRPr lang="en-US" sz="1400" b="1" dirty="0"/>
+          </a:p>
+          <a:p>
+            <a:pPr algn="ctr"/>
+            <a:endParaRPr lang="en-US" sz="1400" b="1" dirty="0"/>
+          </a:p>
+          <a:p>
+            <a:pPr algn="ctr"/>
+            <a:endParaRPr lang="en-US" sz="1400" b="1" dirty="0"/>
+          </a:p>
+          <a:p>
+            <a:pPr algn="ctr"/>
+            <a:endParaRPr lang="en-US" sz="1400" b="1" dirty="0"/>
+          </a:p>
+          <a:p>
+            <a:pPr algn="ctr"/>
+            <a:endParaRPr lang="en-US" sz="1400" b="1" dirty="0"/>
+          </a:p>
+          <a:p>
+            <a:pPr algn="ctr"/>
+            <a:endParaRPr lang="en-US" sz="1400" b="1" dirty="0"/>
+          </a:p>
+          <a:p>
+            <a:pPr algn="ctr"/>
+            <a:endParaRPr lang="en-US" sz="1400" b="1" dirty="0"/>
+          </a:p>
+          <a:p>
+            <a:pPr algn="ctr"/>
+            <a:endParaRPr lang="en-US" sz="1400" b="1" dirty="0"/>
+          </a:p>
+          <a:p>
+            <a:pPr algn="ctr"/>
+            <a:endParaRPr lang="en-US" sz="1400" b="1" dirty="0"/>
+          </a:p>
+          <a:p>
+            <a:pPr algn="ctr"/>
+            <a:endParaRPr lang="en-US" sz="1400" b="1" dirty="0"/>
+          </a:p>
+          <a:p>
+            <a:pPr algn="ctr"/>
+            <a:endParaRPr lang="en-US" sz="1400" b="1" dirty="0"/>
+          </a:p>
+        </p:txBody>
+      </p:sp>
+      <p:sp>
+        <p:nvSpPr>
+          <p:cNvPr id="49" name="TextBox 48">
+            <a:extLst>
+              <a:ext uri="{FF2B5EF4-FFF2-40B4-BE49-F238E27FC236}">
+                <a16:creationId xmlns:a16="http://schemas.microsoft.com/office/drawing/2014/main" id="{9EA501B4-B095-E343-859A-0C85E2324DCC}"/>
+              </a:ext>
+            </a:extLst>
+          </p:cNvPr>
+          <p:cNvSpPr txBox="1"/>
+          <p:nvPr/>
+        </p:nvSpPr>
+        <p:spPr>
+          <a:xfrm>
+            <a:off x="8742947" y="1231079"/>
+            <a:ext cx="2891969" cy="307777"/>
+          </a:xfrm>
+          <a:prstGeom prst="rect">
+            <a:avLst/>
+          </a:prstGeom>
+          <a:noFill/>
+          <a:ln w="12700">
+            <a:solidFill>
+              <a:schemeClr val="tx1"/>
+            </a:solidFill>
+          </a:ln>
+        </p:spPr>
+        <p:txBody>
+          <a:bodyPr wrap="square" rtlCol="0">
+            <a:spAutoFit/>
+          </a:bodyPr>
+          <a:lstStyle/>
+          <a:p>
+            <a:r>
+              <a:rPr lang="en-US" sz="1400" dirty="0">
+                <a:solidFill>
+                  <a:schemeClr val="bg1">
+                    <a:lumMod val="65000"/>
+                  </a:schemeClr>
+                </a:solidFill>
+              </a:rPr>
+              <a:t>MHD Document Responder</a:t>
+            </a:r>
+          </a:p>
+        </p:txBody>
+      </p:sp>
+      <p:sp>
+        <p:nvSpPr>
+          <p:cNvPr id="52" name="TextBox 51">
+            <a:extLst>
+              <a:ext uri="{FF2B5EF4-FFF2-40B4-BE49-F238E27FC236}">
+                <a16:creationId xmlns:a16="http://schemas.microsoft.com/office/drawing/2014/main" id="{8E3D9C3B-F9C0-D144-A31A-DA734BA8D879}"/>
+              </a:ext>
+            </a:extLst>
+          </p:cNvPr>
+          <p:cNvSpPr txBox="1"/>
+          <p:nvPr/>
+        </p:nvSpPr>
+        <p:spPr>
+          <a:xfrm>
+            <a:off x="8742946" y="1528613"/>
+            <a:ext cx="2891969" cy="307777"/>
+          </a:xfrm>
+          <a:prstGeom prst="rect">
+            <a:avLst/>
+          </a:prstGeom>
+          <a:noFill/>
+          <a:ln w="12700">
+            <a:solidFill>
+              <a:schemeClr val="tx1"/>
+            </a:solidFill>
+          </a:ln>
+        </p:spPr>
+        <p:txBody>
+          <a:bodyPr wrap="square" rtlCol="0">
+            <a:spAutoFit/>
+          </a:bodyPr>
+          <a:lstStyle/>
+          <a:p>
+            <a:r>
+              <a:rPr lang="en-US" sz="1400" b="1" dirty="0"/>
+              <a:t>MHD Document Recipient</a:t>
+            </a:r>
+          </a:p>
+        </p:txBody>
+      </p:sp>
+      <p:sp>
+        <p:nvSpPr>
+          <p:cNvPr id="53" name="TextBox 52">
+            <a:extLst>
+              <a:ext uri="{FF2B5EF4-FFF2-40B4-BE49-F238E27FC236}">
+                <a16:creationId xmlns:a16="http://schemas.microsoft.com/office/drawing/2014/main" id="{339DB00B-CD2C-A044-81F6-E07E90195FB2}"/>
+              </a:ext>
+            </a:extLst>
+          </p:cNvPr>
+          <p:cNvSpPr txBox="1"/>
+          <p:nvPr/>
+        </p:nvSpPr>
+        <p:spPr>
+          <a:xfrm>
+            <a:off x="8758347" y="2447786"/>
+            <a:ext cx="2891969" cy="307777"/>
+          </a:xfrm>
+          <a:prstGeom prst="rect">
+            <a:avLst/>
+          </a:prstGeom>
+          <a:noFill/>
+          <a:ln w="12700">
+            <a:solidFill>
+              <a:schemeClr val="tx1"/>
+            </a:solidFill>
+          </a:ln>
+        </p:spPr>
+        <p:txBody>
+          <a:bodyPr wrap="square" rtlCol="0">
+            <a:spAutoFit/>
+          </a:bodyPr>
+          <a:lstStyle/>
+          <a:p>
+            <a:r>
+              <a:rPr lang="en-US" sz="1400" dirty="0">
+                <a:solidFill>
+                  <a:schemeClr val="bg1">
+                    <a:lumMod val="65000"/>
+                  </a:schemeClr>
+                </a:solidFill>
+              </a:rPr>
+              <a:t>PMIR Patient Identity Consumer</a:t>
+            </a:r>
+          </a:p>
+        </p:txBody>
+      </p:sp>
+      <p:sp>
+        <p:nvSpPr>
+          <p:cNvPr id="54" name="TextBox 53">
+            <a:extLst>
+              <a:ext uri="{FF2B5EF4-FFF2-40B4-BE49-F238E27FC236}">
+                <a16:creationId xmlns:a16="http://schemas.microsoft.com/office/drawing/2014/main" id="{AD0D60BC-AAFF-2341-9C6E-4F9144CB8187}"/>
+              </a:ext>
+            </a:extLst>
+          </p:cNvPr>
+          <p:cNvSpPr txBox="1"/>
+          <p:nvPr/>
+        </p:nvSpPr>
+        <p:spPr>
+          <a:xfrm>
+            <a:off x="8758346" y="3585366"/>
+            <a:ext cx="2891969" cy="307777"/>
+          </a:xfrm>
+          <a:prstGeom prst="rect">
+            <a:avLst/>
+          </a:prstGeom>
+          <a:noFill/>
+          <a:ln w="12700">
+            <a:solidFill>
+              <a:schemeClr val="tx1"/>
+            </a:solidFill>
+          </a:ln>
+        </p:spPr>
+        <p:txBody>
+          <a:bodyPr wrap="square" rtlCol="0">
+            <a:spAutoFit/>
+          </a:bodyPr>
+          <a:lstStyle/>
+          <a:p>
+            <a:r>
+              <a:rPr lang="en-US" sz="1400" b="1" dirty="0"/>
+              <a:t>ATNA</a:t>
+            </a:r>
+            <a:r>
+              <a:rPr lang="en-US" sz="1400" dirty="0"/>
+              <a:t> </a:t>
+            </a:r>
+            <a:r>
+              <a:rPr lang="en-US" sz="1400" b="1" dirty="0"/>
+              <a:t>Secure Node</a:t>
+            </a:r>
+          </a:p>
+        </p:txBody>
+      </p:sp>
+      <p:sp>
+        <p:nvSpPr>
+          <p:cNvPr id="55" name="TextBox 54">
+            <a:extLst>
+              <a:ext uri="{FF2B5EF4-FFF2-40B4-BE49-F238E27FC236}">
+                <a16:creationId xmlns:a16="http://schemas.microsoft.com/office/drawing/2014/main" id="{38EFAA48-9FC8-D944-9015-ACBD27BC4476}"/>
+              </a:ext>
+            </a:extLst>
+          </p:cNvPr>
+          <p:cNvSpPr txBox="1"/>
+          <p:nvPr/>
+        </p:nvSpPr>
+        <p:spPr>
+          <a:xfrm>
+            <a:off x="8758346" y="3909668"/>
+            <a:ext cx="2891969" cy="307777"/>
+          </a:xfrm>
+          <a:prstGeom prst="rect">
+            <a:avLst/>
+          </a:prstGeom>
+          <a:noFill/>
+          <a:ln w="12700">
+            <a:solidFill>
+              <a:schemeClr val="tx1"/>
+            </a:solidFill>
+          </a:ln>
+        </p:spPr>
+        <p:txBody>
+          <a:bodyPr wrap="square" rtlCol="0">
+            <a:spAutoFit/>
+          </a:bodyPr>
+          <a:lstStyle/>
+          <a:p>
+            <a:r>
+              <a:rPr lang="en-US" sz="1400" dirty="0">
+                <a:solidFill>
+                  <a:schemeClr val="bg1">
+                    <a:lumMod val="65000"/>
+                  </a:schemeClr>
+                </a:solidFill>
+              </a:rPr>
+              <a:t>CT Time Client</a:t>
+            </a:r>
+          </a:p>
+        </p:txBody>
+      </p:sp>
+      <p:sp>
+        <p:nvSpPr>
+          <p:cNvPr id="56" name="TextBox 55">
+            <a:extLst>
+              <a:ext uri="{FF2B5EF4-FFF2-40B4-BE49-F238E27FC236}">
+                <a16:creationId xmlns:a16="http://schemas.microsoft.com/office/drawing/2014/main" id="{E8BE3905-D581-CE49-86AB-683964120D5A}"/>
+              </a:ext>
+            </a:extLst>
+          </p:cNvPr>
+          <p:cNvSpPr txBox="1"/>
+          <p:nvPr/>
+        </p:nvSpPr>
+        <p:spPr>
+          <a:xfrm>
+            <a:off x="8743442" y="3076232"/>
+            <a:ext cx="2891969" cy="523220"/>
+          </a:xfrm>
+          <a:prstGeom prst="rect">
+            <a:avLst/>
+          </a:prstGeom>
+          <a:noFill/>
+          <a:ln w="12700">
+            <a:solidFill>
+              <a:schemeClr val="tx1"/>
+            </a:solidFill>
+          </a:ln>
+        </p:spPr>
+        <p:txBody>
+          <a:bodyPr wrap="square" rtlCol="0">
+            <a:spAutoFit/>
+          </a:bodyPr>
+          <a:lstStyle/>
+          <a:p>
+            <a:r>
+              <a:rPr lang="en-US" sz="1400" dirty="0" err="1">
+                <a:solidFill>
+                  <a:schemeClr val="bg1">
+                    <a:lumMod val="65000"/>
+                  </a:schemeClr>
+                </a:solidFill>
+              </a:rPr>
+              <a:t>mCSD</a:t>
+            </a:r>
+            <a:r>
+              <a:rPr lang="en-US" sz="1400" dirty="0">
+                <a:solidFill>
+                  <a:schemeClr val="bg1">
+                    <a:lumMod val="65000"/>
+                  </a:schemeClr>
+                </a:solidFill>
+              </a:rPr>
+              <a:t> Care Services Selective Consumer</a:t>
+            </a:r>
+          </a:p>
+        </p:txBody>
+      </p:sp>
+      <p:sp>
+        <p:nvSpPr>
+          <p:cNvPr id="57" name="TextBox 56">
+            <a:extLst>
+              <a:ext uri="{FF2B5EF4-FFF2-40B4-BE49-F238E27FC236}">
+                <a16:creationId xmlns:a16="http://schemas.microsoft.com/office/drawing/2014/main" id="{739AAB3F-A602-2C41-A789-ABC2AC07E614}"/>
+              </a:ext>
+            </a:extLst>
+          </p:cNvPr>
+          <p:cNvSpPr txBox="1"/>
+          <p:nvPr/>
+        </p:nvSpPr>
+        <p:spPr>
+          <a:xfrm>
+            <a:off x="8758346" y="2770167"/>
+            <a:ext cx="2891969" cy="307777"/>
+          </a:xfrm>
+          <a:prstGeom prst="rect">
+            <a:avLst/>
+          </a:prstGeom>
+          <a:noFill/>
+          <a:ln w="12700">
+            <a:solidFill>
+              <a:schemeClr val="tx1"/>
+            </a:solidFill>
+          </a:ln>
+        </p:spPr>
+        <p:txBody>
+          <a:bodyPr wrap="square" rtlCol="0">
+            <a:spAutoFit/>
+          </a:bodyPr>
+          <a:lstStyle/>
+          <a:p>
+            <a:r>
+              <a:rPr lang="en-US" sz="1400" dirty="0">
+                <a:solidFill>
+                  <a:schemeClr val="bg1">
+                    <a:lumMod val="65000"/>
+                  </a:schemeClr>
+                </a:solidFill>
+              </a:rPr>
+              <a:t>SVCM Terminology Consumer</a:t>
+            </a:r>
+          </a:p>
+        </p:txBody>
+      </p:sp>
+      <p:sp>
+        <p:nvSpPr>
+          <p:cNvPr id="59" name="TextBox 58">
+            <a:extLst>
+              <a:ext uri="{FF2B5EF4-FFF2-40B4-BE49-F238E27FC236}">
+                <a16:creationId xmlns:a16="http://schemas.microsoft.com/office/drawing/2014/main" id="{60C1DAFF-DAE3-8D48-8C2C-CCFB01AE3D0E}"/>
+              </a:ext>
+            </a:extLst>
+          </p:cNvPr>
+          <p:cNvSpPr txBox="1"/>
+          <p:nvPr/>
+        </p:nvSpPr>
+        <p:spPr>
+          <a:xfrm>
+            <a:off x="8761735" y="2120549"/>
+            <a:ext cx="2854392" cy="307777"/>
+          </a:xfrm>
+          <a:prstGeom prst="rect">
+            <a:avLst/>
+          </a:prstGeom>
+          <a:noFill/>
+          <a:ln w="12700">
+            <a:solidFill>
+              <a:schemeClr val="tx1"/>
+            </a:solidFill>
+            <a:prstDash val="solid"/>
+          </a:ln>
+        </p:spPr>
+        <p:txBody>
+          <a:bodyPr wrap="square" rtlCol="0">
+            <a:spAutoFit/>
+          </a:bodyPr>
+          <a:lstStyle/>
+          <a:p>
+            <a:r>
+              <a:rPr lang="en-US" sz="1400" b="1" dirty="0"/>
+              <a:t>IUA Resource Server</a:t>
+            </a:r>
+          </a:p>
+        </p:txBody>
+      </p:sp>
+      <p:sp>
+        <p:nvSpPr>
+          <p:cNvPr id="60" name="TextBox 59">
+            <a:extLst>
+              <a:ext uri="{FF2B5EF4-FFF2-40B4-BE49-F238E27FC236}">
+                <a16:creationId xmlns:a16="http://schemas.microsoft.com/office/drawing/2014/main" id="{CD876FF0-D381-D24C-AB0C-A5EFDDEA5424}"/>
+              </a:ext>
+            </a:extLst>
+          </p:cNvPr>
+          <p:cNvSpPr txBox="1"/>
+          <p:nvPr/>
+        </p:nvSpPr>
+        <p:spPr>
+          <a:xfrm>
+            <a:off x="8769754" y="1815745"/>
+            <a:ext cx="2854392" cy="307777"/>
+          </a:xfrm>
+          <a:prstGeom prst="rect">
+            <a:avLst/>
+          </a:prstGeom>
+          <a:noFill/>
+          <a:ln w="12700">
+            <a:solidFill>
+              <a:schemeClr val="tx1"/>
+            </a:solidFill>
+            <a:prstDash val="solid"/>
+          </a:ln>
+        </p:spPr>
+        <p:txBody>
+          <a:bodyPr wrap="square" rtlCol="0">
+            <a:spAutoFit/>
+          </a:bodyPr>
+          <a:lstStyle/>
+          <a:p>
+            <a:r>
+              <a:rPr lang="en-US" sz="1400" b="1" dirty="0"/>
+              <a:t>IUA Authorization Server</a:t>
             </a:r>
           </a:p>
         </p:txBody>
@@ -11714,51 +12442,6 @@
           <a:chExt cx="0" cy="0"/>
         </a:xfrm>
       </p:grpSpPr>
-      <p:cxnSp>
-        <p:nvCxnSpPr>
-          <p:cNvPr id="54" name="Straight Arrow Connector 53">
-            <a:extLst>
-              <a:ext uri="{FF2B5EF4-FFF2-40B4-BE49-F238E27FC236}">
-                <a16:creationId xmlns:a16="http://schemas.microsoft.com/office/drawing/2014/main" id="{43342BC7-7923-C648-89B6-FA3CA23E803D}"/>
-              </a:ext>
-            </a:extLst>
-          </p:cNvPr>
-          <p:cNvCxnSpPr>
-            <a:cxnSpLocks/>
-          </p:cNvCxnSpPr>
-          <p:nvPr/>
-        </p:nvCxnSpPr>
-        <p:spPr>
-          <a:xfrm>
-            <a:off x="1862454" y="6124164"/>
-            <a:ext cx="8272629" cy="0"/>
-          </a:xfrm>
-          <a:prstGeom prst="straightConnector1">
-            <a:avLst/>
-          </a:prstGeom>
-          <a:ln w="12700">
-            <a:solidFill>
-              <a:schemeClr val="tx1"/>
-            </a:solidFill>
-            <a:prstDash val="sysDash"/>
-            <a:tailEnd type="triangle" w="lg" len="med"/>
-          </a:ln>
-        </p:spPr>
-        <p:style>
-          <a:lnRef idx="1">
-            <a:schemeClr val="accent1"/>
-          </a:lnRef>
-          <a:fillRef idx="0">
-            <a:schemeClr val="accent1"/>
-          </a:fillRef>
-          <a:effectRef idx="0">
-            <a:schemeClr val="accent1"/>
-          </a:effectRef>
-          <a:fontRef idx="minor">
-            <a:schemeClr val="tx1"/>
-          </a:fontRef>
-        </p:style>
-      </p:cxnSp>
       <p:sp>
         <p:nvSpPr>
           <p:cNvPr id="112" name="Rounded Rectangle 111">
@@ -11816,431 +12499,6 @@
           <a:p>
             <a:pPr algn="ctr"/>
             <a:endParaRPr lang="en-US" dirty="0"/>
-          </a:p>
-        </p:txBody>
-      </p:sp>
-      <p:sp>
-        <p:nvSpPr>
-          <p:cNvPr id="6" name="TextBox 5">
-            <a:extLst>
-              <a:ext uri="{FF2B5EF4-FFF2-40B4-BE49-F238E27FC236}">
-                <a16:creationId xmlns:a16="http://schemas.microsoft.com/office/drawing/2014/main" id="{D75FDBD6-673A-934A-A3C1-3D00E1720A36}"/>
-              </a:ext>
-            </a:extLst>
-          </p:cNvPr>
-          <p:cNvSpPr txBox="1"/>
-          <p:nvPr/>
-        </p:nvSpPr>
-        <p:spPr>
-          <a:xfrm>
-            <a:off x="8575901" y="948971"/>
-            <a:ext cx="3250593" cy="3323987"/>
-          </a:xfrm>
-          <a:prstGeom prst="rect">
-            <a:avLst/>
-          </a:prstGeom>
-          <a:noFill/>
-          <a:ln w="12700">
-            <a:solidFill>
-              <a:schemeClr val="tx1"/>
-            </a:solidFill>
-          </a:ln>
-        </p:spPr>
-        <p:txBody>
-          <a:bodyPr wrap="square" rtlCol="0">
-            <a:spAutoFit/>
-          </a:bodyPr>
-          <a:lstStyle/>
-          <a:p>
-            <a:pPr algn="ctr"/>
-            <a:r>
-              <a:rPr lang="en-US" sz="1400" b="1" dirty="0"/>
-              <a:t>MHDS Document Registry</a:t>
-            </a:r>
-          </a:p>
-          <a:p>
-            <a:pPr algn="ctr"/>
-            <a:endParaRPr lang="en-US" sz="1400" b="1" dirty="0"/>
-          </a:p>
-          <a:p>
-            <a:pPr algn="ctr"/>
-            <a:endParaRPr lang="en-US" sz="1400" b="1" dirty="0"/>
-          </a:p>
-          <a:p>
-            <a:pPr algn="ctr"/>
-            <a:endParaRPr lang="en-US" sz="1400" b="1" dirty="0"/>
-          </a:p>
-          <a:p>
-            <a:pPr algn="ctr"/>
-            <a:endParaRPr lang="en-US" sz="1400" b="1" dirty="0"/>
-          </a:p>
-          <a:p>
-            <a:pPr algn="ctr"/>
-            <a:endParaRPr lang="en-US" sz="1400" b="1" dirty="0"/>
-          </a:p>
-          <a:p>
-            <a:pPr algn="ctr"/>
-            <a:endParaRPr lang="en-US" sz="1400" b="1" dirty="0"/>
-          </a:p>
-          <a:p>
-            <a:pPr algn="ctr"/>
-            <a:endParaRPr lang="en-US" sz="1400" b="1" dirty="0"/>
-          </a:p>
-          <a:p>
-            <a:pPr algn="ctr"/>
-            <a:endParaRPr lang="en-US" sz="1400" b="1" dirty="0"/>
-          </a:p>
-          <a:p>
-            <a:pPr algn="ctr"/>
-            <a:endParaRPr lang="en-US" sz="1400" b="1" dirty="0"/>
-          </a:p>
-          <a:p>
-            <a:pPr algn="ctr"/>
-            <a:endParaRPr lang="en-US" sz="1400" b="1" dirty="0"/>
-          </a:p>
-          <a:p>
-            <a:pPr algn="ctr"/>
-            <a:endParaRPr lang="en-US" sz="1400" b="1" dirty="0"/>
-          </a:p>
-          <a:p>
-            <a:pPr algn="ctr"/>
-            <a:endParaRPr lang="en-US" sz="1400" b="1" dirty="0"/>
-          </a:p>
-          <a:p>
-            <a:pPr algn="ctr"/>
-            <a:endParaRPr lang="en-US" sz="1400" b="1" dirty="0"/>
-          </a:p>
-          <a:p>
-            <a:pPr algn="ctr"/>
-            <a:endParaRPr lang="en-US" sz="1400" b="1" dirty="0"/>
-          </a:p>
-        </p:txBody>
-      </p:sp>
-      <p:sp>
-        <p:nvSpPr>
-          <p:cNvPr id="7" name="TextBox 6">
-            <a:extLst>
-              <a:ext uri="{FF2B5EF4-FFF2-40B4-BE49-F238E27FC236}">
-                <a16:creationId xmlns:a16="http://schemas.microsoft.com/office/drawing/2014/main" id="{A6A618DC-5EE9-0A45-B38E-52C96A710429}"/>
-              </a:ext>
-            </a:extLst>
-          </p:cNvPr>
-          <p:cNvSpPr txBox="1"/>
-          <p:nvPr/>
-        </p:nvSpPr>
-        <p:spPr>
-          <a:xfrm>
-            <a:off x="8742947" y="1231079"/>
-            <a:ext cx="2891969" cy="307777"/>
-          </a:xfrm>
-          <a:prstGeom prst="rect">
-            <a:avLst/>
-          </a:prstGeom>
-          <a:noFill/>
-          <a:ln w="12700">
-            <a:solidFill>
-              <a:schemeClr val="tx1"/>
-            </a:solidFill>
-          </a:ln>
-        </p:spPr>
-        <p:txBody>
-          <a:bodyPr wrap="square" rtlCol="0">
-            <a:spAutoFit/>
-          </a:bodyPr>
-          <a:lstStyle/>
-          <a:p>
-            <a:r>
-              <a:rPr lang="en-US" sz="1400" dirty="0">
-                <a:solidFill>
-                  <a:schemeClr val="bg1">
-                    <a:lumMod val="65000"/>
-                  </a:schemeClr>
-                </a:solidFill>
-              </a:rPr>
-              <a:t>MHD Document Responder</a:t>
-            </a:r>
-          </a:p>
-        </p:txBody>
-      </p:sp>
-      <p:sp>
-        <p:nvSpPr>
-          <p:cNvPr id="8" name="TextBox 7">
-            <a:extLst>
-              <a:ext uri="{FF2B5EF4-FFF2-40B4-BE49-F238E27FC236}">
-                <a16:creationId xmlns:a16="http://schemas.microsoft.com/office/drawing/2014/main" id="{8400586D-4C09-D341-ABC8-CCA7C32134B2}"/>
-              </a:ext>
-            </a:extLst>
-          </p:cNvPr>
-          <p:cNvSpPr txBox="1"/>
-          <p:nvPr/>
-        </p:nvSpPr>
-        <p:spPr>
-          <a:xfrm>
-            <a:off x="8758346" y="1868294"/>
-            <a:ext cx="2891969" cy="307777"/>
-          </a:xfrm>
-          <a:prstGeom prst="rect">
-            <a:avLst/>
-          </a:prstGeom>
-          <a:noFill/>
-          <a:ln w="12700">
-            <a:solidFill>
-              <a:schemeClr val="tx1"/>
-            </a:solidFill>
-          </a:ln>
-        </p:spPr>
-        <p:txBody>
-          <a:bodyPr wrap="square" rtlCol="0">
-            <a:spAutoFit/>
-          </a:bodyPr>
-          <a:lstStyle/>
-          <a:p>
-            <a:r>
-              <a:rPr lang="en-US" sz="1400" b="1" dirty="0"/>
-              <a:t>MHD Document Recipient</a:t>
-            </a:r>
-          </a:p>
-        </p:txBody>
-      </p:sp>
-      <p:sp>
-        <p:nvSpPr>
-          <p:cNvPr id="9" name="TextBox 8">
-            <a:extLst>
-              <a:ext uri="{FF2B5EF4-FFF2-40B4-BE49-F238E27FC236}">
-                <a16:creationId xmlns:a16="http://schemas.microsoft.com/office/drawing/2014/main" id="{1CFC4452-D360-5A44-868D-E5EA8687EEBA}"/>
-              </a:ext>
-            </a:extLst>
-          </p:cNvPr>
-          <p:cNvSpPr txBox="1"/>
-          <p:nvPr/>
-        </p:nvSpPr>
-        <p:spPr>
-          <a:xfrm>
-            <a:off x="8758347" y="2183088"/>
-            <a:ext cx="2891969" cy="307777"/>
-          </a:xfrm>
-          <a:prstGeom prst="rect">
-            <a:avLst/>
-          </a:prstGeom>
-          <a:noFill/>
-          <a:ln w="12700">
-            <a:solidFill>
-              <a:schemeClr val="tx1"/>
-            </a:solidFill>
-          </a:ln>
-        </p:spPr>
-        <p:txBody>
-          <a:bodyPr wrap="square" rtlCol="0">
-            <a:spAutoFit/>
-          </a:bodyPr>
-          <a:lstStyle/>
-          <a:p>
-            <a:r>
-              <a:rPr lang="en-US" sz="1400" dirty="0">
-                <a:solidFill>
-                  <a:schemeClr val="bg1">
-                    <a:lumMod val="65000"/>
-                  </a:schemeClr>
-                </a:solidFill>
-              </a:rPr>
-              <a:t>PMIR Patient Identity Consumer</a:t>
-            </a:r>
-          </a:p>
-        </p:txBody>
-      </p:sp>
-      <p:sp>
-        <p:nvSpPr>
-          <p:cNvPr id="10" name="TextBox 9">
-            <a:extLst>
-              <a:ext uri="{FF2B5EF4-FFF2-40B4-BE49-F238E27FC236}">
-                <a16:creationId xmlns:a16="http://schemas.microsoft.com/office/drawing/2014/main" id="{F61FC17B-F8E3-5345-A1C2-28769AFAFD9F}"/>
-              </a:ext>
-            </a:extLst>
-          </p:cNvPr>
-          <p:cNvSpPr txBox="1"/>
-          <p:nvPr/>
-        </p:nvSpPr>
-        <p:spPr>
-          <a:xfrm>
-            <a:off x="8758346" y="3320668"/>
-            <a:ext cx="2891969" cy="307777"/>
-          </a:xfrm>
-          <a:prstGeom prst="rect">
-            <a:avLst/>
-          </a:prstGeom>
-          <a:noFill/>
-          <a:ln w="12700">
-            <a:solidFill>
-              <a:schemeClr val="tx1"/>
-            </a:solidFill>
-          </a:ln>
-        </p:spPr>
-        <p:txBody>
-          <a:bodyPr wrap="square" rtlCol="0">
-            <a:spAutoFit/>
-          </a:bodyPr>
-          <a:lstStyle/>
-          <a:p>
-            <a:r>
-              <a:rPr lang="en-US" sz="1400" b="1" dirty="0"/>
-              <a:t>ATNA</a:t>
-            </a:r>
-            <a:r>
-              <a:rPr lang="en-US" sz="1400" dirty="0"/>
-              <a:t> </a:t>
-            </a:r>
-            <a:r>
-              <a:rPr lang="en-US" sz="1400" b="1" dirty="0"/>
-              <a:t>Secure Node</a:t>
-            </a:r>
-          </a:p>
-        </p:txBody>
-      </p:sp>
-      <p:sp>
-        <p:nvSpPr>
-          <p:cNvPr id="11" name="TextBox 10">
-            <a:extLst>
-              <a:ext uri="{FF2B5EF4-FFF2-40B4-BE49-F238E27FC236}">
-                <a16:creationId xmlns:a16="http://schemas.microsoft.com/office/drawing/2014/main" id="{CC08521B-FF64-BC4C-8498-0A223DDC4A54}"/>
-              </a:ext>
-            </a:extLst>
-          </p:cNvPr>
-          <p:cNvSpPr txBox="1"/>
-          <p:nvPr/>
-        </p:nvSpPr>
-        <p:spPr>
-          <a:xfrm>
-            <a:off x="8758346" y="3644970"/>
-            <a:ext cx="2891969" cy="307777"/>
-          </a:xfrm>
-          <a:prstGeom prst="rect">
-            <a:avLst/>
-          </a:prstGeom>
-          <a:noFill/>
-          <a:ln w="12700">
-            <a:solidFill>
-              <a:schemeClr val="tx1"/>
-            </a:solidFill>
-          </a:ln>
-        </p:spPr>
-        <p:txBody>
-          <a:bodyPr wrap="square" rtlCol="0">
-            <a:spAutoFit/>
-          </a:bodyPr>
-          <a:lstStyle/>
-          <a:p>
-            <a:r>
-              <a:rPr lang="en-US" sz="1400" dirty="0">
-                <a:solidFill>
-                  <a:schemeClr val="bg1">
-                    <a:lumMod val="65000"/>
-                  </a:schemeClr>
-                </a:solidFill>
-              </a:rPr>
-              <a:t>CT Time Client</a:t>
-            </a:r>
-          </a:p>
-        </p:txBody>
-      </p:sp>
-      <p:sp>
-        <p:nvSpPr>
-          <p:cNvPr id="13" name="TextBox 12">
-            <a:extLst>
-              <a:ext uri="{FF2B5EF4-FFF2-40B4-BE49-F238E27FC236}">
-                <a16:creationId xmlns:a16="http://schemas.microsoft.com/office/drawing/2014/main" id="{BB55BDF6-A35D-8049-AC91-DBA96647E51D}"/>
-              </a:ext>
-            </a:extLst>
-          </p:cNvPr>
-          <p:cNvSpPr txBox="1"/>
-          <p:nvPr/>
-        </p:nvSpPr>
-        <p:spPr>
-          <a:xfrm>
-            <a:off x="8743442" y="2811534"/>
-            <a:ext cx="2891969" cy="523220"/>
-          </a:xfrm>
-          <a:prstGeom prst="rect">
-            <a:avLst/>
-          </a:prstGeom>
-          <a:noFill/>
-          <a:ln w="12700">
-            <a:solidFill>
-              <a:schemeClr val="tx1"/>
-            </a:solidFill>
-          </a:ln>
-        </p:spPr>
-        <p:txBody>
-          <a:bodyPr wrap="square" rtlCol="0">
-            <a:spAutoFit/>
-          </a:bodyPr>
-          <a:lstStyle/>
-          <a:p>
-            <a:r>
-              <a:rPr lang="en-US" sz="1400" dirty="0" err="1">
-                <a:solidFill>
-                  <a:schemeClr val="bg1">
-                    <a:lumMod val="65000"/>
-                  </a:schemeClr>
-                </a:solidFill>
-              </a:rPr>
-              <a:t>mCSD</a:t>
-            </a:r>
-            <a:r>
-              <a:rPr lang="en-US" sz="1400" dirty="0">
-                <a:solidFill>
-                  <a:schemeClr val="bg1">
-                    <a:lumMod val="65000"/>
-                  </a:schemeClr>
-                </a:solidFill>
-              </a:rPr>
-              <a:t> Care Services Selective Consumer</a:t>
-            </a:r>
-          </a:p>
-        </p:txBody>
-      </p:sp>
-      <p:sp>
-        <p:nvSpPr>
-          <p:cNvPr id="15" name="TextBox 14">
-            <a:extLst>
-              <a:ext uri="{FF2B5EF4-FFF2-40B4-BE49-F238E27FC236}">
-                <a16:creationId xmlns:a16="http://schemas.microsoft.com/office/drawing/2014/main" id="{2FD09FAF-81BF-0242-9A5B-D33785891C2B}"/>
-              </a:ext>
-            </a:extLst>
-          </p:cNvPr>
-          <p:cNvSpPr txBox="1"/>
-          <p:nvPr/>
-        </p:nvSpPr>
-        <p:spPr>
-          <a:xfrm>
-            <a:off x="8758346" y="2505469"/>
-            <a:ext cx="2891969" cy="307777"/>
-          </a:xfrm>
-          <a:prstGeom prst="rect">
-            <a:avLst/>
-          </a:prstGeom>
-          <a:noFill/>
-          <a:ln w="12700">
-            <a:solidFill>
-              <a:schemeClr val="tx1"/>
-            </a:solidFill>
-          </a:ln>
-        </p:spPr>
-        <p:txBody>
-          <a:bodyPr wrap="square" rtlCol="0">
-            <a:spAutoFit/>
-          </a:bodyPr>
-          <a:lstStyle/>
-          <a:p>
-            <a:r>
-              <a:rPr lang="en-US" sz="1400" dirty="0">
-                <a:solidFill>
-                  <a:schemeClr val="bg1">
-                    <a:lumMod val="65000"/>
-                  </a:schemeClr>
-                </a:solidFill>
-              </a:rPr>
-              <a:t>SVCM Consumer</a:t>
-            </a:r>
           </a:p>
         </p:txBody>
       </p:sp>
@@ -12385,63 +12643,6 @@
       </p:sp>
       <p:sp>
         <p:nvSpPr>
-          <p:cNvPr id="20" name="TextBox 19">
-            <a:extLst>
-              <a:ext uri="{FF2B5EF4-FFF2-40B4-BE49-F238E27FC236}">
-                <a16:creationId xmlns:a16="http://schemas.microsoft.com/office/drawing/2014/main" id="{BD161D68-B7EE-B444-B57A-53F5959CA062}"/>
-              </a:ext>
-            </a:extLst>
-          </p:cNvPr>
-          <p:cNvSpPr txBox="1"/>
-          <p:nvPr/>
-        </p:nvSpPr>
-        <p:spPr>
-          <a:xfrm>
-            <a:off x="8763763" y="1554391"/>
-            <a:ext cx="2854392" cy="307777"/>
-          </a:xfrm>
-          <a:prstGeom prst="rect">
-            <a:avLst/>
-          </a:prstGeom>
-          <a:noFill/>
-          <a:ln w="12700">
-            <a:solidFill>
-              <a:schemeClr val="tx1"/>
-            </a:solidFill>
-            <a:prstDash val="solid"/>
-          </a:ln>
-        </p:spPr>
-        <p:txBody>
-          <a:bodyPr wrap="square" rtlCol="0">
-            <a:spAutoFit/>
-          </a:bodyPr>
-          <a:lstStyle/>
-          <a:p>
-            <a:r>
-              <a:rPr lang="en-US" sz="1400" dirty="0">
-                <a:solidFill>
-                  <a:schemeClr val="bg1">
-                    <a:lumMod val="65000"/>
-                  </a:schemeClr>
-                </a:solidFill>
-              </a:rPr>
-              <a:t>IUA Resource Serv</a:t>
-            </a:r>
-            <a:r>
-              <a:rPr lang="en-US" sz="1400" b="1" dirty="0">
-                <a:solidFill>
-                  <a:schemeClr val="bg1">
-                    <a:lumMod val="65000"/>
-                  </a:schemeClr>
-                </a:solidFill>
-              </a:rPr>
-              <a:t>er</a:t>
-            </a:r>
-          </a:p>
-        </p:txBody>
-      </p:sp>
-      <p:sp>
-        <p:nvSpPr>
           <p:cNvPr id="22" name="TextBox 21">
             <a:extLst>
               <a:ext uri="{FF2B5EF4-FFF2-40B4-BE49-F238E27FC236}">
@@ -12529,7 +12730,7 @@
                   </a:schemeClr>
                 </a:solidFill>
               </a:rPr>
-              <a:t>SVCM Repository??</a:t>
+              <a:t>SVCM Terminology Repos</a:t>
             </a:r>
           </a:p>
         </p:txBody>
@@ -12752,7 +12953,7 @@
           <p:spPr>
             <a:xfrm>
               <a:off x="828622" y="989506"/>
-              <a:ext cx="2053691" cy="318734"/>
+              <a:ext cx="2053691" cy="230108"/>
             </a:xfrm>
             <a:prstGeom prst="rect">
               <a:avLst/>
@@ -12773,7 +12974,7 @@
             <a:p>
               <a:r>
                 <a:rPr lang="en-US" sz="1400" b="1" dirty="0"/>
-                <a:t>MHD? Document Source</a:t>
+                <a:t>MHD Document Source</a:t>
               </a:r>
             </a:p>
           </p:txBody>
@@ -13241,7 +13442,7 @@
         </p:nvCxnSpPr>
         <p:spPr>
           <a:xfrm>
-            <a:off x="1855467" y="6446332"/>
+            <a:off x="1855467" y="6169603"/>
             <a:ext cx="8333464" cy="0"/>
           </a:xfrm>
           <a:prstGeom prst="straightConnector1">
@@ -13284,7 +13485,7 @@
         </p:nvSpPr>
         <p:spPr>
           <a:xfrm>
-            <a:off x="2037117" y="6178968"/>
+            <a:off x="2037117" y="5926300"/>
             <a:ext cx="4008418" cy="276999"/>
           </a:xfrm>
           <a:prstGeom prst="rect">
@@ -13507,7 +13708,7 @@
         </p:nvCxnSpPr>
         <p:spPr>
           <a:xfrm flipH="1" flipV="1">
-            <a:off x="5999648" y="6768713"/>
+            <a:off x="5999648" y="6612301"/>
             <a:ext cx="4135435" cy="1"/>
           </a:xfrm>
           <a:prstGeom prst="straightConnector1">
@@ -13550,7 +13751,7 @@
         </p:nvSpPr>
         <p:spPr>
           <a:xfrm>
-            <a:off x="6153589" y="6515046"/>
+            <a:off x="6153589" y="6358634"/>
             <a:ext cx="4008418" cy="276999"/>
           </a:xfrm>
           <a:prstGeom prst="rect">
@@ -13573,10 +13774,10 @@
       </p:sp>
       <p:sp>
         <p:nvSpPr>
-          <p:cNvPr id="45" name="TextBox 44">
-            <a:extLst>
-              <a:ext uri="{FF2B5EF4-FFF2-40B4-BE49-F238E27FC236}">
-                <a16:creationId xmlns:a16="http://schemas.microsoft.com/office/drawing/2014/main" id="{F0108056-C346-C34B-8684-6DB7A8A01AC7}"/>
+          <p:cNvPr id="46" name="TextBox 45">
+            <a:extLst>
+              <a:ext uri="{FF2B5EF4-FFF2-40B4-BE49-F238E27FC236}">
+                <a16:creationId xmlns:a16="http://schemas.microsoft.com/office/drawing/2014/main" id="{77BC1BD0-CE47-9445-9A00-EB0C1AAAB377}"/>
               </a:ext>
             </a:extLst>
           </p:cNvPr>
@@ -13585,13 +13786,19 @@
         </p:nvSpPr>
         <p:spPr>
           <a:xfrm>
-            <a:off x="2064737" y="5846809"/>
-            <a:ext cx="2610652" cy="276999"/>
+            <a:off x="826621" y="3122105"/>
+            <a:ext cx="2132394" cy="307777"/>
           </a:xfrm>
           <a:prstGeom prst="rect">
             <a:avLst/>
           </a:prstGeom>
           <a:noFill/>
+          <a:ln w="12700">
+            <a:solidFill>
+              <a:schemeClr val="tx1"/>
+            </a:solidFill>
+            <a:prstDash val="dash"/>
+          </a:ln>
         </p:spPr>
         <p:txBody>
           <a:bodyPr wrap="square" rtlCol="0">
@@ -13600,18 +13807,18 @@
           <a:lstStyle/>
           <a:p>
             <a:r>
-              <a:rPr lang="en-US" sz="1200" dirty="0"/>
-              <a:t>[ITI-19] Authenticate Node</a:t>
-            </a:r>
-          </a:p>
-        </p:txBody>
-      </p:sp>
-      <p:sp>
-        <p:nvSpPr>
-          <p:cNvPr id="46" name="TextBox 45">
-            <a:extLst>
-              <a:ext uri="{FF2B5EF4-FFF2-40B4-BE49-F238E27FC236}">
-                <a16:creationId xmlns:a16="http://schemas.microsoft.com/office/drawing/2014/main" id="{77BC1BD0-CE47-9445-9A00-EB0C1AAAB377}"/>
+              <a:rPr lang="en-US" sz="1400" b="1" dirty="0"/>
+              <a:t>ATNA Secure Node/App</a:t>
+            </a:r>
+          </a:p>
+        </p:txBody>
+      </p:sp>
+      <p:sp>
+        <p:nvSpPr>
+          <p:cNvPr id="43" name="TextBox 42">
+            <a:extLst>
+              <a:ext uri="{FF2B5EF4-FFF2-40B4-BE49-F238E27FC236}">
+                <a16:creationId xmlns:a16="http://schemas.microsoft.com/office/drawing/2014/main" id="{C5F5D769-AC7A-0943-8F76-D710EB0ACC70}"/>
               </a:ext>
             </a:extLst>
           </p:cNvPr>
@@ -13620,8 +13827,8 @@
         </p:nvSpPr>
         <p:spPr>
           <a:xfrm>
-            <a:off x="826621" y="3122105"/>
-            <a:ext cx="2132394" cy="307777"/>
+            <a:off x="8575901" y="948971"/>
+            <a:ext cx="3250593" cy="3323987"/>
           </a:xfrm>
           <a:prstGeom prst="rect">
             <a:avLst/>
@@ -13631,7 +13838,6 @@
             <a:solidFill>
               <a:schemeClr val="tx1"/>
             </a:solidFill>
-            <a:prstDash val="dash"/>
           </a:ln>
         </p:spPr>
         <p:txBody>
@@ -13640,9 +13846,474 @@
           </a:bodyPr>
           <a:lstStyle/>
           <a:p>
+            <a:pPr algn="ctr"/>
             <a:r>
               <a:rPr lang="en-US" sz="1400" b="1" dirty="0"/>
-              <a:t>ATNA Secure Node/App</a:t>
+              <a:t>MHDS Document Registry</a:t>
+            </a:r>
+          </a:p>
+          <a:p>
+            <a:pPr algn="ctr"/>
+            <a:endParaRPr lang="en-US" sz="1400" b="1" dirty="0"/>
+          </a:p>
+          <a:p>
+            <a:pPr algn="ctr"/>
+            <a:endParaRPr lang="en-US" sz="1400" b="1" dirty="0"/>
+          </a:p>
+          <a:p>
+            <a:pPr algn="ctr"/>
+            <a:endParaRPr lang="en-US" sz="1400" b="1" dirty="0"/>
+          </a:p>
+          <a:p>
+            <a:pPr algn="ctr"/>
+            <a:endParaRPr lang="en-US" sz="1400" b="1" dirty="0"/>
+          </a:p>
+          <a:p>
+            <a:pPr algn="ctr"/>
+            <a:endParaRPr lang="en-US" sz="1400" b="1" dirty="0"/>
+          </a:p>
+          <a:p>
+            <a:pPr algn="ctr"/>
+            <a:endParaRPr lang="en-US" sz="1400" b="1" dirty="0"/>
+          </a:p>
+          <a:p>
+            <a:pPr algn="ctr"/>
+            <a:endParaRPr lang="en-US" sz="1400" b="1" dirty="0"/>
+          </a:p>
+          <a:p>
+            <a:pPr algn="ctr"/>
+            <a:endParaRPr lang="en-US" sz="1400" b="1" dirty="0"/>
+          </a:p>
+          <a:p>
+            <a:pPr algn="ctr"/>
+            <a:endParaRPr lang="en-US" sz="1400" b="1" dirty="0"/>
+          </a:p>
+          <a:p>
+            <a:pPr algn="ctr"/>
+            <a:endParaRPr lang="en-US" sz="1400" b="1" dirty="0"/>
+          </a:p>
+          <a:p>
+            <a:pPr algn="ctr"/>
+            <a:endParaRPr lang="en-US" sz="1400" b="1" dirty="0"/>
+          </a:p>
+          <a:p>
+            <a:pPr algn="ctr"/>
+            <a:endParaRPr lang="en-US" sz="1400" b="1" dirty="0"/>
+          </a:p>
+          <a:p>
+            <a:pPr algn="ctr"/>
+            <a:endParaRPr lang="en-US" sz="1400" b="1" dirty="0"/>
+          </a:p>
+          <a:p>
+            <a:pPr algn="ctr"/>
+            <a:endParaRPr lang="en-US" sz="1400" b="1" dirty="0"/>
+          </a:p>
+        </p:txBody>
+      </p:sp>
+      <p:sp>
+        <p:nvSpPr>
+          <p:cNvPr id="47" name="TextBox 46">
+            <a:extLst>
+              <a:ext uri="{FF2B5EF4-FFF2-40B4-BE49-F238E27FC236}">
+                <a16:creationId xmlns:a16="http://schemas.microsoft.com/office/drawing/2014/main" id="{4477F429-1AEA-0B45-A7F7-8A00C51B4F2C}"/>
+              </a:ext>
+            </a:extLst>
+          </p:cNvPr>
+          <p:cNvSpPr txBox="1"/>
+          <p:nvPr/>
+        </p:nvSpPr>
+        <p:spPr>
+          <a:xfrm>
+            <a:off x="8742947" y="1231079"/>
+            <a:ext cx="2891969" cy="307777"/>
+          </a:xfrm>
+          <a:prstGeom prst="rect">
+            <a:avLst/>
+          </a:prstGeom>
+          <a:noFill/>
+          <a:ln w="12700">
+            <a:solidFill>
+              <a:schemeClr val="tx1"/>
+            </a:solidFill>
+          </a:ln>
+        </p:spPr>
+        <p:txBody>
+          <a:bodyPr wrap="square" rtlCol="0">
+            <a:spAutoFit/>
+          </a:bodyPr>
+          <a:lstStyle/>
+          <a:p>
+            <a:r>
+              <a:rPr lang="en-US" sz="1400" dirty="0">
+                <a:solidFill>
+                  <a:schemeClr val="bg1">
+                    <a:lumMod val="65000"/>
+                  </a:schemeClr>
+                </a:solidFill>
+              </a:rPr>
+              <a:t>MHD Document Responder</a:t>
+            </a:r>
+          </a:p>
+        </p:txBody>
+      </p:sp>
+      <p:sp>
+        <p:nvSpPr>
+          <p:cNvPr id="49" name="TextBox 48">
+            <a:extLst>
+              <a:ext uri="{FF2B5EF4-FFF2-40B4-BE49-F238E27FC236}">
+                <a16:creationId xmlns:a16="http://schemas.microsoft.com/office/drawing/2014/main" id="{1B10BB20-3FDA-8A4A-B547-E508AA38B1AB}"/>
+              </a:ext>
+            </a:extLst>
+          </p:cNvPr>
+          <p:cNvSpPr txBox="1"/>
+          <p:nvPr/>
+        </p:nvSpPr>
+        <p:spPr>
+          <a:xfrm>
+            <a:off x="8742946" y="1528613"/>
+            <a:ext cx="2891969" cy="307777"/>
+          </a:xfrm>
+          <a:prstGeom prst="rect">
+            <a:avLst/>
+          </a:prstGeom>
+          <a:noFill/>
+          <a:ln w="12700">
+            <a:solidFill>
+              <a:schemeClr val="tx1"/>
+            </a:solidFill>
+          </a:ln>
+        </p:spPr>
+        <p:txBody>
+          <a:bodyPr wrap="square" rtlCol="0">
+            <a:spAutoFit/>
+          </a:bodyPr>
+          <a:lstStyle/>
+          <a:p>
+            <a:r>
+              <a:rPr lang="en-US" sz="1400" b="1" dirty="0"/>
+              <a:t>MHD Document Recipient</a:t>
+            </a:r>
+          </a:p>
+        </p:txBody>
+      </p:sp>
+      <p:sp>
+        <p:nvSpPr>
+          <p:cNvPr id="50" name="TextBox 49">
+            <a:extLst>
+              <a:ext uri="{FF2B5EF4-FFF2-40B4-BE49-F238E27FC236}">
+                <a16:creationId xmlns:a16="http://schemas.microsoft.com/office/drawing/2014/main" id="{E10C41FD-44AC-434E-900F-CAED18E392A7}"/>
+              </a:ext>
+            </a:extLst>
+          </p:cNvPr>
+          <p:cNvSpPr txBox="1"/>
+          <p:nvPr/>
+        </p:nvSpPr>
+        <p:spPr>
+          <a:xfrm>
+            <a:off x="8758347" y="2447786"/>
+            <a:ext cx="2891969" cy="307777"/>
+          </a:xfrm>
+          <a:prstGeom prst="rect">
+            <a:avLst/>
+          </a:prstGeom>
+          <a:noFill/>
+          <a:ln w="12700">
+            <a:solidFill>
+              <a:schemeClr val="tx1"/>
+            </a:solidFill>
+          </a:ln>
+        </p:spPr>
+        <p:txBody>
+          <a:bodyPr wrap="square" rtlCol="0">
+            <a:spAutoFit/>
+          </a:bodyPr>
+          <a:lstStyle/>
+          <a:p>
+            <a:r>
+              <a:rPr lang="en-US" sz="1400" dirty="0">
+                <a:solidFill>
+                  <a:schemeClr val="bg1">
+                    <a:lumMod val="65000"/>
+                  </a:schemeClr>
+                </a:solidFill>
+              </a:rPr>
+              <a:t>PMIR Patient Identity Consumer</a:t>
+            </a:r>
+          </a:p>
+        </p:txBody>
+      </p:sp>
+      <p:sp>
+        <p:nvSpPr>
+          <p:cNvPr id="55" name="TextBox 54">
+            <a:extLst>
+              <a:ext uri="{FF2B5EF4-FFF2-40B4-BE49-F238E27FC236}">
+                <a16:creationId xmlns:a16="http://schemas.microsoft.com/office/drawing/2014/main" id="{43577310-DFE6-8548-80D9-7346B9A812F8}"/>
+              </a:ext>
+            </a:extLst>
+          </p:cNvPr>
+          <p:cNvSpPr txBox="1"/>
+          <p:nvPr/>
+        </p:nvSpPr>
+        <p:spPr>
+          <a:xfrm>
+            <a:off x="8758346" y="3585366"/>
+            <a:ext cx="2891969" cy="307777"/>
+          </a:xfrm>
+          <a:prstGeom prst="rect">
+            <a:avLst/>
+          </a:prstGeom>
+          <a:noFill/>
+          <a:ln w="12700">
+            <a:solidFill>
+              <a:schemeClr val="tx1"/>
+            </a:solidFill>
+          </a:ln>
+        </p:spPr>
+        <p:txBody>
+          <a:bodyPr wrap="square" rtlCol="0">
+            <a:spAutoFit/>
+          </a:bodyPr>
+          <a:lstStyle/>
+          <a:p>
+            <a:r>
+              <a:rPr lang="en-US" sz="1400" dirty="0">
+                <a:solidFill>
+                  <a:schemeClr val="bg1">
+                    <a:lumMod val="75000"/>
+                  </a:schemeClr>
+                </a:solidFill>
+              </a:rPr>
+              <a:t>ATNA Secure Node</a:t>
+            </a:r>
+          </a:p>
+        </p:txBody>
+      </p:sp>
+      <p:sp>
+        <p:nvSpPr>
+          <p:cNvPr id="56" name="TextBox 55">
+            <a:extLst>
+              <a:ext uri="{FF2B5EF4-FFF2-40B4-BE49-F238E27FC236}">
+                <a16:creationId xmlns:a16="http://schemas.microsoft.com/office/drawing/2014/main" id="{3FB5B1C5-A36B-5D42-9FF2-2296F6C03353}"/>
+              </a:ext>
+            </a:extLst>
+          </p:cNvPr>
+          <p:cNvSpPr txBox="1"/>
+          <p:nvPr/>
+        </p:nvSpPr>
+        <p:spPr>
+          <a:xfrm>
+            <a:off x="8758346" y="3909668"/>
+            <a:ext cx="2891969" cy="307777"/>
+          </a:xfrm>
+          <a:prstGeom prst="rect">
+            <a:avLst/>
+          </a:prstGeom>
+          <a:noFill/>
+          <a:ln w="12700">
+            <a:solidFill>
+              <a:schemeClr val="tx1"/>
+            </a:solidFill>
+          </a:ln>
+        </p:spPr>
+        <p:txBody>
+          <a:bodyPr wrap="square" rtlCol="0">
+            <a:spAutoFit/>
+          </a:bodyPr>
+          <a:lstStyle/>
+          <a:p>
+            <a:r>
+              <a:rPr lang="en-US" sz="1400" dirty="0">
+                <a:solidFill>
+                  <a:schemeClr val="bg1">
+                    <a:lumMod val="65000"/>
+                  </a:schemeClr>
+                </a:solidFill>
+              </a:rPr>
+              <a:t>CT Time Client</a:t>
+            </a:r>
+          </a:p>
+        </p:txBody>
+      </p:sp>
+      <p:sp>
+        <p:nvSpPr>
+          <p:cNvPr id="57" name="TextBox 56">
+            <a:extLst>
+              <a:ext uri="{FF2B5EF4-FFF2-40B4-BE49-F238E27FC236}">
+                <a16:creationId xmlns:a16="http://schemas.microsoft.com/office/drawing/2014/main" id="{D794F758-5315-BC4A-B206-E5A21442C76C}"/>
+              </a:ext>
+            </a:extLst>
+          </p:cNvPr>
+          <p:cNvSpPr txBox="1"/>
+          <p:nvPr/>
+        </p:nvSpPr>
+        <p:spPr>
+          <a:xfrm>
+            <a:off x="8743442" y="3076232"/>
+            <a:ext cx="2891969" cy="523220"/>
+          </a:xfrm>
+          <a:prstGeom prst="rect">
+            <a:avLst/>
+          </a:prstGeom>
+          <a:noFill/>
+          <a:ln w="12700">
+            <a:solidFill>
+              <a:schemeClr val="tx1"/>
+            </a:solidFill>
+          </a:ln>
+        </p:spPr>
+        <p:txBody>
+          <a:bodyPr wrap="square" rtlCol="0">
+            <a:spAutoFit/>
+          </a:bodyPr>
+          <a:lstStyle/>
+          <a:p>
+            <a:r>
+              <a:rPr lang="en-US" sz="1400" b="1" dirty="0" err="1"/>
+              <a:t>mCSD</a:t>
+            </a:r>
+            <a:r>
+              <a:rPr lang="en-US" sz="1400" b="1" dirty="0"/>
+              <a:t> Care Services Selective Consumer</a:t>
+            </a:r>
+          </a:p>
+        </p:txBody>
+      </p:sp>
+      <p:sp>
+        <p:nvSpPr>
+          <p:cNvPr id="58" name="TextBox 57">
+            <a:extLst>
+              <a:ext uri="{FF2B5EF4-FFF2-40B4-BE49-F238E27FC236}">
+                <a16:creationId xmlns:a16="http://schemas.microsoft.com/office/drawing/2014/main" id="{3507F289-D4FE-E64A-BAAE-EC0F5867E841}"/>
+              </a:ext>
+            </a:extLst>
+          </p:cNvPr>
+          <p:cNvSpPr txBox="1"/>
+          <p:nvPr/>
+        </p:nvSpPr>
+        <p:spPr>
+          <a:xfrm>
+            <a:off x="8758346" y="2770167"/>
+            <a:ext cx="2891969" cy="307777"/>
+          </a:xfrm>
+          <a:prstGeom prst="rect">
+            <a:avLst/>
+          </a:prstGeom>
+          <a:noFill/>
+          <a:ln w="12700">
+            <a:solidFill>
+              <a:schemeClr val="tx1"/>
+            </a:solidFill>
+          </a:ln>
+        </p:spPr>
+        <p:txBody>
+          <a:bodyPr wrap="square" rtlCol="0">
+            <a:spAutoFit/>
+          </a:bodyPr>
+          <a:lstStyle/>
+          <a:p>
+            <a:r>
+              <a:rPr lang="en-US" sz="1400" dirty="0">
+                <a:solidFill>
+                  <a:schemeClr val="bg1">
+                    <a:lumMod val="65000"/>
+                  </a:schemeClr>
+                </a:solidFill>
+              </a:rPr>
+              <a:t>SVCM Terminology Consumer</a:t>
+            </a:r>
+          </a:p>
+        </p:txBody>
+      </p:sp>
+      <p:sp>
+        <p:nvSpPr>
+          <p:cNvPr id="59" name="TextBox 58">
+            <a:extLst>
+              <a:ext uri="{FF2B5EF4-FFF2-40B4-BE49-F238E27FC236}">
+                <a16:creationId xmlns:a16="http://schemas.microsoft.com/office/drawing/2014/main" id="{1F65488B-160E-F847-B0C5-CD44FCBC1062}"/>
+              </a:ext>
+            </a:extLst>
+          </p:cNvPr>
+          <p:cNvSpPr txBox="1"/>
+          <p:nvPr/>
+        </p:nvSpPr>
+        <p:spPr>
+          <a:xfrm>
+            <a:off x="8761735" y="2120549"/>
+            <a:ext cx="2854392" cy="307777"/>
+          </a:xfrm>
+          <a:prstGeom prst="rect">
+            <a:avLst/>
+          </a:prstGeom>
+          <a:noFill/>
+          <a:ln w="12700">
+            <a:solidFill>
+              <a:schemeClr val="tx1"/>
+            </a:solidFill>
+            <a:prstDash val="solid"/>
+          </a:ln>
+        </p:spPr>
+        <p:txBody>
+          <a:bodyPr wrap="square" rtlCol="0">
+            <a:spAutoFit/>
+          </a:bodyPr>
+          <a:lstStyle/>
+          <a:p>
+            <a:r>
+              <a:rPr lang="en-US" sz="1400" dirty="0">
+                <a:solidFill>
+                  <a:schemeClr val="bg1">
+                    <a:lumMod val="75000"/>
+                  </a:schemeClr>
+                </a:solidFill>
+              </a:rPr>
+              <a:t>IUA Resource Server</a:t>
+            </a:r>
+          </a:p>
+        </p:txBody>
+      </p:sp>
+      <p:sp>
+        <p:nvSpPr>
+          <p:cNvPr id="60" name="TextBox 59">
+            <a:extLst>
+              <a:ext uri="{FF2B5EF4-FFF2-40B4-BE49-F238E27FC236}">
+                <a16:creationId xmlns:a16="http://schemas.microsoft.com/office/drawing/2014/main" id="{5732565A-7267-E547-BA33-8B1DA56D3551}"/>
+              </a:ext>
+            </a:extLst>
+          </p:cNvPr>
+          <p:cNvSpPr txBox="1"/>
+          <p:nvPr/>
+        </p:nvSpPr>
+        <p:spPr>
+          <a:xfrm>
+            <a:off x="8769754" y="1815745"/>
+            <a:ext cx="2854392" cy="307777"/>
+          </a:xfrm>
+          <a:prstGeom prst="rect">
+            <a:avLst/>
+          </a:prstGeom>
+          <a:noFill/>
+          <a:ln w="12700">
+            <a:solidFill>
+              <a:schemeClr val="tx1"/>
+            </a:solidFill>
+            <a:prstDash val="solid"/>
+          </a:ln>
+        </p:spPr>
+        <p:txBody>
+          <a:bodyPr wrap="square" rtlCol="0">
+            <a:spAutoFit/>
+          </a:bodyPr>
+          <a:lstStyle/>
+          <a:p>
+            <a:r>
+              <a:rPr lang="en-US" sz="1400" dirty="0">
+                <a:solidFill>
+                  <a:schemeClr val="bg1">
+                    <a:lumMod val="75000"/>
+                  </a:schemeClr>
+                </a:solidFill>
+              </a:rPr>
+              <a:t>IUA Authorization Server</a:t>
             </a:r>
           </a:p>
         </p:txBody>
@@ -13651,6 +14322,1566 @@
     <p:extLst>
       <p:ext uri="{BB962C8B-B14F-4D97-AF65-F5344CB8AC3E}">
         <p14:creationId xmlns:p14="http://schemas.microsoft.com/office/powerpoint/2010/main" val="3008632932"/>
+      </p:ext>
+    </p:extLst>
+  </p:cSld>
+  <p:clrMapOvr>
+    <a:masterClrMapping/>
+  </p:clrMapOvr>
+</p:sld>
+</file>
+
+<file path=ppt/slides/slide6.xml><?xml version="1.0" encoding="utf-8"?>
+<p:sld xmlns:a="http://schemas.openxmlformats.org/drawingml/2006/main" xmlns:r="http://schemas.openxmlformats.org/officeDocument/2006/relationships" xmlns:p="http://schemas.openxmlformats.org/presentationml/2006/main">
+  <p:cSld>
+    <p:spTree>
+      <p:nvGrpSpPr>
+        <p:cNvPr id="1" name=""/>
+        <p:cNvGrpSpPr/>
+        <p:nvPr/>
+      </p:nvGrpSpPr>
+      <p:grpSpPr>
+        <a:xfrm>
+          <a:off x="0" y="0"/>
+          <a:ext cx="0" cy="0"/>
+          <a:chOff x="0" y="0"/>
+          <a:chExt cx="0" cy="0"/>
+        </a:xfrm>
+      </p:grpSpPr>
+      <p:sp>
+        <p:nvSpPr>
+          <p:cNvPr id="6" name="TextBox 5">
+            <a:extLst>
+              <a:ext uri="{FF2B5EF4-FFF2-40B4-BE49-F238E27FC236}">
+                <a16:creationId xmlns:a16="http://schemas.microsoft.com/office/drawing/2014/main" id="{D75FDBD6-673A-934A-A3C1-3D00E1720A36}"/>
+              </a:ext>
+            </a:extLst>
+          </p:cNvPr>
+          <p:cNvSpPr txBox="1"/>
+          <p:nvPr/>
+        </p:nvSpPr>
+        <p:spPr>
+          <a:xfrm>
+            <a:off x="8575901" y="623399"/>
+            <a:ext cx="3250593" cy="3323987"/>
+          </a:xfrm>
+          <a:prstGeom prst="rect">
+            <a:avLst/>
+          </a:prstGeom>
+          <a:noFill/>
+          <a:ln w="12700">
+            <a:solidFill>
+              <a:schemeClr val="tx1"/>
+            </a:solidFill>
+          </a:ln>
+        </p:spPr>
+        <p:txBody>
+          <a:bodyPr wrap="square" rtlCol="0">
+            <a:spAutoFit/>
+          </a:bodyPr>
+          <a:lstStyle/>
+          <a:p>
+            <a:pPr algn="ctr"/>
+            <a:r>
+              <a:rPr lang="en-US" sz="1400" b="1" dirty="0"/>
+              <a:t>MHDS Document Registry</a:t>
+            </a:r>
+          </a:p>
+          <a:p>
+            <a:pPr algn="ctr"/>
+            <a:endParaRPr lang="en-US" sz="1400" b="1" dirty="0"/>
+          </a:p>
+          <a:p>
+            <a:pPr algn="ctr"/>
+            <a:endParaRPr lang="en-US" sz="1400" b="1" dirty="0"/>
+          </a:p>
+          <a:p>
+            <a:pPr algn="ctr"/>
+            <a:endParaRPr lang="en-US" sz="1400" b="1" dirty="0"/>
+          </a:p>
+          <a:p>
+            <a:pPr algn="ctr"/>
+            <a:endParaRPr lang="en-US" sz="1400" b="1" dirty="0"/>
+          </a:p>
+          <a:p>
+            <a:pPr algn="ctr"/>
+            <a:endParaRPr lang="en-US" sz="1400" b="1" dirty="0"/>
+          </a:p>
+          <a:p>
+            <a:pPr algn="ctr"/>
+            <a:endParaRPr lang="en-US" sz="1400" b="1" dirty="0"/>
+          </a:p>
+          <a:p>
+            <a:pPr algn="ctr"/>
+            <a:endParaRPr lang="en-US" sz="1400" b="1" dirty="0"/>
+          </a:p>
+          <a:p>
+            <a:pPr algn="ctr"/>
+            <a:endParaRPr lang="en-US" sz="1400" b="1" dirty="0"/>
+          </a:p>
+          <a:p>
+            <a:pPr algn="ctr"/>
+            <a:endParaRPr lang="en-US" sz="1400" b="1" dirty="0"/>
+          </a:p>
+          <a:p>
+            <a:pPr algn="ctr"/>
+            <a:endParaRPr lang="en-US" sz="1400" b="1" dirty="0"/>
+          </a:p>
+          <a:p>
+            <a:pPr algn="ctr"/>
+            <a:endParaRPr lang="en-US" sz="1400" b="1" dirty="0"/>
+          </a:p>
+          <a:p>
+            <a:pPr algn="ctr"/>
+            <a:endParaRPr lang="en-US" sz="1400" b="1" dirty="0"/>
+          </a:p>
+          <a:p>
+            <a:pPr algn="ctr"/>
+            <a:endParaRPr lang="en-US" sz="1400" b="1" dirty="0"/>
+          </a:p>
+          <a:p>
+            <a:pPr algn="ctr"/>
+            <a:endParaRPr lang="en-US" sz="1400" b="1" dirty="0"/>
+          </a:p>
+        </p:txBody>
+      </p:sp>
+      <p:sp>
+        <p:nvSpPr>
+          <p:cNvPr id="7" name="TextBox 6">
+            <a:extLst>
+              <a:ext uri="{FF2B5EF4-FFF2-40B4-BE49-F238E27FC236}">
+                <a16:creationId xmlns:a16="http://schemas.microsoft.com/office/drawing/2014/main" id="{A6A618DC-5EE9-0A45-B38E-52C96A710429}"/>
+              </a:ext>
+            </a:extLst>
+          </p:cNvPr>
+          <p:cNvSpPr txBox="1"/>
+          <p:nvPr/>
+        </p:nvSpPr>
+        <p:spPr>
+          <a:xfrm>
+            <a:off x="8742947" y="905507"/>
+            <a:ext cx="2891969" cy="307777"/>
+          </a:xfrm>
+          <a:prstGeom prst="rect">
+            <a:avLst/>
+          </a:prstGeom>
+          <a:noFill/>
+          <a:ln w="12700">
+            <a:solidFill>
+              <a:schemeClr val="tx1"/>
+            </a:solidFill>
+          </a:ln>
+        </p:spPr>
+        <p:txBody>
+          <a:bodyPr wrap="square" rtlCol="0">
+            <a:spAutoFit/>
+          </a:bodyPr>
+          <a:lstStyle/>
+          <a:p>
+            <a:r>
+              <a:rPr lang="en-US" sz="1400" dirty="0">
+                <a:solidFill>
+                  <a:schemeClr val="bg1">
+                    <a:lumMod val="65000"/>
+                  </a:schemeClr>
+                </a:solidFill>
+              </a:rPr>
+              <a:t>MHD Document Responder</a:t>
+            </a:r>
+          </a:p>
+        </p:txBody>
+      </p:sp>
+      <p:sp>
+        <p:nvSpPr>
+          <p:cNvPr id="8" name="TextBox 7">
+            <a:extLst>
+              <a:ext uri="{FF2B5EF4-FFF2-40B4-BE49-F238E27FC236}">
+                <a16:creationId xmlns:a16="http://schemas.microsoft.com/office/drawing/2014/main" id="{8400586D-4C09-D341-ABC8-CCA7C32134B2}"/>
+              </a:ext>
+            </a:extLst>
+          </p:cNvPr>
+          <p:cNvSpPr txBox="1"/>
+          <p:nvPr/>
+        </p:nvSpPr>
+        <p:spPr>
+          <a:xfrm>
+            <a:off x="8758346" y="1218080"/>
+            <a:ext cx="2891969" cy="307777"/>
+          </a:xfrm>
+          <a:prstGeom prst="rect">
+            <a:avLst/>
+          </a:prstGeom>
+          <a:noFill/>
+          <a:ln w="12700">
+            <a:solidFill>
+              <a:schemeClr val="tx1"/>
+            </a:solidFill>
+          </a:ln>
+        </p:spPr>
+        <p:txBody>
+          <a:bodyPr wrap="square" rtlCol="0">
+            <a:spAutoFit/>
+          </a:bodyPr>
+          <a:lstStyle/>
+          <a:p>
+            <a:r>
+              <a:rPr lang="en-US" sz="1400" dirty="0">
+                <a:solidFill>
+                  <a:schemeClr val="bg1">
+                    <a:lumMod val="65000"/>
+                  </a:schemeClr>
+                </a:solidFill>
+              </a:rPr>
+              <a:t>MHD Document Recipient</a:t>
+            </a:r>
+          </a:p>
+        </p:txBody>
+      </p:sp>
+      <p:sp>
+        <p:nvSpPr>
+          <p:cNvPr id="9" name="TextBox 8">
+            <a:extLst>
+              <a:ext uri="{FF2B5EF4-FFF2-40B4-BE49-F238E27FC236}">
+                <a16:creationId xmlns:a16="http://schemas.microsoft.com/office/drawing/2014/main" id="{1CFC4452-D360-5A44-868D-E5EA8687EEBA}"/>
+              </a:ext>
+            </a:extLst>
+          </p:cNvPr>
+          <p:cNvSpPr txBox="1"/>
+          <p:nvPr/>
+        </p:nvSpPr>
+        <p:spPr>
+          <a:xfrm>
+            <a:off x="8758347" y="2134247"/>
+            <a:ext cx="2891969" cy="307777"/>
+          </a:xfrm>
+          <a:prstGeom prst="rect">
+            <a:avLst/>
+          </a:prstGeom>
+          <a:noFill/>
+          <a:ln w="12700">
+            <a:solidFill>
+              <a:schemeClr val="tx1"/>
+            </a:solidFill>
+          </a:ln>
+        </p:spPr>
+        <p:txBody>
+          <a:bodyPr wrap="square" rtlCol="0">
+            <a:spAutoFit/>
+          </a:bodyPr>
+          <a:lstStyle/>
+          <a:p>
+            <a:r>
+              <a:rPr lang="en-US" sz="1400" b="1" dirty="0"/>
+              <a:t>PMIR Patient Identity Consumer</a:t>
+            </a:r>
+          </a:p>
+        </p:txBody>
+      </p:sp>
+      <p:sp>
+        <p:nvSpPr>
+          <p:cNvPr id="10" name="TextBox 9">
+            <a:extLst>
+              <a:ext uri="{FF2B5EF4-FFF2-40B4-BE49-F238E27FC236}">
+                <a16:creationId xmlns:a16="http://schemas.microsoft.com/office/drawing/2014/main" id="{F61FC17B-F8E3-5345-A1C2-28769AFAFD9F}"/>
+              </a:ext>
+            </a:extLst>
+          </p:cNvPr>
+          <p:cNvSpPr txBox="1"/>
+          <p:nvPr/>
+        </p:nvSpPr>
+        <p:spPr>
+          <a:xfrm>
+            <a:off x="8758346" y="3271827"/>
+            <a:ext cx="2891969" cy="307777"/>
+          </a:xfrm>
+          <a:prstGeom prst="rect">
+            <a:avLst/>
+          </a:prstGeom>
+          <a:noFill/>
+          <a:ln w="12700">
+            <a:solidFill>
+              <a:schemeClr val="tx1"/>
+            </a:solidFill>
+          </a:ln>
+        </p:spPr>
+        <p:txBody>
+          <a:bodyPr wrap="square" rtlCol="0">
+            <a:spAutoFit/>
+          </a:bodyPr>
+          <a:lstStyle/>
+          <a:p>
+            <a:r>
+              <a:rPr lang="en-US" sz="1400" b="1" dirty="0"/>
+              <a:t>ATNA</a:t>
+            </a:r>
+            <a:r>
+              <a:rPr lang="en-US" sz="1400" dirty="0"/>
+              <a:t> </a:t>
+            </a:r>
+            <a:r>
+              <a:rPr lang="en-US" sz="1400" b="1" dirty="0"/>
+              <a:t>Secure Node</a:t>
+            </a:r>
+          </a:p>
+        </p:txBody>
+      </p:sp>
+      <p:sp>
+        <p:nvSpPr>
+          <p:cNvPr id="11" name="TextBox 10">
+            <a:extLst>
+              <a:ext uri="{FF2B5EF4-FFF2-40B4-BE49-F238E27FC236}">
+                <a16:creationId xmlns:a16="http://schemas.microsoft.com/office/drawing/2014/main" id="{CC08521B-FF64-BC4C-8498-0A223DDC4A54}"/>
+              </a:ext>
+            </a:extLst>
+          </p:cNvPr>
+          <p:cNvSpPr txBox="1"/>
+          <p:nvPr/>
+        </p:nvSpPr>
+        <p:spPr>
+          <a:xfrm>
+            <a:off x="8758346" y="3596129"/>
+            <a:ext cx="2891969" cy="307777"/>
+          </a:xfrm>
+          <a:prstGeom prst="rect">
+            <a:avLst/>
+          </a:prstGeom>
+          <a:noFill/>
+          <a:ln w="12700">
+            <a:solidFill>
+              <a:schemeClr val="tx1"/>
+            </a:solidFill>
+          </a:ln>
+        </p:spPr>
+        <p:txBody>
+          <a:bodyPr wrap="square" rtlCol="0">
+            <a:spAutoFit/>
+          </a:bodyPr>
+          <a:lstStyle/>
+          <a:p>
+            <a:r>
+              <a:rPr lang="en-US" sz="1400" dirty="0">
+                <a:solidFill>
+                  <a:schemeClr val="bg1">
+                    <a:lumMod val="65000"/>
+                  </a:schemeClr>
+                </a:solidFill>
+              </a:rPr>
+              <a:t>CT Time Client</a:t>
+            </a:r>
+          </a:p>
+        </p:txBody>
+      </p:sp>
+      <p:sp>
+        <p:nvSpPr>
+          <p:cNvPr id="13" name="TextBox 12">
+            <a:extLst>
+              <a:ext uri="{FF2B5EF4-FFF2-40B4-BE49-F238E27FC236}">
+                <a16:creationId xmlns:a16="http://schemas.microsoft.com/office/drawing/2014/main" id="{BB55BDF6-A35D-8049-AC91-DBA96647E51D}"/>
+              </a:ext>
+            </a:extLst>
+          </p:cNvPr>
+          <p:cNvSpPr txBox="1"/>
+          <p:nvPr/>
+        </p:nvSpPr>
+        <p:spPr>
+          <a:xfrm>
+            <a:off x="8743442" y="2762693"/>
+            <a:ext cx="2891969" cy="523220"/>
+          </a:xfrm>
+          <a:prstGeom prst="rect">
+            <a:avLst/>
+          </a:prstGeom>
+          <a:noFill/>
+          <a:ln w="12700">
+            <a:solidFill>
+              <a:schemeClr val="tx1"/>
+            </a:solidFill>
+          </a:ln>
+        </p:spPr>
+        <p:txBody>
+          <a:bodyPr wrap="square" rtlCol="0">
+            <a:spAutoFit/>
+          </a:bodyPr>
+          <a:lstStyle/>
+          <a:p>
+            <a:r>
+              <a:rPr lang="en-US" sz="1400" dirty="0" err="1">
+                <a:solidFill>
+                  <a:schemeClr val="bg1">
+                    <a:lumMod val="65000"/>
+                  </a:schemeClr>
+                </a:solidFill>
+              </a:rPr>
+              <a:t>mCSD</a:t>
+            </a:r>
+            <a:r>
+              <a:rPr lang="en-US" sz="1400" dirty="0">
+                <a:solidFill>
+                  <a:schemeClr val="bg1">
+                    <a:lumMod val="65000"/>
+                  </a:schemeClr>
+                </a:solidFill>
+              </a:rPr>
+              <a:t> Care Services Selective Consumer</a:t>
+            </a:r>
+          </a:p>
+        </p:txBody>
+      </p:sp>
+      <p:sp>
+        <p:nvSpPr>
+          <p:cNvPr id="15" name="TextBox 14">
+            <a:extLst>
+              <a:ext uri="{FF2B5EF4-FFF2-40B4-BE49-F238E27FC236}">
+                <a16:creationId xmlns:a16="http://schemas.microsoft.com/office/drawing/2014/main" id="{2FD09FAF-81BF-0242-9A5B-D33785891C2B}"/>
+              </a:ext>
+            </a:extLst>
+          </p:cNvPr>
+          <p:cNvSpPr txBox="1"/>
+          <p:nvPr/>
+        </p:nvSpPr>
+        <p:spPr>
+          <a:xfrm>
+            <a:off x="8758346" y="2456628"/>
+            <a:ext cx="2891969" cy="307777"/>
+          </a:xfrm>
+          <a:prstGeom prst="rect">
+            <a:avLst/>
+          </a:prstGeom>
+          <a:noFill/>
+          <a:ln w="12700">
+            <a:solidFill>
+              <a:schemeClr val="tx1"/>
+            </a:solidFill>
+          </a:ln>
+        </p:spPr>
+        <p:txBody>
+          <a:bodyPr wrap="square" rtlCol="0">
+            <a:spAutoFit/>
+          </a:bodyPr>
+          <a:lstStyle/>
+          <a:p>
+            <a:r>
+              <a:rPr lang="en-US" sz="1400" dirty="0">
+                <a:solidFill>
+                  <a:schemeClr val="bg1">
+                    <a:lumMod val="65000"/>
+                  </a:schemeClr>
+                </a:solidFill>
+              </a:rPr>
+              <a:t>SVCM Terminology Consumer</a:t>
+            </a:r>
+          </a:p>
+        </p:txBody>
+      </p:sp>
+      <p:sp>
+        <p:nvSpPr>
+          <p:cNvPr id="20" name="TextBox 19">
+            <a:extLst>
+              <a:ext uri="{FF2B5EF4-FFF2-40B4-BE49-F238E27FC236}">
+                <a16:creationId xmlns:a16="http://schemas.microsoft.com/office/drawing/2014/main" id="{BD161D68-B7EE-B444-B57A-53F5959CA062}"/>
+              </a:ext>
+            </a:extLst>
+          </p:cNvPr>
+          <p:cNvSpPr txBox="1"/>
+          <p:nvPr/>
+        </p:nvSpPr>
+        <p:spPr>
+          <a:xfrm>
+            <a:off x="8761735" y="1832388"/>
+            <a:ext cx="2854392" cy="307777"/>
+          </a:xfrm>
+          <a:prstGeom prst="rect">
+            <a:avLst/>
+          </a:prstGeom>
+          <a:noFill/>
+          <a:ln w="12700">
+            <a:solidFill>
+              <a:schemeClr val="tx1"/>
+            </a:solidFill>
+            <a:prstDash val="solid"/>
+          </a:ln>
+        </p:spPr>
+        <p:txBody>
+          <a:bodyPr wrap="square" rtlCol="0">
+            <a:spAutoFit/>
+          </a:bodyPr>
+          <a:lstStyle/>
+          <a:p>
+            <a:r>
+              <a:rPr lang="en-US" sz="1400" dirty="0">
+                <a:solidFill>
+                  <a:schemeClr val="bg1">
+                    <a:lumMod val="65000"/>
+                  </a:schemeClr>
+                </a:solidFill>
+              </a:rPr>
+              <a:t>IUA Resource Server</a:t>
+            </a:r>
+          </a:p>
+        </p:txBody>
+      </p:sp>
+      <p:sp>
+        <p:nvSpPr>
+          <p:cNvPr id="49" name="TextBox 48">
+            <a:extLst>
+              <a:ext uri="{FF2B5EF4-FFF2-40B4-BE49-F238E27FC236}">
+                <a16:creationId xmlns:a16="http://schemas.microsoft.com/office/drawing/2014/main" id="{BCE416A5-4BAB-9442-B03C-3251EEB0287B}"/>
+              </a:ext>
+            </a:extLst>
+          </p:cNvPr>
+          <p:cNvSpPr txBox="1"/>
+          <p:nvPr/>
+        </p:nvSpPr>
+        <p:spPr>
+          <a:xfrm>
+            <a:off x="3453432" y="4563254"/>
+            <a:ext cx="2554132" cy="646331"/>
+          </a:xfrm>
+          <a:prstGeom prst="rect">
+            <a:avLst/>
+          </a:prstGeom>
+          <a:noFill/>
+        </p:spPr>
+        <p:txBody>
+          <a:bodyPr wrap="square" rtlCol="0">
+            <a:spAutoFit/>
+          </a:bodyPr>
+          <a:lstStyle/>
+          <a:p>
+            <a:r>
+              <a:rPr lang="en-US" sz="1200" dirty="0"/>
+              <a:t>[ITI-93] Mobile Patient Identity </a:t>
+            </a:r>
+          </a:p>
+          <a:p>
+            <a:r>
+              <a:rPr lang="en-US" sz="1200" dirty="0"/>
+              <a:t>Feed with Merge (PMIR Source to Manager)</a:t>
+            </a:r>
+          </a:p>
+        </p:txBody>
+      </p:sp>
+      <p:cxnSp>
+        <p:nvCxnSpPr>
+          <p:cNvPr id="4" name="Straight Connector 3">
+            <a:extLst>
+              <a:ext uri="{FF2B5EF4-FFF2-40B4-BE49-F238E27FC236}">
+                <a16:creationId xmlns:a16="http://schemas.microsoft.com/office/drawing/2014/main" id="{770C6582-B53A-1D44-A87C-E7F66D6A3306}"/>
+              </a:ext>
+            </a:extLst>
+          </p:cNvPr>
+          <p:cNvCxnSpPr>
+            <a:cxnSpLocks/>
+          </p:cNvCxnSpPr>
+          <p:nvPr/>
+        </p:nvCxnSpPr>
+        <p:spPr>
+          <a:xfrm>
+            <a:off x="6349297" y="4559882"/>
+            <a:ext cx="0" cy="2224378"/>
+          </a:xfrm>
+          <a:prstGeom prst="line">
+            <a:avLst/>
+          </a:prstGeom>
+          <a:ln w="38100">
+            <a:solidFill>
+              <a:schemeClr val="tx1"/>
+            </a:solidFill>
+            <a:prstDash val="dash"/>
+          </a:ln>
+        </p:spPr>
+        <p:style>
+          <a:lnRef idx="1">
+            <a:schemeClr val="accent1"/>
+          </a:lnRef>
+          <a:fillRef idx="0">
+            <a:schemeClr val="accent1"/>
+          </a:fillRef>
+          <a:effectRef idx="0">
+            <a:schemeClr val="accent1"/>
+          </a:effectRef>
+          <a:fontRef idx="minor">
+            <a:schemeClr val="tx1"/>
+          </a:fontRef>
+        </p:style>
+      </p:cxnSp>
+      <p:cxnSp>
+        <p:nvCxnSpPr>
+          <p:cNvPr id="64" name="Straight Connector 63">
+            <a:extLst>
+              <a:ext uri="{FF2B5EF4-FFF2-40B4-BE49-F238E27FC236}">
+                <a16:creationId xmlns:a16="http://schemas.microsoft.com/office/drawing/2014/main" id="{3E14523B-DC9C-F24A-BA1F-86DB5F13E36D}"/>
+              </a:ext>
+            </a:extLst>
+          </p:cNvPr>
+          <p:cNvCxnSpPr>
+            <a:cxnSpLocks/>
+          </p:cNvCxnSpPr>
+          <p:nvPr/>
+        </p:nvCxnSpPr>
+        <p:spPr>
+          <a:xfrm flipH="1">
+            <a:off x="10188931" y="4013673"/>
+            <a:ext cx="12266" cy="2844327"/>
+          </a:xfrm>
+          <a:prstGeom prst="line">
+            <a:avLst/>
+          </a:prstGeom>
+          <a:ln w="38100">
+            <a:solidFill>
+              <a:schemeClr val="tx1"/>
+            </a:solidFill>
+            <a:prstDash val="dash"/>
+          </a:ln>
+        </p:spPr>
+        <p:style>
+          <a:lnRef idx="1">
+            <a:schemeClr val="accent1"/>
+          </a:lnRef>
+          <a:fillRef idx="0">
+            <a:schemeClr val="accent1"/>
+          </a:fillRef>
+          <a:effectRef idx="0">
+            <a:schemeClr val="accent1"/>
+          </a:effectRef>
+          <a:fontRef idx="minor">
+            <a:schemeClr val="tx1"/>
+          </a:fontRef>
+        </p:style>
+      </p:cxnSp>
+      <p:sp>
+        <p:nvSpPr>
+          <p:cNvPr id="74" name="TextBox 73">
+            <a:extLst>
+              <a:ext uri="{FF2B5EF4-FFF2-40B4-BE49-F238E27FC236}">
+                <a16:creationId xmlns:a16="http://schemas.microsoft.com/office/drawing/2014/main" id="{35D0337A-B740-BA41-985F-5104EDFA5006}"/>
+              </a:ext>
+            </a:extLst>
+          </p:cNvPr>
+          <p:cNvSpPr txBox="1"/>
+          <p:nvPr/>
+        </p:nvSpPr>
+        <p:spPr>
+          <a:xfrm>
+            <a:off x="1480114" y="221652"/>
+            <a:ext cx="2499793" cy="824430"/>
+          </a:xfrm>
+          <a:prstGeom prst="rect">
+            <a:avLst/>
+          </a:prstGeom>
+          <a:solidFill>
+            <a:schemeClr val="accent1">
+              <a:lumMod val="20000"/>
+              <a:lumOff val="80000"/>
+            </a:schemeClr>
+          </a:solidFill>
+          <a:ln>
+            <a:solidFill>
+              <a:schemeClr val="accent1">
+                <a:lumMod val="40000"/>
+                <a:lumOff val="60000"/>
+              </a:schemeClr>
+            </a:solidFill>
+          </a:ln>
+        </p:spPr>
+        <p:txBody>
+          <a:bodyPr wrap="square" rtlCol="0">
+            <a:spAutoFit/>
+          </a:bodyPr>
+          <a:lstStyle/>
+          <a:p>
+            <a:r>
+              <a:rPr lang="en-US" sz="2400" b="1" dirty="0">
+                <a:solidFill>
+                  <a:schemeClr val="accent1">
+                    <a:lumMod val="75000"/>
+                  </a:schemeClr>
+                </a:solidFill>
+              </a:rPr>
+              <a:t>Patient Merge</a:t>
+            </a:r>
+          </a:p>
+          <a:p>
+            <a:r>
+              <a:rPr lang="en-US" sz="2400" b="1" dirty="0">
+                <a:solidFill>
+                  <a:schemeClr val="accent1">
+                    <a:lumMod val="75000"/>
+                  </a:schemeClr>
+                </a:solidFill>
+              </a:rPr>
+              <a:t>Process Flow</a:t>
+            </a:r>
+          </a:p>
+        </p:txBody>
+      </p:sp>
+      <p:grpSp>
+        <p:nvGrpSpPr>
+          <p:cNvPr id="23" name="Group 22">
+            <a:extLst>
+              <a:ext uri="{FF2B5EF4-FFF2-40B4-BE49-F238E27FC236}">
+                <a16:creationId xmlns:a16="http://schemas.microsoft.com/office/drawing/2014/main" id="{2BCEC1F4-BBEC-4049-A923-F577DC2F4444}"/>
+              </a:ext>
+            </a:extLst>
+          </p:cNvPr>
+          <p:cNvGrpSpPr/>
+          <p:nvPr/>
+        </p:nvGrpSpPr>
+        <p:grpSpPr>
+          <a:xfrm>
+            <a:off x="5154145" y="596198"/>
+            <a:ext cx="2610652" cy="3945984"/>
+            <a:chOff x="4741191" y="1144838"/>
+            <a:chExt cx="2610652" cy="3945984"/>
+          </a:xfrm>
+        </p:grpSpPr>
+        <p:sp>
+          <p:nvSpPr>
+            <p:cNvPr id="85" name="Rounded Rectangle 84">
+              <a:extLst>
+                <a:ext uri="{FF2B5EF4-FFF2-40B4-BE49-F238E27FC236}">
+                  <a16:creationId xmlns:a16="http://schemas.microsoft.com/office/drawing/2014/main" id="{19228342-972A-C04F-937E-91A4CF87751F}"/>
+                </a:ext>
+              </a:extLst>
+            </p:cNvPr>
+            <p:cNvSpPr/>
+            <p:nvPr/>
+          </p:nvSpPr>
+          <p:spPr>
+            <a:xfrm>
+              <a:off x="4741191" y="1144838"/>
+              <a:ext cx="2610652" cy="3945984"/>
+            </a:xfrm>
+            <a:prstGeom prst="roundRect">
+              <a:avLst/>
+            </a:prstGeom>
+            <a:solidFill>
+              <a:schemeClr val="accent4">
+                <a:lumMod val="20000"/>
+                <a:lumOff val="80000"/>
+              </a:schemeClr>
+            </a:solidFill>
+            <a:ln>
+              <a:solidFill>
+                <a:schemeClr val="tx1">
+                  <a:alpha val="81000"/>
+                </a:schemeClr>
+              </a:solidFill>
+              <a:prstDash val="dash"/>
+            </a:ln>
+          </p:spPr>
+          <p:style>
+            <a:lnRef idx="2">
+              <a:schemeClr val="accent1">
+                <a:shade val="50000"/>
+              </a:schemeClr>
+            </a:lnRef>
+            <a:fillRef idx="1">
+              <a:schemeClr val="accent1"/>
+            </a:fillRef>
+            <a:effectRef idx="0">
+              <a:schemeClr val="accent1"/>
+            </a:effectRef>
+            <a:fontRef idx="minor">
+              <a:schemeClr val="lt1"/>
+            </a:fontRef>
+          </p:style>
+          <p:txBody>
+            <a:bodyPr rtlCol="0" anchor="ctr"/>
+            <a:lstStyle/>
+            <a:p>
+              <a:pPr algn="ctr"/>
+              <a:endParaRPr lang="en-US" dirty="0"/>
+            </a:p>
+          </p:txBody>
+        </p:sp>
+        <p:sp>
+          <p:nvSpPr>
+            <p:cNvPr id="75" name="TextBox 74">
+              <a:extLst>
+                <a:ext uri="{FF2B5EF4-FFF2-40B4-BE49-F238E27FC236}">
+                  <a16:creationId xmlns:a16="http://schemas.microsoft.com/office/drawing/2014/main" id="{FDCE3ED1-EA4F-0E41-A99C-697034665FE2}"/>
+                </a:ext>
+              </a:extLst>
+            </p:cNvPr>
+            <p:cNvSpPr txBox="1"/>
+            <p:nvPr/>
+          </p:nvSpPr>
+          <p:spPr>
+            <a:xfrm>
+              <a:off x="5062738" y="4039093"/>
+              <a:ext cx="2066523" cy="523220"/>
+            </a:xfrm>
+            <a:prstGeom prst="rect">
+              <a:avLst/>
+            </a:prstGeom>
+            <a:noFill/>
+            <a:ln w="12700">
+              <a:solidFill>
+                <a:schemeClr val="tx1"/>
+              </a:solidFill>
+              <a:prstDash val="dash"/>
+            </a:ln>
+          </p:spPr>
+          <p:txBody>
+            <a:bodyPr wrap="square" rtlCol="0">
+              <a:spAutoFit/>
+            </a:bodyPr>
+            <a:lstStyle/>
+            <a:p>
+              <a:r>
+                <a:rPr lang="en-US" sz="1400" b="1" dirty="0"/>
+                <a:t>ATNA Audit Record Repository</a:t>
+              </a:r>
+            </a:p>
+          </p:txBody>
+        </p:sp>
+        <p:sp>
+          <p:nvSpPr>
+            <p:cNvPr id="76" name="TextBox 75">
+              <a:extLst>
+                <a:ext uri="{FF2B5EF4-FFF2-40B4-BE49-F238E27FC236}">
+                  <a16:creationId xmlns:a16="http://schemas.microsoft.com/office/drawing/2014/main" id="{41CBEFDA-A9C5-7646-A7BA-875708448766}"/>
+                </a:ext>
+              </a:extLst>
+            </p:cNvPr>
+            <p:cNvSpPr txBox="1"/>
+            <p:nvPr/>
+          </p:nvSpPr>
+          <p:spPr>
+            <a:xfrm>
+              <a:off x="5062738" y="4690271"/>
+              <a:ext cx="2066523" cy="307777"/>
+            </a:xfrm>
+            <a:prstGeom prst="rect">
+              <a:avLst/>
+            </a:prstGeom>
+            <a:noFill/>
+            <a:ln w="12700">
+              <a:solidFill>
+                <a:schemeClr val="tx1"/>
+              </a:solidFill>
+              <a:prstDash val="dash"/>
+            </a:ln>
+          </p:spPr>
+          <p:txBody>
+            <a:bodyPr wrap="square" rtlCol="0">
+              <a:spAutoFit/>
+            </a:bodyPr>
+            <a:lstStyle/>
+            <a:p>
+              <a:r>
+                <a:rPr lang="en-US" sz="1400" dirty="0">
+                  <a:solidFill>
+                    <a:schemeClr val="bg1">
+                      <a:lumMod val="65000"/>
+                    </a:schemeClr>
+                  </a:solidFill>
+                </a:rPr>
+                <a:t>CT Time Server</a:t>
+              </a:r>
+            </a:p>
+          </p:txBody>
+        </p:sp>
+        <p:sp>
+          <p:nvSpPr>
+            <p:cNvPr id="78" name="TextBox 77">
+              <a:extLst>
+                <a:ext uri="{FF2B5EF4-FFF2-40B4-BE49-F238E27FC236}">
+                  <a16:creationId xmlns:a16="http://schemas.microsoft.com/office/drawing/2014/main" id="{5C2E840E-906E-CD44-BAFA-C0F0D196647C}"/>
+                </a:ext>
+              </a:extLst>
+            </p:cNvPr>
+            <p:cNvSpPr txBox="1"/>
+            <p:nvPr/>
+          </p:nvSpPr>
+          <p:spPr>
+            <a:xfrm>
+              <a:off x="5054252" y="3413571"/>
+              <a:ext cx="2104623" cy="523220"/>
+            </a:xfrm>
+            <a:prstGeom prst="rect">
+              <a:avLst/>
+            </a:prstGeom>
+            <a:noFill/>
+            <a:ln w="12700">
+              <a:solidFill>
+                <a:schemeClr val="tx1"/>
+              </a:solidFill>
+              <a:prstDash val="dash"/>
+            </a:ln>
+          </p:spPr>
+          <p:txBody>
+            <a:bodyPr wrap="square" rtlCol="0">
+              <a:spAutoFit/>
+            </a:bodyPr>
+            <a:lstStyle/>
+            <a:p>
+              <a:r>
+                <a:rPr lang="en-US" sz="1400" dirty="0" err="1">
+                  <a:solidFill>
+                    <a:schemeClr val="bg1">
+                      <a:lumMod val="65000"/>
+                    </a:schemeClr>
+                  </a:solidFill>
+                </a:rPr>
+                <a:t>mCSD</a:t>
+              </a:r>
+              <a:r>
+                <a:rPr lang="en-US" sz="1400" dirty="0">
+                  <a:solidFill>
+                    <a:schemeClr val="bg1">
+                      <a:lumMod val="65000"/>
+                    </a:schemeClr>
+                  </a:solidFill>
+                </a:rPr>
+                <a:t> Care Services Selective Supplier</a:t>
+              </a:r>
+            </a:p>
+          </p:txBody>
+        </p:sp>
+        <p:sp>
+          <p:nvSpPr>
+            <p:cNvPr id="80" name="TextBox 79">
+              <a:extLst>
+                <a:ext uri="{FF2B5EF4-FFF2-40B4-BE49-F238E27FC236}">
+                  <a16:creationId xmlns:a16="http://schemas.microsoft.com/office/drawing/2014/main" id="{5AE22964-F4CB-784C-A941-EDB61E0B9AED}"/>
+                </a:ext>
+              </a:extLst>
+            </p:cNvPr>
+            <p:cNvSpPr txBox="1"/>
+            <p:nvPr/>
+          </p:nvSpPr>
+          <p:spPr>
+            <a:xfrm>
+              <a:off x="5031878" y="2250374"/>
+              <a:ext cx="2104623" cy="523220"/>
+            </a:xfrm>
+            <a:prstGeom prst="rect">
+              <a:avLst/>
+            </a:prstGeom>
+            <a:noFill/>
+            <a:ln w="12700">
+              <a:solidFill>
+                <a:schemeClr val="tx1"/>
+              </a:solidFill>
+              <a:prstDash val="dash"/>
+            </a:ln>
+          </p:spPr>
+          <p:txBody>
+            <a:bodyPr wrap="square" rtlCol="0">
+              <a:spAutoFit/>
+            </a:bodyPr>
+            <a:lstStyle/>
+            <a:p>
+              <a:r>
+                <a:rPr lang="en-US" sz="1400" b="1" dirty="0"/>
+                <a:t>PMIR Patient Identity Manager</a:t>
+              </a:r>
+            </a:p>
+          </p:txBody>
+        </p:sp>
+        <p:sp>
+          <p:nvSpPr>
+            <p:cNvPr id="81" name="TextBox 80">
+              <a:extLst>
+                <a:ext uri="{FF2B5EF4-FFF2-40B4-BE49-F238E27FC236}">
+                  <a16:creationId xmlns:a16="http://schemas.microsoft.com/office/drawing/2014/main" id="{A52728C7-CED4-0748-980D-01D0F961C21B}"/>
+                </a:ext>
+              </a:extLst>
+            </p:cNvPr>
+            <p:cNvSpPr txBox="1"/>
+            <p:nvPr/>
+          </p:nvSpPr>
+          <p:spPr>
+            <a:xfrm>
+              <a:off x="5054252" y="2961379"/>
+              <a:ext cx="2066523" cy="307777"/>
+            </a:xfrm>
+            <a:prstGeom prst="rect">
+              <a:avLst/>
+            </a:prstGeom>
+            <a:noFill/>
+            <a:ln w="12700">
+              <a:solidFill>
+                <a:schemeClr val="tx1"/>
+              </a:solidFill>
+              <a:prstDash val="dash"/>
+            </a:ln>
+          </p:spPr>
+          <p:txBody>
+            <a:bodyPr wrap="square" rtlCol="0">
+              <a:spAutoFit/>
+            </a:bodyPr>
+            <a:lstStyle/>
+            <a:p>
+              <a:r>
+                <a:rPr lang="en-US" sz="1400" dirty="0">
+                  <a:solidFill>
+                    <a:schemeClr val="bg1">
+                      <a:lumMod val="65000"/>
+                    </a:schemeClr>
+                  </a:solidFill>
+                </a:rPr>
+                <a:t>SVCM Terminology Repos</a:t>
+              </a:r>
+            </a:p>
+          </p:txBody>
+        </p:sp>
+        <p:sp>
+          <p:nvSpPr>
+            <p:cNvPr id="82" name="TextBox 81">
+              <a:extLst>
+                <a:ext uri="{FF2B5EF4-FFF2-40B4-BE49-F238E27FC236}">
+                  <a16:creationId xmlns:a16="http://schemas.microsoft.com/office/drawing/2014/main" id="{CA4FF496-21E7-B340-B423-96B764B16426}"/>
+                </a:ext>
+              </a:extLst>
+            </p:cNvPr>
+            <p:cNvSpPr txBox="1"/>
+            <p:nvPr/>
+          </p:nvSpPr>
+          <p:spPr>
+            <a:xfrm>
+              <a:off x="5072312" y="1611168"/>
+              <a:ext cx="2104623" cy="523220"/>
+            </a:xfrm>
+            <a:prstGeom prst="rect">
+              <a:avLst/>
+            </a:prstGeom>
+            <a:noFill/>
+            <a:ln w="12700">
+              <a:solidFill>
+                <a:schemeClr val="tx1"/>
+              </a:solidFill>
+              <a:prstDash val="dash"/>
+            </a:ln>
+          </p:spPr>
+          <p:txBody>
+            <a:bodyPr wrap="square" rtlCol="0">
+              <a:spAutoFit/>
+            </a:bodyPr>
+            <a:lstStyle/>
+            <a:p>
+              <a:r>
+                <a:rPr lang="en-US" sz="1400" b="1" dirty="0"/>
+                <a:t>PMIR Patient Identity Source</a:t>
+              </a:r>
+            </a:p>
+          </p:txBody>
+        </p:sp>
+        <p:sp>
+          <p:nvSpPr>
+            <p:cNvPr id="83" name="TextBox 82">
+              <a:extLst>
+                <a:ext uri="{FF2B5EF4-FFF2-40B4-BE49-F238E27FC236}">
+                  <a16:creationId xmlns:a16="http://schemas.microsoft.com/office/drawing/2014/main" id="{6A17E08C-7171-EC4C-BD91-FBA78CE983CA}"/>
+                </a:ext>
+              </a:extLst>
+            </p:cNvPr>
+            <p:cNvSpPr txBox="1"/>
+            <p:nvPr/>
+          </p:nvSpPr>
+          <p:spPr>
+            <a:xfrm>
+              <a:off x="4741191" y="1193839"/>
+              <a:ext cx="2610651" cy="369332"/>
+            </a:xfrm>
+            <a:prstGeom prst="rect">
+              <a:avLst/>
+            </a:prstGeom>
+            <a:noFill/>
+          </p:spPr>
+          <p:txBody>
+            <a:bodyPr wrap="none" rtlCol="0">
+              <a:spAutoFit/>
+            </a:bodyPr>
+            <a:lstStyle/>
+            <a:p>
+              <a:r>
+                <a:rPr lang="en-US" b="1" dirty="0"/>
+                <a:t>HIE Central Infrastructure</a:t>
+              </a:r>
+            </a:p>
+          </p:txBody>
+        </p:sp>
+      </p:grpSp>
+      <p:sp>
+        <p:nvSpPr>
+          <p:cNvPr id="28" name="Curved Right Arrow 27">
+            <a:extLst>
+              <a:ext uri="{FF2B5EF4-FFF2-40B4-BE49-F238E27FC236}">
+                <a16:creationId xmlns:a16="http://schemas.microsoft.com/office/drawing/2014/main" id="{2CE9A926-447F-5C43-A920-96EC9AB94DE1}"/>
+              </a:ext>
+            </a:extLst>
+          </p:cNvPr>
+          <p:cNvSpPr/>
+          <p:nvPr/>
+        </p:nvSpPr>
+        <p:spPr>
+          <a:xfrm>
+            <a:off x="5781368" y="4701861"/>
+            <a:ext cx="567929" cy="347830"/>
+          </a:xfrm>
+          <a:prstGeom prst="curvedRightArrow">
+            <a:avLst/>
+          </a:prstGeom>
+          <a:solidFill>
+            <a:schemeClr val="tx1"/>
+          </a:solidFill>
+          <a:ln w="6350"/>
+        </p:spPr>
+        <p:style>
+          <a:lnRef idx="2">
+            <a:schemeClr val="accent1">
+              <a:shade val="50000"/>
+            </a:schemeClr>
+          </a:lnRef>
+          <a:fillRef idx="1">
+            <a:schemeClr val="accent1"/>
+          </a:fillRef>
+          <a:effectRef idx="0">
+            <a:schemeClr val="accent1"/>
+          </a:effectRef>
+          <a:fontRef idx="minor">
+            <a:schemeClr val="lt1"/>
+          </a:fontRef>
+        </p:style>
+        <p:txBody>
+          <a:bodyPr rtlCol="0" anchor="ctr"/>
+          <a:lstStyle/>
+          <a:p>
+            <a:pPr algn="ctr"/>
+            <a:endParaRPr lang="en-US">
+              <a:solidFill>
+                <a:schemeClr val="tx1"/>
+              </a:solidFill>
+            </a:endParaRPr>
+          </a:p>
+        </p:txBody>
+      </p:sp>
+      <p:cxnSp>
+        <p:nvCxnSpPr>
+          <p:cNvPr id="87" name="Straight Arrow Connector 86">
+            <a:extLst>
+              <a:ext uri="{FF2B5EF4-FFF2-40B4-BE49-F238E27FC236}">
+                <a16:creationId xmlns:a16="http://schemas.microsoft.com/office/drawing/2014/main" id="{0CA18088-21AE-4748-A61E-FF096E71AA02}"/>
+              </a:ext>
+            </a:extLst>
+          </p:cNvPr>
+          <p:cNvCxnSpPr>
+            <a:cxnSpLocks/>
+          </p:cNvCxnSpPr>
+          <p:nvPr/>
+        </p:nvCxnSpPr>
+        <p:spPr>
+          <a:xfrm>
+            <a:off x="6319801" y="5164521"/>
+            <a:ext cx="3839634" cy="0"/>
+          </a:xfrm>
+          <a:prstGeom prst="straightConnector1">
+            <a:avLst/>
+          </a:prstGeom>
+          <a:ln w="12700">
+            <a:solidFill>
+              <a:schemeClr val="tx1"/>
+            </a:solidFill>
+            <a:prstDash val="sysDash"/>
+            <a:tailEnd type="triangle" w="lg" len="med"/>
+          </a:ln>
+        </p:spPr>
+        <p:style>
+          <a:lnRef idx="1">
+            <a:schemeClr val="accent1"/>
+          </a:lnRef>
+          <a:fillRef idx="0">
+            <a:schemeClr val="accent1"/>
+          </a:fillRef>
+          <a:effectRef idx="0">
+            <a:schemeClr val="accent1"/>
+          </a:effectRef>
+          <a:fontRef idx="minor">
+            <a:schemeClr val="tx1"/>
+          </a:fontRef>
+        </p:style>
+      </p:cxnSp>
+      <p:sp>
+        <p:nvSpPr>
+          <p:cNvPr id="90" name="TextBox 89">
+            <a:extLst>
+              <a:ext uri="{FF2B5EF4-FFF2-40B4-BE49-F238E27FC236}">
+                <a16:creationId xmlns:a16="http://schemas.microsoft.com/office/drawing/2014/main" id="{0F77EAFA-EB13-B94B-B869-2D9ABEC62714}"/>
+              </a:ext>
+            </a:extLst>
+          </p:cNvPr>
+          <p:cNvSpPr txBox="1"/>
+          <p:nvPr/>
+        </p:nvSpPr>
+        <p:spPr>
+          <a:xfrm>
+            <a:off x="7006415" y="4886070"/>
+            <a:ext cx="3502615" cy="276999"/>
+          </a:xfrm>
+          <a:prstGeom prst="rect">
+            <a:avLst/>
+          </a:prstGeom>
+          <a:noFill/>
+        </p:spPr>
+        <p:txBody>
+          <a:bodyPr wrap="square" rtlCol="0">
+            <a:spAutoFit/>
+          </a:bodyPr>
+          <a:lstStyle/>
+          <a:p>
+            <a:r>
+              <a:rPr lang="en-US" sz="1200" dirty="0"/>
+              <a:t>[ITI-93] Mobile Patient Identity Feed with merge</a:t>
+            </a:r>
+          </a:p>
+        </p:txBody>
+      </p:sp>
+      <p:cxnSp>
+        <p:nvCxnSpPr>
+          <p:cNvPr id="91" name="Straight Arrow Connector 90">
+            <a:extLst>
+              <a:ext uri="{FF2B5EF4-FFF2-40B4-BE49-F238E27FC236}">
+                <a16:creationId xmlns:a16="http://schemas.microsoft.com/office/drawing/2014/main" id="{B8E483FE-C288-8141-8234-E3F902CE85C8}"/>
+              </a:ext>
+            </a:extLst>
+          </p:cNvPr>
+          <p:cNvCxnSpPr>
+            <a:cxnSpLocks/>
+          </p:cNvCxnSpPr>
+          <p:nvPr/>
+        </p:nvCxnSpPr>
+        <p:spPr>
+          <a:xfrm flipH="1">
+            <a:off x="6349298" y="5448463"/>
+            <a:ext cx="3757720" cy="0"/>
+          </a:xfrm>
+          <a:prstGeom prst="straightConnector1">
+            <a:avLst/>
+          </a:prstGeom>
+          <a:ln w="12700">
+            <a:solidFill>
+              <a:schemeClr val="tx1"/>
+            </a:solidFill>
+            <a:prstDash val="sysDash"/>
+            <a:tailEnd type="triangle" w="lg" len="med"/>
+          </a:ln>
+        </p:spPr>
+        <p:style>
+          <a:lnRef idx="1">
+            <a:schemeClr val="accent1"/>
+          </a:lnRef>
+          <a:fillRef idx="0">
+            <a:schemeClr val="accent1"/>
+          </a:fillRef>
+          <a:effectRef idx="0">
+            <a:schemeClr val="accent1"/>
+          </a:effectRef>
+          <a:fontRef idx="minor">
+            <a:schemeClr val="tx1"/>
+          </a:fontRef>
+        </p:style>
+      </p:cxnSp>
+      <p:sp>
+        <p:nvSpPr>
+          <p:cNvPr id="92" name="TextBox 91">
+            <a:extLst>
+              <a:ext uri="{FF2B5EF4-FFF2-40B4-BE49-F238E27FC236}">
+                <a16:creationId xmlns:a16="http://schemas.microsoft.com/office/drawing/2014/main" id="{B2746F1F-85E0-384B-B8B5-21CC90F860B4}"/>
+              </a:ext>
+            </a:extLst>
+          </p:cNvPr>
+          <p:cNvSpPr txBox="1"/>
+          <p:nvPr/>
+        </p:nvSpPr>
+        <p:spPr>
+          <a:xfrm>
+            <a:off x="6960501" y="5172917"/>
+            <a:ext cx="2610652" cy="276999"/>
+          </a:xfrm>
+          <a:prstGeom prst="rect">
+            <a:avLst/>
+          </a:prstGeom>
+          <a:noFill/>
+        </p:spPr>
+        <p:txBody>
+          <a:bodyPr wrap="square" rtlCol="0">
+            <a:spAutoFit/>
+          </a:bodyPr>
+          <a:lstStyle/>
+          <a:p>
+            <a:r>
+              <a:rPr lang="en-US" sz="1200" dirty="0"/>
+              <a:t>[ITI-20] Record Audit Event</a:t>
+            </a:r>
+          </a:p>
+        </p:txBody>
+      </p:sp>
+      <p:sp>
+        <p:nvSpPr>
+          <p:cNvPr id="105" name="TextBox 104">
+            <a:extLst>
+              <a:ext uri="{FF2B5EF4-FFF2-40B4-BE49-F238E27FC236}">
+                <a16:creationId xmlns:a16="http://schemas.microsoft.com/office/drawing/2014/main" id="{DF8F1004-0CCB-D641-A52E-E611C2962413}"/>
+              </a:ext>
+            </a:extLst>
+          </p:cNvPr>
+          <p:cNvSpPr txBox="1"/>
+          <p:nvPr/>
+        </p:nvSpPr>
+        <p:spPr>
+          <a:xfrm>
+            <a:off x="1805943" y="4232901"/>
+            <a:ext cx="3020474" cy="276999"/>
+          </a:xfrm>
+          <a:prstGeom prst="rect">
+            <a:avLst/>
+          </a:prstGeom>
+          <a:solidFill>
+            <a:schemeClr val="bg1"/>
+          </a:solidFill>
+          <a:ln>
+            <a:solidFill>
+              <a:schemeClr val="tx1"/>
+            </a:solidFill>
+            <a:prstDash val="sysDash"/>
+          </a:ln>
+        </p:spPr>
+        <p:txBody>
+          <a:bodyPr wrap="square" rtlCol="0">
+            <a:spAutoFit/>
+          </a:bodyPr>
+          <a:lstStyle/>
+          <a:p>
+            <a:r>
+              <a:rPr lang="en-US" sz="1200" b="1" i="1" dirty="0"/>
+              <a:t>Two patient identities are merged…</a:t>
+            </a:r>
+          </a:p>
+        </p:txBody>
+      </p:sp>
+      <p:sp>
+        <p:nvSpPr>
+          <p:cNvPr id="47" name="TextBox 46">
+            <a:extLst>
+              <a:ext uri="{FF2B5EF4-FFF2-40B4-BE49-F238E27FC236}">
+                <a16:creationId xmlns:a16="http://schemas.microsoft.com/office/drawing/2014/main" id="{640DC306-DA41-A24F-8D27-3210D77B5A25}"/>
+              </a:ext>
+            </a:extLst>
+          </p:cNvPr>
+          <p:cNvSpPr txBox="1"/>
+          <p:nvPr/>
+        </p:nvSpPr>
+        <p:spPr>
+          <a:xfrm>
+            <a:off x="8757723" y="1551650"/>
+            <a:ext cx="2854392" cy="307777"/>
+          </a:xfrm>
+          <a:prstGeom prst="rect">
+            <a:avLst/>
+          </a:prstGeom>
+          <a:noFill/>
+          <a:ln w="12700">
+            <a:solidFill>
+              <a:schemeClr val="tx1"/>
+            </a:solidFill>
+            <a:prstDash val="solid"/>
+          </a:ln>
+        </p:spPr>
+        <p:txBody>
+          <a:bodyPr wrap="square" rtlCol="0">
+            <a:spAutoFit/>
+          </a:bodyPr>
+          <a:lstStyle/>
+          <a:p>
+            <a:r>
+              <a:rPr lang="en-US" sz="1400" dirty="0">
+                <a:solidFill>
+                  <a:schemeClr val="bg1">
+                    <a:lumMod val="65000"/>
+                  </a:schemeClr>
+                </a:solidFill>
+              </a:rPr>
+              <a:t>IUA Authorization Server</a:t>
+            </a:r>
+          </a:p>
+        </p:txBody>
+      </p:sp>
+      <p:sp>
+        <p:nvSpPr>
+          <p:cNvPr id="43" name="Curved Right Arrow 42">
+            <a:extLst>
+              <a:ext uri="{FF2B5EF4-FFF2-40B4-BE49-F238E27FC236}">
+                <a16:creationId xmlns:a16="http://schemas.microsoft.com/office/drawing/2014/main" id="{27C729B3-323D-2F47-87D6-A6A343D83C30}"/>
+              </a:ext>
+            </a:extLst>
+          </p:cNvPr>
+          <p:cNvSpPr/>
+          <p:nvPr/>
+        </p:nvSpPr>
+        <p:spPr>
+          <a:xfrm flipH="1">
+            <a:off x="10230693" y="5632681"/>
+            <a:ext cx="475222" cy="689285"/>
+          </a:xfrm>
+          <a:prstGeom prst="curvedRightArrow">
+            <a:avLst/>
+          </a:prstGeom>
+          <a:solidFill>
+            <a:schemeClr val="tx1"/>
+          </a:solidFill>
+          <a:ln w="6350"/>
+        </p:spPr>
+        <p:style>
+          <a:lnRef idx="2">
+            <a:schemeClr val="accent1">
+              <a:shade val="50000"/>
+            </a:schemeClr>
+          </a:lnRef>
+          <a:fillRef idx="1">
+            <a:schemeClr val="accent1"/>
+          </a:fillRef>
+          <a:effectRef idx="0">
+            <a:schemeClr val="accent1"/>
+          </a:effectRef>
+          <a:fontRef idx="minor">
+            <a:schemeClr val="lt1"/>
+          </a:fontRef>
+        </p:style>
+        <p:txBody>
+          <a:bodyPr rtlCol="0" anchor="ctr"/>
+          <a:lstStyle/>
+          <a:p>
+            <a:pPr algn="ctr"/>
+            <a:endParaRPr lang="en-US">
+              <a:solidFill>
+                <a:schemeClr val="tx1"/>
+              </a:solidFill>
+            </a:endParaRPr>
+          </a:p>
+        </p:txBody>
+      </p:sp>
+      <p:cxnSp>
+        <p:nvCxnSpPr>
+          <p:cNvPr id="44" name="Straight Arrow Connector 43">
+            <a:extLst>
+              <a:ext uri="{FF2B5EF4-FFF2-40B4-BE49-F238E27FC236}">
+                <a16:creationId xmlns:a16="http://schemas.microsoft.com/office/drawing/2014/main" id="{5C895D6E-87BF-B340-BCC4-171BA61F7613}"/>
+              </a:ext>
+            </a:extLst>
+          </p:cNvPr>
+          <p:cNvCxnSpPr>
+            <a:cxnSpLocks/>
+          </p:cNvCxnSpPr>
+          <p:nvPr/>
+        </p:nvCxnSpPr>
+        <p:spPr>
+          <a:xfrm flipH="1">
+            <a:off x="6364538" y="6503833"/>
+            <a:ext cx="3757720" cy="0"/>
+          </a:xfrm>
+          <a:prstGeom prst="straightConnector1">
+            <a:avLst/>
+          </a:prstGeom>
+          <a:ln w="12700">
+            <a:solidFill>
+              <a:schemeClr val="tx1"/>
+            </a:solidFill>
+            <a:prstDash val="sysDash"/>
+            <a:tailEnd type="triangle" w="lg" len="med"/>
+          </a:ln>
+        </p:spPr>
+        <p:style>
+          <a:lnRef idx="1">
+            <a:schemeClr val="accent1"/>
+          </a:lnRef>
+          <a:fillRef idx="0">
+            <a:schemeClr val="accent1"/>
+          </a:fillRef>
+          <a:effectRef idx="0">
+            <a:schemeClr val="accent1"/>
+          </a:effectRef>
+          <a:fontRef idx="minor">
+            <a:schemeClr val="tx1"/>
+          </a:fontRef>
+        </p:style>
+      </p:cxnSp>
+      <p:sp>
+        <p:nvSpPr>
+          <p:cNvPr id="46" name="TextBox 45">
+            <a:extLst>
+              <a:ext uri="{FF2B5EF4-FFF2-40B4-BE49-F238E27FC236}">
+                <a16:creationId xmlns:a16="http://schemas.microsoft.com/office/drawing/2014/main" id="{58CE27B1-1A71-BC49-AF0D-8C5447B0E9C4}"/>
+              </a:ext>
+            </a:extLst>
+          </p:cNvPr>
+          <p:cNvSpPr txBox="1"/>
+          <p:nvPr/>
+        </p:nvSpPr>
+        <p:spPr>
+          <a:xfrm>
+            <a:off x="6975741" y="6228287"/>
+            <a:ext cx="2610652" cy="276999"/>
+          </a:xfrm>
+          <a:prstGeom prst="rect">
+            <a:avLst/>
+          </a:prstGeom>
+          <a:noFill/>
+        </p:spPr>
+        <p:txBody>
+          <a:bodyPr wrap="square" rtlCol="0">
+            <a:spAutoFit/>
+          </a:bodyPr>
+          <a:lstStyle/>
+          <a:p>
+            <a:r>
+              <a:rPr lang="en-US" sz="1200" dirty="0"/>
+              <a:t>[ITI-20] Record Audit Event</a:t>
+            </a:r>
+          </a:p>
+        </p:txBody>
+      </p:sp>
+      <p:sp>
+        <p:nvSpPr>
+          <p:cNvPr id="48" name="TextBox 47">
+            <a:extLst>
+              <a:ext uri="{FF2B5EF4-FFF2-40B4-BE49-F238E27FC236}">
+                <a16:creationId xmlns:a16="http://schemas.microsoft.com/office/drawing/2014/main" id="{13FC962B-0F2F-5E47-BB59-84D91E13573D}"/>
+              </a:ext>
+            </a:extLst>
+          </p:cNvPr>
+          <p:cNvSpPr txBox="1"/>
+          <p:nvPr/>
+        </p:nvSpPr>
+        <p:spPr>
+          <a:xfrm>
+            <a:off x="10735411" y="5561824"/>
+            <a:ext cx="1318340" cy="830997"/>
+          </a:xfrm>
+          <a:prstGeom prst="rect">
+            <a:avLst/>
+          </a:prstGeom>
+          <a:noFill/>
+        </p:spPr>
+        <p:txBody>
+          <a:bodyPr wrap="square" rtlCol="0">
+            <a:spAutoFit/>
+          </a:bodyPr>
+          <a:lstStyle/>
+          <a:p>
+            <a:r>
+              <a:rPr lang="en-US" sz="1200" i="1" dirty="0"/>
+              <a:t>Updated stored Resources that are affected by patient merge</a:t>
+            </a:r>
+          </a:p>
+        </p:txBody>
+      </p:sp>
+    </p:spTree>
+    <p:extLst>
+      <p:ext uri="{BB962C8B-B14F-4D97-AF65-F5344CB8AC3E}">
+        <p14:creationId xmlns:p14="http://schemas.microsoft.com/office/powerpoint/2010/main" val="749340636"/>
       </p:ext>
     </p:extLst>
   </p:cSld>

--- a/MHDS/MHDS-alt-actorDiagram-and-processFlows.pptx
+++ b/MHDS/MHDS-alt-actorDiagram-and-processFlows.pptx
@@ -8,7 +8,7 @@
     <p:notesMasterId r:id="rId10"/>
   </p:notesMasterIdLst>
   <p:sldIdLst>
-    <p:sldId id="261" r:id="rId2"/>
+    <p:sldId id="265" r:id="rId2"/>
     <p:sldId id="257" r:id="rId3"/>
     <p:sldId id="258" r:id="rId4"/>
     <p:sldId id="260" r:id="rId5"/>
@@ -204,7 +204,7 @@
           <a:p>
             <a:fld id="{B6E70393-9288-DD48-A766-CD327F7EE613}" type="datetimeFigureOut">
               <a:rPr lang="en-US" smtClean="0"/>
-              <a:t>2/20/20</a:t>
+              <a:t>2/21/2020</a:t>
             </a:fld>
             <a:endParaRPr lang="en-US"/>
           </a:p>
@@ -545,7 +545,7 @@
     </p:spTree>
     <p:extLst>
       <p:ext uri="{BB962C8B-B14F-4D97-AF65-F5344CB8AC3E}">
-        <p14:creationId xmlns:p14="http://schemas.microsoft.com/office/powerpoint/2010/main" val="2000844280"/>
+        <p14:creationId xmlns:p14="http://schemas.microsoft.com/office/powerpoint/2010/main" val="3370427221"/>
       </p:ext>
     </p:extLst>
   </p:cSld>
@@ -702,7 +702,7 @@
           <a:p>
             <a:fld id="{4E390601-3E07-CF42-B623-D8BE419A4B6C}" type="datetimeFigureOut">
               <a:rPr lang="en-US" smtClean="0"/>
-              <a:t>2/20/20</a:t>
+              <a:t>2/21/2020</a:t>
             </a:fld>
             <a:endParaRPr lang="en-US"/>
           </a:p>
@@ -900,7 +900,7 @@
           <a:p>
             <a:fld id="{4E390601-3E07-CF42-B623-D8BE419A4B6C}" type="datetimeFigureOut">
               <a:rPr lang="en-US" smtClean="0"/>
-              <a:t>2/20/20</a:t>
+              <a:t>2/21/2020</a:t>
             </a:fld>
             <a:endParaRPr lang="en-US"/>
           </a:p>
@@ -1108,7 +1108,7 @@
           <a:p>
             <a:fld id="{4E390601-3E07-CF42-B623-D8BE419A4B6C}" type="datetimeFigureOut">
               <a:rPr lang="en-US" smtClean="0"/>
-              <a:t>2/20/20</a:t>
+              <a:t>2/21/2020</a:t>
             </a:fld>
             <a:endParaRPr lang="en-US"/>
           </a:p>
@@ -1306,7 +1306,7 @@
           <a:p>
             <a:fld id="{4E390601-3E07-CF42-B623-D8BE419A4B6C}" type="datetimeFigureOut">
               <a:rPr lang="en-US" smtClean="0"/>
-              <a:t>2/20/20</a:t>
+              <a:t>2/21/2020</a:t>
             </a:fld>
             <a:endParaRPr lang="en-US"/>
           </a:p>
@@ -1581,7 +1581,7 @@
           <a:p>
             <a:fld id="{4E390601-3E07-CF42-B623-D8BE419A4B6C}" type="datetimeFigureOut">
               <a:rPr lang="en-US" smtClean="0"/>
-              <a:t>2/20/20</a:t>
+              <a:t>2/21/2020</a:t>
             </a:fld>
             <a:endParaRPr lang="en-US"/>
           </a:p>
@@ -1846,7 +1846,7 @@
           <a:p>
             <a:fld id="{4E390601-3E07-CF42-B623-D8BE419A4B6C}" type="datetimeFigureOut">
               <a:rPr lang="en-US" smtClean="0"/>
-              <a:t>2/20/20</a:t>
+              <a:t>2/21/2020</a:t>
             </a:fld>
             <a:endParaRPr lang="en-US"/>
           </a:p>
@@ -2258,7 +2258,7 @@
           <a:p>
             <a:fld id="{4E390601-3E07-CF42-B623-D8BE419A4B6C}" type="datetimeFigureOut">
               <a:rPr lang="en-US" smtClean="0"/>
-              <a:t>2/20/20</a:t>
+              <a:t>2/21/2020</a:t>
             </a:fld>
             <a:endParaRPr lang="en-US"/>
           </a:p>
@@ -2399,7 +2399,7 @@
           <a:p>
             <a:fld id="{4E390601-3E07-CF42-B623-D8BE419A4B6C}" type="datetimeFigureOut">
               <a:rPr lang="en-US" smtClean="0"/>
-              <a:t>2/20/20</a:t>
+              <a:t>2/21/2020</a:t>
             </a:fld>
             <a:endParaRPr lang="en-US"/>
           </a:p>
@@ -2512,7 +2512,7 @@
           <a:p>
             <a:fld id="{4E390601-3E07-CF42-B623-D8BE419A4B6C}" type="datetimeFigureOut">
               <a:rPr lang="en-US" smtClean="0"/>
-              <a:t>2/20/20</a:t>
+              <a:t>2/21/2020</a:t>
             </a:fld>
             <a:endParaRPr lang="en-US"/>
           </a:p>
@@ -2823,7 +2823,7 @@
           <a:p>
             <a:fld id="{4E390601-3E07-CF42-B623-D8BE419A4B6C}" type="datetimeFigureOut">
               <a:rPr lang="en-US" smtClean="0"/>
-              <a:t>2/20/20</a:t>
+              <a:t>2/21/2020</a:t>
             </a:fld>
             <a:endParaRPr lang="en-US"/>
           </a:p>
@@ -3111,7 +3111,7 @@
           <a:p>
             <a:fld id="{4E390601-3E07-CF42-B623-D8BE419A4B6C}" type="datetimeFigureOut">
               <a:rPr lang="en-US" smtClean="0"/>
-              <a:t>2/20/20</a:t>
+              <a:t>2/21/2020</a:t>
             </a:fld>
             <a:endParaRPr lang="en-US"/>
           </a:p>
@@ -3352,7 +3352,7 @@
           <a:p>
             <a:fld id="{4E390601-3E07-CF42-B623-D8BE419A4B6C}" type="datetimeFigureOut">
               <a:rPr lang="en-US" smtClean="0"/>
-              <a:t>2/20/20</a:t>
+              <a:t>2/21/2020</a:t>
             </a:fld>
             <a:endParaRPr lang="en-US"/>
           </a:p>
@@ -3904,8 +3904,8 @@
         </p:nvSpPr>
         <p:spPr>
           <a:xfrm>
-            <a:off x="738364" y="2646765"/>
-            <a:ext cx="2301387" cy="2596957"/>
+            <a:off x="385370" y="2674564"/>
+            <a:ext cx="2786131" cy="2804541"/>
           </a:xfrm>
           <a:prstGeom prst="roundRect">
             <a:avLst/>
@@ -3964,8 +3964,8 @@
         </p:nvSpPr>
         <p:spPr>
           <a:xfrm>
-            <a:off x="4731954" y="3459270"/>
-            <a:ext cx="2679441" cy="3379461"/>
+            <a:off x="4677362" y="3575701"/>
+            <a:ext cx="2679441" cy="3263030"/>
           </a:xfrm>
           <a:prstGeom prst="roundRect">
             <a:avLst/>
@@ -4150,7 +4150,7 @@
         </p:nvSpPr>
         <p:spPr>
           <a:xfrm>
-            <a:off x="8915297" y="4835023"/>
+            <a:off x="8906983" y="5149784"/>
             <a:ext cx="2891969" cy="307777"/>
           </a:xfrm>
           <a:prstGeom prst="rect">
@@ -4190,7 +4190,7 @@
         </p:nvSpPr>
         <p:spPr>
           <a:xfrm>
-            <a:off x="8915297" y="5157404"/>
+            <a:off x="8915297" y="4828157"/>
             <a:ext cx="2891969" cy="307777"/>
           </a:xfrm>
           <a:prstGeom prst="rect">
@@ -4314,7 +4314,7 @@
         </p:nvSpPr>
         <p:spPr>
           <a:xfrm>
-            <a:off x="5062738" y="6081817"/>
+            <a:off x="5037730" y="6335784"/>
             <a:ext cx="2066523" cy="307777"/>
           </a:xfrm>
           <a:prstGeom prst="rect">
@@ -4355,7 +4355,7 @@
         </p:nvSpPr>
         <p:spPr>
           <a:xfrm>
-            <a:off x="5062738" y="6455063"/>
+            <a:off x="5049275" y="6005672"/>
             <a:ext cx="2066523" cy="307777"/>
           </a:xfrm>
           <a:prstGeom prst="rect">
@@ -4396,8 +4396,8 @@
         </p:nvSpPr>
         <p:spPr>
           <a:xfrm>
-            <a:off x="5054252" y="5463515"/>
-            <a:ext cx="2104623" cy="523220"/>
+            <a:off x="5054253" y="5463515"/>
+            <a:ext cx="2056568" cy="523220"/>
           </a:xfrm>
           <a:prstGeom prst="rect">
             <a:avLst/>
@@ -4571,15 +4571,14 @@
           </p:cNvPr>
           <p:cNvCxnSpPr>
             <a:cxnSpLocks/>
-            <a:stCxn id="10" idx="1"/>
             <a:endCxn id="17" idx="3"/>
           </p:cNvCxnSpPr>
           <p:nvPr/>
         </p:nvCxnSpPr>
         <p:spPr>
           <a:xfrm flipH="1">
-            <a:off x="7129261" y="4988912"/>
-            <a:ext cx="1786036" cy="1246794"/>
+            <a:off x="7104253" y="5471411"/>
+            <a:ext cx="3345666" cy="1018262"/>
           </a:xfrm>
           <a:prstGeom prst="straightConnector1">
             <a:avLst/>
@@ -4711,8 +4710,8 @@
         </p:nvCxnSpPr>
         <p:spPr>
           <a:xfrm flipH="1">
-            <a:off x="7158875" y="4546746"/>
-            <a:ext cx="1756422" cy="1178379"/>
+            <a:off x="7110821" y="4546746"/>
+            <a:ext cx="1804476" cy="1178379"/>
           </a:xfrm>
           <a:prstGeom prst="straightConnector1">
             <a:avLst/>
@@ -4755,8 +4754,8 @@
         </p:nvCxnSpPr>
         <p:spPr>
           <a:xfrm flipH="1">
-            <a:off x="7154370" y="5465181"/>
-            <a:ext cx="2779472" cy="1156137"/>
+            <a:off x="7120775" y="5081793"/>
+            <a:ext cx="1763474" cy="1048718"/>
           </a:xfrm>
           <a:prstGeom prst="straightConnector1">
             <a:avLst/>
@@ -4794,13 +4793,14 @@
           </p:cNvPr>
           <p:cNvCxnSpPr>
             <a:cxnSpLocks/>
+            <a:stCxn id="79" idx="3"/>
           </p:cNvCxnSpPr>
           <p:nvPr/>
         </p:nvCxnSpPr>
         <p:spPr>
           <a:xfrm flipV="1">
-            <a:off x="2923589" y="2309858"/>
-            <a:ext cx="5991708" cy="824603"/>
+            <a:off x="2909121" y="2309861"/>
+            <a:ext cx="6006176" cy="1070132"/>
           </a:xfrm>
           <a:prstGeom prst="straightConnector1">
             <a:avLst/>
@@ -4841,7 +4841,7 @@
         </p:nvSpPr>
         <p:spPr>
           <a:xfrm>
-            <a:off x="8114886" y="5385401"/>
+            <a:off x="7520552" y="6346881"/>
             <a:ext cx="1167131" cy="461665"/>
           </a:xfrm>
           <a:prstGeom prst="rect">
@@ -4857,23 +4857,17 @@
           <a:p>
             <a:r>
               <a:rPr lang="en-US" sz="1200" dirty="0"/>
-              <a:t>[ITI-19]</a:t>
-            </a:r>
-          </a:p>
-          <a:p>
-            <a:r>
-              <a:rPr lang="en-US" sz="1200" dirty="0"/>
-              <a:t>[ITI-20]</a:t>
-            </a:r>
-          </a:p>
-        </p:txBody>
-      </p:sp>
-      <p:sp>
-        <p:nvSpPr>
-          <p:cNvPr id="48" name="TextBox 47">
-            <a:extLst>
-              <a:ext uri="{FF2B5EF4-FFF2-40B4-BE49-F238E27FC236}">
-                <a16:creationId xmlns:a16="http://schemas.microsoft.com/office/drawing/2014/main" id="{820C6D69-7042-2547-89F7-D83DE9D88758}"/>
+              <a:t>[ITI-20] Record Audit Event</a:t>
+            </a:r>
+          </a:p>
+        </p:txBody>
+      </p:sp>
+      <p:sp>
+        <p:nvSpPr>
+          <p:cNvPr id="49" name="TextBox 48">
+            <a:extLst>
+              <a:ext uri="{FF2B5EF4-FFF2-40B4-BE49-F238E27FC236}">
+                <a16:creationId xmlns:a16="http://schemas.microsoft.com/office/drawing/2014/main" id="{BCE416A5-4BAB-9442-B03C-3251EEB0287B}"/>
               </a:ext>
             </a:extLst>
           </p:cNvPr>
@@ -4882,8 +4876,8 @@
         </p:nvSpPr>
         <p:spPr>
           <a:xfrm>
-            <a:off x="8360327" y="6015216"/>
-            <a:ext cx="1242989" cy="461665"/>
+            <a:off x="7719716" y="3641921"/>
+            <a:ext cx="1128795" cy="646331"/>
           </a:xfrm>
           <a:prstGeom prst="rect">
             <a:avLst/>
@@ -4898,17 +4892,17 @@
           <a:p>
             <a:r>
               <a:rPr lang="en-US" sz="1200" dirty="0"/>
-              <a:t>[ITI-1] Maintain Time</a:t>
-            </a:r>
-          </a:p>
-        </p:txBody>
-      </p:sp>
-      <p:sp>
-        <p:nvSpPr>
-          <p:cNvPr id="49" name="TextBox 48">
-            <a:extLst>
-              <a:ext uri="{FF2B5EF4-FFF2-40B4-BE49-F238E27FC236}">
-                <a16:creationId xmlns:a16="http://schemas.microsoft.com/office/drawing/2014/main" id="{BCE416A5-4BAB-9442-B03C-3251EEB0287B}"/>
+              <a:t>[ITI-93] Mobile Patient Identity Feed</a:t>
+            </a:r>
+          </a:p>
+        </p:txBody>
+      </p:sp>
+      <p:sp>
+        <p:nvSpPr>
+          <p:cNvPr id="58" name="TextBox 57">
+            <a:extLst>
+              <a:ext uri="{FF2B5EF4-FFF2-40B4-BE49-F238E27FC236}">
+                <a16:creationId xmlns:a16="http://schemas.microsoft.com/office/drawing/2014/main" id="{7BF6FEBE-A7FF-4944-89FE-6B0612FF48AC}"/>
               </a:ext>
             </a:extLst>
           </p:cNvPr>
@@ -4917,8 +4911,8 @@
         </p:nvSpPr>
         <p:spPr>
           <a:xfrm>
-            <a:off x="7584388" y="3477666"/>
-            <a:ext cx="1128795" cy="646331"/>
+            <a:off x="6547874" y="2706138"/>
+            <a:ext cx="2659410" cy="276999"/>
           </a:xfrm>
           <a:prstGeom prst="rect">
             <a:avLst/>
@@ -4933,17 +4927,17 @@
           <a:p>
             <a:r>
               <a:rPr lang="en-US" sz="1200" dirty="0"/>
-              <a:t>[ITI-93] Mobile Patient Identity Feed</a:t>
-            </a:r>
-          </a:p>
-        </p:txBody>
-      </p:sp>
-      <p:sp>
-        <p:nvSpPr>
-          <p:cNvPr id="58" name="TextBox 57">
-            <a:extLst>
-              <a:ext uri="{FF2B5EF4-FFF2-40B4-BE49-F238E27FC236}">
-                <a16:creationId xmlns:a16="http://schemas.microsoft.com/office/drawing/2014/main" id="{7BF6FEBE-A7FF-4944-89FE-6B0612FF48AC}"/>
+              <a:t>[ITI-71] Get Authorization Token</a:t>
+            </a:r>
+          </a:p>
+        </p:txBody>
+      </p:sp>
+      <p:sp>
+        <p:nvSpPr>
+          <p:cNvPr id="59" name="TextBox 58">
+            <a:extLst>
+              <a:ext uri="{FF2B5EF4-FFF2-40B4-BE49-F238E27FC236}">
+                <a16:creationId xmlns:a16="http://schemas.microsoft.com/office/drawing/2014/main" id="{E4338DDC-9FA1-D34F-9BBB-E2AB509BED02}"/>
               </a:ext>
             </a:extLst>
           </p:cNvPr>
@@ -4952,8 +4946,8 @@
         </p:nvSpPr>
         <p:spPr>
           <a:xfrm>
-            <a:off x="6438690" y="2719786"/>
-            <a:ext cx="2659410" cy="276999"/>
+            <a:off x="3105708" y="3872129"/>
+            <a:ext cx="1533552" cy="461665"/>
           </a:xfrm>
           <a:prstGeom prst="rect">
             <a:avLst/>
@@ -4968,17 +4962,33 @@
           <a:p>
             <a:r>
               <a:rPr lang="en-US" sz="1200" dirty="0"/>
-              <a:t>[ITI-71] Get Authorization Token</a:t>
-            </a:r>
-          </a:p>
-        </p:txBody>
-      </p:sp>
-      <p:sp>
-        <p:nvSpPr>
-          <p:cNvPr id="59" name="TextBox 58">
-            <a:extLst>
-              <a:ext uri="{FF2B5EF4-FFF2-40B4-BE49-F238E27FC236}">
-                <a16:creationId xmlns:a16="http://schemas.microsoft.com/office/drawing/2014/main" id="{E4338DDC-9FA1-D34F-9BBB-E2AB509BED02}"/>
+              <a:t>[ITI-78] or [ITI-83]  </a:t>
+            </a:r>
+            <a:r>
+              <a:rPr lang="en-US" sz="1200" dirty="0" err="1"/>
+              <a:t>PDQm</a:t>
+            </a:r>
+            <a:r>
+              <a:rPr lang="en-US" sz="1200" dirty="0"/>
+              <a:t> or </a:t>
+            </a:r>
+            <a:r>
+              <a:rPr lang="en-US" sz="1200" dirty="0" err="1"/>
+              <a:t>PIXm</a:t>
+            </a:r>
+            <a:r>
+              <a:rPr lang="en-US" sz="1200" dirty="0"/>
+              <a:t> Query</a:t>
+            </a:r>
+          </a:p>
+        </p:txBody>
+      </p:sp>
+      <p:sp>
+        <p:nvSpPr>
+          <p:cNvPr id="60" name="TextBox 59">
+            <a:extLst>
+              <a:ext uri="{FF2B5EF4-FFF2-40B4-BE49-F238E27FC236}">
+                <a16:creationId xmlns:a16="http://schemas.microsoft.com/office/drawing/2014/main" id="{05DCF846-1BFA-2B45-BED6-D93F4672027C}"/>
               </a:ext>
             </a:extLst>
           </p:cNvPr>
@@ -4987,8 +4997,8 @@
         </p:nvSpPr>
         <p:spPr>
           <a:xfrm>
-            <a:off x="3215060" y="4024960"/>
-            <a:ext cx="1533552" cy="461665"/>
+            <a:off x="7583860" y="4875540"/>
+            <a:ext cx="1265148" cy="668901"/>
           </a:xfrm>
           <a:prstGeom prst="rect">
             <a:avLst/>
@@ -5003,33 +5013,17 @@
           <a:p>
             <a:r>
               <a:rPr lang="en-US" sz="1200" dirty="0"/>
-              <a:t>[ITI-78] or [ITI-83]  </a:t>
-            </a:r>
-            <a:r>
-              <a:rPr lang="en-US" sz="1200" dirty="0" err="1"/>
-              <a:t>PDQm</a:t>
-            </a:r>
-            <a:r>
-              <a:rPr lang="en-US" sz="1200" dirty="0"/>
-              <a:t> or </a:t>
-            </a:r>
-            <a:r>
-              <a:rPr lang="en-US" sz="1200" dirty="0" err="1"/>
-              <a:t>PIXm</a:t>
-            </a:r>
-            <a:r>
-              <a:rPr lang="en-US" sz="1200" dirty="0"/>
-              <a:t> Query</a:t>
-            </a:r>
-          </a:p>
-        </p:txBody>
-      </p:sp>
-      <p:sp>
-        <p:nvSpPr>
-          <p:cNvPr id="60" name="TextBox 59">
-            <a:extLst>
-              <a:ext uri="{FF2B5EF4-FFF2-40B4-BE49-F238E27FC236}">
-                <a16:creationId xmlns:a16="http://schemas.microsoft.com/office/drawing/2014/main" id="{05DCF846-1BFA-2B45-BED6-D93F4672027C}"/>
+              <a:t>[ITI-90] Find Matching Care Services</a:t>
+            </a:r>
+          </a:p>
+        </p:txBody>
+      </p:sp>
+      <p:sp>
+        <p:nvSpPr>
+          <p:cNvPr id="61" name="TextBox 60">
+            <a:extLst>
+              <a:ext uri="{FF2B5EF4-FFF2-40B4-BE49-F238E27FC236}">
+                <a16:creationId xmlns:a16="http://schemas.microsoft.com/office/drawing/2014/main" id="{A9AE9888-0670-A44C-996F-A714ED9E2355}"/>
               </a:ext>
             </a:extLst>
           </p:cNvPr>
@@ -5038,8 +5032,8 @@
         </p:nvSpPr>
         <p:spPr>
           <a:xfrm>
-            <a:off x="7596530" y="4712205"/>
-            <a:ext cx="1265148" cy="668901"/>
+            <a:off x="7581041" y="4439566"/>
+            <a:ext cx="2351608" cy="276999"/>
           </a:xfrm>
           <a:prstGeom prst="rect">
             <a:avLst/>
@@ -5054,43 +5048,13 @@
           <a:p>
             <a:r>
               <a:rPr lang="en-US" sz="1200" dirty="0"/>
-              <a:t>[ITI-93] Find Matching Care Services</a:t>
-            </a:r>
-          </a:p>
-        </p:txBody>
-      </p:sp>
-      <p:sp>
-        <p:nvSpPr>
-          <p:cNvPr id="61" name="TextBox 60">
-            <a:extLst>
-              <a:ext uri="{FF2B5EF4-FFF2-40B4-BE49-F238E27FC236}">
-                <a16:creationId xmlns:a16="http://schemas.microsoft.com/office/drawing/2014/main" id="{A9AE9888-0670-A44C-996F-A714ED9E2355}"/>
-              </a:ext>
-            </a:extLst>
-          </p:cNvPr>
-          <p:cNvSpPr txBox="1"/>
-          <p:nvPr/>
-        </p:nvSpPr>
-        <p:spPr>
-          <a:xfrm>
-            <a:off x="8041288" y="4290764"/>
-            <a:ext cx="2066523" cy="276999"/>
-          </a:xfrm>
-          <a:prstGeom prst="rect">
-            <a:avLst/>
-          </a:prstGeom>
-          <a:noFill/>
-        </p:spPr>
-        <p:txBody>
-          <a:bodyPr wrap="square" rtlCol="0">
-            <a:spAutoFit/>
-          </a:bodyPr>
-          <a:lstStyle/>
-          <a:p>
-            <a:r>
-              <a:rPr lang="en-US" sz="1200" dirty="0"/>
-              <a:t>[ITI-xx]</a:t>
-            </a:r>
+              <a:t>[ITI-xx] SVCM </a:t>
+            </a:r>
+            <a:r>
+              <a:rPr lang="en-US" sz="1200" dirty="0" err="1"/>
+              <a:t>Qry</a:t>
+            </a:r>
+            <a:endParaRPr lang="en-US" sz="1200" dirty="0"/>
           </a:p>
         </p:txBody>
       </p:sp>
@@ -5225,14 +5189,15 @@
           </p:cNvPr>
           <p:cNvCxnSpPr>
             <a:cxnSpLocks/>
+            <a:stCxn id="80" idx="3"/>
             <a:endCxn id="20" idx="1"/>
           </p:cNvCxnSpPr>
           <p:nvPr/>
         </p:nvCxnSpPr>
         <p:spPr>
           <a:xfrm flipV="1">
-            <a:off x="2858433" y="3305731"/>
-            <a:ext cx="6056864" cy="208324"/>
+            <a:off x="2895427" y="3305731"/>
+            <a:ext cx="6019870" cy="336191"/>
           </a:xfrm>
           <a:prstGeom prst="straightConnector1">
             <a:avLst/>
@@ -5343,8 +5308,8 @@
         </p:nvSpPr>
         <p:spPr>
           <a:xfrm>
-            <a:off x="1900617" y="5710704"/>
-            <a:ext cx="2066523" cy="276999"/>
+            <a:off x="4002228" y="5395265"/>
+            <a:ext cx="2066523" cy="646331"/>
           </a:xfrm>
           <a:prstGeom prst="rect">
             <a:avLst/>
@@ -5359,7 +5324,19 @@
           <a:p>
             <a:r>
               <a:rPr lang="en-US" sz="1200" dirty="0"/>
-              <a:t>[ITI-1] Maintain Time</a:t>
+              <a:t>[ITI-1] </a:t>
+            </a:r>
+          </a:p>
+          <a:p>
+            <a:r>
+              <a:rPr lang="en-US" sz="1200" dirty="0"/>
+              <a:t>Maintain </a:t>
+            </a:r>
+          </a:p>
+          <a:p>
+            <a:r>
+              <a:rPr lang="en-US" sz="1200" dirty="0"/>
+              <a:t>Time</a:t>
             </a:r>
           </a:p>
         </p:txBody>
@@ -5419,7 +5396,7 @@
         </p:nvSpPr>
         <p:spPr>
           <a:xfrm>
-            <a:off x="6137804" y="3095182"/>
+            <a:off x="6219692" y="3122478"/>
             <a:ext cx="3087477" cy="276999"/>
           </a:xfrm>
           <a:prstGeom prst="rect">
@@ -5451,14 +5428,14 @@
           </p:cNvPr>
           <p:cNvCxnSpPr>
             <a:cxnSpLocks/>
-            <a:endCxn id="22" idx="1"/>
+            <a:stCxn id="83" idx="3"/>
           </p:cNvCxnSpPr>
           <p:nvPr/>
         </p:nvCxnSpPr>
         <p:spPr>
           <a:xfrm>
-            <a:off x="2904807" y="4058001"/>
-            <a:ext cx="2127071" cy="801676"/>
+            <a:off x="2908816" y="3919994"/>
+            <a:ext cx="2100688" cy="935340"/>
           </a:xfrm>
           <a:prstGeom prst="straightConnector1">
             <a:avLst/>
@@ -5501,8 +5478,8 @@
         </p:nvCxnSpPr>
         <p:spPr>
           <a:xfrm>
-            <a:off x="2070346" y="5092423"/>
-            <a:ext cx="2906477" cy="1516528"/>
+            <a:off x="1458132" y="5259836"/>
+            <a:ext cx="3606507" cy="1337478"/>
           </a:xfrm>
           <a:prstGeom prst="straightConnector1">
             <a:avLst/>
@@ -5540,14 +5517,13 @@
           </p:cNvPr>
           <p:cNvCxnSpPr>
             <a:cxnSpLocks/>
-            <a:endCxn id="124" idx="1"/>
           </p:cNvCxnSpPr>
           <p:nvPr/>
         </p:nvCxnSpPr>
         <p:spPr>
           <a:xfrm flipV="1">
-            <a:off x="2909121" y="2920255"/>
-            <a:ext cx="6006176" cy="477194"/>
+            <a:off x="2931287" y="2864022"/>
+            <a:ext cx="5984010" cy="723953"/>
           </a:xfrm>
           <a:prstGeom prst="straightConnector1">
             <a:avLst/>
@@ -5589,7 +5565,7 @@
         <p:spPr>
           <a:xfrm>
             <a:off x="332452" y="2621331"/>
-            <a:ext cx="2891969" cy="369332"/>
+            <a:ext cx="2891969" cy="646331"/>
           </a:xfrm>
           <a:prstGeom prst="rect">
             <a:avLst/>
@@ -5605,7 +5581,14 @@
             <a:pPr algn="ctr"/>
             <a:r>
               <a:rPr lang="en-US" b="1" dirty="0"/>
-              <a:t>HIE Doc Consumer</a:t>
+              <a:t>System that consumes</a:t>
+            </a:r>
+          </a:p>
+          <a:p>
+            <a:pPr algn="ctr"/>
+            <a:r>
+              <a:rPr lang="en-US" b="1" dirty="0"/>
+              <a:t>documents</a:t>
             </a:r>
           </a:p>
         </p:txBody>
@@ -5625,9 +5608,9 @@
           <p:nvPr/>
         </p:nvCxnSpPr>
         <p:spPr>
-          <a:xfrm flipV="1">
-            <a:off x="2923589" y="3713945"/>
-            <a:ext cx="601663" cy="25435"/>
+          <a:xfrm>
+            <a:off x="2921037" y="4816311"/>
+            <a:ext cx="2085408" cy="1408238"/>
           </a:xfrm>
           <a:prstGeom prst="straightConnector1">
             <a:avLst/>
@@ -5668,8 +5651,8 @@
         </p:nvSpPr>
         <p:spPr>
           <a:xfrm>
-            <a:off x="3449634" y="3413905"/>
-            <a:ext cx="2066523" cy="646331"/>
+            <a:off x="2974314" y="5268960"/>
+            <a:ext cx="1154624" cy="646331"/>
           </a:xfrm>
           <a:prstGeom prst="rect">
             <a:avLst/>
@@ -5684,7 +5667,7 @@
           <a:p>
             <a:r>
               <a:rPr lang="en-US" sz="1200" dirty="0"/>
-              <a:t>… [ITI-19] </a:t>
+              <a:t>… ITI-19] </a:t>
             </a:r>
             <a:br>
               <a:rPr lang="en-US" sz="1200" dirty="0"/>
@@ -5713,13 +5696,14 @@
           </p:cNvPr>
           <p:cNvCxnSpPr>
             <a:cxnSpLocks/>
+            <a:stCxn id="86" idx="3"/>
           </p:cNvCxnSpPr>
           <p:nvPr/>
         </p:nvCxnSpPr>
         <p:spPr>
           <a:xfrm>
-            <a:off x="2933150" y="4462798"/>
-            <a:ext cx="2076354" cy="848494"/>
+            <a:off x="2923300" y="4515137"/>
+            <a:ext cx="2070597" cy="1165282"/>
           </a:xfrm>
           <a:prstGeom prst="straightConnector1">
             <a:avLst/>
@@ -5748,41 +5732,6 @@
       </p:cxnSp>
       <p:sp>
         <p:nvSpPr>
-          <p:cNvPr id="82" name="TextBox 81">
-            <a:extLst>
-              <a:ext uri="{FF2B5EF4-FFF2-40B4-BE49-F238E27FC236}">
-                <a16:creationId xmlns:a16="http://schemas.microsoft.com/office/drawing/2014/main" id="{D02358D7-9224-0347-A1B4-78826EB76769}"/>
-              </a:ext>
-            </a:extLst>
-          </p:cNvPr>
-          <p:cNvSpPr txBox="1"/>
-          <p:nvPr/>
-        </p:nvSpPr>
-        <p:spPr>
-          <a:xfrm>
-            <a:off x="3426126" y="4914211"/>
-            <a:ext cx="2066523" cy="276999"/>
-          </a:xfrm>
-          <a:prstGeom prst="rect">
-            <a:avLst/>
-          </a:prstGeom>
-          <a:noFill/>
-        </p:spPr>
-        <p:txBody>
-          <a:bodyPr wrap="square" rtlCol="0">
-            <a:spAutoFit/>
-          </a:bodyPr>
-          <a:lstStyle/>
-          <a:p>
-            <a:r>
-              <a:rPr lang="en-US" sz="1200" dirty="0"/>
-              <a:t>[ITI-xx] </a:t>
-            </a:r>
-          </a:p>
-        </p:txBody>
-      </p:sp>
-      <p:sp>
-        <p:nvSpPr>
           <p:cNvPr id="104" name="Rounded Rectangle 103">
             <a:extLst>
               <a:ext uri="{FF2B5EF4-FFF2-40B4-BE49-F238E27FC236}">
@@ -5795,8 +5744,8 @@
         </p:nvSpPr>
         <p:spPr>
           <a:xfrm>
-            <a:off x="609999" y="137024"/>
-            <a:ext cx="2440425" cy="2429524"/>
+            <a:off x="83315" y="114638"/>
+            <a:ext cx="3418651" cy="2383263"/>
           </a:xfrm>
           <a:prstGeom prst="roundRect">
             <a:avLst/>
@@ -5855,7 +5804,7 @@
         </p:nvSpPr>
         <p:spPr>
           <a:xfrm>
-            <a:off x="862508" y="439168"/>
+            <a:off x="841342" y="439168"/>
             <a:ext cx="2020386" cy="276999"/>
           </a:xfrm>
           <a:prstGeom prst="rect">
@@ -5896,7 +5845,7 @@
         </p:nvSpPr>
         <p:spPr>
           <a:xfrm>
-            <a:off x="859235" y="703891"/>
+            <a:off x="841342" y="717539"/>
             <a:ext cx="2041560" cy="276999"/>
           </a:xfrm>
           <a:prstGeom prst="rect">
@@ -5937,7 +5886,7 @@
         </p:nvSpPr>
         <p:spPr>
           <a:xfrm>
-            <a:off x="845209" y="2170752"/>
+            <a:off x="841342" y="2170752"/>
             <a:ext cx="2086078" cy="281745"/>
           </a:xfrm>
           <a:prstGeom prst="rect">
@@ -5978,7 +5927,7 @@
         </p:nvSpPr>
         <p:spPr>
           <a:xfrm>
-            <a:off x="845208" y="1019135"/>
+            <a:off x="841342" y="1019135"/>
             <a:ext cx="2055587" cy="276999"/>
           </a:xfrm>
           <a:prstGeom prst="rect">
@@ -6031,8 +5980,8 @@
         </p:nvSpPr>
         <p:spPr>
           <a:xfrm>
-            <a:off x="396077" y="114638"/>
-            <a:ext cx="2891969" cy="369332"/>
+            <a:off x="-13644" y="114638"/>
+            <a:ext cx="3615592" cy="369332"/>
           </a:xfrm>
           <a:prstGeom prst="rect">
             <a:avLst/>
@@ -6048,7 +5997,7 @@
             <a:pPr algn="ctr"/>
             <a:r>
               <a:rPr lang="en-US" b="1" dirty="0"/>
-              <a:t>HIE Document Source</a:t>
+              <a:t>System that publishes documents</a:t>
             </a:r>
           </a:p>
         </p:txBody>
@@ -6108,7 +6057,7 @@
         </p:nvSpPr>
         <p:spPr>
           <a:xfrm>
-            <a:off x="846715" y="1324718"/>
+            <a:off x="841342" y="1324718"/>
             <a:ext cx="2069433" cy="276999"/>
           </a:xfrm>
           <a:prstGeom prst="rect">
@@ -6152,8 +6101,8 @@
         </p:nvCxnSpPr>
         <p:spPr>
           <a:xfrm>
-            <a:off x="2882894" y="577668"/>
-            <a:ext cx="6034131" cy="1230737"/>
+            <a:off x="2861728" y="577668"/>
+            <a:ext cx="6055297" cy="1230737"/>
           </a:xfrm>
           <a:prstGeom prst="straightConnector1">
             <a:avLst/>
@@ -6194,7 +6143,7 @@
         </p:nvSpPr>
         <p:spPr>
           <a:xfrm>
-            <a:off x="5991181" y="2175819"/>
+            <a:off x="4011035" y="2680394"/>
             <a:ext cx="2066523" cy="276999"/>
           </a:xfrm>
           <a:prstGeom prst="rect">
@@ -6316,7 +6265,7 @@
         </p:nvCxnSpPr>
         <p:spPr>
           <a:xfrm>
-            <a:off x="2959886" y="1965959"/>
+            <a:off x="2959886" y="2006903"/>
             <a:ext cx="692840" cy="15678"/>
           </a:xfrm>
           <a:prstGeom prst="straightConnector1">
@@ -6532,7 +6481,7 @@
           <a:p>
             <a:r>
               <a:rPr lang="en-US" sz="1200" dirty="0"/>
-              <a:t>[ITI-xx]</a:t>
+              <a:t>[ITI-xx] SVCM Query</a:t>
             </a:r>
           </a:p>
         </p:txBody>
@@ -6630,7 +6579,7 @@
         </p:nvSpPr>
         <p:spPr>
           <a:xfrm>
-            <a:off x="850525" y="1614278"/>
+            <a:off x="841342" y="1614278"/>
             <a:ext cx="2069433" cy="276999"/>
           </a:xfrm>
           <a:prstGeom prst="rect">
@@ -6736,7 +6685,7 @@
           <a:p>
             <a:r>
               <a:rPr lang="en-US" sz="1200" dirty="0"/>
-              <a:t>[ITI-93]</a:t>
+              <a:t>[ITI-90]</a:t>
             </a:r>
           </a:p>
         </p:txBody>
@@ -6755,8 +6704,8 @@
         </p:nvSpPr>
         <p:spPr>
           <a:xfrm>
-            <a:off x="870529" y="3015858"/>
-            <a:ext cx="2015052" cy="276999"/>
+            <a:off x="853867" y="3241493"/>
+            <a:ext cx="2055254" cy="276999"/>
           </a:xfrm>
           <a:prstGeom prst="rect">
             <a:avLst/>
@@ -6796,7 +6745,7 @@
         </p:nvSpPr>
         <p:spPr>
           <a:xfrm>
-            <a:off x="867256" y="3298702"/>
+            <a:off x="853867" y="3503422"/>
             <a:ext cx="2041560" cy="276999"/>
           </a:xfrm>
           <a:prstGeom prst="rect">
@@ -6837,7 +6786,7 @@
         </p:nvSpPr>
         <p:spPr>
           <a:xfrm>
-            <a:off x="853230" y="4777595"/>
+            <a:off x="841342" y="4683329"/>
             <a:ext cx="2050940" cy="276999"/>
           </a:xfrm>
           <a:prstGeom prst="rect">
@@ -6878,7 +6827,7 @@
         </p:nvSpPr>
         <p:spPr>
           <a:xfrm>
-            <a:off x="853229" y="3890674"/>
+            <a:off x="853229" y="3781494"/>
             <a:ext cx="2055587" cy="276999"/>
           </a:xfrm>
           <a:prstGeom prst="rect">
@@ -6931,7 +6880,7 @@
         </p:nvSpPr>
         <p:spPr>
           <a:xfrm>
-            <a:off x="860169" y="3596683"/>
+            <a:off x="841342" y="4972889"/>
             <a:ext cx="2048647" cy="276999"/>
           </a:xfrm>
           <a:prstGeom prst="rect">
@@ -6972,7 +6921,7 @@
         </p:nvSpPr>
         <p:spPr>
           <a:xfrm>
-            <a:off x="854736" y="4196257"/>
+            <a:off x="853867" y="4087077"/>
             <a:ext cx="2069433" cy="276999"/>
           </a:xfrm>
           <a:prstGeom prst="rect">
@@ -7013,7 +6962,7 @@
         </p:nvSpPr>
         <p:spPr>
           <a:xfrm>
-            <a:off x="858546" y="4485817"/>
+            <a:off x="853867" y="4376637"/>
             <a:ext cx="2069433" cy="276999"/>
           </a:xfrm>
           <a:prstGeom prst="rect">
@@ -7044,10 +6993,335 @@
           </a:p>
         </p:txBody>
       </p:sp>
+      <p:sp>
+        <p:nvSpPr>
+          <p:cNvPr id="87" name="TextBox 86">
+            <a:extLst>
+              <a:ext uri="{FF2B5EF4-FFF2-40B4-BE49-F238E27FC236}">
+                <a16:creationId xmlns:a16="http://schemas.microsoft.com/office/drawing/2014/main" id="{F18BFF8B-EEB3-1E47-86F2-C4EBB346A320}"/>
+              </a:ext>
+            </a:extLst>
+          </p:cNvPr>
+          <p:cNvSpPr txBox="1"/>
+          <p:nvPr/>
+        </p:nvSpPr>
+        <p:spPr>
+          <a:xfrm>
+            <a:off x="3174775" y="4704118"/>
+            <a:ext cx="1011446" cy="461665"/>
+          </a:xfrm>
+          <a:prstGeom prst="rect">
+            <a:avLst/>
+          </a:prstGeom>
+          <a:noFill/>
+        </p:spPr>
+        <p:txBody>
+          <a:bodyPr wrap="square" rtlCol="0">
+            <a:spAutoFit/>
+          </a:bodyPr>
+          <a:lstStyle/>
+          <a:p>
+            <a:r>
+              <a:rPr lang="en-US" sz="1200" dirty="0"/>
+              <a:t>[ITI-90] Find … Services</a:t>
+            </a:r>
+          </a:p>
+        </p:txBody>
+      </p:sp>
+      <p:sp>
+        <p:nvSpPr>
+          <p:cNvPr id="88" name="TextBox 87">
+            <a:extLst>
+              <a:ext uri="{FF2B5EF4-FFF2-40B4-BE49-F238E27FC236}">
+                <a16:creationId xmlns:a16="http://schemas.microsoft.com/office/drawing/2014/main" id="{6BDA5988-2563-4B47-BD57-AC6C50E2481B}"/>
+              </a:ext>
+            </a:extLst>
+          </p:cNvPr>
+          <p:cNvSpPr txBox="1"/>
+          <p:nvPr/>
+        </p:nvSpPr>
+        <p:spPr>
+          <a:xfrm>
+            <a:off x="3240626" y="6219085"/>
+            <a:ext cx="1167131" cy="461665"/>
+          </a:xfrm>
+          <a:prstGeom prst="rect">
+            <a:avLst/>
+          </a:prstGeom>
+          <a:noFill/>
+        </p:spPr>
+        <p:txBody>
+          <a:bodyPr wrap="square" rtlCol="0">
+            <a:spAutoFit/>
+          </a:bodyPr>
+          <a:lstStyle/>
+          <a:p>
+            <a:r>
+              <a:rPr lang="en-US" sz="1200" dirty="0"/>
+              <a:t>[ITI-20] Record Audit Event</a:t>
+            </a:r>
+          </a:p>
+        </p:txBody>
+      </p:sp>
+      <p:sp>
+        <p:nvSpPr>
+          <p:cNvPr id="101" name="TextBox 100">
+            <a:extLst>
+              <a:ext uri="{FF2B5EF4-FFF2-40B4-BE49-F238E27FC236}">
+                <a16:creationId xmlns:a16="http://schemas.microsoft.com/office/drawing/2014/main" id="{BFE7114A-125F-8346-AE00-434B4E9A0D1F}"/>
+              </a:ext>
+            </a:extLst>
+          </p:cNvPr>
+          <p:cNvSpPr txBox="1"/>
+          <p:nvPr/>
+        </p:nvSpPr>
+        <p:spPr>
+          <a:xfrm>
+            <a:off x="7347854" y="5892463"/>
+            <a:ext cx="2066523" cy="276999"/>
+          </a:xfrm>
+          <a:prstGeom prst="rect">
+            <a:avLst/>
+          </a:prstGeom>
+          <a:noFill/>
+        </p:spPr>
+        <p:txBody>
+          <a:bodyPr wrap="square" rtlCol="0">
+            <a:spAutoFit/>
+          </a:bodyPr>
+          <a:lstStyle/>
+          <a:p>
+            <a:r>
+              <a:rPr lang="en-US" sz="1200" dirty="0"/>
+              <a:t>[ITI-1] </a:t>
+            </a:r>
+          </a:p>
+        </p:txBody>
+      </p:sp>
+      <p:cxnSp>
+        <p:nvCxnSpPr>
+          <p:cNvPr id="109" name="Straight Arrow Connector 108">
+            <a:extLst>
+              <a:ext uri="{FF2B5EF4-FFF2-40B4-BE49-F238E27FC236}">
+                <a16:creationId xmlns:a16="http://schemas.microsoft.com/office/drawing/2014/main" id="{108A9E90-74A1-E94B-8649-7ACDEED82B3A}"/>
+              </a:ext>
+            </a:extLst>
+          </p:cNvPr>
+          <p:cNvCxnSpPr>
+            <a:cxnSpLocks/>
+          </p:cNvCxnSpPr>
+          <p:nvPr/>
+        </p:nvCxnSpPr>
+        <p:spPr>
+          <a:xfrm>
+            <a:off x="2948733" y="4286711"/>
+            <a:ext cx="2085609" cy="977011"/>
+          </a:xfrm>
+          <a:prstGeom prst="straightConnector1">
+            <a:avLst/>
+          </a:prstGeom>
+          <a:ln w="12700">
+            <a:solidFill>
+              <a:schemeClr val="tx1"/>
+            </a:solidFill>
+            <a:tailEnd type="triangle" w="lg" len="med"/>
+          </a:ln>
+        </p:spPr>
+        <p:style>
+          <a:lnRef idx="1">
+            <a:schemeClr val="accent1"/>
+          </a:lnRef>
+          <a:fillRef idx="0">
+            <a:schemeClr val="accent1"/>
+          </a:fillRef>
+          <a:effectRef idx="0">
+            <a:schemeClr val="accent1"/>
+          </a:effectRef>
+          <a:fontRef idx="minor">
+            <a:schemeClr val="tx1"/>
+          </a:fontRef>
+        </p:style>
+      </p:cxnSp>
+      <p:sp>
+        <p:nvSpPr>
+          <p:cNvPr id="115" name="TextBox 114">
+            <a:extLst>
+              <a:ext uri="{FF2B5EF4-FFF2-40B4-BE49-F238E27FC236}">
+                <a16:creationId xmlns:a16="http://schemas.microsoft.com/office/drawing/2014/main" id="{D434F3BE-F9E4-E647-AA72-8A5FCBD57423}"/>
+              </a:ext>
+            </a:extLst>
+          </p:cNvPr>
+          <p:cNvSpPr txBox="1"/>
+          <p:nvPr/>
+        </p:nvSpPr>
+        <p:spPr>
+          <a:xfrm>
+            <a:off x="3123221" y="4428229"/>
+            <a:ext cx="2351608" cy="276999"/>
+          </a:xfrm>
+          <a:prstGeom prst="rect">
+            <a:avLst/>
+          </a:prstGeom>
+          <a:noFill/>
+        </p:spPr>
+        <p:txBody>
+          <a:bodyPr wrap="square" rtlCol="0">
+            <a:spAutoFit/>
+          </a:bodyPr>
+          <a:lstStyle/>
+          <a:p>
+            <a:r>
+              <a:rPr lang="en-US" sz="1200" dirty="0"/>
+              <a:t>[ITI-xx] SVCM </a:t>
+            </a:r>
+            <a:r>
+              <a:rPr lang="en-US" sz="1200" dirty="0" err="1"/>
+              <a:t>Qry</a:t>
+            </a:r>
+            <a:endParaRPr lang="en-US" sz="1200" dirty="0"/>
+          </a:p>
+        </p:txBody>
+      </p:sp>
+      <p:cxnSp>
+        <p:nvCxnSpPr>
+          <p:cNvPr id="128" name="Straight Arrow Connector 127">
+            <a:extLst>
+              <a:ext uri="{FF2B5EF4-FFF2-40B4-BE49-F238E27FC236}">
+                <a16:creationId xmlns:a16="http://schemas.microsoft.com/office/drawing/2014/main" id="{B9F69C1C-9C3C-BF45-90CE-79533713B380}"/>
+              </a:ext>
+            </a:extLst>
+          </p:cNvPr>
+          <p:cNvCxnSpPr>
+            <a:cxnSpLocks/>
+          </p:cNvCxnSpPr>
+          <p:nvPr/>
+        </p:nvCxnSpPr>
+        <p:spPr>
+          <a:xfrm>
+            <a:off x="2894688" y="5152040"/>
+            <a:ext cx="393129" cy="362896"/>
+          </a:xfrm>
+          <a:prstGeom prst="straightConnector1">
+            <a:avLst/>
+          </a:prstGeom>
+          <a:ln w="12700">
+            <a:solidFill>
+              <a:schemeClr val="tx1"/>
+            </a:solidFill>
+            <a:tailEnd type="triangle" w="lg" len="med"/>
+          </a:ln>
+        </p:spPr>
+        <p:style>
+          <a:lnRef idx="1">
+            <a:schemeClr val="accent1"/>
+          </a:lnRef>
+          <a:fillRef idx="0">
+            <a:schemeClr val="accent1"/>
+          </a:fillRef>
+          <a:effectRef idx="0">
+            <a:schemeClr val="accent1"/>
+          </a:effectRef>
+          <a:fontRef idx="minor">
+            <a:schemeClr val="tx1"/>
+          </a:fontRef>
+        </p:style>
+      </p:cxnSp>
+      <p:cxnSp>
+        <p:nvCxnSpPr>
+          <p:cNvPr id="138" name="Straight Arrow Connector 137">
+            <a:extLst>
+              <a:ext uri="{FF2B5EF4-FFF2-40B4-BE49-F238E27FC236}">
+                <a16:creationId xmlns:a16="http://schemas.microsoft.com/office/drawing/2014/main" id="{248B6CEC-51A8-E34C-8C07-B9E40A56D947}"/>
+              </a:ext>
+            </a:extLst>
+          </p:cNvPr>
+          <p:cNvCxnSpPr>
+            <a:cxnSpLocks/>
+          </p:cNvCxnSpPr>
+          <p:nvPr/>
+        </p:nvCxnSpPr>
+        <p:spPr>
+          <a:xfrm flipH="1">
+            <a:off x="8620280" y="5368923"/>
+            <a:ext cx="293394" cy="297588"/>
+          </a:xfrm>
+          <a:prstGeom prst="straightConnector1">
+            <a:avLst/>
+          </a:prstGeom>
+          <a:ln w="12700">
+            <a:solidFill>
+              <a:schemeClr val="tx1"/>
+            </a:solidFill>
+            <a:tailEnd type="triangle" w="lg" len="med"/>
+          </a:ln>
+        </p:spPr>
+        <p:style>
+          <a:lnRef idx="1">
+            <a:schemeClr val="accent1"/>
+          </a:lnRef>
+          <a:fillRef idx="0">
+            <a:schemeClr val="accent1"/>
+          </a:fillRef>
+          <a:effectRef idx="0">
+            <a:schemeClr val="accent1"/>
+          </a:effectRef>
+          <a:fontRef idx="minor">
+            <a:schemeClr val="tx1"/>
+          </a:fontRef>
+        </p:style>
+      </p:cxnSp>
+      <p:sp>
+        <p:nvSpPr>
+          <p:cNvPr id="139" name="TextBox 138">
+            <a:extLst>
+              <a:ext uri="{FF2B5EF4-FFF2-40B4-BE49-F238E27FC236}">
+                <a16:creationId xmlns:a16="http://schemas.microsoft.com/office/drawing/2014/main" id="{F3C2D349-356B-F24E-8EFE-BBE4F7B46638}"/>
+              </a:ext>
+            </a:extLst>
+          </p:cNvPr>
+          <p:cNvSpPr txBox="1"/>
+          <p:nvPr/>
+        </p:nvSpPr>
+        <p:spPr>
+          <a:xfrm>
+            <a:off x="7984172" y="5475341"/>
+            <a:ext cx="1154624" cy="646331"/>
+          </a:xfrm>
+          <a:prstGeom prst="rect">
+            <a:avLst/>
+          </a:prstGeom>
+          <a:noFill/>
+        </p:spPr>
+        <p:txBody>
+          <a:bodyPr wrap="square" rtlCol="0">
+            <a:spAutoFit/>
+          </a:bodyPr>
+          <a:lstStyle/>
+          <a:p>
+            <a:r>
+              <a:rPr lang="en-US" sz="1200" dirty="0"/>
+              <a:t>… ITI-19] </a:t>
+            </a:r>
+            <a:br>
+              <a:rPr lang="en-US" sz="1200" dirty="0"/>
+            </a:br>
+            <a:r>
+              <a:rPr lang="en-US" sz="1200" dirty="0"/>
+              <a:t>Authenticate </a:t>
+            </a:r>
+          </a:p>
+          <a:p>
+            <a:r>
+              <a:rPr lang="en-US" sz="1200" dirty="0"/>
+              <a:t>Node</a:t>
+            </a:r>
+          </a:p>
+        </p:txBody>
+      </p:sp>
     </p:spTree>
     <p:extLst>
       <p:ext uri="{BB962C8B-B14F-4D97-AF65-F5344CB8AC3E}">
-        <p14:creationId xmlns:p14="http://schemas.microsoft.com/office/powerpoint/2010/main" val="2163579843"/>
+        <p14:creationId xmlns:p14="http://schemas.microsoft.com/office/powerpoint/2010/main" val="1090947788"/>
       </p:ext>
     </p:extLst>
   </p:cSld>

--- a/MHDS/MHDS-alt-actorDiagram-and-processFlows.pptx
+++ b/MHDS/MHDS-alt-actorDiagram-and-processFlows.pptx
@@ -5,7 +5,7 @@
     <p:sldMasterId id="2147483648" r:id="rId1"/>
   </p:sldMasterIdLst>
   <p:notesMasterIdLst>
-    <p:notesMasterId r:id="rId10"/>
+    <p:notesMasterId r:id="rId11"/>
   </p:notesMasterIdLst>
   <p:sldIdLst>
     <p:sldId id="265" r:id="rId2"/>
@@ -16,6 +16,7 @@
     <p:sldId id="263" r:id="rId7"/>
     <p:sldId id="259" r:id="rId8"/>
     <p:sldId id="262" r:id="rId9"/>
+    <p:sldId id="336" r:id="rId10"/>
   </p:sldIdLst>
   <p:sldSz cx="12192000" cy="6858000"/>
   <p:notesSz cx="6858000" cy="9144000"/>
@@ -204,7 +205,7 @@
           <a:p>
             <a:fld id="{B6E70393-9288-DD48-A766-CD327F7EE613}" type="datetimeFigureOut">
               <a:rPr lang="en-US" smtClean="0"/>
-              <a:t>2/21/2020</a:t>
+              <a:t>5/4/2020</a:t>
             </a:fld>
             <a:endParaRPr lang="en-US"/>
           </a:p>
@@ -702,7 +703,7 @@
           <a:p>
             <a:fld id="{4E390601-3E07-CF42-B623-D8BE419A4B6C}" type="datetimeFigureOut">
               <a:rPr lang="en-US" smtClean="0"/>
-              <a:t>2/21/2020</a:t>
+              <a:t>5/4/2020</a:t>
             </a:fld>
             <a:endParaRPr lang="en-US"/>
           </a:p>
@@ -900,7 +901,7 @@
           <a:p>
             <a:fld id="{4E390601-3E07-CF42-B623-D8BE419A4B6C}" type="datetimeFigureOut">
               <a:rPr lang="en-US" smtClean="0"/>
-              <a:t>2/21/2020</a:t>
+              <a:t>5/4/2020</a:t>
             </a:fld>
             <a:endParaRPr lang="en-US"/>
           </a:p>
@@ -1108,7 +1109,7 @@
           <a:p>
             <a:fld id="{4E390601-3E07-CF42-B623-D8BE419A4B6C}" type="datetimeFigureOut">
               <a:rPr lang="en-US" smtClean="0"/>
-              <a:t>2/21/2020</a:t>
+              <a:t>5/4/2020</a:t>
             </a:fld>
             <a:endParaRPr lang="en-US"/>
           </a:p>
@@ -1306,7 +1307,7 @@
           <a:p>
             <a:fld id="{4E390601-3E07-CF42-B623-D8BE419A4B6C}" type="datetimeFigureOut">
               <a:rPr lang="en-US" smtClean="0"/>
-              <a:t>2/21/2020</a:t>
+              <a:t>5/4/2020</a:t>
             </a:fld>
             <a:endParaRPr lang="en-US"/>
           </a:p>
@@ -1581,7 +1582,7 @@
           <a:p>
             <a:fld id="{4E390601-3E07-CF42-B623-D8BE419A4B6C}" type="datetimeFigureOut">
               <a:rPr lang="en-US" smtClean="0"/>
-              <a:t>2/21/2020</a:t>
+              <a:t>5/4/2020</a:t>
             </a:fld>
             <a:endParaRPr lang="en-US"/>
           </a:p>
@@ -1846,7 +1847,7 @@
           <a:p>
             <a:fld id="{4E390601-3E07-CF42-B623-D8BE419A4B6C}" type="datetimeFigureOut">
               <a:rPr lang="en-US" smtClean="0"/>
-              <a:t>2/21/2020</a:t>
+              <a:t>5/4/2020</a:t>
             </a:fld>
             <a:endParaRPr lang="en-US"/>
           </a:p>
@@ -2258,7 +2259,7 @@
           <a:p>
             <a:fld id="{4E390601-3E07-CF42-B623-D8BE419A4B6C}" type="datetimeFigureOut">
               <a:rPr lang="en-US" smtClean="0"/>
-              <a:t>2/21/2020</a:t>
+              <a:t>5/4/2020</a:t>
             </a:fld>
             <a:endParaRPr lang="en-US"/>
           </a:p>
@@ -2399,7 +2400,7 @@
           <a:p>
             <a:fld id="{4E390601-3E07-CF42-B623-D8BE419A4B6C}" type="datetimeFigureOut">
               <a:rPr lang="en-US" smtClean="0"/>
-              <a:t>2/21/2020</a:t>
+              <a:t>5/4/2020</a:t>
             </a:fld>
             <a:endParaRPr lang="en-US"/>
           </a:p>
@@ -2512,7 +2513,7 @@
           <a:p>
             <a:fld id="{4E390601-3E07-CF42-B623-D8BE419A4B6C}" type="datetimeFigureOut">
               <a:rPr lang="en-US" smtClean="0"/>
-              <a:t>2/21/2020</a:t>
+              <a:t>5/4/2020</a:t>
             </a:fld>
             <a:endParaRPr lang="en-US"/>
           </a:p>
@@ -2823,7 +2824,7 @@
           <a:p>
             <a:fld id="{4E390601-3E07-CF42-B623-D8BE419A4B6C}" type="datetimeFigureOut">
               <a:rPr lang="en-US" smtClean="0"/>
-              <a:t>2/21/2020</a:t>
+              <a:t>5/4/2020</a:t>
             </a:fld>
             <a:endParaRPr lang="en-US"/>
           </a:p>
@@ -3111,7 +3112,7 @@
           <a:p>
             <a:fld id="{4E390601-3E07-CF42-B623-D8BE419A4B6C}" type="datetimeFigureOut">
               <a:rPr lang="en-US" smtClean="0"/>
-              <a:t>2/21/2020</a:t>
+              <a:t>5/4/2020</a:t>
             </a:fld>
             <a:endParaRPr lang="en-US"/>
           </a:p>
@@ -3352,7 +3353,7 @@
           <a:p>
             <a:fld id="{4E390601-3E07-CF42-B623-D8BE419A4B6C}" type="datetimeFigureOut">
               <a:rPr lang="en-US" smtClean="0"/>
-              <a:t>2/21/2020</a:t>
+              <a:t>5/4/2020</a:t>
             </a:fld>
             <a:endParaRPr lang="en-US"/>
           </a:p>
@@ -19939,6 +19940,9 @@
             <a:chOff x="493249" y="1193092"/>
             <a:chExt cx="2752223" cy="3109160"/>
           </a:xfrm>
+          <a:solidFill>
+            <a:srgbClr val="E2F0D9"/>
+          </a:solidFill>
         </p:grpSpPr>
         <p:grpSp>
           <p:nvGrpSpPr>
@@ -19959,6 +19963,7 @@
               <a:chOff x="480128" y="540384"/>
               <a:chExt cx="2752223" cy="2315256"/>
             </a:xfrm>
+            <a:grpFill/>
           </p:grpSpPr>
           <p:sp>
             <p:nvSpPr>
@@ -19980,12 +19985,7 @@
               <a:prstGeom prst="roundRect">
                 <a:avLst/>
               </a:prstGeom>
-              <a:solidFill>
-                <a:schemeClr val="accent6">
-                  <a:lumMod val="20000"/>
-                  <a:lumOff val="80000"/>
-                </a:schemeClr>
-              </a:solidFill>
+              <a:grpFill/>
               <a:ln>
                 <a:solidFill>
                   <a:schemeClr val="tx1">
@@ -20040,7 +20040,7 @@
               <a:prstGeom prst="rect">
                 <a:avLst/>
               </a:prstGeom>
-              <a:noFill/>
+              <a:grpFill/>
             </p:spPr>
             <p:txBody>
               <a:bodyPr wrap="square" rtlCol="0">
@@ -20077,7 +20077,7 @@
             <a:prstGeom prst="rect">
               <a:avLst/>
             </a:prstGeom>
-            <a:noFill/>
+            <a:grpFill/>
             <a:ln w="12700">
               <a:solidFill>
                 <a:schemeClr val="tx1"/>
@@ -20118,7 +20118,7 @@
             <a:prstGeom prst="rect">
               <a:avLst/>
             </a:prstGeom>
-            <a:noFill/>
+            <a:grpFill/>
             <a:ln w="12700">
               <a:solidFill>
                 <a:schemeClr val="tx1"/>
@@ -20165,7 +20165,7 @@
             <a:prstGeom prst="rect">
               <a:avLst/>
             </a:prstGeom>
-            <a:noFill/>
+            <a:grpFill/>
             <a:ln w="12700">
               <a:solidFill>
                 <a:schemeClr val="tx1"/>
@@ -20212,7 +20212,7 @@
             <a:prstGeom prst="rect">
               <a:avLst/>
             </a:prstGeom>
-            <a:noFill/>
+            <a:grpFill/>
             <a:ln w="12700">
               <a:solidFill>
                 <a:schemeClr val="tx1"/>
@@ -20289,7 +20289,7 @@
             <a:prstGeom prst="rect">
               <a:avLst/>
             </a:prstGeom>
-            <a:noFill/>
+            <a:grpFill/>
             <a:ln w="12700">
               <a:solidFill>
                 <a:schemeClr val="tx1"/>
@@ -20336,7 +20336,7 @@
             <a:prstGeom prst="rect">
               <a:avLst/>
             </a:prstGeom>
-            <a:noFill/>
+            <a:grpFill/>
             <a:ln w="12700">
               <a:solidFill>
                 <a:schemeClr val="tx1"/>
@@ -20383,7 +20383,7 @@
             <a:prstGeom prst="rect">
               <a:avLst/>
             </a:prstGeom>
-            <a:noFill/>
+            <a:grpFill/>
             <a:ln w="12700">
               <a:solidFill>
                 <a:schemeClr val="tx1"/>
@@ -21125,11 +21125,14 @@
         </p:nvGrpSpPr>
         <p:grpSpPr>
           <a:xfrm>
-            <a:off x="5154145" y="596198"/>
-            <a:ext cx="2610652" cy="3945984"/>
+            <a:off x="5015345" y="415636"/>
+            <a:ext cx="2749452" cy="4126546"/>
             <a:chOff x="4741191" y="1144838"/>
             <a:chExt cx="2610652" cy="3945984"/>
           </a:xfrm>
+          <a:solidFill>
+            <a:srgbClr val="FFF2CC"/>
+          </a:solidFill>
         </p:grpSpPr>
         <p:sp>
           <p:nvSpPr>
@@ -21151,12 +21154,7 @@
             <a:prstGeom prst="roundRect">
               <a:avLst/>
             </a:prstGeom>
-            <a:solidFill>
-              <a:schemeClr val="accent4">
-                <a:lumMod val="20000"/>
-                <a:lumOff val="80000"/>
-              </a:schemeClr>
-            </a:solidFill>
+            <a:grpFill/>
             <a:ln>
               <a:solidFill>
                 <a:schemeClr val="tx1">
@@ -21211,7 +21209,7 @@
             <a:prstGeom prst="rect">
               <a:avLst/>
             </a:prstGeom>
-            <a:noFill/>
+            <a:grpFill/>
             <a:ln w="12700">
               <a:solidFill>
                 <a:schemeClr val="tx1"/>
@@ -21252,7 +21250,7 @@
             <a:prstGeom prst="rect">
               <a:avLst/>
             </a:prstGeom>
-            <a:noFill/>
+            <a:grpFill/>
             <a:ln w="12700">
               <a:solidFill>
                 <a:schemeClr val="tx1"/>
@@ -21299,7 +21297,7 @@
             <a:prstGeom prst="rect">
               <a:avLst/>
             </a:prstGeom>
-            <a:noFill/>
+            <a:grpFill/>
             <a:ln w="12700">
               <a:solidFill>
                 <a:schemeClr val="tx1"/>
@@ -21356,7 +21354,7 @@
             <a:prstGeom prst="rect">
               <a:avLst/>
             </a:prstGeom>
-            <a:noFill/>
+            <a:grpFill/>
             <a:ln w="12700">
               <a:solidFill>
                 <a:schemeClr val="tx1"/>
@@ -21397,7 +21395,7 @@
             <a:prstGeom prst="rect">
               <a:avLst/>
             </a:prstGeom>
-            <a:noFill/>
+            <a:grpFill/>
             <a:ln w="12700">
               <a:solidFill>
                 <a:schemeClr val="tx1"/>
@@ -21444,7 +21442,7 @@
             <a:prstGeom prst="rect">
               <a:avLst/>
             </a:prstGeom>
-            <a:noFill/>
+            <a:grpFill/>
             <a:ln w="12700">
               <a:solidFill>
                 <a:schemeClr val="tx1"/>
@@ -21485,7 +21483,7 @@
             <a:prstGeom prst="rect">
               <a:avLst/>
             </a:prstGeom>
-            <a:noFill/>
+            <a:grpFill/>
           </p:spPr>
           <p:txBody>
             <a:bodyPr wrap="none" rtlCol="0">
@@ -22101,6 +22099,352 @@
     <p:extLst>
       <p:ext uri="{BB962C8B-B14F-4D97-AF65-F5344CB8AC3E}">
         <p14:creationId xmlns:p14="http://schemas.microsoft.com/office/powerpoint/2010/main" val="749340636"/>
+      </p:ext>
+    </p:extLst>
+  </p:cSld>
+  <p:clrMapOvr>
+    <a:masterClrMapping/>
+  </p:clrMapOvr>
+</p:sld>
+</file>
+
+<file path=ppt/slides/slide9.xml><?xml version="1.0" encoding="utf-8"?>
+<p:sld xmlns:a="http://schemas.openxmlformats.org/drawingml/2006/main" xmlns:r="http://schemas.openxmlformats.org/officeDocument/2006/relationships" xmlns:p="http://schemas.openxmlformats.org/presentationml/2006/main">
+  <p:cSld>
+    <p:spTree>
+      <p:nvGrpSpPr>
+        <p:cNvPr id="1" name=""/>
+        <p:cNvGrpSpPr/>
+        <p:nvPr/>
+      </p:nvGrpSpPr>
+      <p:grpSpPr>
+        <a:xfrm>
+          <a:off x="0" y="0"/>
+          <a:ext cx="0" cy="0"/>
+          <a:chOff x="0" y="0"/>
+          <a:chExt cx="0" cy="0"/>
+        </a:xfrm>
+      </p:grpSpPr>
+      <p:sp>
+        <p:nvSpPr>
+          <p:cNvPr id="2" name="Rectangle: Rounded Corners 1">
+            <a:extLst>
+              <a:ext uri="{FF2B5EF4-FFF2-40B4-BE49-F238E27FC236}">
+                <a16:creationId xmlns:a16="http://schemas.microsoft.com/office/drawing/2014/main" id="{20288A24-6DAD-4C09-B6A5-8549E428B7A3}"/>
+              </a:ext>
+            </a:extLst>
+          </p:cNvPr>
+          <p:cNvSpPr/>
+          <p:nvPr/>
+        </p:nvSpPr>
+        <p:spPr>
+          <a:xfrm>
+            <a:off x="4636710" y="1165070"/>
+            <a:ext cx="2873056" cy="2046279"/>
+          </a:xfrm>
+          <a:prstGeom prst="roundRect">
+            <a:avLst/>
+          </a:prstGeom>
+          <a:solidFill>
+            <a:srgbClr val="FFF2CC"/>
+          </a:solidFill>
+        </p:spPr>
+        <p:style>
+          <a:lnRef idx="2">
+            <a:schemeClr val="accent1">
+              <a:shade val="50000"/>
+            </a:schemeClr>
+          </a:lnRef>
+          <a:fillRef idx="1">
+            <a:schemeClr val="accent1"/>
+          </a:fillRef>
+          <a:effectRef idx="0">
+            <a:schemeClr val="accent1"/>
+          </a:effectRef>
+          <a:fontRef idx="minor">
+            <a:schemeClr val="lt1"/>
+          </a:fontRef>
+        </p:style>
+        <p:txBody>
+          <a:bodyPr rtlCol="0" anchor="ctr"/>
+          <a:lstStyle/>
+          <a:p>
+            <a:pPr algn="ctr"/>
+            <a:r>
+              <a:rPr lang="en-US" sz="3200" dirty="0">
+                <a:solidFill>
+                  <a:schemeClr val="tx1"/>
+                </a:solidFill>
+              </a:rPr>
+              <a:t>HIE Central Infrastructure</a:t>
+            </a:r>
+          </a:p>
+        </p:txBody>
+      </p:sp>
+      <p:sp>
+        <p:nvSpPr>
+          <p:cNvPr id="3" name="Rectangle: Rounded Corners 2">
+            <a:extLst>
+              <a:ext uri="{FF2B5EF4-FFF2-40B4-BE49-F238E27FC236}">
+                <a16:creationId xmlns:a16="http://schemas.microsoft.com/office/drawing/2014/main" id="{CBA4CBFE-CA14-46CD-9CC8-B05F5F8D4822}"/>
+              </a:ext>
+            </a:extLst>
+          </p:cNvPr>
+          <p:cNvSpPr/>
+          <p:nvPr/>
+        </p:nvSpPr>
+        <p:spPr>
+          <a:xfrm>
+            <a:off x="4636710" y="3897320"/>
+            <a:ext cx="2873056" cy="2046279"/>
+          </a:xfrm>
+          <a:prstGeom prst="roundRect">
+            <a:avLst/>
+          </a:prstGeom>
+          <a:solidFill>
+            <a:schemeClr val="bg1"/>
+          </a:solidFill>
+        </p:spPr>
+        <p:style>
+          <a:lnRef idx="2">
+            <a:schemeClr val="accent1">
+              <a:shade val="50000"/>
+            </a:schemeClr>
+          </a:lnRef>
+          <a:fillRef idx="1">
+            <a:schemeClr val="accent1"/>
+          </a:fillRef>
+          <a:effectRef idx="0">
+            <a:schemeClr val="accent1"/>
+          </a:effectRef>
+          <a:fontRef idx="minor">
+            <a:schemeClr val="lt1"/>
+          </a:fontRef>
+        </p:style>
+        <p:txBody>
+          <a:bodyPr rtlCol="0" anchor="ctr"/>
+          <a:lstStyle/>
+          <a:p>
+            <a:pPr algn="ctr"/>
+            <a:r>
+              <a:rPr lang="en-US" sz="3200" dirty="0">
+                <a:solidFill>
+                  <a:schemeClr val="tx1"/>
+                </a:solidFill>
+              </a:rPr>
+              <a:t>MHDS Document Registry</a:t>
+            </a:r>
+          </a:p>
+        </p:txBody>
+      </p:sp>
+      <p:sp>
+        <p:nvSpPr>
+          <p:cNvPr id="4" name="Rectangle: Rounded Corners 3">
+            <a:extLst>
+              <a:ext uri="{FF2B5EF4-FFF2-40B4-BE49-F238E27FC236}">
+                <a16:creationId xmlns:a16="http://schemas.microsoft.com/office/drawing/2014/main" id="{30DB2080-D0EF-4336-8E2A-9238C886FEB3}"/>
+              </a:ext>
+            </a:extLst>
+          </p:cNvPr>
+          <p:cNvSpPr/>
+          <p:nvPr/>
+        </p:nvSpPr>
+        <p:spPr>
+          <a:xfrm>
+            <a:off x="731783" y="2562919"/>
+            <a:ext cx="2873056" cy="2046279"/>
+          </a:xfrm>
+          <a:prstGeom prst="roundRect">
+            <a:avLst/>
+          </a:prstGeom>
+          <a:solidFill>
+            <a:srgbClr val="E2F0D9"/>
+          </a:solidFill>
+        </p:spPr>
+        <p:style>
+          <a:lnRef idx="2">
+            <a:schemeClr val="accent1">
+              <a:shade val="50000"/>
+            </a:schemeClr>
+          </a:lnRef>
+          <a:fillRef idx="1">
+            <a:schemeClr val="accent1"/>
+          </a:fillRef>
+          <a:effectRef idx="0">
+            <a:schemeClr val="accent1"/>
+          </a:effectRef>
+          <a:fontRef idx="minor">
+            <a:schemeClr val="lt1"/>
+          </a:fontRef>
+        </p:style>
+        <p:txBody>
+          <a:bodyPr rtlCol="0" anchor="ctr"/>
+          <a:lstStyle/>
+          <a:p>
+            <a:pPr algn="ctr"/>
+            <a:r>
+              <a:rPr lang="en-US" sz="3200" dirty="0">
+                <a:solidFill>
+                  <a:schemeClr val="tx1"/>
+                </a:solidFill>
+              </a:rPr>
+              <a:t>System that publishes documents</a:t>
+            </a:r>
+          </a:p>
+        </p:txBody>
+      </p:sp>
+      <p:sp>
+        <p:nvSpPr>
+          <p:cNvPr id="5" name="Rectangle: Rounded Corners 4">
+            <a:extLst>
+              <a:ext uri="{FF2B5EF4-FFF2-40B4-BE49-F238E27FC236}">
+                <a16:creationId xmlns:a16="http://schemas.microsoft.com/office/drawing/2014/main" id="{B19DCF15-C5EF-4610-9686-EB3BCD387D78}"/>
+              </a:ext>
+            </a:extLst>
+          </p:cNvPr>
+          <p:cNvSpPr/>
+          <p:nvPr/>
+        </p:nvSpPr>
+        <p:spPr>
+          <a:xfrm>
+            <a:off x="8587161" y="2562917"/>
+            <a:ext cx="2873056" cy="2046279"/>
+          </a:xfrm>
+          <a:prstGeom prst="roundRect">
+            <a:avLst/>
+          </a:prstGeom>
+          <a:solidFill>
+            <a:srgbClr val="E2F0D9"/>
+          </a:solidFill>
+        </p:spPr>
+        <p:style>
+          <a:lnRef idx="2">
+            <a:schemeClr val="accent1">
+              <a:shade val="50000"/>
+            </a:schemeClr>
+          </a:lnRef>
+          <a:fillRef idx="1">
+            <a:schemeClr val="accent1"/>
+          </a:fillRef>
+          <a:effectRef idx="0">
+            <a:schemeClr val="accent1"/>
+          </a:effectRef>
+          <a:fontRef idx="minor">
+            <a:schemeClr val="lt1"/>
+          </a:fontRef>
+        </p:style>
+        <p:txBody>
+          <a:bodyPr rtlCol="0" anchor="ctr"/>
+          <a:lstStyle/>
+          <a:p>
+            <a:pPr algn="ctr"/>
+            <a:r>
+              <a:rPr lang="en-US" sz="3200" dirty="0">
+                <a:solidFill>
+                  <a:schemeClr val="tx1"/>
+                </a:solidFill>
+              </a:rPr>
+              <a:t>System that consumes documents</a:t>
+            </a:r>
+          </a:p>
+        </p:txBody>
+      </p:sp>
+      <p:sp>
+        <p:nvSpPr>
+          <p:cNvPr id="6" name="Arrow: Right 5">
+            <a:extLst>
+              <a:ext uri="{FF2B5EF4-FFF2-40B4-BE49-F238E27FC236}">
+                <a16:creationId xmlns:a16="http://schemas.microsoft.com/office/drawing/2014/main" id="{823BCADE-13DE-4E83-A04F-102F33413610}"/>
+              </a:ext>
+            </a:extLst>
+          </p:cNvPr>
+          <p:cNvSpPr/>
+          <p:nvPr/>
+        </p:nvSpPr>
+        <p:spPr>
+          <a:xfrm>
+            <a:off x="3604839" y="2188209"/>
+            <a:ext cx="778673" cy="2809529"/>
+          </a:xfrm>
+          <a:prstGeom prst="rightArrow">
+            <a:avLst/>
+          </a:prstGeom>
+        </p:spPr>
+        <p:style>
+          <a:lnRef idx="2">
+            <a:schemeClr val="accent1">
+              <a:shade val="50000"/>
+            </a:schemeClr>
+          </a:lnRef>
+          <a:fillRef idx="1">
+            <a:schemeClr val="accent1"/>
+          </a:fillRef>
+          <a:effectRef idx="0">
+            <a:schemeClr val="accent1"/>
+          </a:effectRef>
+          <a:fontRef idx="minor">
+            <a:schemeClr val="lt1"/>
+          </a:fontRef>
+        </p:style>
+        <p:txBody>
+          <a:bodyPr rtlCol="0" anchor="ctr"/>
+          <a:lstStyle/>
+          <a:p>
+            <a:pPr algn="ctr"/>
+            <a:endParaRPr lang="en-US"/>
+          </a:p>
+        </p:txBody>
+      </p:sp>
+      <p:sp>
+        <p:nvSpPr>
+          <p:cNvPr id="7" name="Arrow: Right 6">
+            <a:extLst>
+              <a:ext uri="{FF2B5EF4-FFF2-40B4-BE49-F238E27FC236}">
+                <a16:creationId xmlns:a16="http://schemas.microsoft.com/office/drawing/2014/main" id="{10536F6E-50A3-4D51-8D10-473E5DB06788}"/>
+              </a:ext>
+            </a:extLst>
+          </p:cNvPr>
+          <p:cNvSpPr/>
+          <p:nvPr/>
+        </p:nvSpPr>
+        <p:spPr>
+          <a:xfrm>
+            <a:off x="7762963" y="2104015"/>
+            <a:ext cx="778673" cy="2809529"/>
+          </a:xfrm>
+          <a:prstGeom prst="rightArrow">
+            <a:avLst/>
+          </a:prstGeom>
+        </p:spPr>
+        <p:style>
+          <a:lnRef idx="2">
+            <a:schemeClr val="accent1">
+              <a:shade val="50000"/>
+            </a:schemeClr>
+          </a:lnRef>
+          <a:fillRef idx="1">
+            <a:schemeClr val="accent1"/>
+          </a:fillRef>
+          <a:effectRef idx="0">
+            <a:schemeClr val="accent1"/>
+          </a:effectRef>
+          <a:fontRef idx="minor">
+            <a:schemeClr val="lt1"/>
+          </a:fontRef>
+        </p:style>
+        <p:txBody>
+          <a:bodyPr rtlCol="0" anchor="ctr"/>
+          <a:lstStyle/>
+          <a:p>
+            <a:pPr algn="ctr"/>
+            <a:endParaRPr lang="en-US"/>
+          </a:p>
+        </p:txBody>
+      </p:sp>
+    </p:spTree>
+    <p:extLst>
+      <p:ext uri="{BB962C8B-B14F-4D97-AF65-F5344CB8AC3E}">
+        <p14:creationId xmlns:p14="http://schemas.microsoft.com/office/powerpoint/2010/main" val="2847421086"/>
       </p:ext>
     </p:extLst>
   </p:cSld>

--- a/MHDS/MHDS-alt-actorDiagram-and-processFlows.pptx
+++ b/MHDS/MHDS-alt-actorDiagram-and-processFlows.pptx
@@ -205,7 +205,7 @@
           <a:p>
             <a:fld id="{B6E70393-9288-DD48-A766-CD327F7EE613}" type="datetimeFigureOut">
               <a:rPr lang="en-US" smtClean="0"/>
-              <a:t>5/4/2020</a:t>
+              <a:t>5/8/2020</a:t>
             </a:fld>
             <a:endParaRPr lang="en-US"/>
           </a:p>
@@ -703,7 +703,7 @@
           <a:p>
             <a:fld id="{4E390601-3E07-CF42-B623-D8BE419A4B6C}" type="datetimeFigureOut">
               <a:rPr lang="en-US" smtClean="0"/>
-              <a:t>5/4/2020</a:t>
+              <a:t>5/8/2020</a:t>
             </a:fld>
             <a:endParaRPr lang="en-US"/>
           </a:p>
@@ -901,7 +901,7 @@
           <a:p>
             <a:fld id="{4E390601-3E07-CF42-B623-D8BE419A4B6C}" type="datetimeFigureOut">
               <a:rPr lang="en-US" smtClean="0"/>
-              <a:t>5/4/2020</a:t>
+              <a:t>5/8/2020</a:t>
             </a:fld>
             <a:endParaRPr lang="en-US"/>
           </a:p>
@@ -1109,7 +1109,7 @@
           <a:p>
             <a:fld id="{4E390601-3E07-CF42-B623-D8BE419A4B6C}" type="datetimeFigureOut">
               <a:rPr lang="en-US" smtClean="0"/>
-              <a:t>5/4/2020</a:t>
+              <a:t>5/8/2020</a:t>
             </a:fld>
             <a:endParaRPr lang="en-US"/>
           </a:p>
@@ -1307,7 +1307,7 @@
           <a:p>
             <a:fld id="{4E390601-3E07-CF42-B623-D8BE419A4B6C}" type="datetimeFigureOut">
               <a:rPr lang="en-US" smtClean="0"/>
-              <a:t>5/4/2020</a:t>
+              <a:t>5/8/2020</a:t>
             </a:fld>
             <a:endParaRPr lang="en-US"/>
           </a:p>
@@ -1582,7 +1582,7 @@
           <a:p>
             <a:fld id="{4E390601-3E07-CF42-B623-D8BE419A4B6C}" type="datetimeFigureOut">
               <a:rPr lang="en-US" smtClean="0"/>
-              <a:t>5/4/2020</a:t>
+              <a:t>5/8/2020</a:t>
             </a:fld>
             <a:endParaRPr lang="en-US"/>
           </a:p>
@@ -1847,7 +1847,7 @@
           <a:p>
             <a:fld id="{4E390601-3E07-CF42-B623-D8BE419A4B6C}" type="datetimeFigureOut">
               <a:rPr lang="en-US" smtClean="0"/>
-              <a:t>5/4/2020</a:t>
+              <a:t>5/8/2020</a:t>
             </a:fld>
             <a:endParaRPr lang="en-US"/>
           </a:p>
@@ -2259,7 +2259,7 @@
           <a:p>
             <a:fld id="{4E390601-3E07-CF42-B623-D8BE419A4B6C}" type="datetimeFigureOut">
               <a:rPr lang="en-US" smtClean="0"/>
-              <a:t>5/4/2020</a:t>
+              <a:t>5/8/2020</a:t>
             </a:fld>
             <a:endParaRPr lang="en-US"/>
           </a:p>
@@ -2400,7 +2400,7 @@
           <a:p>
             <a:fld id="{4E390601-3E07-CF42-B623-D8BE419A4B6C}" type="datetimeFigureOut">
               <a:rPr lang="en-US" smtClean="0"/>
-              <a:t>5/4/2020</a:t>
+              <a:t>5/8/2020</a:t>
             </a:fld>
             <a:endParaRPr lang="en-US"/>
           </a:p>
@@ -2513,7 +2513,7 @@
           <a:p>
             <a:fld id="{4E390601-3E07-CF42-B623-D8BE419A4B6C}" type="datetimeFigureOut">
               <a:rPr lang="en-US" smtClean="0"/>
-              <a:t>5/4/2020</a:t>
+              <a:t>5/8/2020</a:t>
             </a:fld>
             <a:endParaRPr lang="en-US"/>
           </a:p>
@@ -2824,7 +2824,7 @@
           <a:p>
             <a:fld id="{4E390601-3E07-CF42-B623-D8BE419A4B6C}" type="datetimeFigureOut">
               <a:rPr lang="en-US" smtClean="0"/>
-              <a:t>5/4/2020</a:t>
+              <a:t>5/8/2020</a:t>
             </a:fld>
             <a:endParaRPr lang="en-US"/>
           </a:p>
@@ -3112,7 +3112,7 @@
           <a:p>
             <a:fld id="{4E390601-3E07-CF42-B623-D8BE419A4B6C}" type="datetimeFigureOut">
               <a:rPr lang="en-US" smtClean="0"/>
-              <a:t>5/4/2020</a:t>
+              <a:t>5/8/2020</a:t>
             </a:fld>
             <a:endParaRPr lang="en-US"/>
           </a:p>
@@ -3353,7 +3353,7 @@
           <a:p>
             <a:fld id="{4E390601-3E07-CF42-B623-D8BE419A4B6C}" type="datetimeFigureOut">
               <a:rPr lang="en-US" smtClean="0"/>
-              <a:t>5/4/2020</a:t>
+              <a:t>5/8/2020</a:t>
             </a:fld>
             <a:endParaRPr lang="en-US"/>
           </a:p>
@@ -4877,8 +4877,8 @@
         </p:nvSpPr>
         <p:spPr>
           <a:xfrm>
-            <a:off x="7719716" y="3641921"/>
-            <a:ext cx="1128795" cy="646331"/>
+            <a:off x="7719716" y="3919021"/>
+            <a:ext cx="1128795" cy="276999"/>
           </a:xfrm>
           <a:prstGeom prst="rect">
             <a:avLst/>
@@ -4893,7 +4893,7 @@
           <a:p>
             <a:r>
               <a:rPr lang="en-US" sz="1200" dirty="0"/>
-              <a:t>[ITI-93] Mobile Patient Identity Feed</a:t>
+              <a:t>[ITI-93] Feed</a:t>
             </a:r>
           </a:p>
         </p:txBody>
@@ -4947,8 +4947,8 @@
         </p:nvSpPr>
         <p:spPr>
           <a:xfrm>
-            <a:off x="3105708" y="3872129"/>
-            <a:ext cx="1533552" cy="461665"/>
+            <a:off x="3105708" y="4024534"/>
+            <a:ext cx="1533552" cy="276999"/>
           </a:xfrm>
           <a:prstGeom prst="rect">
             <a:avLst/>
@@ -4963,23 +4963,7 @@
           <a:p>
             <a:r>
               <a:rPr lang="en-US" sz="1200" dirty="0"/>
-              <a:t>[ITI-78] or [ITI-83]  </a:t>
-            </a:r>
-            <a:r>
-              <a:rPr lang="en-US" sz="1200" dirty="0" err="1"/>
-              <a:t>PDQm</a:t>
-            </a:r>
-            <a:r>
-              <a:rPr lang="en-US" sz="1200" dirty="0"/>
-              <a:t> or </a:t>
-            </a:r>
-            <a:r>
-              <a:rPr lang="en-US" sz="1200" dirty="0" err="1"/>
-              <a:t>PIXm</a:t>
-            </a:r>
-            <a:r>
-              <a:rPr lang="en-US" sz="1200" dirty="0"/>
-              <a:t> Query</a:t>
+              <a:t>[ITI-78] or [ITI-83] </a:t>
             </a:r>
           </a:p>
         </p:txBody>
@@ -5049,13 +5033,8 @@
           <a:p>
             <a:r>
               <a:rPr lang="en-US" sz="1200" dirty="0"/>
-              <a:t>[ITI-xx] SVCM </a:t>
-            </a:r>
-            <a:r>
-              <a:rPr lang="en-US" sz="1200" dirty="0" err="1"/>
-              <a:t>Qry</a:t>
-            </a:r>
-            <a:endParaRPr lang="en-US" sz="1200" dirty="0"/>
+              <a:t>[ITI-95] – [ITI-101]</a:t>
+            </a:r>
           </a:p>
         </p:txBody>
       </p:sp>
@@ -6324,7 +6303,7 @@
           <a:p>
             <a:r>
               <a:rPr lang="en-US" sz="1200" dirty="0"/>
-              <a:t>[ITI-19]   [ITI-20]</a:t>
+              <a:t>[ITI-19] and [ITI-20]</a:t>
             </a:r>
           </a:p>
         </p:txBody>
@@ -6482,7 +6461,7 @@
           <a:p>
             <a:r>
               <a:rPr lang="en-US" sz="1200" dirty="0"/>
-              <a:t>[ITI-xx] SVCM Query</a:t>
+              <a:t>[ITI-95] – [ITI-101]</a:t>
             </a:r>
           </a:p>
         </p:txBody>
@@ -7173,13 +7152,8 @@
           <a:p>
             <a:r>
               <a:rPr lang="en-US" sz="1200" dirty="0"/>
-              <a:t>[ITI-xx] SVCM </a:t>
-            </a:r>
-            <a:r>
-              <a:rPr lang="en-US" sz="1200" dirty="0" err="1"/>
-              <a:t>Qry</a:t>
-            </a:r>
-            <a:endParaRPr lang="en-US" sz="1200" dirty="0"/>
+              <a:t>[ITI-95] – [ITI-101]</a:t>
+            </a:r>
           </a:p>
         </p:txBody>
       </p:sp>
